--- a/2-Web-Dev/netcore-workshop-webdev.pptx
+++ b/2-Web-Dev/netcore-workshop-webdev.pptx
@@ -119,7 +119,7 @@
   <p:extLst>
     <p:ext uri="{521415D9-36F7-43E2-AB2F-B90AF26B5E84}">
       <p14:sectionLst xmlns:p14="http://schemas.microsoft.com/office/powerpoint/2010/main">
-        <p14:section name="Ignite 2016 Template Light" id="{A073DAE3-B461-442F-A3D3-6642BD875E45}">
+        <p14:section name="Main" id="{A073DAE3-B461-442F-A3D3-6642BD875E45}">
           <p14:sldIdLst>
             <p14:sldId id="1393"/>
             <p14:sldId id="1667"/>
@@ -258,7 +258,7 @@
               <a:rPr lang="en-US" smtClean="0">
                 <a:latin typeface="Segoe UI" pitchFamily="34" charset="0"/>
               </a:rPr>
-              <a:t>5/2/2017 3:59 PM</a:t>
+              <a:t>5/2/2017 11:28 PM</a:t>
             </a:fld>
             <a:endParaRPr lang="en-US" dirty="0">
               <a:latin typeface="Segoe UI" pitchFamily="34" charset="0"/>
@@ -539,7 +539,7 @@
           <a:p>
             <a:fld id="{38EEC551-8CDA-4EB6-89BB-2A86C9F091C8}" type="datetime8">
               <a:rPr lang="en-US" smtClean="0"/>
-              <a:t>5/2/2017 3:59 PM</a:t>
+              <a:t>5/2/2017 11:27 PM</a:t>
             </a:fld>
             <a:endParaRPr lang="en-US" dirty="0"/>
           </a:p>
@@ -956,7 +956,7 @@
           <a:p>
             <a:fld id="{38EEC551-8CDA-4EB6-89BB-2A86C9F091C8}" type="datetime8">
               <a:rPr lang="en-US" smtClean="0"/>
-              <a:t>5/2/2017 3:59 PM</a:t>
+              <a:t>5/2/2017 11:27 PM</a:t>
             </a:fld>
             <a:endParaRPr lang="en-US" dirty="0"/>
           </a:p>
@@ -1141,7 +1141,7 @@
           <a:p>
             <a:fld id="{38EEC551-8CDA-4EB6-89BB-2A86C9F091C8}" type="datetime8">
               <a:rPr lang="en-US" smtClean="0"/>
-              <a:t>5/2/2017 3:59 PM</a:t>
+              <a:t>5/2/2017 11:27 PM</a:t>
             </a:fld>
             <a:endParaRPr lang="en-US" dirty="0"/>
           </a:p>
@@ -1326,7 +1326,7 @@
           <a:p>
             <a:fld id="{38EEC551-8CDA-4EB6-89BB-2A86C9F091C8}" type="datetime8">
               <a:rPr lang="en-US" smtClean="0"/>
-              <a:t>5/2/2017 3:59 PM</a:t>
+              <a:t>5/2/2017 11:27 PM</a:t>
             </a:fld>
             <a:endParaRPr lang="en-US" dirty="0"/>
           </a:p>
@@ -1511,7 +1511,7 @@
           <a:p>
             <a:fld id="{38EEC551-8CDA-4EB6-89BB-2A86C9F091C8}" type="datetime8">
               <a:rPr lang="en-US" smtClean="0"/>
-              <a:t>5/2/2017 3:59 PM</a:t>
+              <a:t>5/2/2017 11:27 PM</a:t>
             </a:fld>
             <a:endParaRPr lang="en-US" dirty="0"/>
           </a:p>
@@ -1696,7 +1696,7 @@
           <a:p>
             <a:fld id="{38EEC551-8CDA-4EB6-89BB-2A86C9F091C8}" type="datetime8">
               <a:rPr lang="en-US" smtClean="0"/>
-              <a:t>5/2/2017 3:59 PM</a:t>
+              <a:t>5/2/2017 11:27 PM</a:t>
             </a:fld>
             <a:endParaRPr lang="en-US" dirty="0"/>
           </a:p>
@@ -1999,7 +1999,7 @@
                 <a:tabLst/>
                 <a:defRPr/>
               </a:pPr>
-              <a:t>5/2/2017 3:59 PM</a:t>
+              <a:t>5/2/2017 11:27 PM</a:t>
             </a:fld>
             <a:endParaRPr kumimoji="0" lang="en-US" sz="1200" b="0" i="0" u="none" strike="noStrike" kern="1200" cap="none" spc="0" normalizeH="0" baseline="0" noProof="0" dirty="0">
               <a:ln>
@@ -17066,6 +17066,21 @@
 </file>
 
 <file path=customXml/item1.xml><?xml version="1.0" encoding="utf-8"?>
+<p:properties xmlns:p="http://schemas.microsoft.com/office/2006/metadata/properties" xmlns:xsi="http://www.w3.org/2001/XMLSchema-instance" xmlns:pc="http://schemas.microsoft.com/office/infopath/2007/PartnerControls">
+  <documentManagement/>
+</p:properties>
+</file>
+
+<file path=customXml/item2.xml><?xml version="1.0" encoding="utf-8"?>
+<?mso-contentType ?>
+<FormTemplates xmlns="http://schemas.microsoft.com/sharepoint/v3/contenttype/forms">
+  <Display>DocumentLibraryForm</Display>
+  <Edit>DocumentLibraryForm</Edit>
+  <New>DocumentLibraryForm</New>
+</FormTemplates>
+</file>
+
+<file path=customXml/item3.xml><?xml version="1.0" encoding="utf-8"?>
 <ct:contentTypeSchema xmlns:ct="http://schemas.microsoft.com/office/2006/metadata/contentType" xmlns:ma="http://schemas.microsoft.com/office/2006/metadata/properties/metaAttributes" ct:_="" ma:_="" ma:contentTypeName="Document" ma:contentTypeID="0x0101004C8AF336095DB84A94AB1A4B939C0475" ma:contentTypeVersion="4" ma:contentTypeDescription="Create a new document." ma:contentTypeScope="" ma:versionID="6f8327450122d2e4aedd139501eaa58b">
   <xsd:schema xmlns:xsd="http://www.w3.org/2001/XMLSchema" xmlns:xs="http://www.w3.org/2001/XMLSchema" xmlns:p="http://schemas.microsoft.com/office/2006/metadata/properties" xmlns:ns2="29eeffc7-3a1a-4f16-995c-1b7b58342919" targetNamespace="http://schemas.microsoft.com/office/2006/metadata/properties" ma:root="true" ma:fieldsID="7d6c3be25c216b690a82d24b3f2244b5" ns2:_="">
     <xsd:import namespace="29eeffc7-3a1a-4f16-995c-1b7b58342919"/>
@@ -17227,22 +17242,31 @@
 </ct:contentTypeSchema>
 </file>
 
-<file path=customXml/item2.xml><?xml version="1.0" encoding="utf-8"?>
-<?mso-contentType ?>
-<FormTemplates xmlns="http://schemas.microsoft.com/sharepoint/v3/contenttype/forms">
-  <Display>DocumentLibraryForm</Display>
-  <Edit>DocumentLibraryForm</Edit>
-  <New>DocumentLibraryForm</New>
-</FormTemplates>
+<file path=customXml/itemProps1.xml><?xml version="1.0" encoding="utf-8"?>
+<ds:datastoreItem xmlns:ds="http://schemas.openxmlformats.org/officeDocument/2006/customXml" ds:itemID="{F990F116-B58F-4255-B05B-DA3808E0E5C6}">
+  <ds:schemaRefs>
+    <ds:schemaRef ds:uri="http://purl.org/dc/terms/"/>
+    <ds:schemaRef ds:uri="29eeffc7-3a1a-4f16-995c-1b7b58342919"/>
+    <ds:schemaRef ds:uri="http://schemas.microsoft.com/office/infopath/2007/PartnerControls"/>
+    <ds:schemaRef ds:uri="http://purl.org/dc/elements/1.1/"/>
+    <ds:schemaRef ds:uri="http://schemas.microsoft.com/office/2006/documentManagement/types"/>
+    <ds:schemaRef ds:uri="http://schemas.microsoft.com/office/2006/metadata/properties"/>
+    <ds:schemaRef ds:uri="http://schemas.openxmlformats.org/package/2006/metadata/core-properties"/>
+    <ds:schemaRef ds:uri="http://www.w3.org/XML/1998/namespace"/>
+    <ds:schemaRef ds:uri="http://purl.org/dc/dcmitype/"/>
+  </ds:schemaRefs>
+</ds:datastoreItem>
 </file>
 
-<file path=customXml/item3.xml><?xml version="1.0" encoding="utf-8"?>
-<p:properties xmlns:p="http://schemas.microsoft.com/office/2006/metadata/properties" xmlns:xsi="http://www.w3.org/2001/XMLSchema-instance" xmlns:pc="http://schemas.microsoft.com/office/infopath/2007/PartnerControls">
-  <documentManagement/>
-</p:properties>
+<file path=customXml/itemProps2.xml><?xml version="1.0" encoding="utf-8"?>
+<ds:datastoreItem xmlns:ds="http://schemas.openxmlformats.org/officeDocument/2006/customXml" ds:itemID="{758FDAC0-319D-4A54-8D8E-1D42CB1F8004}">
+  <ds:schemaRefs>
+    <ds:schemaRef ds:uri="http://schemas.microsoft.com/sharepoint/v3/contenttype/forms"/>
+  </ds:schemaRefs>
+</ds:datastoreItem>
 </file>
 
-<file path=customXml/itemProps1.xml><?xml version="1.0" encoding="utf-8"?>
+<file path=customXml/itemProps3.xml><?xml version="1.0" encoding="utf-8"?>
 <ds:datastoreItem xmlns:ds="http://schemas.openxmlformats.org/officeDocument/2006/customXml" ds:itemID="{4C47C6CA-B255-4F53-A8A9-1A4E6D0653D8}">
   <ds:schemaRefs>
     <ds:schemaRef ds:uri="http://schemas.microsoft.com/office/2006/metadata/contentType"/>
@@ -17258,28 +17282,4 @@
     <ds:schemaRef ds:uri="http://schemas.microsoft.com/internal/obd"/>
   </ds:schemaRefs>
 </ds:datastoreItem>
-</file>
-
-<file path=customXml/itemProps2.xml><?xml version="1.0" encoding="utf-8"?>
-<ds:datastoreItem xmlns:ds="http://schemas.openxmlformats.org/officeDocument/2006/customXml" ds:itemID="{758FDAC0-319D-4A54-8D8E-1D42CB1F8004}">
-  <ds:schemaRefs>
-    <ds:schemaRef ds:uri="http://schemas.microsoft.com/sharepoint/v3/contenttype/forms"/>
-  </ds:schemaRefs>
-</ds:datastoreItem>
-</file>
-
-<file path=customXml/itemProps3.xml><?xml version="1.0" encoding="utf-8"?>
-<ds:datastoreItem xmlns:ds="http://schemas.openxmlformats.org/officeDocument/2006/customXml" ds:itemID="{F990F116-B58F-4255-B05B-DA3808E0E5C6}">
-  <ds:schemaRefs>
-    <ds:schemaRef ds:uri="http://purl.org/dc/terms/"/>
-    <ds:schemaRef ds:uri="29eeffc7-3a1a-4f16-995c-1b7b58342919"/>
-    <ds:schemaRef ds:uri="http://schemas.microsoft.com/office/infopath/2007/PartnerControls"/>
-    <ds:schemaRef ds:uri="http://purl.org/dc/elements/1.1/"/>
-    <ds:schemaRef ds:uri="http://schemas.microsoft.com/office/2006/documentManagement/types"/>
-    <ds:schemaRef ds:uri="http://schemas.microsoft.com/office/2006/metadata/properties"/>
-    <ds:schemaRef ds:uri="http://schemas.openxmlformats.org/package/2006/metadata/core-properties"/>
-    <ds:schemaRef ds:uri="http://www.w3.org/XML/1998/namespace"/>
-    <ds:schemaRef ds:uri="http://purl.org/dc/dcmitype/"/>
-  </ds:schemaRefs>
-</ds:datastoreItem>
 </file>
--- a/2-Web-Dev/netcore-workshop-webdev.pptx
+++ b/2-Web-Dev/netcore-workshop-webdev.pptx
@@ -291,7 +291,7 @@
               <a:rPr lang="en-US" smtClean="0">
                 <a:latin typeface="Segoe UI" pitchFamily="34" charset="0"/>
               </a:rPr>
-              <a:t>9/14/2017 6:42 PM</a:t>
+              <a:t>9/15/2017 11:52 AM</a:t>
             </a:fld>
             <a:endParaRPr lang="en-US" dirty="0">
               <a:latin typeface="Segoe UI" pitchFamily="34" charset="0"/>
@@ -572,7 +572,7 @@
           <a:p>
             <a:fld id="{38EEC551-8CDA-4EB6-89BB-2A86C9F091C8}" type="datetime8">
               <a:rPr lang="en-US" smtClean="0"/>
-              <a:t>9/14/2017 6:41 PM</a:t>
+              <a:t>9/15/2017 11:51 AM</a:t>
             </a:fld>
             <a:endParaRPr lang="en-US" dirty="0"/>
           </a:p>
@@ -989,7 +989,7 @@
           <a:p>
             <a:fld id="{38EEC551-8CDA-4EB6-89BB-2A86C9F091C8}" type="datetime8">
               <a:rPr lang="en-US" smtClean="0"/>
-              <a:t>9/14/2017 6:41 PM</a:t>
+              <a:t>9/15/2017 11:51 AM</a:t>
             </a:fld>
             <a:endParaRPr lang="en-US" dirty="0"/>
           </a:p>
@@ -1174,7 +1174,7 @@
           <a:p>
             <a:fld id="{38EEC551-8CDA-4EB6-89BB-2A86C9F091C8}" type="datetime8">
               <a:rPr lang="en-US" smtClean="0"/>
-              <a:t>9/14/2017 6:41 PM</a:t>
+              <a:t>9/15/2017 11:51 AM</a:t>
             </a:fld>
             <a:endParaRPr lang="en-US" dirty="0"/>
           </a:p>
@@ -1359,7 +1359,7 @@
           <a:p>
             <a:fld id="{38EEC551-8CDA-4EB6-89BB-2A86C9F091C8}" type="datetime8">
               <a:rPr lang="en-US" smtClean="0"/>
-              <a:t>9/14/2017 6:41 PM</a:t>
+              <a:t>9/15/2017 11:51 AM</a:t>
             </a:fld>
             <a:endParaRPr lang="en-US" dirty="0"/>
           </a:p>
@@ -1544,7 +1544,7 @@
           <a:p>
             <a:fld id="{38EEC551-8CDA-4EB6-89BB-2A86C9F091C8}" type="datetime8">
               <a:rPr lang="en-US" smtClean="0"/>
-              <a:t>9/14/2017 6:41 PM</a:t>
+              <a:t>9/15/2017 11:51 AM</a:t>
             </a:fld>
             <a:endParaRPr lang="en-US" dirty="0"/>
           </a:p>
@@ -1729,7 +1729,7 @@
           <a:p>
             <a:fld id="{38EEC551-8CDA-4EB6-89BB-2A86C9F091C8}" type="datetime8">
               <a:rPr lang="en-US" smtClean="0"/>
-              <a:t>9/14/2017 6:41 PM</a:t>
+              <a:t>9/15/2017 11:51 AM</a:t>
             </a:fld>
             <a:endParaRPr lang="en-US" dirty="0"/>
           </a:p>
@@ -1914,7 +1914,7 @@
           <a:p>
             <a:fld id="{38EEC551-8CDA-4EB6-89BB-2A86C9F091C8}" type="datetime8">
               <a:rPr lang="en-US" smtClean="0"/>
-              <a:t>9/14/2017 6:41 PM</a:t>
+              <a:t>9/15/2017 11:51 AM</a:t>
             </a:fld>
             <a:endParaRPr lang="en-US" dirty="0"/>
           </a:p>
@@ -2099,7 +2099,7 @@
           <a:p>
             <a:fld id="{38EEC551-8CDA-4EB6-89BB-2A86C9F091C8}" type="datetime8">
               <a:rPr lang="en-US" smtClean="0"/>
-              <a:t>9/14/2017 6:41 PM</a:t>
+              <a:t>9/15/2017 11:51 AM</a:t>
             </a:fld>
             <a:endParaRPr lang="en-US" dirty="0"/>
           </a:p>
@@ -2284,7 +2284,7 @@
           <a:p>
             <a:fld id="{38EEC551-8CDA-4EB6-89BB-2A86C9F091C8}" type="datetime8">
               <a:rPr lang="en-US" smtClean="0"/>
-              <a:t>9/14/2017 6:41 PM</a:t>
+              <a:t>9/15/2017 11:51 AM</a:t>
             </a:fld>
             <a:endParaRPr lang="en-US" dirty="0"/>
           </a:p>
@@ -2469,7 +2469,7 @@
           <a:p>
             <a:fld id="{38EEC551-8CDA-4EB6-89BB-2A86C9F091C8}" type="datetime8">
               <a:rPr lang="en-US" smtClean="0"/>
-              <a:t>9/14/2017 6:41 PM</a:t>
+              <a:t>9/15/2017 11:51 AM</a:t>
             </a:fld>
             <a:endParaRPr lang="en-US" dirty="0"/>
           </a:p>
@@ -2654,7 +2654,7 @@
           <a:p>
             <a:fld id="{38EEC551-8CDA-4EB6-89BB-2A86C9F091C8}" type="datetime8">
               <a:rPr lang="en-US" smtClean="0"/>
-              <a:t>9/14/2017 6:56 PM</a:t>
+              <a:t>9/15/2017 11:51 AM</a:t>
             </a:fld>
             <a:endParaRPr lang="en-US" dirty="0"/>
           </a:p>
@@ -2957,7 +2957,7 @@
                 <a:tabLst/>
                 <a:defRPr/>
               </a:pPr>
-              <a:t>9/14/2017 6:41 PM</a:t>
+              <a:t>9/15/2017 11:51 AM</a:t>
             </a:fld>
             <a:endParaRPr kumimoji="0" lang="en-US" sz="1200" b="0" i="0" u="none" strike="noStrike" kern="1200" cap="none" spc="0" normalizeH="0" baseline="0" noProof="0" dirty="0">
               <a:ln>
@@ -3214,7 +3214,7 @@
           <a:p>
             <a:fld id="{38EEC551-8CDA-4EB6-89BB-2A86C9F091C8}" type="datetime8">
               <a:rPr lang="en-US" smtClean="0"/>
-              <a:t>9/14/2017 6:41 PM</a:t>
+              <a:t>9/15/2017 11:51 AM</a:t>
             </a:fld>
             <a:endParaRPr lang="en-US" dirty="0"/>
           </a:p>
@@ -3517,7 +3517,7 @@
                 <a:tabLst/>
                 <a:defRPr/>
               </a:pPr>
-              <a:t>9/14/2017 6:41 PM</a:t>
+              <a:t>9/15/2017 11:51 AM</a:t>
             </a:fld>
             <a:endParaRPr kumimoji="0" lang="en-US" sz="1200" b="0" i="0" u="none" strike="noStrike" kern="1200" cap="none" spc="0" normalizeH="0" baseline="0" noProof="0" dirty="0">
               <a:ln>
@@ -3892,7 +3892,7 @@
                 <a:tabLst/>
                 <a:defRPr/>
               </a:pPr>
-              <a:t>9/14/2017 6:41 PM</a:t>
+              <a:t>9/15/2017 11:51 AM</a:t>
             </a:fld>
             <a:endParaRPr kumimoji="0" lang="en-US" sz="1200" b="0" i="0" u="none" strike="noStrike" kern="1200" cap="none" spc="0" normalizeH="0" baseline="0" noProof="0" dirty="0">
               <a:ln>
@@ -4267,7 +4267,7 @@
                 <a:tabLst/>
                 <a:defRPr/>
               </a:pPr>
-              <a:t>9/14/2017 6:41 PM</a:t>
+              <a:t>9/15/2017 11:51 AM</a:t>
             </a:fld>
             <a:endParaRPr kumimoji="0" lang="en-US" sz="1200" b="0" i="0" u="none" strike="noStrike" kern="1200" cap="none" spc="0" normalizeH="0" baseline="0" noProof="0" dirty="0">
               <a:ln>
@@ -4524,7 +4524,7 @@
           <a:p>
             <a:fld id="{38EEC551-8CDA-4EB6-89BB-2A86C9F091C8}" type="datetime8">
               <a:rPr lang="en-US" smtClean="0"/>
-              <a:t>9/14/2017 6:41 PM</a:t>
+              <a:t>9/15/2017 11:51 AM</a:t>
             </a:fld>
             <a:endParaRPr lang="en-US" dirty="0"/>
           </a:p>
@@ -4705,7 +4705,7 @@
           <a:p>
             <a:fld id="{38EEC551-8CDA-4EB6-89BB-2A86C9F091C8}" type="datetime8">
               <a:rPr lang="en-US" smtClean="0"/>
-              <a:t>9/14/2017 6:41 PM</a:t>
+              <a:t>9/15/2017 11:51 AM</a:t>
             </a:fld>
             <a:endParaRPr lang="en-US" dirty="0"/>
           </a:p>
@@ -5178,7 +5178,7 @@
           <a:p>
             <a:fld id="{38EEC551-8CDA-4EB6-89BB-2A86C9F091C8}" type="datetime8">
               <a:rPr lang="en-US" smtClean="0"/>
-              <a:t>9/14/2017 6:41 PM</a:t>
+              <a:t>9/15/2017 11:51 AM</a:t>
             </a:fld>
             <a:endParaRPr lang="en-US" dirty="0"/>
           </a:p>
@@ -5363,7 +5363,7 @@
           <a:p>
             <a:fld id="{38EEC551-8CDA-4EB6-89BB-2A86C9F091C8}" type="datetime8">
               <a:rPr lang="en-US" smtClean="0"/>
-              <a:t>9/14/2017 6:41 PM</a:t>
+              <a:t>9/15/2017 11:51 AM</a:t>
             </a:fld>
             <a:endParaRPr lang="en-US" dirty="0"/>
           </a:p>
@@ -5544,7 +5544,7 @@
           <a:p>
             <a:fld id="{38EEC551-8CDA-4EB6-89BB-2A86C9F091C8}" type="datetime8">
               <a:rPr lang="en-US" smtClean="0"/>
-              <a:t>9/14/2017 6:41 PM</a:t>
+              <a:t>9/15/2017 11:51 AM</a:t>
             </a:fld>
             <a:endParaRPr lang="en-US" dirty="0"/>
           </a:p>
@@ -23445,7 +23445,7 @@
                 <a:ea typeface="Segoe UI" pitchFamily="34" charset="0"/>
                 <a:cs typeface="Segoe UI" pitchFamily="34" charset="0"/>
               </a:rPr>
-              <a:t>ASP.NET Core MVC + Razor Pages + API</a:t>
+              <a:t>ASP.NET Core (MVC + Razor Pages + API)</a:t>
             </a:r>
           </a:p>
         </p:txBody>
@@ -28418,6 +28418,12 @@
 </file>
 
 <file path=customXml/item2.xml><?xml version="1.0" encoding="utf-8"?>
+<p:properties xmlns:p="http://schemas.microsoft.com/office/2006/metadata/properties" xmlns:xsi="http://www.w3.org/2001/XMLSchema-instance" xmlns:pc="http://schemas.microsoft.com/office/infopath/2007/PartnerControls">
+  <documentManagement/>
+</p:properties>
+</file>
+
+<file path=customXml/item3.xml><?xml version="1.0" encoding="utf-8"?>
 <ct:contentTypeSchema xmlns:ct="http://schemas.microsoft.com/office/2006/metadata/contentType" xmlns:ma="http://schemas.microsoft.com/office/2006/metadata/properties/metaAttributes" ct:_="" ma:_="" ma:contentTypeName="Document" ma:contentTypeID="0x0101004C8AF336095DB84A94AB1A4B939C0475" ma:contentTypeVersion="4" ma:contentTypeDescription="Create a new document." ma:contentTypeScope="" ma:versionID="6f8327450122d2e4aedd139501eaa58b">
   <xsd:schema xmlns:xsd="http://www.w3.org/2001/XMLSchema" xmlns:xs="http://www.w3.org/2001/XMLSchema" xmlns:p="http://schemas.microsoft.com/office/2006/metadata/properties" xmlns:ns2="29eeffc7-3a1a-4f16-995c-1b7b58342919" targetNamespace="http://schemas.microsoft.com/office/2006/metadata/properties" ma:root="true" ma:fieldsID="7d6c3be25c216b690a82d24b3f2244b5" ns2:_="">
     <xsd:import namespace="29eeffc7-3a1a-4f16-995c-1b7b58342919"/>
@@ -28579,12 +28585,6 @@
 </ct:contentTypeSchema>
 </file>
 
-<file path=customXml/item3.xml><?xml version="1.0" encoding="utf-8"?>
-<p:properties xmlns:p="http://schemas.microsoft.com/office/2006/metadata/properties" xmlns:xsi="http://www.w3.org/2001/XMLSchema-instance" xmlns:pc="http://schemas.microsoft.com/office/infopath/2007/PartnerControls">
-  <documentManagement/>
-</p:properties>
-</file>
-
 <file path=customXml/itemProps1.xml><?xml version="1.0" encoding="utf-8"?>
 <ds:datastoreItem xmlns:ds="http://schemas.openxmlformats.org/officeDocument/2006/customXml" ds:itemID="{758FDAC0-319D-4A54-8D8E-1D42CB1F8004}">
   <ds:schemaRefs>
@@ -28594,6 +28594,22 @@
 </file>
 
 <file path=customXml/itemProps2.xml><?xml version="1.0" encoding="utf-8"?>
+<ds:datastoreItem xmlns:ds="http://schemas.openxmlformats.org/officeDocument/2006/customXml" ds:itemID="{F990F116-B58F-4255-B05B-DA3808E0E5C6}">
+  <ds:schemaRefs>
+    <ds:schemaRef ds:uri="http://purl.org/dc/terms/"/>
+    <ds:schemaRef ds:uri="29eeffc7-3a1a-4f16-995c-1b7b58342919"/>
+    <ds:schemaRef ds:uri="http://schemas.microsoft.com/office/infopath/2007/PartnerControls"/>
+    <ds:schemaRef ds:uri="http://purl.org/dc/elements/1.1/"/>
+    <ds:schemaRef ds:uri="http://schemas.microsoft.com/office/2006/documentManagement/types"/>
+    <ds:schemaRef ds:uri="http://schemas.microsoft.com/office/2006/metadata/properties"/>
+    <ds:schemaRef ds:uri="http://schemas.openxmlformats.org/package/2006/metadata/core-properties"/>
+    <ds:schemaRef ds:uri="http://www.w3.org/XML/1998/namespace"/>
+    <ds:schemaRef ds:uri="http://purl.org/dc/dcmitype/"/>
+  </ds:schemaRefs>
+</ds:datastoreItem>
+</file>
+
+<file path=customXml/itemProps3.xml><?xml version="1.0" encoding="utf-8"?>
 <ds:datastoreItem xmlns:ds="http://schemas.openxmlformats.org/officeDocument/2006/customXml" ds:itemID="{4C47C6CA-B255-4F53-A8A9-1A4E6D0653D8}">
   <ds:schemaRefs>
     <ds:schemaRef ds:uri="http://schemas.microsoft.com/office/2006/metadata/contentType"/>
@@ -28609,20 +28625,4 @@
     <ds:schemaRef ds:uri="http://schemas.microsoft.com/internal/obd"/>
   </ds:schemaRefs>
 </ds:datastoreItem>
-</file>
-
-<file path=customXml/itemProps3.xml><?xml version="1.0" encoding="utf-8"?>
-<ds:datastoreItem xmlns:ds="http://schemas.openxmlformats.org/officeDocument/2006/customXml" ds:itemID="{F990F116-B58F-4255-B05B-DA3808E0E5C6}">
-  <ds:schemaRefs>
-    <ds:schemaRef ds:uri="http://purl.org/dc/terms/"/>
-    <ds:schemaRef ds:uri="29eeffc7-3a1a-4f16-995c-1b7b58342919"/>
-    <ds:schemaRef ds:uri="http://schemas.microsoft.com/office/infopath/2007/PartnerControls"/>
-    <ds:schemaRef ds:uri="http://purl.org/dc/elements/1.1/"/>
-    <ds:schemaRef ds:uri="http://schemas.microsoft.com/office/2006/documentManagement/types"/>
-    <ds:schemaRef ds:uri="http://schemas.microsoft.com/office/2006/metadata/properties"/>
-    <ds:schemaRef ds:uri="http://schemas.openxmlformats.org/package/2006/metadata/core-properties"/>
-    <ds:schemaRef ds:uri="http://www.w3.org/XML/1998/namespace"/>
-    <ds:schemaRef ds:uri="http://purl.org/dc/dcmitype/"/>
-  </ds:schemaRefs>
-</ds:datastoreItem>
 </file>
--- a/2-Web-Dev/netcore-workshop-webdev.pptx
+++ b/2-Web-Dev/netcore-workshop-webdev.pptx
@@ -7,10 +7,10 @@
     <p:sldMasterId id="2147484590" r:id="rId6"/>
   </p:sldMasterIdLst>
   <p:notesMasterIdLst>
-    <p:notesMasterId r:id="rId29"/>
+    <p:notesMasterId r:id="rId34"/>
   </p:notesMasterIdLst>
   <p:handoutMasterIdLst>
-    <p:handoutMasterId r:id="rId30"/>
+    <p:handoutMasterId r:id="rId35"/>
   </p:handoutMasterIdLst>
   <p:sldIdLst>
     <p:sldId id="1393" r:id="rId7"/>
@@ -21,20 +21,25 @@
     <p:sldId id="1670" r:id="rId12"/>
     <p:sldId id="1663" r:id="rId13"/>
     <p:sldId id="1662" r:id="rId14"/>
-    <p:sldId id="1671" r:id="rId15"/>
-    <p:sldId id="1672" r:id="rId16"/>
-    <p:sldId id="1675" r:id="rId17"/>
-    <p:sldId id="1676" r:id="rId18"/>
-    <p:sldId id="1686" r:id="rId19"/>
-    <p:sldId id="1687" r:id="rId20"/>
-    <p:sldId id="1688" r:id="rId21"/>
-    <p:sldId id="1689" r:id="rId22"/>
-    <p:sldId id="1681" r:id="rId23"/>
-    <p:sldId id="1690" r:id="rId24"/>
-    <p:sldId id="1536" r:id="rId25"/>
-    <p:sldId id="1677" r:id="rId26"/>
-    <p:sldId id="1678" r:id="rId27"/>
-    <p:sldId id="1679" r:id="rId28"/>
+    <p:sldId id="1694" r:id="rId15"/>
+    <p:sldId id="1695" r:id="rId16"/>
+    <p:sldId id="1671" r:id="rId17"/>
+    <p:sldId id="1672" r:id="rId18"/>
+    <p:sldId id="1692" r:id="rId19"/>
+    <p:sldId id="1691" r:id="rId20"/>
+    <p:sldId id="1693" r:id="rId21"/>
+    <p:sldId id="1675" r:id="rId22"/>
+    <p:sldId id="1676" r:id="rId23"/>
+    <p:sldId id="1686" r:id="rId24"/>
+    <p:sldId id="1687" r:id="rId25"/>
+    <p:sldId id="1688" r:id="rId26"/>
+    <p:sldId id="1689" r:id="rId27"/>
+    <p:sldId id="1681" r:id="rId28"/>
+    <p:sldId id="1690" r:id="rId29"/>
+    <p:sldId id="1536" r:id="rId30"/>
+    <p:sldId id="1677" r:id="rId31"/>
+    <p:sldId id="1678" r:id="rId32"/>
+    <p:sldId id="1679" r:id="rId33"/>
   </p:sldIdLst>
   <p:sldSz cx="12436475" cy="6994525"/>
   <p:notesSz cx="6858000" cy="9144000"/>
@@ -146,8 +151,13 @@
             <p14:sldId id="1670"/>
             <p14:sldId id="1663"/>
             <p14:sldId id="1662"/>
+            <p14:sldId id="1694"/>
+            <p14:sldId id="1695"/>
             <p14:sldId id="1671"/>
             <p14:sldId id="1672"/>
+            <p14:sldId id="1692"/>
+            <p14:sldId id="1691"/>
+            <p14:sldId id="1693"/>
             <p14:sldId id="1675"/>
             <p14:sldId id="1676"/>
             <p14:sldId id="1686"/>
@@ -291,7 +301,7 @@
               <a:rPr lang="en-US" smtClean="0">
                 <a:latin typeface="Segoe UI" pitchFamily="34" charset="0"/>
               </a:rPr>
-              <a:t>9/15/2017 11:52 AM</a:t>
+              <a:t>9/17/2017 10:21 PM</a:t>
             </a:fld>
             <a:endParaRPr lang="en-US" dirty="0">
               <a:latin typeface="Segoe UI" pitchFamily="34" charset="0"/>
@@ -572,7 +582,7 @@
           <a:p>
             <a:fld id="{38EEC551-8CDA-4EB6-89BB-2A86C9F091C8}" type="datetime8">
               <a:rPr lang="en-US" smtClean="0"/>
-              <a:t>9/15/2017 11:51 AM</a:t>
+              <a:t>9/17/2017 10:20 PM</a:t>
             </a:fld>
             <a:endParaRPr lang="en-US" dirty="0"/>
           </a:p>
@@ -989,7 +999,7 @@
           <a:p>
             <a:fld id="{38EEC551-8CDA-4EB6-89BB-2A86C9F091C8}" type="datetime8">
               <a:rPr lang="en-US" smtClean="0"/>
-              <a:t>9/15/2017 11:51 AM</a:t>
+              <a:t>9/17/2017 10:20 PM</a:t>
             </a:fld>
             <a:endParaRPr lang="en-US" dirty="0"/>
           </a:p>
@@ -1076,18 +1086,18 @@
           <a:bodyPr/>
           <a:lstStyle/>
           <a:p>
-            <a:endParaRPr lang="en-US"/>
-          </a:p>
-        </p:txBody>
-      </p:sp>
-      <p:sp>
-        <p:nvSpPr>
-          <p:cNvPr id="4" name="Header Placeholder 3"/>
+            <a:endParaRPr lang="en-US" dirty="0"/>
+          </a:p>
+        </p:txBody>
+      </p:sp>
+      <p:sp>
+        <p:nvSpPr>
+          <p:cNvPr id="4" name="Slide Number Placeholder 3"/>
           <p:cNvSpPr>
             <a:spLocks noGrp="1"/>
           </p:cNvSpPr>
           <p:nvPr>
-            <p:ph type="hdr" sz="quarter" idx="10"/>
+            <p:ph type="sldNum" sz="quarter" idx="10"/>
           </p:nvPr>
         </p:nvSpPr>
         <p:spPr/>
@@ -1095,119 +1105,78 @@
           <a:bodyPr/>
           <a:lstStyle/>
           <a:p>
-            <a:r>
-              <a:rPr lang="en-US"/>
-              <a:t>Microsoft Ignite 2016</a:t>
-            </a:r>
-            <a:endParaRPr lang="en-US" dirty="0"/>
-          </a:p>
-        </p:txBody>
-      </p:sp>
-      <p:sp>
-        <p:nvSpPr>
-          <p:cNvPr id="5" name="Footer Placeholder 4"/>
-          <p:cNvSpPr>
-            <a:spLocks noGrp="1"/>
-          </p:cNvSpPr>
-          <p:nvPr>
-            <p:ph type="ftr" sz="quarter" idx="11"/>
-          </p:nvPr>
-        </p:nvSpPr>
-        <p:spPr/>
-        <p:txBody>
-          <a:bodyPr/>
-          <a:lstStyle/>
-          <a:p>
-            <a:pPr defTabSz="914099" eaLnBrk="0" hangingPunct="0"/>
-            <a:r>
-              <a:rPr lang="en-US" sz="400">
-                <a:gradFill>
-                  <a:gsLst>
-                    <a:gs pos="0">
-                      <a:prstClr val="black"/>
-                    </a:gs>
-                    <a:gs pos="100000">
-                      <a:prstClr val="black"/>
-                    </a:gs>
-                  </a:gsLst>
-                  <a:lin ang="5400000" scaled="0"/>
-                </a:gradFill>
-                <a:latin typeface="Segoe UI" pitchFamily="34" charset="0"/>
-                <a:ea typeface="Segoe UI" pitchFamily="34" charset="0"/>
-                <a:cs typeface="Segoe UI" pitchFamily="34" charset="0"/>
+            <a:pPr marL="0" marR="0" lvl="0" indent="0" algn="r" defTabSz="932688" rtl="0" eaLnBrk="1" fontAlgn="auto" latinLnBrk="0" hangingPunct="1">
+              <a:lnSpc>
+                <a:spcPct val="100000"/>
+              </a:lnSpc>
+              <a:spcBef>
+                <a:spcPts val="0"/>
+              </a:spcBef>
+              <a:spcAft>
+                <a:spcPts val="0"/>
+              </a:spcAft>
+              <a:buClrTx/>
+              <a:buSzTx/>
+              <a:buFontTx/>
+              <a:buNone/>
+              <a:tabLst/>
+              <a:defRPr/>
+            </a:pPr>
+            <a:fld id="{022AA1F8-C6D2-426C-8EA8-1BF39B5677DF}" type="slidenum">
+              <a:rPr kumimoji="0" lang="en-US" sz="1200" b="0" i="0" u="none" strike="noStrike" kern="1200" cap="none" spc="0" normalizeH="0" baseline="0" noProof="0" smtClean="0">
+                <a:ln>
+                  <a:noFill/>
+                </a:ln>
+                <a:solidFill>
+                  <a:prstClr val="black"/>
+                </a:solidFill>
+                <a:effectLst/>
+                <a:uLnTx/>
+                <a:uFillTx/>
+                <a:latin typeface="Calibri" panose="020F0502020204030204"/>
+                <a:ea typeface="+mn-ea"/>
+                <a:cs typeface="+mn-cs"/>
               </a:rPr>
-              <a:t>© 2016 Microsoft Corporation. All rights reserved. MICROSOFT MAKES NO WARRANTIES, EXPRESS, IMPLIED OR STATUTORY, AS TO THE INFORMATION IN THIS PRESENTATION.</a:t>
-            </a:r>
-            <a:endParaRPr lang="en-US" sz="400" dirty="0">
-              <a:gradFill>
-                <a:gsLst>
-                  <a:gs pos="0">
-                    <a:prstClr val="black"/>
-                  </a:gs>
-                  <a:gs pos="100000">
-                    <a:prstClr val="black"/>
-                  </a:gs>
-                </a:gsLst>
-                <a:lin ang="5400000" scaled="0"/>
-              </a:gradFill>
-              <a:latin typeface="Segoe UI" pitchFamily="34" charset="0"/>
-              <a:ea typeface="Segoe UI" pitchFamily="34" charset="0"/>
-              <a:cs typeface="Segoe UI" pitchFamily="34" charset="0"/>
-            </a:endParaRPr>
-          </a:p>
-        </p:txBody>
-      </p:sp>
-      <p:sp>
-        <p:nvSpPr>
-          <p:cNvPr id="6" name="Date Placeholder 5"/>
-          <p:cNvSpPr>
-            <a:spLocks noGrp="1"/>
-          </p:cNvSpPr>
-          <p:nvPr>
-            <p:ph type="dt" idx="12"/>
-          </p:nvPr>
-        </p:nvSpPr>
-        <p:spPr/>
-        <p:txBody>
-          <a:bodyPr/>
-          <a:lstStyle/>
-          <a:p>
-            <a:fld id="{38EEC551-8CDA-4EB6-89BB-2A86C9F091C8}" type="datetime8">
-              <a:rPr lang="en-US" smtClean="0"/>
-              <a:t>9/15/2017 11:51 AM</a:t>
-            </a:fld>
-            <a:endParaRPr lang="en-US" dirty="0"/>
-          </a:p>
-        </p:txBody>
-      </p:sp>
-      <p:sp>
-        <p:nvSpPr>
-          <p:cNvPr id="7" name="Slide Number Placeholder 6"/>
-          <p:cNvSpPr>
-            <a:spLocks noGrp="1"/>
-          </p:cNvSpPr>
-          <p:nvPr>
-            <p:ph type="sldNum" sz="quarter" idx="13"/>
-          </p:nvPr>
-        </p:nvSpPr>
-        <p:spPr/>
-        <p:txBody>
-          <a:bodyPr/>
-          <a:lstStyle/>
-          <a:p>
-            <a:fld id="{B4008EB6-D09E-4580-8CD6-DDB14511944F}" type="slidenum">
-              <a:rPr lang="en-US" smtClean="0"/>
-              <a:pPr/>
+              <a:pPr marL="0" marR="0" lvl="0" indent="0" algn="r" defTabSz="932688" rtl="0" eaLnBrk="1" fontAlgn="auto" latinLnBrk="0" hangingPunct="1">
+                <a:lnSpc>
+                  <a:spcPct val="100000"/>
+                </a:lnSpc>
+                <a:spcBef>
+                  <a:spcPts val="0"/>
+                </a:spcBef>
+                <a:spcAft>
+                  <a:spcPts val="0"/>
+                </a:spcAft>
+                <a:buClrTx/>
+                <a:buSzTx/>
+                <a:buFontTx/>
+                <a:buNone/>
+                <a:tabLst/>
+                <a:defRPr/>
+              </a:pPr>
               <a:t>10</a:t>
             </a:fld>
-            <a:endParaRPr lang="en-US" dirty="0"/>
+            <a:endParaRPr kumimoji="0" lang="en-US" sz="1200" b="0" i="0" u="none" strike="noStrike" kern="1200" cap="none" spc="0" normalizeH="0" baseline="0" noProof="0">
+              <a:ln>
+                <a:noFill/>
+              </a:ln>
+              <a:solidFill>
+                <a:prstClr val="black"/>
+              </a:solidFill>
+              <a:effectLst/>
+              <a:uLnTx/>
+              <a:uFillTx/>
+              <a:latin typeface="Calibri" panose="020F0502020204030204"/>
+              <a:ea typeface="+mn-ea"/>
+              <a:cs typeface="+mn-cs"/>
+            </a:endParaRPr>
           </a:p>
         </p:txBody>
       </p:sp>
     </p:spTree>
     <p:extLst>
       <p:ext uri="{BB962C8B-B14F-4D97-AF65-F5344CB8AC3E}">
-        <p14:creationId xmlns:p14="http://schemas.microsoft.com/office/powerpoint/2010/main" val="78533056"/>
+        <p14:creationId xmlns:p14="http://schemas.microsoft.com/office/powerpoint/2010/main" val="2916371106"/>
       </p:ext>
     </p:extLst>
   </p:cSld>
@@ -1261,7 +1230,7 @@
           <a:bodyPr/>
           <a:lstStyle/>
           <a:p>
-            <a:endParaRPr lang="en-US"/>
+            <a:endParaRPr lang="en-GB" b="1" dirty="0"/>
           </a:p>
         </p:txBody>
       </p:sp>
@@ -1280,10 +1249,6 @@
           <a:bodyPr/>
           <a:lstStyle/>
           <a:p>
-            <a:r>
-              <a:rPr lang="en-US"/>
-              <a:t>Microsoft Ignite 2016</a:t>
-            </a:r>
             <a:endParaRPr lang="en-US" dirty="0"/>
           </a:p>
         </p:txBody>
@@ -1303,7 +1268,7 @@
           <a:bodyPr/>
           <a:lstStyle/>
           <a:p>
-            <a:pPr defTabSz="914099" eaLnBrk="0" hangingPunct="0"/>
+            <a:pPr defTabSz="932929" eaLnBrk="0" hangingPunct="0"/>
             <a:r>
               <a:rPr lang="en-US" sz="400">
                 <a:gradFill>
@@ -1321,7 +1286,7 @@
                 <a:ea typeface="Segoe UI" pitchFamily="34" charset="0"/>
                 <a:cs typeface="Segoe UI" pitchFamily="34" charset="0"/>
               </a:rPr>
-              <a:t>© 2016 Microsoft Corporation. All rights reserved. MICROSOFT MAKES NO WARRANTIES, EXPRESS, IMPLIED OR STATUTORY, AS TO THE INFORMATION IN THIS PRESENTATION.</a:t>
+              <a:t>© 2014 Microsoft Corporation. All rights reserved. MICROSOFT MAKES NO WARRANTIES, EXPRESS, IMPLIED OR STATUTORY, AS TO THE INFORMATION IN THIS PRESENTATION.</a:t>
             </a:r>
             <a:endParaRPr lang="en-US" sz="400" dirty="0">
               <a:gradFill>
@@ -1359,7 +1324,7 @@
           <a:p>
             <a:fld id="{38EEC551-8CDA-4EB6-89BB-2A86C9F091C8}" type="datetime8">
               <a:rPr lang="en-US" smtClean="0"/>
-              <a:t>9/15/2017 11:51 AM</a:t>
+              <a:t>9/17/2017 10:21 PM</a:t>
             </a:fld>
             <a:endParaRPr lang="en-US" dirty="0"/>
           </a:p>
@@ -1392,7 +1357,7 @@
     </p:spTree>
     <p:extLst>
       <p:ext uri="{BB962C8B-B14F-4D97-AF65-F5344CB8AC3E}">
-        <p14:creationId xmlns:p14="http://schemas.microsoft.com/office/powerpoint/2010/main" val="1970364738"/>
+        <p14:creationId xmlns:p14="http://schemas.microsoft.com/office/powerpoint/2010/main" val="1978513121"/>
       </p:ext>
     </p:extLst>
   </p:cSld>
@@ -1446,7 +1411,14 @@
           <a:bodyPr/>
           <a:lstStyle/>
           <a:p>
-            <a:endParaRPr lang="en-US"/>
+            <a:r>
+              <a:rPr lang="en-US" dirty="0"/>
+              <a:t>Reference (MSDN </a:t>
+            </a:r>
+            <a:r>
+              <a:rPr lang="en-US"/>
+              <a:t>Magazine September 2017 - https://msdn.microsoft.com/en-us/magazine/mt842512)</a:t>
+            </a:r>
           </a:p>
         </p:txBody>
       </p:sp>
@@ -1544,7 +1516,7 @@
           <a:p>
             <a:fld id="{38EEC551-8CDA-4EB6-89BB-2A86C9F091C8}" type="datetime8">
               <a:rPr lang="en-US" smtClean="0"/>
-              <a:t>9/15/2017 11:51 AM</a:t>
+              <a:t>9/17/2017 10:21 PM</a:t>
             </a:fld>
             <a:endParaRPr lang="en-US" dirty="0"/>
           </a:p>
@@ -1577,7 +1549,7 @@
     </p:spTree>
     <p:extLst>
       <p:ext uri="{BB962C8B-B14F-4D97-AF65-F5344CB8AC3E}">
-        <p14:creationId xmlns:p14="http://schemas.microsoft.com/office/powerpoint/2010/main" val="4171440024"/>
+        <p14:creationId xmlns:p14="http://schemas.microsoft.com/office/powerpoint/2010/main" val="78533056"/>
       </p:ext>
     </p:extLst>
   </p:cSld>
@@ -1631,7 +1603,10 @@
           <a:bodyPr/>
           <a:lstStyle/>
           <a:p>
-            <a:endParaRPr lang="en-US"/>
+            <a:r>
+              <a:rPr lang="en-US" dirty="0"/>
+              <a:t>https://docs.microsoft.com/en-us/aspnet/core/mvc/razor-pages/</a:t>
+            </a:r>
           </a:p>
         </p:txBody>
       </p:sp>
@@ -1729,7 +1704,7 @@
           <a:p>
             <a:fld id="{38EEC551-8CDA-4EB6-89BB-2A86C9F091C8}" type="datetime8">
               <a:rPr lang="en-US" smtClean="0"/>
-              <a:t>9/15/2017 11:51 AM</a:t>
+              <a:t>9/17/2017 10:21 PM</a:t>
             </a:fld>
             <a:endParaRPr lang="en-US" dirty="0"/>
           </a:p>
@@ -1762,7 +1737,7 @@
     </p:spTree>
     <p:extLst>
       <p:ext uri="{BB962C8B-B14F-4D97-AF65-F5344CB8AC3E}">
-        <p14:creationId xmlns:p14="http://schemas.microsoft.com/office/powerpoint/2010/main" val="2332676793"/>
+        <p14:creationId xmlns:p14="http://schemas.microsoft.com/office/powerpoint/2010/main" val="651957378"/>
       </p:ext>
     </p:extLst>
   </p:cSld>
@@ -1816,7 +1791,7 @@
           <a:bodyPr/>
           <a:lstStyle/>
           <a:p>
-            <a:endParaRPr lang="en-US"/>
+            <a:endParaRPr lang="en-GB" b="1" dirty="0"/>
           </a:p>
         </p:txBody>
       </p:sp>
@@ -1835,10 +1810,6 @@
           <a:bodyPr/>
           <a:lstStyle/>
           <a:p>
-            <a:r>
-              <a:rPr lang="en-US"/>
-              <a:t>Microsoft Ignite 2016</a:t>
-            </a:r>
             <a:endParaRPr lang="en-US" dirty="0"/>
           </a:p>
         </p:txBody>
@@ -1858,7 +1829,7 @@
           <a:bodyPr/>
           <a:lstStyle/>
           <a:p>
-            <a:pPr defTabSz="914099" eaLnBrk="0" hangingPunct="0"/>
+            <a:pPr defTabSz="932929" eaLnBrk="0" hangingPunct="0"/>
             <a:r>
               <a:rPr lang="en-US" sz="400">
                 <a:gradFill>
@@ -1876,7 +1847,7 @@
                 <a:ea typeface="Segoe UI" pitchFamily="34" charset="0"/>
                 <a:cs typeface="Segoe UI" pitchFamily="34" charset="0"/>
               </a:rPr>
-              <a:t>© 2016 Microsoft Corporation. All rights reserved. MICROSOFT MAKES NO WARRANTIES, EXPRESS, IMPLIED OR STATUTORY, AS TO THE INFORMATION IN THIS PRESENTATION.</a:t>
+              <a:t>© 2014 Microsoft Corporation. All rights reserved. MICROSOFT MAKES NO WARRANTIES, EXPRESS, IMPLIED OR STATUTORY, AS TO THE INFORMATION IN THIS PRESENTATION.</a:t>
             </a:r>
             <a:endParaRPr lang="en-US" sz="400" dirty="0">
               <a:gradFill>
@@ -1914,7 +1885,7 @@
           <a:p>
             <a:fld id="{38EEC551-8CDA-4EB6-89BB-2A86C9F091C8}" type="datetime8">
               <a:rPr lang="en-US" smtClean="0"/>
-              <a:t>9/15/2017 11:51 AM</a:t>
+              <a:t>9/17/2017 10:21 PM</a:t>
             </a:fld>
             <a:endParaRPr lang="en-US" dirty="0"/>
           </a:p>
@@ -1947,7 +1918,7 @@
     </p:spTree>
     <p:extLst>
       <p:ext uri="{BB962C8B-B14F-4D97-AF65-F5344CB8AC3E}">
-        <p14:creationId xmlns:p14="http://schemas.microsoft.com/office/powerpoint/2010/main" val="574260502"/>
+        <p14:creationId xmlns:p14="http://schemas.microsoft.com/office/powerpoint/2010/main" val="3933081669"/>
       </p:ext>
     </p:extLst>
   </p:cSld>
@@ -2099,7 +2070,7 @@
           <a:p>
             <a:fld id="{38EEC551-8CDA-4EB6-89BB-2A86C9F091C8}" type="datetime8">
               <a:rPr lang="en-US" smtClean="0"/>
-              <a:t>9/15/2017 11:51 AM</a:t>
+              <a:t>9/17/2017 10:21 PM</a:t>
             </a:fld>
             <a:endParaRPr lang="en-US" dirty="0"/>
           </a:p>
@@ -2132,7 +2103,7 @@
     </p:spTree>
     <p:extLst>
       <p:ext uri="{BB962C8B-B14F-4D97-AF65-F5344CB8AC3E}">
-        <p14:creationId xmlns:p14="http://schemas.microsoft.com/office/powerpoint/2010/main" val="467849701"/>
+        <p14:creationId xmlns:p14="http://schemas.microsoft.com/office/powerpoint/2010/main" val="127254776"/>
       </p:ext>
     </p:extLst>
   </p:cSld>
@@ -2284,7 +2255,7 @@
           <a:p>
             <a:fld id="{38EEC551-8CDA-4EB6-89BB-2A86C9F091C8}" type="datetime8">
               <a:rPr lang="en-US" smtClean="0"/>
-              <a:t>9/15/2017 11:51 AM</a:t>
+              <a:t>9/17/2017 10:21 PM</a:t>
             </a:fld>
             <a:endParaRPr lang="en-US" dirty="0"/>
           </a:p>
@@ -2317,7 +2288,7 @@
     </p:spTree>
     <p:extLst>
       <p:ext uri="{BB962C8B-B14F-4D97-AF65-F5344CB8AC3E}">
-        <p14:creationId xmlns:p14="http://schemas.microsoft.com/office/powerpoint/2010/main" val="1763000580"/>
+        <p14:creationId xmlns:p14="http://schemas.microsoft.com/office/powerpoint/2010/main" val="1970364738"/>
       </p:ext>
     </p:extLst>
   </p:cSld>
@@ -2469,7 +2440,7 @@
           <a:p>
             <a:fld id="{38EEC551-8CDA-4EB6-89BB-2A86C9F091C8}" type="datetime8">
               <a:rPr lang="en-US" smtClean="0"/>
-              <a:t>9/15/2017 11:51 AM</a:t>
+              <a:t>9/17/2017 10:21 PM</a:t>
             </a:fld>
             <a:endParaRPr lang="en-US" dirty="0"/>
           </a:p>
@@ -2502,7 +2473,7 @@
     </p:spTree>
     <p:extLst>
       <p:ext uri="{BB962C8B-B14F-4D97-AF65-F5344CB8AC3E}">
-        <p14:creationId xmlns:p14="http://schemas.microsoft.com/office/powerpoint/2010/main" val="3313122259"/>
+        <p14:creationId xmlns:p14="http://schemas.microsoft.com/office/powerpoint/2010/main" val="4171440024"/>
       </p:ext>
     </p:extLst>
   </p:cSld>
@@ -2654,7 +2625,7 @@
           <a:p>
             <a:fld id="{38EEC551-8CDA-4EB6-89BB-2A86C9F091C8}" type="datetime8">
               <a:rPr lang="en-US" smtClean="0"/>
-              <a:t>9/15/2017 11:51 AM</a:t>
+              <a:t>9/17/2017 10:21 PM</a:t>
             </a:fld>
             <a:endParaRPr lang="en-US" dirty="0"/>
           </a:p>
@@ -2679,6 +2650,1116 @@
               <a:rPr lang="en-US" smtClean="0"/>
               <a:pPr/>
               <a:t>18</a:t>
+            </a:fld>
+            <a:endParaRPr lang="en-US" dirty="0"/>
+          </a:p>
+        </p:txBody>
+      </p:sp>
+    </p:spTree>
+    <p:extLst>
+      <p:ext uri="{BB962C8B-B14F-4D97-AF65-F5344CB8AC3E}">
+        <p14:creationId xmlns:p14="http://schemas.microsoft.com/office/powerpoint/2010/main" val="2332676793"/>
+      </p:ext>
+    </p:extLst>
+  </p:cSld>
+  <p:clrMapOvr>
+    <a:masterClrMapping/>
+  </p:clrMapOvr>
+</p:notes>
+</file>
+
+<file path=ppt/notesSlides/notesSlide19.xml><?xml version="1.0" encoding="utf-8"?>
+<p:notes xmlns:a="http://schemas.openxmlformats.org/drawingml/2006/main" xmlns:r="http://schemas.openxmlformats.org/officeDocument/2006/relationships" xmlns:p="http://schemas.openxmlformats.org/presentationml/2006/main">
+  <p:cSld>
+    <p:spTree>
+      <p:nvGrpSpPr>
+        <p:cNvPr id="1" name=""/>
+        <p:cNvGrpSpPr/>
+        <p:nvPr/>
+      </p:nvGrpSpPr>
+      <p:grpSpPr>
+        <a:xfrm>
+          <a:off x="0" y="0"/>
+          <a:ext cx="0" cy="0"/>
+          <a:chOff x="0" y="0"/>
+          <a:chExt cx="0" cy="0"/>
+        </a:xfrm>
+      </p:grpSpPr>
+      <p:sp>
+        <p:nvSpPr>
+          <p:cNvPr id="2" name="Slide Image Placeholder 1"/>
+          <p:cNvSpPr>
+            <a:spLocks noGrp="1" noRot="1" noChangeAspect="1"/>
+          </p:cNvSpPr>
+          <p:nvPr>
+            <p:ph type="sldImg"/>
+          </p:nvPr>
+        </p:nvSpPr>
+        <p:spPr/>
+      </p:sp>
+      <p:sp>
+        <p:nvSpPr>
+          <p:cNvPr id="3" name="Notes Placeholder 2"/>
+          <p:cNvSpPr>
+            <a:spLocks noGrp="1"/>
+          </p:cNvSpPr>
+          <p:nvPr>
+            <p:ph type="body" idx="1"/>
+          </p:nvPr>
+        </p:nvSpPr>
+        <p:spPr/>
+        <p:txBody>
+          <a:bodyPr/>
+          <a:lstStyle/>
+          <a:p>
+            <a:endParaRPr lang="en-US"/>
+          </a:p>
+        </p:txBody>
+      </p:sp>
+      <p:sp>
+        <p:nvSpPr>
+          <p:cNvPr id="4" name="Header Placeholder 3"/>
+          <p:cNvSpPr>
+            <a:spLocks noGrp="1"/>
+          </p:cNvSpPr>
+          <p:nvPr>
+            <p:ph type="hdr" sz="quarter" idx="10"/>
+          </p:nvPr>
+        </p:nvSpPr>
+        <p:spPr/>
+        <p:txBody>
+          <a:bodyPr/>
+          <a:lstStyle/>
+          <a:p>
+            <a:r>
+              <a:rPr lang="en-US"/>
+              <a:t>Microsoft Ignite 2016</a:t>
+            </a:r>
+            <a:endParaRPr lang="en-US" dirty="0"/>
+          </a:p>
+        </p:txBody>
+      </p:sp>
+      <p:sp>
+        <p:nvSpPr>
+          <p:cNvPr id="5" name="Footer Placeholder 4"/>
+          <p:cNvSpPr>
+            <a:spLocks noGrp="1"/>
+          </p:cNvSpPr>
+          <p:nvPr>
+            <p:ph type="ftr" sz="quarter" idx="11"/>
+          </p:nvPr>
+        </p:nvSpPr>
+        <p:spPr/>
+        <p:txBody>
+          <a:bodyPr/>
+          <a:lstStyle/>
+          <a:p>
+            <a:pPr defTabSz="914099" eaLnBrk="0" hangingPunct="0"/>
+            <a:r>
+              <a:rPr lang="en-US" sz="400">
+                <a:gradFill>
+                  <a:gsLst>
+                    <a:gs pos="0">
+                      <a:prstClr val="black"/>
+                    </a:gs>
+                    <a:gs pos="100000">
+                      <a:prstClr val="black"/>
+                    </a:gs>
+                  </a:gsLst>
+                  <a:lin ang="5400000" scaled="0"/>
+                </a:gradFill>
+                <a:latin typeface="Segoe UI" pitchFamily="34" charset="0"/>
+                <a:ea typeface="Segoe UI" pitchFamily="34" charset="0"/>
+                <a:cs typeface="Segoe UI" pitchFamily="34" charset="0"/>
+              </a:rPr>
+              <a:t>© 2016 Microsoft Corporation. All rights reserved. MICROSOFT MAKES NO WARRANTIES, EXPRESS, IMPLIED OR STATUTORY, AS TO THE INFORMATION IN THIS PRESENTATION.</a:t>
+            </a:r>
+            <a:endParaRPr lang="en-US" sz="400" dirty="0">
+              <a:gradFill>
+                <a:gsLst>
+                  <a:gs pos="0">
+                    <a:prstClr val="black"/>
+                  </a:gs>
+                  <a:gs pos="100000">
+                    <a:prstClr val="black"/>
+                  </a:gs>
+                </a:gsLst>
+                <a:lin ang="5400000" scaled="0"/>
+              </a:gradFill>
+              <a:latin typeface="Segoe UI" pitchFamily="34" charset="0"/>
+              <a:ea typeface="Segoe UI" pitchFamily="34" charset="0"/>
+              <a:cs typeface="Segoe UI" pitchFamily="34" charset="0"/>
+            </a:endParaRPr>
+          </a:p>
+        </p:txBody>
+      </p:sp>
+      <p:sp>
+        <p:nvSpPr>
+          <p:cNvPr id="6" name="Date Placeholder 5"/>
+          <p:cNvSpPr>
+            <a:spLocks noGrp="1"/>
+          </p:cNvSpPr>
+          <p:nvPr>
+            <p:ph type="dt" idx="12"/>
+          </p:nvPr>
+        </p:nvSpPr>
+        <p:spPr/>
+        <p:txBody>
+          <a:bodyPr/>
+          <a:lstStyle/>
+          <a:p>
+            <a:fld id="{38EEC551-8CDA-4EB6-89BB-2A86C9F091C8}" type="datetime8">
+              <a:rPr lang="en-US" smtClean="0"/>
+              <a:t>9/17/2017 10:21 PM</a:t>
+            </a:fld>
+            <a:endParaRPr lang="en-US" dirty="0"/>
+          </a:p>
+        </p:txBody>
+      </p:sp>
+      <p:sp>
+        <p:nvSpPr>
+          <p:cNvPr id="7" name="Slide Number Placeholder 6"/>
+          <p:cNvSpPr>
+            <a:spLocks noGrp="1"/>
+          </p:cNvSpPr>
+          <p:nvPr>
+            <p:ph type="sldNum" sz="quarter" idx="13"/>
+          </p:nvPr>
+        </p:nvSpPr>
+        <p:spPr/>
+        <p:txBody>
+          <a:bodyPr/>
+          <a:lstStyle/>
+          <a:p>
+            <a:fld id="{B4008EB6-D09E-4580-8CD6-DDB14511944F}" type="slidenum">
+              <a:rPr lang="en-US" smtClean="0"/>
+              <a:pPr/>
+              <a:t>19</a:t>
+            </a:fld>
+            <a:endParaRPr lang="en-US" dirty="0"/>
+          </a:p>
+        </p:txBody>
+      </p:sp>
+    </p:spTree>
+    <p:extLst>
+      <p:ext uri="{BB962C8B-B14F-4D97-AF65-F5344CB8AC3E}">
+        <p14:creationId xmlns:p14="http://schemas.microsoft.com/office/powerpoint/2010/main" val="574260502"/>
+      </p:ext>
+    </p:extLst>
+  </p:cSld>
+  <p:clrMapOvr>
+    <a:masterClrMapping/>
+  </p:clrMapOvr>
+</p:notes>
+</file>
+
+<file path=ppt/notesSlides/notesSlide2.xml><?xml version="1.0" encoding="utf-8"?>
+<p:notes xmlns:a="http://schemas.openxmlformats.org/drawingml/2006/main" xmlns:r="http://schemas.openxmlformats.org/officeDocument/2006/relationships" xmlns:p="http://schemas.openxmlformats.org/presentationml/2006/main">
+  <p:cSld>
+    <p:spTree>
+      <p:nvGrpSpPr>
+        <p:cNvPr id="1" name=""/>
+        <p:cNvGrpSpPr/>
+        <p:nvPr/>
+      </p:nvGrpSpPr>
+      <p:grpSpPr>
+        <a:xfrm>
+          <a:off x="0" y="0"/>
+          <a:ext cx="0" cy="0"/>
+          <a:chOff x="0" y="0"/>
+          <a:chExt cx="0" cy="0"/>
+        </a:xfrm>
+      </p:grpSpPr>
+      <p:sp>
+        <p:nvSpPr>
+          <p:cNvPr id="2" name="Slide Image Placeholder 1"/>
+          <p:cNvSpPr>
+            <a:spLocks noGrp="1" noRot="1" noChangeAspect="1"/>
+          </p:cNvSpPr>
+          <p:nvPr>
+            <p:ph type="sldImg"/>
+          </p:nvPr>
+        </p:nvSpPr>
+        <p:spPr/>
+      </p:sp>
+      <p:sp>
+        <p:nvSpPr>
+          <p:cNvPr id="3" name="Notes Placeholder 2"/>
+          <p:cNvSpPr>
+            <a:spLocks noGrp="1"/>
+          </p:cNvSpPr>
+          <p:nvPr>
+            <p:ph type="body" idx="1"/>
+          </p:nvPr>
+        </p:nvSpPr>
+        <p:spPr/>
+        <p:txBody>
+          <a:bodyPr/>
+          <a:lstStyle/>
+          <a:p>
+            <a:endParaRPr lang="en-US"/>
+          </a:p>
+        </p:txBody>
+      </p:sp>
+      <p:sp>
+        <p:nvSpPr>
+          <p:cNvPr id="4" name="Header Placeholder 3"/>
+          <p:cNvSpPr>
+            <a:spLocks noGrp="1"/>
+          </p:cNvSpPr>
+          <p:nvPr>
+            <p:ph type="hdr" sz="quarter" idx="10"/>
+          </p:nvPr>
+        </p:nvSpPr>
+        <p:spPr/>
+        <p:txBody>
+          <a:bodyPr/>
+          <a:lstStyle/>
+          <a:p>
+            <a:r>
+              <a:rPr lang="en-US"/>
+              <a:t>Microsoft Ignite 2016</a:t>
+            </a:r>
+            <a:endParaRPr lang="en-US" dirty="0"/>
+          </a:p>
+        </p:txBody>
+      </p:sp>
+      <p:sp>
+        <p:nvSpPr>
+          <p:cNvPr id="5" name="Footer Placeholder 4"/>
+          <p:cNvSpPr>
+            <a:spLocks noGrp="1"/>
+          </p:cNvSpPr>
+          <p:nvPr>
+            <p:ph type="ftr" sz="quarter" idx="11"/>
+          </p:nvPr>
+        </p:nvSpPr>
+        <p:spPr/>
+        <p:txBody>
+          <a:bodyPr/>
+          <a:lstStyle/>
+          <a:p>
+            <a:pPr defTabSz="914099" eaLnBrk="0" hangingPunct="0"/>
+            <a:r>
+              <a:rPr lang="en-US" sz="400">
+                <a:gradFill>
+                  <a:gsLst>
+                    <a:gs pos="0">
+                      <a:prstClr val="black"/>
+                    </a:gs>
+                    <a:gs pos="100000">
+                      <a:prstClr val="black"/>
+                    </a:gs>
+                  </a:gsLst>
+                  <a:lin ang="5400000" scaled="0"/>
+                </a:gradFill>
+                <a:latin typeface="Segoe UI" pitchFamily="34" charset="0"/>
+                <a:ea typeface="Segoe UI" pitchFamily="34" charset="0"/>
+                <a:cs typeface="Segoe UI" pitchFamily="34" charset="0"/>
+              </a:rPr>
+              <a:t>© 2016 Microsoft Corporation. All rights reserved. MICROSOFT MAKES NO WARRANTIES, EXPRESS, IMPLIED OR STATUTORY, AS TO THE INFORMATION IN THIS PRESENTATION.</a:t>
+            </a:r>
+            <a:endParaRPr lang="en-US" sz="400" dirty="0">
+              <a:gradFill>
+                <a:gsLst>
+                  <a:gs pos="0">
+                    <a:prstClr val="black"/>
+                  </a:gs>
+                  <a:gs pos="100000">
+                    <a:prstClr val="black"/>
+                  </a:gs>
+                </a:gsLst>
+                <a:lin ang="5400000" scaled="0"/>
+              </a:gradFill>
+              <a:latin typeface="Segoe UI" pitchFamily="34" charset="0"/>
+              <a:ea typeface="Segoe UI" pitchFamily="34" charset="0"/>
+              <a:cs typeface="Segoe UI" pitchFamily="34" charset="0"/>
+            </a:endParaRPr>
+          </a:p>
+        </p:txBody>
+      </p:sp>
+      <p:sp>
+        <p:nvSpPr>
+          <p:cNvPr id="6" name="Date Placeholder 5"/>
+          <p:cNvSpPr>
+            <a:spLocks noGrp="1"/>
+          </p:cNvSpPr>
+          <p:nvPr>
+            <p:ph type="dt" idx="12"/>
+          </p:nvPr>
+        </p:nvSpPr>
+        <p:spPr/>
+        <p:txBody>
+          <a:bodyPr/>
+          <a:lstStyle/>
+          <a:p>
+            <a:fld id="{38EEC551-8CDA-4EB6-89BB-2A86C9F091C8}" type="datetime8">
+              <a:rPr lang="en-US" smtClean="0"/>
+              <a:t>9/17/2017 10:21 PM</a:t>
+            </a:fld>
+            <a:endParaRPr lang="en-US" dirty="0"/>
+          </a:p>
+        </p:txBody>
+      </p:sp>
+      <p:sp>
+        <p:nvSpPr>
+          <p:cNvPr id="7" name="Slide Number Placeholder 6"/>
+          <p:cNvSpPr>
+            <a:spLocks noGrp="1"/>
+          </p:cNvSpPr>
+          <p:nvPr>
+            <p:ph type="sldNum" sz="quarter" idx="13"/>
+          </p:nvPr>
+        </p:nvSpPr>
+        <p:spPr/>
+        <p:txBody>
+          <a:bodyPr/>
+          <a:lstStyle/>
+          <a:p>
+            <a:fld id="{B4008EB6-D09E-4580-8CD6-DDB14511944F}" type="slidenum">
+              <a:rPr lang="en-US" smtClean="0"/>
+              <a:pPr/>
+              <a:t>2</a:t>
+            </a:fld>
+            <a:endParaRPr lang="en-US" dirty="0"/>
+          </a:p>
+        </p:txBody>
+      </p:sp>
+    </p:spTree>
+    <p:extLst>
+      <p:ext uri="{BB962C8B-B14F-4D97-AF65-F5344CB8AC3E}">
+        <p14:creationId xmlns:p14="http://schemas.microsoft.com/office/powerpoint/2010/main" val="3321209449"/>
+      </p:ext>
+    </p:extLst>
+  </p:cSld>
+  <p:clrMapOvr>
+    <a:masterClrMapping/>
+  </p:clrMapOvr>
+</p:notes>
+</file>
+
+<file path=ppt/notesSlides/notesSlide20.xml><?xml version="1.0" encoding="utf-8"?>
+<p:notes xmlns:a="http://schemas.openxmlformats.org/drawingml/2006/main" xmlns:r="http://schemas.openxmlformats.org/officeDocument/2006/relationships" xmlns:p="http://schemas.openxmlformats.org/presentationml/2006/main">
+  <p:cSld>
+    <p:spTree>
+      <p:nvGrpSpPr>
+        <p:cNvPr id="1" name=""/>
+        <p:cNvGrpSpPr/>
+        <p:nvPr/>
+      </p:nvGrpSpPr>
+      <p:grpSpPr>
+        <a:xfrm>
+          <a:off x="0" y="0"/>
+          <a:ext cx="0" cy="0"/>
+          <a:chOff x="0" y="0"/>
+          <a:chExt cx="0" cy="0"/>
+        </a:xfrm>
+      </p:grpSpPr>
+      <p:sp>
+        <p:nvSpPr>
+          <p:cNvPr id="2" name="Slide Image Placeholder 1"/>
+          <p:cNvSpPr>
+            <a:spLocks noGrp="1" noRot="1" noChangeAspect="1"/>
+          </p:cNvSpPr>
+          <p:nvPr>
+            <p:ph type="sldImg"/>
+          </p:nvPr>
+        </p:nvSpPr>
+        <p:spPr/>
+      </p:sp>
+      <p:sp>
+        <p:nvSpPr>
+          <p:cNvPr id="3" name="Notes Placeholder 2"/>
+          <p:cNvSpPr>
+            <a:spLocks noGrp="1"/>
+          </p:cNvSpPr>
+          <p:nvPr>
+            <p:ph type="body" idx="1"/>
+          </p:nvPr>
+        </p:nvSpPr>
+        <p:spPr/>
+        <p:txBody>
+          <a:bodyPr/>
+          <a:lstStyle/>
+          <a:p>
+            <a:endParaRPr lang="en-US"/>
+          </a:p>
+        </p:txBody>
+      </p:sp>
+      <p:sp>
+        <p:nvSpPr>
+          <p:cNvPr id="4" name="Header Placeholder 3"/>
+          <p:cNvSpPr>
+            <a:spLocks noGrp="1"/>
+          </p:cNvSpPr>
+          <p:nvPr>
+            <p:ph type="hdr" sz="quarter" idx="10"/>
+          </p:nvPr>
+        </p:nvSpPr>
+        <p:spPr/>
+        <p:txBody>
+          <a:bodyPr/>
+          <a:lstStyle/>
+          <a:p>
+            <a:r>
+              <a:rPr lang="en-US"/>
+              <a:t>Microsoft Ignite 2016</a:t>
+            </a:r>
+            <a:endParaRPr lang="en-US" dirty="0"/>
+          </a:p>
+        </p:txBody>
+      </p:sp>
+      <p:sp>
+        <p:nvSpPr>
+          <p:cNvPr id="5" name="Footer Placeholder 4"/>
+          <p:cNvSpPr>
+            <a:spLocks noGrp="1"/>
+          </p:cNvSpPr>
+          <p:nvPr>
+            <p:ph type="ftr" sz="quarter" idx="11"/>
+          </p:nvPr>
+        </p:nvSpPr>
+        <p:spPr/>
+        <p:txBody>
+          <a:bodyPr/>
+          <a:lstStyle/>
+          <a:p>
+            <a:pPr defTabSz="914099" eaLnBrk="0" hangingPunct="0"/>
+            <a:r>
+              <a:rPr lang="en-US" sz="400">
+                <a:gradFill>
+                  <a:gsLst>
+                    <a:gs pos="0">
+                      <a:prstClr val="black"/>
+                    </a:gs>
+                    <a:gs pos="100000">
+                      <a:prstClr val="black"/>
+                    </a:gs>
+                  </a:gsLst>
+                  <a:lin ang="5400000" scaled="0"/>
+                </a:gradFill>
+                <a:latin typeface="Segoe UI" pitchFamily="34" charset="0"/>
+                <a:ea typeface="Segoe UI" pitchFamily="34" charset="0"/>
+                <a:cs typeface="Segoe UI" pitchFamily="34" charset="0"/>
+              </a:rPr>
+              <a:t>© 2016 Microsoft Corporation. All rights reserved. MICROSOFT MAKES NO WARRANTIES, EXPRESS, IMPLIED OR STATUTORY, AS TO THE INFORMATION IN THIS PRESENTATION.</a:t>
+            </a:r>
+            <a:endParaRPr lang="en-US" sz="400" dirty="0">
+              <a:gradFill>
+                <a:gsLst>
+                  <a:gs pos="0">
+                    <a:prstClr val="black"/>
+                  </a:gs>
+                  <a:gs pos="100000">
+                    <a:prstClr val="black"/>
+                  </a:gs>
+                </a:gsLst>
+                <a:lin ang="5400000" scaled="0"/>
+              </a:gradFill>
+              <a:latin typeface="Segoe UI" pitchFamily="34" charset="0"/>
+              <a:ea typeface="Segoe UI" pitchFamily="34" charset="0"/>
+              <a:cs typeface="Segoe UI" pitchFamily="34" charset="0"/>
+            </a:endParaRPr>
+          </a:p>
+        </p:txBody>
+      </p:sp>
+      <p:sp>
+        <p:nvSpPr>
+          <p:cNvPr id="6" name="Date Placeholder 5"/>
+          <p:cNvSpPr>
+            <a:spLocks noGrp="1"/>
+          </p:cNvSpPr>
+          <p:nvPr>
+            <p:ph type="dt" idx="12"/>
+          </p:nvPr>
+        </p:nvSpPr>
+        <p:spPr/>
+        <p:txBody>
+          <a:bodyPr/>
+          <a:lstStyle/>
+          <a:p>
+            <a:fld id="{38EEC551-8CDA-4EB6-89BB-2A86C9F091C8}" type="datetime8">
+              <a:rPr lang="en-US" smtClean="0"/>
+              <a:t>9/17/2017 10:21 PM</a:t>
+            </a:fld>
+            <a:endParaRPr lang="en-US" dirty="0"/>
+          </a:p>
+        </p:txBody>
+      </p:sp>
+      <p:sp>
+        <p:nvSpPr>
+          <p:cNvPr id="7" name="Slide Number Placeholder 6"/>
+          <p:cNvSpPr>
+            <a:spLocks noGrp="1"/>
+          </p:cNvSpPr>
+          <p:nvPr>
+            <p:ph type="sldNum" sz="quarter" idx="13"/>
+          </p:nvPr>
+        </p:nvSpPr>
+        <p:spPr/>
+        <p:txBody>
+          <a:bodyPr/>
+          <a:lstStyle/>
+          <a:p>
+            <a:fld id="{B4008EB6-D09E-4580-8CD6-DDB14511944F}" type="slidenum">
+              <a:rPr lang="en-US" smtClean="0"/>
+              <a:pPr/>
+              <a:t>20</a:t>
+            </a:fld>
+            <a:endParaRPr lang="en-US" dirty="0"/>
+          </a:p>
+        </p:txBody>
+      </p:sp>
+    </p:spTree>
+    <p:extLst>
+      <p:ext uri="{BB962C8B-B14F-4D97-AF65-F5344CB8AC3E}">
+        <p14:creationId xmlns:p14="http://schemas.microsoft.com/office/powerpoint/2010/main" val="467849701"/>
+      </p:ext>
+    </p:extLst>
+  </p:cSld>
+  <p:clrMapOvr>
+    <a:masterClrMapping/>
+  </p:clrMapOvr>
+</p:notes>
+</file>
+
+<file path=ppt/notesSlides/notesSlide21.xml><?xml version="1.0" encoding="utf-8"?>
+<p:notes xmlns:a="http://schemas.openxmlformats.org/drawingml/2006/main" xmlns:r="http://schemas.openxmlformats.org/officeDocument/2006/relationships" xmlns:p="http://schemas.openxmlformats.org/presentationml/2006/main">
+  <p:cSld>
+    <p:spTree>
+      <p:nvGrpSpPr>
+        <p:cNvPr id="1" name=""/>
+        <p:cNvGrpSpPr/>
+        <p:nvPr/>
+      </p:nvGrpSpPr>
+      <p:grpSpPr>
+        <a:xfrm>
+          <a:off x="0" y="0"/>
+          <a:ext cx="0" cy="0"/>
+          <a:chOff x="0" y="0"/>
+          <a:chExt cx="0" cy="0"/>
+        </a:xfrm>
+      </p:grpSpPr>
+      <p:sp>
+        <p:nvSpPr>
+          <p:cNvPr id="2" name="Slide Image Placeholder 1"/>
+          <p:cNvSpPr>
+            <a:spLocks noGrp="1" noRot="1" noChangeAspect="1"/>
+          </p:cNvSpPr>
+          <p:nvPr>
+            <p:ph type="sldImg"/>
+          </p:nvPr>
+        </p:nvSpPr>
+        <p:spPr/>
+      </p:sp>
+      <p:sp>
+        <p:nvSpPr>
+          <p:cNvPr id="3" name="Notes Placeholder 2"/>
+          <p:cNvSpPr>
+            <a:spLocks noGrp="1"/>
+          </p:cNvSpPr>
+          <p:nvPr>
+            <p:ph type="body" idx="1"/>
+          </p:nvPr>
+        </p:nvSpPr>
+        <p:spPr/>
+        <p:txBody>
+          <a:bodyPr/>
+          <a:lstStyle/>
+          <a:p>
+            <a:endParaRPr lang="en-US"/>
+          </a:p>
+        </p:txBody>
+      </p:sp>
+      <p:sp>
+        <p:nvSpPr>
+          <p:cNvPr id="4" name="Header Placeholder 3"/>
+          <p:cNvSpPr>
+            <a:spLocks noGrp="1"/>
+          </p:cNvSpPr>
+          <p:nvPr>
+            <p:ph type="hdr" sz="quarter" idx="10"/>
+          </p:nvPr>
+        </p:nvSpPr>
+        <p:spPr/>
+        <p:txBody>
+          <a:bodyPr/>
+          <a:lstStyle/>
+          <a:p>
+            <a:r>
+              <a:rPr lang="en-US"/>
+              <a:t>Microsoft Ignite 2016</a:t>
+            </a:r>
+            <a:endParaRPr lang="en-US" dirty="0"/>
+          </a:p>
+        </p:txBody>
+      </p:sp>
+      <p:sp>
+        <p:nvSpPr>
+          <p:cNvPr id="5" name="Footer Placeholder 4"/>
+          <p:cNvSpPr>
+            <a:spLocks noGrp="1"/>
+          </p:cNvSpPr>
+          <p:nvPr>
+            <p:ph type="ftr" sz="quarter" idx="11"/>
+          </p:nvPr>
+        </p:nvSpPr>
+        <p:spPr/>
+        <p:txBody>
+          <a:bodyPr/>
+          <a:lstStyle/>
+          <a:p>
+            <a:pPr defTabSz="914099" eaLnBrk="0" hangingPunct="0"/>
+            <a:r>
+              <a:rPr lang="en-US" sz="400">
+                <a:gradFill>
+                  <a:gsLst>
+                    <a:gs pos="0">
+                      <a:prstClr val="black"/>
+                    </a:gs>
+                    <a:gs pos="100000">
+                      <a:prstClr val="black"/>
+                    </a:gs>
+                  </a:gsLst>
+                  <a:lin ang="5400000" scaled="0"/>
+                </a:gradFill>
+                <a:latin typeface="Segoe UI" pitchFamily="34" charset="0"/>
+                <a:ea typeface="Segoe UI" pitchFamily="34" charset="0"/>
+                <a:cs typeface="Segoe UI" pitchFamily="34" charset="0"/>
+              </a:rPr>
+              <a:t>© 2016 Microsoft Corporation. All rights reserved. MICROSOFT MAKES NO WARRANTIES, EXPRESS, IMPLIED OR STATUTORY, AS TO THE INFORMATION IN THIS PRESENTATION.</a:t>
+            </a:r>
+            <a:endParaRPr lang="en-US" sz="400" dirty="0">
+              <a:gradFill>
+                <a:gsLst>
+                  <a:gs pos="0">
+                    <a:prstClr val="black"/>
+                  </a:gs>
+                  <a:gs pos="100000">
+                    <a:prstClr val="black"/>
+                  </a:gs>
+                </a:gsLst>
+                <a:lin ang="5400000" scaled="0"/>
+              </a:gradFill>
+              <a:latin typeface="Segoe UI" pitchFamily="34" charset="0"/>
+              <a:ea typeface="Segoe UI" pitchFamily="34" charset="0"/>
+              <a:cs typeface="Segoe UI" pitchFamily="34" charset="0"/>
+            </a:endParaRPr>
+          </a:p>
+        </p:txBody>
+      </p:sp>
+      <p:sp>
+        <p:nvSpPr>
+          <p:cNvPr id="6" name="Date Placeholder 5"/>
+          <p:cNvSpPr>
+            <a:spLocks noGrp="1"/>
+          </p:cNvSpPr>
+          <p:nvPr>
+            <p:ph type="dt" idx="12"/>
+          </p:nvPr>
+        </p:nvSpPr>
+        <p:spPr/>
+        <p:txBody>
+          <a:bodyPr/>
+          <a:lstStyle/>
+          <a:p>
+            <a:fld id="{38EEC551-8CDA-4EB6-89BB-2A86C9F091C8}" type="datetime8">
+              <a:rPr lang="en-US" smtClean="0"/>
+              <a:t>9/17/2017 10:21 PM</a:t>
+            </a:fld>
+            <a:endParaRPr lang="en-US" dirty="0"/>
+          </a:p>
+        </p:txBody>
+      </p:sp>
+      <p:sp>
+        <p:nvSpPr>
+          <p:cNvPr id="7" name="Slide Number Placeholder 6"/>
+          <p:cNvSpPr>
+            <a:spLocks noGrp="1"/>
+          </p:cNvSpPr>
+          <p:nvPr>
+            <p:ph type="sldNum" sz="quarter" idx="13"/>
+          </p:nvPr>
+        </p:nvSpPr>
+        <p:spPr/>
+        <p:txBody>
+          <a:bodyPr/>
+          <a:lstStyle/>
+          <a:p>
+            <a:fld id="{B4008EB6-D09E-4580-8CD6-DDB14511944F}" type="slidenum">
+              <a:rPr lang="en-US" smtClean="0"/>
+              <a:pPr/>
+              <a:t>21</a:t>
+            </a:fld>
+            <a:endParaRPr lang="en-US" dirty="0"/>
+          </a:p>
+        </p:txBody>
+      </p:sp>
+    </p:spTree>
+    <p:extLst>
+      <p:ext uri="{BB962C8B-B14F-4D97-AF65-F5344CB8AC3E}">
+        <p14:creationId xmlns:p14="http://schemas.microsoft.com/office/powerpoint/2010/main" val="1763000580"/>
+      </p:ext>
+    </p:extLst>
+  </p:cSld>
+  <p:clrMapOvr>
+    <a:masterClrMapping/>
+  </p:clrMapOvr>
+</p:notes>
+</file>
+
+<file path=ppt/notesSlides/notesSlide22.xml><?xml version="1.0" encoding="utf-8"?>
+<p:notes xmlns:a="http://schemas.openxmlformats.org/drawingml/2006/main" xmlns:r="http://schemas.openxmlformats.org/officeDocument/2006/relationships" xmlns:p="http://schemas.openxmlformats.org/presentationml/2006/main">
+  <p:cSld>
+    <p:spTree>
+      <p:nvGrpSpPr>
+        <p:cNvPr id="1" name=""/>
+        <p:cNvGrpSpPr/>
+        <p:nvPr/>
+      </p:nvGrpSpPr>
+      <p:grpSpPr>
+        <a:xfrm>
+          <a:off x="0" y="0"/>
+          <a:ext cx="0" cy="0"/>
+          <a:chOff x="0" y="0"/>
+          <a:chExt cx="0" cy="0"/>
+        </a:xfrm>
+      </p:grpSpPr>
+      <p:sp>
+        <p:nvSpPr>
+          <p:cNvPr id="2" name="Slide Image Placeholder 1"/>
+          <p:cNvSpPr>
+            <a:spLocks noGrp="1" noRot="1" noChangeAspect="1"/>
+          </p:cNvSpPr>
+          <p:nvPr>
+            <p:ph type="sldImg"/>
+          </p:nvPr>
+        </p:nvSpPr>
+        <p:spPr/>
+      </p:sp>
+      <p:sp>
+        <p:nvSpPr>
+          <p:cNvPr id="3" name="Notes Placeholder 2"/>
+          <p:cNvSpPr>
+            <a:spLocks noGrp="1"/>
+          </p:cNvSpPr>
+          <p:nvPr>
+            <p:ph type="body" idx="1"/>
+          </p:nvPr>
+        </p:nvSpPr>
+        <p:spPr/>
+        <p:txBody>
+          <a:bodyPr/>
+          <a:lstStyle/>
+          <a:p>
+            <a:endParaRPr lang="en-US"/>
+          </a:p>
+        </p:txBody>
+      </p:sp>
+      <p:sp>
+        <p:nvSpPr>
+          <p:cNvPr id="4" name="Header Placeholder 3"/>
+          <p:cNvSpPr>
+            <a:spLocks noGrp="1"/>
+          </p:cNvSpPr>
+          <p:nvPr>
+            <p:ph type="hdr" sz="quarter" idx="10"/>
+          </p:nvPr>
+        </p:nvSpPr>
+        <p:spPr/>
+        <p:txBody>
+          <a:bodyPr/>
+          <a:lstStyle/>
+          <a:p>
+            <a:r>
+              <a:rPr lang="en-US"/>
+              <a:t>Microsoft Ignite 2016</a:t>
+            </a:r>
+            <a:endParaRPr lang="en-US" dirty="0"/>
+          </a:p>
+        </p:txBody>
+      </p:sp>
+      <p:sp>
+        <p:nvSpPr>
+          <p:cNvPr id="5" name="Footer Placeholder 4"/>
+          <p:cNvSpPr>
+            <a:spLocks noGrp="1"/>
+          </p:cNvSpPr>
+          <p:nvPr>
+            <p:ph type="ftr" sz="quarter" idx="11"/>
+          </p:nvPr>
+        </p:nvSpPr>
+        <p:spPr/>
+        <p:txBody>
+          <a:bodyPr/>
+          <a:lstStyle/>
+          <a:p>
+            <a:pPr defTabSz="914099" eaLnBrk="0" hangingPunct="0"/>
+            <a:r>
+              <a:rPr lang="en-US" sz="400">
+                <a:gradFill>
+                  <a:gsLst>
+                    <a:gs pos="0">
+                      <a:prstClr val="black"/>
+                    </a:gs>
+                    <a:gs pos="100000">
+                      <a:prstClr val="black"/>
+                    </a:gs>
+                  </a:gsLst>
+                  <a:lin ang="5400000" scaled="0"/>
+                </a:gradFill>
+                <a:latin typeface="Segoe UI" pitchFamily="34" charset="0"/>
+                <a:ea typeface="Segoe UI" pitchFamily="34" charset="0"/>
+                <a:cs typeface="Segoe UI" pitchFamily="34" charset="0"/>
+              </a:rPr>
+              <a:t>© 2016 Microsoft Corporation. All rights reserved. MICROSOFT MAKES NO WARRANTIES, EXPRESS, IMPLIED OR STATUTORY, AS TO THE INFORMATION IN THIS PRESENTATION.</a:t>
+            </a:r>
+            <a:endParaRPr lang="en-US" sz="400" dirty="0">
+              <a:gradFill>
+                <a:gsLst>
+                  <a:gs pos="0">
+                    <a:prstClr val="black"/>
+                  </a:gs>
+                  <a:gs pos="100000">
+                    <a:prstClr val="black"/>
+                  </a:gs>
+                </a:gsLst>
+                <a:lin ang="5400000" scaled="0"/>
+              </a:gradFill>
+              <a:latin typeface="Segoe UI" pitchFamily="34" charset="0"/>
+              <a:ea typeface="Segoe UI" pitchFamily="34" charset="0"/>
+              <a:cs typeface="Segoe UI" pitchFamily="34" charset="0"/>
+            </a:endParaRPr>
+          </a:p>
+        </p:txBody>
+      </p:sp>
+      <p:sp>
+        <p:nvSpPr>
+          <p:cNvPr id="6" name="Date Placeholder 5"/>
+          <p:cNvSpPr>
+            <a:spLocks noGrp="1"/>
+          </p:cNvSpPr>
+          <p:nvPr>
+            <p:ph type="dt" idx="12"/>
+          </p:nvPr>
+        </p:nvSpPr>
+        <p:spPr/>
+        <p:txBody>
+          <a:bodyPr/>
+          <a:lstStyle/>
+          <a:p>
+            <a:fld id="{38EEC551-8CDA-4EB6-89BB-2A86C9F091C8}" type="datetime8">
+              <a:rPr lang="en-US" smtClean="0"/>
+              <a:t>9/17/2017 10:21 PM</a:t>
+            </a:fld>
+            <a:endParaRPr lang="en-US" dirty="0"/>
+          </a:p>
+        </p:txBody>
+      </p:sp>
+      <p:sp>
+        <p:nvSpPr>
+          <p:cNvPr id="7" name="Slide Number Placeholder 6"/>
+          <p:cNvSpPr>
+            <a:spLocks noGrp="1"/>
+          </p:cNvSpPr>
+          <p:nvPr>
+            <p:ph type="sldNum" sz="quarter" idx="13"/>
+          </p:nvPr>
+        </p:nvSpPr>
+        <p:spPr/>
+        <p:txBody>
+          <a:bodyPr/>
+          <a:lstStyle/>
+          <a:p>
+            <a:fld id="{B4008EB6-D09E-4580-8CD6-DDB14511944F}" type="slidenum">
+              <a:rPr lang="en-US" smtClean="0"/>
+              <a:pPr/>
+              <a:t>22</a:t>
+            </a:fld>
+            <a:endParaRPr lang="en-US" dirty="0"/>
+          </a:p>
+        </p:txBody>
+      </p:sp>
+    </p:spTree>
+    <p:extLst>
+      <p:ext uri="{BB962C8B-B14F-4D97-AF65-F5344CB8AC3E}">
+        <p14:creationId xmlns:p14="http://schemas.microsoft.com/office/powerpoint/2010/main" val="3313122259"/>
+      </p:ext>
+    </p:extLst>
+  </p:cSld>
+  <p:clrMapOvr>
+    <a:masterClrMapping/>
+  </p:clrMapOvr>
+</p:notes>
+</file>
+
+<file path=ppt/notesSlides/notesSlide23.xml><?xml version="1.0" encoding="utf-8"?>
+<p:notes xmlns:a="http://schemas.openxmlformats.org/drawingml/2006/main" xmlns:r="http://schemas.openxmlformats.org/officeDocument/2006/relationships" xmlns:p="http://schemas.openxmlformats.org/presentationml/2006/main">
+  <p:cSld>
+    <p:spTree>
+      <p:nvGrpSpPr>
+        <p:cNvPr id="1" name=""/>
+        <p:cNvGrpSpPr/>
+        <p:nvPr/>
+      </p:nvGrpSpPr>
+      <p:grpSpPr>
+        <a:xfrm>
+          <a:off x="0" y="0"/>
+          <a:ext cx="0" cy="0"/>
+          <a:chOff x="0" y="0"/>
+          <a:chExt cx="0" cy="0"/>
+        </a:xfrm>
+      </p:grpSpPr>
+      <p:sp>
+        <p:nvSpPr>
+          <p:cNvPr id="2" name="Slide Image Placeholder 1"/>
+          <p:cNvSpPr>
+            <a:spLocks noGrp="1" noRot="1" noChangeAspect="1"/>
+          </p:cNvSpPr>
+          <p:nvPr>
+            <p:ph type="sldImg"/>
+          </p:nvPr>
+        </p:nvSpPr>
+        <p:spPr/>
+      </p:sp>
+      <p:sp>
+        <p:nvSpPr>
+          <p:cNvPr id="3" name="Notes Placeholder 2"/>
+          <p:cNvSpPr>
+            <a:spLocks noGrp="1"/>
+          </p:cNvSpPr>
+          <p:nvPr>
+            <p:ph type="body" idx="1"/>
+          </p:nvPr>
+        </p:nvSpPr>
+        <p:spPr/>
+        <p:txBody>
+          <a:bodyPr/>
+          <a:lstStyle/>
+          <a:p>
+            <a:endParaRPr lang="en-US"/>
+          </a:p>
+        </p:txBody>
+      </p:sp>
+      <p:sp>
+        <p:nvSpPr>
+          <p:cNvPr id="4" name="Header Placeholder 3"/>
+          <p:cNvSpPr>
+            <a:spLocks noGrp="1"/>
+          </p:cNvSpPr>
+          <p:nvPr>
+            <p:ph type="hdr" sz="quarter" idx="10"/>
+          </p:nvPr>
+        </p:nvSpPr>
+        <p:spPr/>
+        <p:txBody>
+          <a:bodyPr/>
+          <a:lstStyle/>
+          <a:p>
+            <a:r>
+              <a:rPr lang="en-US"/>
+              <a:t>Microsoft Ignite 2016</a:t>
+            </a:r>
+            <a:endParaRPr lang="en-US" dirty="0"/>
+          </a:p>
+        </p:txBody>
+      </p:sp>
+      <p:sp>
+        <p:nvSpPr>
+          <p:cNvPr id="5" name="Footer Placeholder 4"/>
+          <p:cNvSpPr>
+            <a:spLocks noGrp="1"/>
+          </p:cNvSpPr>
+          <p:nvPr>
+            <p:ph type="ftr" sz="quarter" idx="11"/>
+          </p:nvPr>
+        </p:nvSpPr>
+        <p:spPr/>
+        <p:txBody>
+          <a:bodyPr/>
+          <a:lstStyle/>
+          <a:p>
+            <a:pPr defTabSz="914099" eaLnBrk="0" hangingPunct="0"/>
+            <a:r>
+              <a:rPr lang="en-US" sz="400">
+                <a:gradFill>
+                  <a:gsLst>
+                    <a:gs pos="0">
+                      <a:prstClr val="black"/>
+                    </a:gs>
+                    <a:gs pos="100000">
+                      <a:prstClr val="black"/>
+                    </a:gs>
+                  </a:gsLst>
+                  <a:lin ang="5400000" scaled="0"/>
+                </a:gradFill>
+                <a:latin typeface="Segoe UI" pitchFamily="34" charset="0"/>
+                <a:ea typeface="Segoe UI" pitchFamily="34" charset="0"/>
+                <a:cs typeface="Segoe UI" pitchFamily="34" charset="0"/>
+              </a:rPr>
+              <a:t>© 2016 Microsoft Corporation. All rights reserved. MICROSOFT MAKES NO WARRANTIES, EXPRESS, IMPLIED OR STATUTORY, AS TO THE INFORMATION IN THIS PRESENTATION.</a:t>
+            </a:r>
+            <a:endParaRPr lang="en-US" sz="400" dirty="0">
+              <a:gradFill>
+                <a:gsLst>
+                  <a:gs pos="0">
+                    <a:prstClr val="black"/>
+                  </a:gs>
+                  <a:gs pos="100000">
+                    <a:prstClr val="black"/>
+                  </a:gs>
+                </a:gsLst>
+                <a:lin ang="5400000" scaled="0"/>
+              </a:gradFill>
+              <a:latin typeface="Segoe UI" pitchFamily="34" charset="0"/>
+              <a:ea typeface="Segoe UI" pitchFamily="34" charset="0"/>
+              <a:cs typeface="Segoe UI" pitchFamily="34" charset="0"/>
+            </a:endParaRPr>
+          </a:p>
+        </p:txBody>
+      </p:sp>
+      <p:sp>
+        <p:nvSpPr>
+          <p:cNvPr id="6" name="Date Placeholder 5"/>
+          <p:cNvSpPr>
+            <a:spLocks noGrp="1"/>
+          </p:cNvSpPr>
+          <p:nvPr>
+            <p:ph type="dt" idx="12"/>
+          </p:nvPr>
+        </p:nvSpPr>
+        <p:spPr/>
+        <p:txBody>
+          <a:bodyPr/>
+          <a:lstStyle/>
+          <a:p>
+            <a:fld id="{38EEC551-8CDA-4EB6-89BB-2A86C9F091C8}" type="datetime8">
+              <a:rPr lang="en-US" smtClean="0"/>
+              <a:t>9/17/2017 10:21 PM</a:t>
+            </a:fld>
+            <a:endParaRPr lang="en-US" dirty="0"/>
+          </a:p>
+        </p:txBody>
+      </p:sp>
+      <p:sp>
+        <p:nvSpPr>
+          <p:cNvPr id="7" name="Slide Number Placeholder 6"/>
+          <p:cNvSpPr>
+            <a:spLocks noGrp="1"/>
+          </p:cNvSpPr>
+          <p:nvPr>
+            <p:ph type="sldNum" sz="quarter" idx="13"/>
+          </p:nvPr>
+        </p:nvSpPr>
+        <p:spPr/>
+        <p:txBody>
+          <a:bodyPr/>
+          <a:lstStyle/>
+          <a:p>
+            <a:fld id="{B4008EB6-D09E-4580-8CD6-DDB14511944F}" type="slidenum">
+              <a:rPr lang="en-US" smtClean="0"/>
+              <a:pPr/>
+              <a:t>23</a:t>
             </a:fld>
             <a:endParaRPr lang="en-US" dirty="0"/>
           </a:p>
@@ -2697,7 +3778,7 @@
 </p:notes>
 </file>
 
-<file path=ppt/notesSlides/notesSlide19.xml><?xml version="1.0" encoding="utf-8"?>
+<file path=ppt/notesSlides/notesSlide24.xml><?xml version="1.0" encoding="utf-8"?>
 <p:notes xmlns:a="http://schemas.openxmlformats.org/drawingml/2006/main" xmlns:r="http://schemas.openxmlformats.org/officeDocument/2006/relationships" xmlns:p="http://schemas.openxmlformats.org/presentationml/2006/main">
   <p:cSld>
     <p:spTree>
@@ -2957,7 +4038,7 @@
                 <a:tabLst/>
                 <a:defRPr/>
               </a:pPr>
-              <a:t>9/15/2017 11:51 AM</a:t>
+              <a:t>9/17/2017 10:21 PM</a:t>
             </a:fld>
             <a:endParaRPr kumimoji="0" lang="en-US" sz="1200" b="0" i="0" u="none" strike="noStrike" kern="1200" cap="none" spc="0" normalizeH="0" baseline="0" noProof="0" dirty="0">
               <a:ln>
@@ -3040,7 +4121,7 @@
                 <a:tabLst/>
                 <a:defRPr/>
               </a:pPr>
-              <a:t>19</a:t>
+              <a:t>24</a:t>
             </a:fld>
             <a:endParaRPr kumimoji="0" lang="en-US" sz="1200" b="0" i="0" u="none" strike="noStrike" kern="1200" cap="none" spc="0" normalizeH="0" baseline="0" noProof="0" dirty="0">
               <a:ln>
@@ -3072,192 +4153,7 @@
 </p:notes>
 </file>
 
-<file path=ppt/notesSlides/notesSlide2.xml><?xml version="1.0" encoding="utf-8"?>
-<p:notes xmlns:a="http://schemas.openxmlformats.org/drawingml/2006/main" xmlns:r="http://schemas.openxmlformats.org/officeDocument/2006/relationships" xmlns:p="http://schemas.openxmlformats.org/presentationml/2006/main">
-  <p:cSld>
-    <p:spTree>
-      <p:nvGrpSpPr>
-        <p:cNvPr id="1" name=""/>
-        <p:cNvGrpSpPr/>
-        <p:nvPr/>
-      </p:nvGrpSpPr>
-      <p:grpSpPr>
-        <a:xfrm>
-          <a:off x="0" y="0"/>
-          <a:ext cx="0" cy="0"/>
-          <a:chOff x="0" y="0"/>
-          <a:chExt cx="0" cy="0"/>
-        </a:xfrm>
-      </p:grpSpPr>
-      <p:sp>
-        <p:nvSpPr>
-          <p:cNvPr id="2" name="Slide Image Placeholder 1"/>
-          <p:cNvSpPr>
-            <a:spLocks noGrp="1" noRot="1" noChangeAspect="1"/>
-          </p:cNvSpPr>
-          <p:nvPr>
-            <p:ph type="sldImg"/>
-          </p:nvPr>
-        </p:nvSpPr>
-        <p:spPr/>
-      </p:sp>
-      <p:sp>
-        <p:nvSpPr>
-          <p:cNvPr id="3" name="Notes Placeholder 2"/>
-          <p:cNvSpPr>
-            <a:spLocks noGrp="1"/>
-          </p:cNvSpPr>
-          <p:nvPr>
-            <p:ph type="body" idx="1"/>
-          </p:nvPr>
-        </p:nvSpPr>
-        <p:spPr/>
-        <p:txBody>
-          <a:bodyPr/>
-          <a:lstStyle/>
-          <a:p>
-            <a:endParaRPr lang="en-US"/>
-          </a:p>
-        </p:txBody>
-      </p:sp>
-      <p:sp>
-        <p:nvSpPr>
-          <p:cNvPr id="4" name="Header Placeholder 3"/>
-          <p:cNvSpPr>
-            <a:spLocks noGrp="1"/>
-          </p:cNvSpPr>
-          <p:nvPr>
-            <p:ph type="hdr" sz="quarter" idx="10"/>
-          </p:nvPr>
-        </p:nvSpPr>
-        <p:spPr/>
-        <p:txBody>
-          <a:bodyPr/>
-          <a:lstStyle/>
-          <a:p>
-            <a:r>
-              <a:rPr lang="en-US"/>
-              <a:t>Microsoft Ignite 2016</a:t>
-            </a:r>
-            <a:endParaRPr lang="en-US" dirty="0"/>
-          </a:p>
-        </p:txBody>
-      </p:sp>
-      <p:sp>
-        <p:nvSpPr>
-          <p:cNvPr id="5" name="Footer Placeholder 4"/>
-          <p:cNvSpPr>
-            <a:spLocks noGrp="1"/>
-          </p:cNvSpPr>
-          <p:nvPr>
-            <p:ph type="ftr" sz="quarter" idx="11"/>
-          </p:nvPr>
-        </p:nvSpPr>
-        <p:spPr/>
-        <p:txBody>
-          <a:bodyPr/>
-          <a:lstStyle/>
-          <a:p>
-            <a:pPr defTabSz="914099" eaLnBrk="0" hangingPunct="0"/>
-            <a:r>
-              <a:rPr lang="en-US" sz="400">
-                <a:gradFill>
-                  <a:gsLst>
-                    <a:gs pos="0">
-                      <a:prstClr val="black"/>
-                    </a:gs>
-                    <a:gs pos="100000">
-                      <a:prstClr val="black"/>
-                    </a:gs>
-                  </a:gsLst>
-                  <a:lin ang="5400000" scaled="0"/>
-                </a:gradFill>
-                <a:latin typeface="Segoe UI" pitchFamily="34" charset="0"/>
-                <a:ea typeface="Segoe UI" pitchFamily="34" charset="0"/>
-                <a:cs typeface="Segoe UI" pitchFamily="34" charset="0"/>
-              </a:rPr>
-              <a:t>© 2016 Microsoft Corporation. All rights reserved. MICROSOFT MAKES NO WARRANTIES, EXPRESS, IMPLIED OR STATUTORY, AS TO THE INFORMATION IN THIS PRESENTATION.</a:t>
-            </a:r>
-            <a:endParaRPr lang="en-US" sz="400" dirty="0">
-              <a:gradFill>
-                <a:gsLst>
-                  <a:gs pos="0">
-                    <a:prstClr val="black"/>
-                  </a:gs>
-                  <a:gs pos="100000">
-                    <a:prstClr val="black"/>
-                  </a:gs>
-                </a:gsLst>
-                <a:lin ang="5400000" scaled="0"/>
-              </a:gradFill>
-              <a:latin typeface="Segoe UI" pitchFamily="34" charset="0"/>
-              <a:ea typeface="Segoe UI" pitchFamily="34" charset="0"/>
-              <a:cs typeface="Segoe UI" pitchFamily="34" charset="0"/>
-            </a:endParaRPr>
-          </a:p>
-        </p:txBody>
-      </p:sp>
-      <p:sp>
-        <p:nvSpPr>
-          <p:cNvPr id="6" name="Date Placeholder 5"/>
-          <p:cNvSpPr>
-            <a:spLocks noGrp="1"/>
-          </p:cNvSpPr>
-          <p:nvPr>
-            <p:ph type="dt" idx="12"/>
-          </p:nvPr>
-        </p:nvSpPr>
-        <p:spPr/>
-        <p:txBody>
-          <a:bodyPr/>
-          <a:lstStyle/>
-          <a:p>
-            <a:fld id="{38EEC551-8CDA-4EB6-89BB-2A86C9F091C8}" type="datetime8">
-              <a:rPr lang="en-US" smtClean="0"/>
-              <a:t>9/15/2017 11:51 AM</a:t>
-            </a:fld>
-            <a:endParaRPr lang="en-US" dirty="0"/>
-          </a:p>
-        </p:txBody>
-      </p:sp>
-      <p:sp>
-        <p:nvSpPr>
-          <p:cNvPr id="7" name="Slide Number Placeholder 6"/>
-          <p:cNvSpPr>
-            <a:spLocks noGrp="1"/>
-          </p:cNvSpPr>
-          <p:nvPr>
-            <p:ph type="sldNum" sz="quarter" idx="13"/>
-          </p:nvPr>
-        </p:nvSpPr>
-        <p:spPr/>
-        <p:txBody>
-          <a:bodyPr/>
-          <a:lstStyle/>
-          <a:p>
-            <a:fld id="{B4008EB6-D09E-4580-8CD6-DDB14511944F}" type="slidenum">
-              <a:rPr lang="en-US" smtClean="0"/>
-              <a:pPr/>
-              <a:t>2</a:t>
-            </a:fld>
-            <a:endParaRPr lang="en-US" dirty="0"/>
-          </a:p>
-        </p:txBody>
-      </p:sp>
-    </p:spTree>
-    <p:extLst>
-      <p:ext uri="{BB962C8B-B14F-4D97-AF65-F5344CB8AC3E}">
-        <p14:creationId xmlns:p14="http://schemas.microsoft.com/office/powerpoint/2010/main" val="3321209449"/>
-      </p:ext>
-    </p:extLst>
-  </p:cSld>
-  <p:clrMapOvr>
-    <a:masterClrMapping/>
-  </p:clrMapOvr>
-</p:notes>
-</file>
-
-<file path=ppt/notesSlides/notesSlide20.xml><?xml version="1.0" encoding="utf-8"?>
+<file path=ppt/notesSlides/notesSlide25.xml><?xml version="1.0" encoding="utf-8"?>
 <p:notes xmlns:a="http://schemas.openxmlformats.org/drawingml/2006/main" xmlns:r="http://schemas.openxmlformats.org/officeDocument/2006/relationships" xmlns:p="http://schemas.openxmlformats.org/presentationml/2006/main">
   <p:cSld>
     <p:spTree>
@@ -3517,7 +4413,7 @@
                 <a:tabLst/>
                 <a:defRPr/>
               </a:pPr>
-              <a:t>9/15/2017 11:51 AM</a:t>
+              <a:t>9/17/2017 10:21 PM</a:t>
             </a:fld>
             <a:endParaRPr kumimoji="0" lang="en-US" sz="1200" b="0" i="0" u="none" strike="noStrike" kern="1200" cap="none" spc="0" normalizeH="0" baseline="0" noProof="0" dirty="0">
               <a:ln>
@@ -3600,7 +4496,7 @@
                 <a:tabLst/>
                 <a:defRPr/>
               </a:pPr>
-              <a:t>20</a:t>
+              <a:t>25</a:t>
             </a:fld>
             <a:endParaRPr kumimoji="0" lang="en-US" sz="1200" b="0" i="0" u="none" strike="noStrike" kern="1200" cap="none" spc="0" normalizeH="0" baseline="0" noProof="0" dirty="0">
               <a:ln>
@@ -3632,7 +4528,7 @@
 </p:notes>
 </file>
 
-<file path=ppt/notesSlides/notesSlide21.xml><?xml version="1.0" encoding="utf-8"?>
+<file path=ppt/notesSlides/notesSlide26.xml><?xml version="1.0" encoding="utf-8"?>
 <p:notes xmlns:a="http://schemas.openxmlformats.org/drawingml/2006/main" xmlns:r="http://schemas.openxmlformats.org/officeDocument/2006/relationships" xmlns:p="http://schemas.openxmlformats.org/presentationml/2006/main">
   <p:cSld>
     <p:spTree>
@@ -3892,7 +4788,7 @@
                 <a:tabLst/>
                 <a:defRPr/>
               </a:pPr>
-              <a:t>9/15/2017 11:51 AM</a:t>
+              <a:t>9/17/2017 10:21 PM</a:t>
             </a:fld>
             <a:endParaRPr kumimoji="0" lang="en-US" sz="1200" b="0" i="0" u="none" strike="noStrike" kern="1200" cap="none" spc="0" normalizeH="0" baseline="0" noProof="0" dirty="0">
               <a:ln>
@@ -3975,7 +4871,7 @@
                 <a:tabLst/>
                 <a:defRPr/>
               </a:pPr>
-              <a:t>21</a:t>
+              <a:t>26</a:t>
             </a:fld>
             <a:endParaRPr kumimoji="0" lang="en-US" sz="1200" b="0" i="0" u="none" strike="noStrike" kern="1200" cap="none" spc="0" normalizeH="0" baseline="0" noProof="0" dirty="0">
               <a:ln>
@@ -4007,7 +4903,7 @@
 </p:notes>
 </file>
 
-<file path=ppt/notesSlides/notesSlide22.xml><?xml version="1.0" encoding="utf-8"?>
+<file path=ppt/notesSlides/notesSlide27.xml><?xml version="1.0" encoding="utf-8"?>
 <p:notes xmlns:a="http://schemas.openxmlformats.org/drawingml/2006/main" xmlns:r="http://schemas.openxmlformats.org/officeDocument/2006/relationships" xmlns:p="http://schemas.openxmlformats.org/presentationml/2006/main">
   <p:cSld>
     <p:spTree>
@@ -4267,7 +5163,7 @@
                 <a:tabLst/>
                 <a:defRPr/>
               </a:pPr>
-              <a:t>9/15/2017 11:51 AM</a:t>
+              <a:t>9/17/2017 10:21 PM</a:t>
             </a:fld>
             <a:endParaRPr kumimoji="0" lang="en-US" sz="1200" b="0" i="0" u="none" strike="noStrike" kern="1200" cap="none" spc="0" normalizeH="0" baseline="0" noProof="0" dirty="0">
               <a:ln>
@@ -4350,7 +5246,7 @@
                 <a:tabLst/>
                 <a:defRPr/>
               </a:pPr>
-              <a:t>22</a:t>
+              <a:t>27</a:t>
             </a:fld>
             <a:endParaRPr kumimoji="0" lang="en-US" sz="1200" b="0" i="0" u="none" strike="noStrike" kern="1200" cap="none" spc="0" normalizeH="0" baseline="0" noProof="0" dirty="0">
               <a:ln>
@@ -4524,7 +5420,7 @@
           <a:p>
             <a:fld id="{38EEC551-8CDA-4EB6-89BB-2A86C9F091C8}" type="datetime8">
               <a:rPr lang="en-US" smtClean="0"/>
-              <a:t>9/15/2017 11:51 AM</a:t>
+              <a:t>9/17/2017 10:21 PM</a:t>
             </a:fld>
             <a:endParaRPr lang="en-US" dirty="0"/>
           </a:p>
@@ -4705,7 +5601,7 @@
           <a:p>
             <a:fld id="{38EEC551-8CDA-4EB6-89BB-2A86C9F091C8}" type="datetime8">
               <a:rPr lang="en-US" smtClean="0"/>
-              <a:t>9/15/2017 11:51 AM</a:t>
+              <a:t>9/17/2017 10:21 PM</a:t>
             </a:fld>
             <a:endParaRPr lang="en-US" dirty="0"/>
           </a:p>
@@ -5178,7 +6074,7 @@
           <a:p>
             <a:fld id="{38EEC551-8CDA-4EB6-89BB-2A86C9F091C8}" type="datetime8">
               <a:rPr lang="en-US" smtClean="0"/>
-              <a:t>9/15/2017 11:51 AM</a:t>
+              <a:t>9/17/2017 10:21 PM</a:t>
             </a:fld>
             <a:endParaRPr lang="en-US" dirty="0"/>
           </a:p>
@@ -5363,7 +6259,7 @@
           <a:p>
             <a:fld id="{38EEC551-8CDA-4EB6-89BB-2A86C9F091C8}" type="datetime8">
               <a:rPr lang="en-US" smtClean="0"/>
-              <a:t>9/15/2017 11:51 AM</a:t>
+              <a:t>9/17/2017 10:21 PM</a:t>
             </a:fld>
             <a:endParaRPr lang="en-US" dirty="0"/>
           </a:p>
@@ -5450,18 +6346,18 @@
           <a:bodyPr/>
           <a:lstStyle/>
           <a:p>
-            <a:endParaRPr lang="en-GB" b="1" dirty="0"/>
-          </a:p>
-        </p:txBody>
-      </p:sp>
-      <p:sp>
-        <p:nvSpPr>
-          <p:cNvPr id="4" name="Header Placeholder 3"/>
+            <a:endParaRPr lang="en-US" dirty="0"/>
+          </a:p>
+        </p:txBody>
+      </p:sp>
+      <p:sp>
+        <p:nvSpPr>
+          <p:cNvPr id="4" name="Slide Number Placeholder 3"/>
           <p:cNvSpPr>
             <a:spLocks noGrp="1"/>
           </p:cNvSpPr>
           <p:nvPr>
-            <p:ph type="hdr" sz="quarter" idx="10"/>
+            <p:ph type="sldNum" sz="quarter" idx="10"/>
           </p:nvPr>
         </p:nvSpPr>
         <p:spPr/>
@@ -5469,115 +6365,78 @@
           <a:bodyPr/>
           <a:lstStyle/>
           <a:p>
-            <a:endParaRPr lang="en-US" dirty="0"/>
-          </a:p>
-        </p:txBody>
-      </p:sp>
-      <p:sp>
-        <p:nvSpPr>
-          <p:cNvPr id="5" name="Footer Placeholder 4"/>
-          <p:cNvSpPr>
-            <a:spLocks noGrp="1"/>
-          </p:cNvSpPr>
-          <p:nvPr>
-            <p:ph type="ftr" sz="quarter" idx="11"/>
-          </p:nvPr>
-        </p:nvSpPr>
-        <p:spPr/>
-        <p:txBody>
-          <a:bodyPr/>
-          <a:lstStyle/>
-          <a:p>
-            <a:pPr defTabSz="932929" eaLnBrk="0" hangingPunct="0"/>
-            <a:r>
-              <a:rPr lang="en-US" sz="400">
-                <a:gradFill>
-                  <a:gsLst>
-                    <a:gs pos="0">
-                      <a:prstClr val="black"/>
-                    </a:gs>
-                    <a:gs pos="100000">
-                      <a:prstClr val="black"/>
-                    </a:gs>
-                  </a:gsLst>
-                  <a:lin ang="5400000" scaled="0"/>
-                </a:gradFill>
-                <a:latin typeface="Segoe UI" pitchFamily="34" charset="0"/>
-                <a:ea typeface="Segoe UI" pitchFamily="34" charset="0"/>
-                <a:cs typeface="Segoe UI" pitchFamily="34" charset="0"/>
+            <a:pPr marL="0" marR="0" lvl="0" indent="0" algn="r" defTabSz="932688" rtl="0" eaLnBrk="1" fontAlgn="auto" latinLnBrk="0" hangingPunct="1">
+              <a:lnSpc>
+                <a:spcPct val="100000"/>
+              </a:lnSpc>
+              <a:spcBef>
+                <a:spcPts val="0"/>
+              </a:spcBef>
+              <a:spcAft>
+                <a:spcPts val="0"/>
+              </a:spcAft>
+              <a:buClrTx/>
+              <a:buSzTx/>
+              <a:buFontTx/>
+              <a:buNone/>
+              <a:tabLst/>
+              <a:defRPr/>
+            </a:pPr>
+            <a:fld id="{022AA1F8-C6D2-426C-8EA8-1BF39B5677DF}" type="slidenum">
+              <a:rPr kumimoji="0" lang="en-US" sz="1200" b="0" i="0" u="none" strike="noStrike" kern="1200" cap="none" spc="0" normalizeH="0" baseline="0" noProof="0" smtClean="0">
+                <a:ln>
+                  <a:noFill/>
+                </a:ln>
+                <a:solidFill>
+                  <a:prstClr val="black"/>
+                </a:solidFill>
+                <a:effectLst/>
+                <a:uLnTx/>
+                <a:uFillTx/>
+                <a:latin typeface="Calibri" panose="020F0502020204030204"/>
+                <a:ea typeface="+mn-ea"/>
+                <a:cs typeface="+mn-cs"/>
               </a:rPr>
-              <a:t>© 2014 Microsoft Corporation. All rights reserved. MICROSOFT MAKES NO WARRANTIES, EXPRESS, IMPLIED OR STATUTORY, AS TO THE INFORMATION IN THIS PRESENTATION.</a:t>
-            </a:r>
-            <a:endParaRPr lang="en-US" sz="400" dirty="0">
-              <a:gradFill>
-                <a:gsLst>
-                  <a:gs pos="0">
-                    <a:prstClr val="black"/>
-                  </a:gs>
-                  <a:gs pos="100000">
-                    <a:prstClr val="black"/>
-                  </a:gs>
-                </a:gsLst>
-                <a:lin ang="5400000" scaled="0"/>
-              </a:gradFill>
-              <a:latin typeface="Segoe UI" pitchFamily="34" charset="0"/>
-              <a:ea typeface="Segoe UI" pitchFamily="34" charset="0"/>
-              <a:cs typeface="Segoe UI" pitchFamily="34" charset="0"/>
-            </a:endParaRPr>
-          </a:p>
-        </p:txBody>
-      </p:sp>
-      <p:sp>
-        <p:nvSpPr>
-          <p:cNvPr id="6" name="Date Placeholder 5"/>
-          <p:cNvSpPr>
-            <a:spLocks noGrp="1"/>
-          </p:cNvSpPr>
-          <p:nvPr>
-            <p:ph type="dt" idx="12"/>
-          </p:nvPr>
-        </p:nvSpPr>
-        <p:spPr/>
-        <p:txBody>
-          <a:bodyPr/>
-          <a:lstStyle/>
-          <a:p>
-            <a:fld id="{38EEC551-8CDA-4EB6-89BB-2A86C9F091C8}" type="datetime8">
-              <a:rPr lang="en-US" smtClean="0"/>
-              <a:t>9/15/2017 11:51 AM</a:t>
-            </a:fld>
-            <a:endParaRPr lang="en-US" dirty="0"/>
-          </a:p>
-        </p:txBody>
-      </p:sp>
-      <p:sp>
-        <p:nvSpPr>
-          <p:cNvPr id="7" name="Slide Number Placeholder 6"/>
-          <p:cNvSpPr>
-            <a:spLocks noGrp="1"/>
-          </p:cNvSpPr>
-          <p:nvPr>
-            <p:ph type="sldNum" sz="quarter" idx="13"/>
-          </p:nvPr>
-        </p:nvSpPr>
-        <p:spPr/>
-        <p:txBody>
-          <a:bodyPr/>
-          <a:lstStyle/>
-          <a:p>
-            <a:fld id="{B4008EB6-D09E-4580-8CD6-DDB14511944F}" type="slidenum">
-              <a:rPr lang="en-US" smtClean="0"/>
-              <a:pPr/>
+              <a:pPr marL="0" marR="0" lvl="0" indent="0" algn="r" defTabSz="932688" rtl="0" eaLnBrk="1" fontAlgn="auto" latinLnBrk="0" hangingPunct="1">
+                <a:lnSpc>
+                  <a:spcPct val="100000"/>
+                </a:lnSpc>
+                <a:spcBef>
+                  <a:spcPts val="0"/>
+                </a:spcBef>
+                <a:spcAft>
+                  <a:spcPts val="0"/>
+                </a:spcAft>
+                <a:buClrTx/>
+                <a:buSzTx/>
+                <a:buFontTx/>
+                <a:buNone/>
+                <a:tabLst/>
+                <a:defRPr/>
+              </a:pPr>
               <a:t>9</a:t>
             </a:fld>
-            <a:endParaRPr lang="en-US" dirty="0"/>
+            <a:endParaRPr kumimoji="0" lang="en-US" sz="1200" b="0" i="0" u="none" strike="noStrike" kern="1200" cap="none" spc="0" normalizeH="0" baseline="0" noProof="0">
+              <a:ln>
+                <a:noFill/>
+              </a:ln>
+              <a:solidFill>
+                <a:prstClr val="black"/>
+              </a:solidFill>
+              <a:effectLst/>
+              <a:uLnTx/>
+              <a:uFillTx/>
+              <a:latin typeface="Calibri" panose="020F0502020204030204"/>
+              <a:ea typeface="+mn-ea"/>
+              <a:cs typeface="+mn-cs"/>
+            </a:endParaRPr>
           </a:p>
         </p:txBody>
       </p:sp>
     </p:spTree>
     <p:extLst>
       <p:ext uri="{BB962C8B-B14F-4D97-AF65-F5344CB8AC3E}">
-        <p14:creationId xmlns:p14="http://schemas.microsoft.com/office/powerpoint/2010/main" val="1978513121"/>
+        <p14:creationId xmlns:p14="http://schemas.microsoft.com/office/powerpoint/2010/main" val="1785940328"/>
       </p:ext>
     </p:extLst>
   </p:cSld>
@@ -19741,6 +20600,929 @@
       </p:grpSpPr>
       <p:sp>
         <p:nvSpPr>
+          <p:cNvPr id="4" name="Arrow: Notched Right 3">
+            <a:extLst>
+              <a:ext uri="{FF2B5EF4-FFF2-40B4-BE49-F238E27FC236}">
+                <a16:creationId xmlns:a16="http://schemas.microsoft.com/office/drawing/2014/main" id="{0D3DE9C4-CA2B-447D-B892-88D800257F1D}"/>
+              </a:ext>
+            </a:extLst>
+          </p:cNvPr>
+          <p:cNvSpPr/>
+          <p:nvPr/>
+        </p:nvSpPr>
+        <p:spPr bwMode="auto">
+          <a:xfrm>
+            <a:off x="183263" y="2148418"/>
+            <a:ext cx="11980940" cy="1005829"/>
+          </a:xfrm>
+          <a:prstGeom prst="notchedRightArrow">
+            <a:avLst/>
+          </a:prstGeom>
+          <a:pattFill prst="wdDnDiag">
+            <a:fgClr>
+              <a:schemeClr val="accent1"/>
+            </a:fgClr>
+            <a:bgClr>
+              <a:schemeClr val="bg1"/>
+            </a:bgClr>
+          </a:pattFill>
+          <a:ln>
+            <a:noFill/>
+            <a:headEnd type="none" w="med" len="med"/>
+            <a:tailEnd type="none" w="med" len="med"/>
+          </a:ln>
+        </p:spPr>
+        <p:style>
+          <a:lnRef idx="2">
+            <a:schemeClr val="accent1">
+              <a:shade val="50000"/>
+            </a:schemeClr>
+          </a:lnRef>
+          <a:fillRef idx="1">
+            <a:schemeClr val="accent1"/>
+          </a:fillRef>
+          <a:effectRef idx="0">
+            <a:schemeClr val="accent1"/>
+          </a:effectRef>
+          <a:fontRef idx="minor">
+            <a:schemeClr val="lt1"/>
+          </a:fontRef>
+        </p:style>
+        <p:txBody>
+          <a:bodyPr vert="horz" wrap="square" lIns="0" tIns="46637" rIns="0" bIns="46637" numCol="1" rtlCol="0" anchor="ctr" anchorCtr="0" compatLnSpc="1">
+            <a:prstTxWarp prst="textNoShape">
+              <a:avLst/>
+            </a:prstTxWarp>
+          </a:bodyPr>
+          <a:lstStyle/>
+          <a:p>
+            <a:pPr marL="0" marR="0" lvl="0" indent="0" algn="ctr" defTabSz="932472" rtl="0" eaLnBrk="1" fontAlgn="base" latinLnBrk="0" hangingPunct="1">
+              <a:lnSpc>
+                <a:spcPct val="100000"/>
+              </a:lnSpc>
+              <a:spcBef>
+                <a:spcPct val="0"/>
+              </a:spcBef>
+              <a:spcAft>
+                <a:spcPct val="0"/>
+              </a:spcAft>
+              <a:buClrTx/>
+              <a:buSzTx/>
+              <a:buFontTx/>
+              <a:buNone/>
+              <a:tabLst/>
+              <a:defRPr/>
+            </a:pPr>
+            <a:endParaRPr kumimoji="0" lang="en-US" sz="2000" b="0" i="0" u="none" strike="noStrike" kern="1200" cap="none" spc="0" normalizeH="0" baseline="0" noProof="0" dirty="0">
+              <a:ln>
+                <a:noFill/>
+              </a:ln>
+              <a:gradFill>
+                <a:gsLst>
+                  <a:gs pos="5439">
+                    <a:srgbClr val="F8F8F8"/>
+                  </a:gs>
+                  <a:gs pos="10000">
+                    <a:srgbClr val="F8F8F8"/>
+                  </a:gs>
+                </a:gsLst>
+                <a:lin ang="5400000" scaled="0"/>
+              </a:gradFill>
+              <a:effectLst/>
+              <a:uLnTx/>
+              <a:uFillTx/>
+              <a:latin typeface="Segoe UI Semilight"/>
+              <a:ea typeface="+mn-ea"/>
+              <a:cs typeface="+mn-cs"/>
+            </a:endParaRPr>
+          </a:p>
+        </p:txBody>
+      </p:sp>
+      <p:sp>
+        <p:nvSpPr>
+          <p:cNvPr id="13" name="Rectangle 12"/>
+          <p:cNvSpPr/>
+          <p:nvPr/>
+        </p:nvSpPr>
+        <p:spPr bwMode="auto">
+          <a:xfrm>
+            <a:off x="549019" y="2217116"/>
+            <a:ext cx="2103097" cy="868434"/>
+          </a:xfrm>
+          <a:prstGeom prst="rect">
+            <a:avLst/>
+          </a:prstGeom>
+          <a:solidFill>
+            <a:schemeClr val="accent5">
+              <a:lumMod val="60000"/>
+              <a:lumOff val="40000"/>
+            </a:schemeClr>
+          </a:solidFill>
+          <a:ln>
+            <a:noFill/>
+            <a:headEnd type="none" w="med" len="med"/>
+            <a:tailEnd type="none" w="med" len="med"/>
+          </a:ln>
+        </p:spPr>
+        <p:style>
+          <a:lnRef idx="2">
+            <a:schemeClr val="accent1">
+              <a:shade val="50000"/>
+            </a:schemeClr>
+          </a:lnRef>
+          <a:fillRef idx="1">
+            <a:schemeClr val="accent1"/>
+          </a:fillRef>
+          <a:effectRef idx="0">
+            <a:schemeClr val="accent1"/>
+          </a:effectRef>
+          <a:fontRef idx="minor">
+            <a:schemeClr val="lt1"/>
+          </a:fontRef>
+        </p:style>
+        <p:txBody>
+          <a:bodyPr vert="horz" wrap="square" lIns="182828" tIns="146262" rIns="182828" bIns="146262" numCol="1" rtlCol="0" anchor="ctr" anchorCtr="0" compatLnSpc="1">
+            <a:prstTxWarp prst="textNoShape">
+              <a:avLst/>
+            </a:prstTxWarp>
+          </a:bodyPr>
+          <a:lstStyle/>
+          <a:p>
+            <a:pPr marL="0" marR="0" lvl="0" indent="0" algn="l" defTabSz="932114" rtl="0" eaLnBrk="1" fontAlgn="base" latinLnBrk="0" hangingPunct="1">
+              <a:lnSpc>
+                <a:spcPct val="100000"/>
+              </a:lnSpc>
+              <a:spcBef>
+                <a:spcPct val="0"/>
+              </a:spcBef>
+              <a:spcAft>
+                <a:spcPct val="0"/>
+              </a:spcAft>
+              <a:buClrTx/>
+              <a:buSzTx/>
+              <a:buFontTx/>
+              <a:buNone/>
+              <a:tabLst/>
+              <a:defRPr/>
+            </a:pPr>
+            <a:r>
+              <a:rPr kumimoji="0" lang="en-US" sz="2000" b="1" i="0" u="none" strike="noStrike" kern="1200" cap="none" spc="0" normalizeH="0" baseline="0" noProof="0" dirty="0">
+                <a:ln>
+                  <a:noFill/>
+                </a:ln>
+                <a:solidFill>
+                  <a:srgbClr val="505050"/>
+                </a:solidFill>
+                <a:effectLst/>
+                <a:uLnTx/>
+                <a:uFillTx/>
+                <a:latin typeface="Segoe UI Semilight"/>
+                <a:ea typeface="+mn-ea"/>
+                <a:cs typeface="+mn-cs"/>
+              </a:rPr>
+              <a:t>ASP.NET 4.6</a:t>
+            </a:r>
+            <a:br>
+              <a:rPr kumimoji="0" lang="en-US" sz="2000" b="0" i="0" u="none" strike="noStrike" kern="1200" cap="none" spc="0" normalizeH="0" baseline="0" noProof="0" dirty="0">
+                <a:ln>
+                  <a:noFill/>
+                </a:ln>
+                <a:solidFill>
+                  <a:srgbClr val="505050"/>
+                </a:solidFill>
+                <a:effectLst/>
+                <a:uLnTx/>
+                <a:uFillTx/>
+                <a:latin typeface="Segoe UI Semilight"/>
+                <a:ea typeface="+mn-ea"/>
+                <a:cs typeface="+mn-cs"/>
+              </a:rPr>
+            </a:br>
+            <a:r>
+              <a:rPr kumimoji="0" lang="en-US" sz="1400" b="0" i="0" u="none" strike="noStrike" kern="1200" cap="none" spc="0" normalizeH="0" baseline="0" noProof="0" dirty="0">
+                <a:ln>
+                  <a:noFill/>
+                </a:ln>
+                <a:solidFill>
+                  <a:srgbClr val="505050"/>
+                </a:solidFill>
+                <a:effectLst/>
+                <a:uLnTx/>
+                <a:uFillTx/>
+                <a:latin typeface="Segoe UI Semilight"/>
+                <a:ea typeface="+mn-ea"/>
+                <a:cs typeface="+mn-cs"/>
+              </a:rPr>
+              <a:t>(</a:t>
+            </a:r>
+            <a:r>
+              <a:rPr kumimoji="0" lang="en-US" sz="1400" b="0" i="0" u="none" strike="noStrike" kern="1200" cap="none" spc="0" normalizeH="0" baseline="0" noProof="0" dirty="0" err="1">
+                <a:ln>
+                  <a:noFill/>
+                </a:ln>
+                <a:solidFill>
+                  <a:srgbClr val="505050"/>
+                </a:solidFill>
+                <a:effectLst/>
+                <a:uLnTx/>
+                <a:uFillTx/>
+                <a:latin typeface="Segoe UI Semilight"/>
+                <a:ea typeface="+mn-ea"/>
+                <a:cs typeface="+mn-cs"/>
+              </a:rPr>
+              <a:t>WebForms</a:t>
+            </a:r>
+            <a:r>
+              <a:rPr kumimoji="0" lang="en-US" sz="1400" b="0" i="0" u="none" strike="noStrike" kern="1200" cap="none" spc="0" normalizeH="0" baseline="0" noProof="0" dirty="0">
+                <a:ln>
+                  <a:noFill/>
+                </a:ln>
+                <a:solidFill>
+                  <a:srgbClr val="505050"/>
+                </a:solidFill>
+                <a:effectLst/>
+                <a:uLnTx/>
+                <a:uFillTx/>
+                <a:latin typeface="Segoe UI Semilight"/>
+                <a:ea typeface="+mn-ea"/>
+                <a:cs typeface="+mn-cs"/>
+              </a:rPr>
+              <a:t>, MVC, </a:t>
+            </a:r>
+            <a:br>
+              <a:rPr kumimoji="0" lang="en-US" sz="1400" b="0" i="0" u="none" strike="noStrike" kern="1200" cap="none" spc="0" normalizeH="0" baseline="0" noProof="0" dirty="0">
+                <a:ln>
+                  <a:noFill/>
+                </a:ln>
+                <a:solidFill>
+                  <a:srgbClr val="505050"/>
+                </a:solidFill>
+                <a:effectLst/>
+                <a:uLnTx/>
+                <a:uFillTx/>
+                <a:latin typeface="Segoe UI Semilight"/>
+                <a:ea typeface="+mn-ea"/>
+                <a:cs typeface="+mn-cs"/>
+              </a:rPr>
+            </a:br>
+            <a:r>
+              <a:rPr kumimoji="0" lang="en-US" sz="1400" b="0" i="0" u="none" strike="noStrike" kern="1200" cap="none" spc="0" normalizeH="0" baseline="0" noProof="0" dirty="0">
+                <a:ln>
+                  <a:noFill/>
+                </a:ln>
+                <a:solidFill>
+                  <a:srgbClr val="505050"/>
+                </a:solidFill>
+                <a:effectLst/>
+                <a:uLnTx/>
+                <a:uFillTx/>
+                <a:latin typeface="Segoe UI Semilight"/>
+                <a:ea typeface="+mn-ea"/>
+                <a:cs typeface="+mn-cs"/>
+              </a:rPr>
+              <a:t>Web API, Web Pages)</a:t>
+            </a:r>
+            <a:endParaRPr kumimoji="0" lang="en-US" sz="1600" b="0" i="0" u="none" strike="noStrike" kern="1200" cap="none" spc="0" normalizeH="0" baseline="0" noProof="0" dirty="0">
+              <a:ln>
+                <a:noFill/>
+              </a:ln>
+              <a:solidFill>
+                <a:srgbClr val="505050"/>
+              </a:solidFill>
+              <a:effectLst/>
+              <a:uLnTx/>
+              <a:uFillTx/>
+              <a:latin typeface="Segoe UI Semilight"/>
+              <a:ea typeface="+mn-ea"/>
+              <a:cs typeface="+mn-cs"/>
+            </a:endParaRPr>
+          </a:p>
+        </p:txBody>
+      </p:sp>
+      <p:sp>
+        <p:nvSpPr>
+          <p:cNvPr id="9" name="Title 1"/>
+          <p:cNvSpPr>
+            <a:spLocks noGrp="1"/>
+          </p:cNvSpPr>
+          <p:nvPr>
+            <p:ph type="title"/>
+          </p:nvPr>
+        </p:nvSpPr>
+        <p:spPr/>
+        <p:txBody>
+          <a:bodyPr/>
+          <a:lstStyle/>
+          <a:p>
+            <a:r>
+              <a:rPr lang="en-US" dirty="0"/>
+              <a:t>ASP.NET = A unified web stack </a:t>
+            </a:r>
+          </a:p>
+        </p:txBody>
+      </p:sp>
+      <p:sp>
+        <p:nvSpPr>
+          <p:cNvPr id="8" name="Rectangle 7"/>
+          <p:cNvSpPr/>
+          <p:nvPr/>
+        </p:nvSpPr>
+        <p:spPr bwMode="auto">
+          <a:xfrm>
+            <a:off x="2834994" y="2217115"/>
+            <a:ext cx="2285840" cy="868434"/>
+          </a:xfrm>
+          <a:prstGeom prst="rect">
+            <a:avLst/>
+          </a:prstGeom>
+          <a:solidFill>
+            <a:schemeClr val="accent5"/>
+          </a:solidFill>
+          <a:ln>
+            <a:noFill/>
+            <a:headEnd type="none" w="med" len="med"/>
+            <a:tailEnd type="none" w="med" len="med"/>
+          </a:ln>
+        </p:spPr>
+        <p:style>
+          <a:lnRef idx="2">
+            <a:schemeClr val="accent1">
+              <a:shade val="50000"/>
+            </a:schemeClr>
+          </a:lnRef>
+          <a:fillRef idx="1">
+            <a:schemeClr val="accent1"/>
+          </a:fillRef>
+          <a:effectRef idx="0">
+            <a:schemeClr val="accent1"/>
+          </a:effectRef>
+          <a:fontRef idx="minor">
+            <a:schemeClr val="lt1"/>
+          </a:fontRef>
+        </p:style>
+        <p:txBody>
+          <a:bodyPr vert="horz" wrap="square" lIns="182828" tIns="146262" rIns="182828" bIns="146262" numCol="1" rtlCol="0" anchor="ctr" anchorCtr="0" compatLnSpc="1">
+            <a:prstTxWarp prst="textNoShape">
+              <a:avLst/>
+            </a:prstTxWarp>
+          </a:bodyPr>
+          <a:lstStyle/>
+          <a:p>
+            <a:pPr marL="0" marR="0" lvl="0" indent="0" algn="l" defTabSz="932114" rtl="0" eaLnBrk="1" fontAlgn="base" latinLnBrk="0" hangingPunct="1">
+              <a:lnSpc>
+                <a:spcPct val="100000"/>
+              </a:lnSpc>
+              <a:spcBef>
+                <a:spcPct val="0"/>
+              </a:spcBef>
+              <a:spcAft>
+                <a:spcPct val="0"/>
+              </a:spcAft>
+              <a:buClrTx/>
+              <a:buSzTx/>
+              <a:buFontTx/>
+              <a:buNone/>
+              <a:tabLst/>
+              <a:defRPr/>
+            </a:pPr>
+            <a:r>
+              <a:rPr kumimoji="0" lang="en-US" sz="2000" b="1" i="0" u="none" strike="noStrike" kern="1200" cap="none" spc="0" normalizeH="0" baseline="0" noProof="0" dirty="0">
+                <a:ln>
+                  <a:noFill/>
+                </a:ln>
+                <a:solidFill>
+                  <a:srgbClr val="505050"/>
+                </a:solidFill>
+                <a:effectLst/>
+                <a:uLnTx/>
+                <a:uFillTx/>
+                <a:latin typeface="Segoe UI Semilight"/>
+                <a:ea typeface="+mn-ea"/>
+                <a:cs typeface="+mn-cs"/>
+              </a:rPr>
+              <a:t>ASP.NET Core 1.0</a:t>
+            </a:r>
+            <a:br>
+              <a:rPr kumimoji="0" lang="en-US" sz="2000" b="0" i="0" u="none" strike="noStrike" kern="1200" cap="none" spc="0" normalizeH="0" baseline="0" noProof="0" dirty="0">
+                <a:ln>
+                  <a:noFill/>
+                </a:ln>
+                <a:solidFill>
+                  <a:srgbClr val="505050"/>
+                </a:solidFill>
+                <a:effectLst/>
+                <a:uLnTx/>
+                <a:uFillTx/>
+                <a:latin typeface="Segoe UI Semilight"/>
+                <a:ea typeface="+mn-ea"/>
+                <a:cs typeface="+mn-cs"/>
+              </a:rPr>
+            </a:br>
+            <a:r>
+              <a:rPr kumimoji="0" lang="en-US" sz="1836" b="0" i="0" u="none" strike="noStrike" kern="1200" cap="none" spc="0" normalizeH="0" baseline="0" noProof="0" dirty="0">
+                <a:ln>
+                  <a:noFill/>
+                </a:ln>
+                <a:solidFill>
+                  <a:srgbClr val="505050"/>
+                </a:solidFill>
+                <a:effectLst/>
+                <a:uLnTx/>
+                <a:uFillTx/>
+                <a:latin typeface="Segoe UI Semilight"/>
+                <a:ea typeface="+mn-ea"/>
+                <a:cs typeface="+mn-cs"/>
+              </a:rPr>
+              <a:t>Web API+MVC</a:t>
+            </a:r>
+            <a:endParaRPr kumimoji="0" lang="en-US" sz="2000" b="0" i="0" u="none" strike="noStrike" kern="1200" cap="none" spc="0" normalizeH="0" baseline="0" noProof="0" dirty="0">
+              <a:ln>
+                <a:noFill/>
+              </a:ln>
+              <a:solidFill>
+                <a:srgbClr val="505050"/>
+              </a:solidFill>
+              <a:effectLst/>
+              <a:uLnTx/>
+              <a:uFillTx/>
+              <a:latin typeface="Segoe UI Semilight"/>
+              <a:ea typeface="+mn-ea"/>
+              <a:cs typeface="+mn-cs"/>
+            </a:endParaRPr>
+          </a:p>
+        </p:txBody>
+      </p:sp>
+      <p:sp>
+        <p:nvSpPr>
+          <p:cNvPr id="10" name="Rectangle 9">
+            <a:extLst>
+              <a:ext uri="{FF2B5EF4-FFF2-40B4-BE49-F238E27FC236}">
+                <a16:creationId xmlns:a16="http://schemas.microsoft.com/office/drawing/2014/main" id="{D3B1ECD4-FF1F-4FB7-A709-F4C6F2DC622F}"/>
+              </a:ext>
+            </a:extLst>
+          </p:cNvPr>
+          <p:cNvSpPr/>
+          <p:nvPr/>
+        </p:nvSpPr>
+        <p:spPr bwMode="auto">
+          <a:xfrm>
+            <a:off x="5255207" y="2217115"/>
+            <a:ext cx="3340443" cy="868434"/>
+          </a:xfrm>
+          <a:prstGeom prst="rect">
+            <a:avLst/>
+          </a:prstGeom>
+          <a:solidFill>
+            <a:schemeClr val="accent5">
+              <a:lumMod val="75000"/>
+            </a:schemeClr>
+          </a:solidFill>
+          <a:ln>
+            <a:headEnd type="none" w="med" len="med"/>
+            <a:tailEnd type="none" w="med" len="med"/>
+          </a:ln>
+        </p:spPr>
+        <p:style>
+          <a:lnRef idx="2">
+            <a:schemeClr val="accent6">
+              <a:shade val="50000"/>
+            </a:schemeClr>
+          </a:lnRef>
+          <a:fillRef idx="1">
+            <a:schemeClr val="accent6"/>
+          </a:fillRef>
+          <a:effectRef idx="0">
+            <a:schemeClr val="accent6"/>
+          </a:effectRef>
+          <a:fontRef idx="minor">
+            <a:schemeClr val="lt1"/>
+          </a:fontRef>
+        </p:style>
+        <p:txBody>
+          <a:bodyPr vert="horz" wrap="square" lIns="182828" tIns="146262" rIns="182828" bIns="146262" numCol="1" rtlCol="0" anchor="ctr" anchorCtr="0" compatLnSpc="1">
+            <a:prstTxWarp prst="textNoShape">
+              <a:avLst/>
+            </a:prstTxWarp>
+          </a:bodyPr>
+          <a:lstStyle/>
+          <a:p>
+            <a:pPr marL="0" marR="0" lvl="0" indent="0" algn="l" defTabSz="932114" rtl="0" eaLnBrk="1" fontAlgn="base" latinLnBrk="0" hangingPunct="1">
+              <a:lnSpc>
+                <a:spcPct val="100000"/>
+              </a:lnSpc>
+              <a:spcBef>
+                <a:spcPct val="0"/>
+              </a:spcBef>
+              <a:spcAft>
+                <a:spcPct val="0"/>
+              </a:spcAft>
+              <a:buClrTx/>
+              <a:buSzTx/>
+              <a:buFontTx/>
+              <a:buNone/>
+              <a:tabLst/>
+              <a:defRPr/>
+            </a:pPr>
+            <a:r>
+              <a:rPr kumimoji="0" lang="en-US" sz="2000" b="1" i="0" u="none" strike="noStrike" kern="1200" cap="none" spc="0" normalizeH="0" baseline="0" noProof="0" dirty="0">
+                <a:ln>
+                  <a:noFill/>
+                </a:ln>
+                <a:solidFill>
+                  <a:srgbClr val="FFFFFF"/>
+                </a:solidFill>
+                <a:effectLst/>
+                <a:uLnTx/>
+                <a:uFillTx/>
+                <a:latin typeface="Segoe UI Semilight"/>
+                <a:ea typeface="+mn-ea"/>
+                <a:cs typeface="+mn-cs"/>
+              </a:rPr>
+              <a:t>ASP.NET Core 2.0</a:t>
+            </a:r>
+            <a:br>
+              <a:rPr kumimoji="0" lang="en-US" sz="2000" b="0" i="0" u="none" strike="noStrike" kern="1200" cap="none" spc="0" normalizeH="0" baseline="0" noProof="0" dirty="0">
+                <a:ln>
+                  <a:noFill/>
+                </a:ln>
+                <a:solidFill>
+                  <a:srgbClr val="FFFFFF"/>
+                </a:solidFill>
+                <a:effectLst/>
+                <a:uLnTx/>
+                <a:uFillTx/>
+                <a:latin typeface="Segoe UI Semilight"/>
+                <a:ea typeface="+mn-ea"/>
+                <a:cs typeface="+mn-cs"/>
+              </a:rPr>
+            </a:br>
+            <a:r>
+              <a:rPr kumimoji="0" lang="en-US" sz="1836" b="0" i="0" u="none" strike="noStrike" kern="1200" cap="none" spc="0" normalizeH="0" baseline="0" noProof="0" dirty="0">
+                <a:ln>
+                  <a:noFill/>
+                </a:ln>
+                <a:solidFill>
+                  <a:srgbClr val="FFFFFF"/>
+                </a:solidFill>
+                <a:effectLst/>
+                <a:uLnTx/>
+                <a:uFillTx/>
+                <a:latin typeface="Segoe UI Semilight"/>
+                <a:ea typeface="+mn-ea"/>
+                <a:cs typeface="+mn-cs"/>
+              </a:rPr>
+              <a:t>Web </a:t>
+            </a:r>
+            <a:r>
+              <a:rPr kumimoji="0" lang="en-US" sz="1836" b="0" i="0" u="none" strike="noStrike" kern="1200" cap="none" spc="0" normalizeH="0" baseline="0" noProof="0" dirty="0" err="1">
+                <a:ln>
+                  <a:noFill/>
+                </a:ln>
+                <a:solidFill>
+                  <a:srgbClr val="FFFFFF"/>
+                </a:solidFill>
+                <a:effectLst/>
+                <a:uLnTx/>
+                <a:uFillTx/>
+                <a:latin typeface="Segoe UI Semilight"/>
+                <a:ea typeface="+mn-ea"/>
+                <a:cs typeface="+mn-cs"/>
+              </a:rPr>
+              <a:t>API+MVC+Razor</a:t>
+            </a:r>
+            <a:r>
+              <a:rPr kumimoji="0" lang="en-US" sz="1836" b="0" i="0" u="none" strike="noStrike" kern="1200" cap="none" spc="0" normalizeH="0" baseline="0" noProof="0" dirty="0">
+                <a:ln>
+                  <a:noFill/>
+                </a:ln>
+                <a:solidFill>
+                  <a:srgbClr val="FFFFFF"/>
+                </a:solidFill>
+                <a:effectLst/>
+                <a:uLnTx/>
+                <a:uFillTx/>
+                <a:latin typeface="Segoe UI Semilight"/>
+                <a:ea typeface="+mn-ea"/>
+                <a:cs typeface="+mn-cs"/>
+              </a:rPr>
+              <a:t> Pages</a:t>
+            </a:r>
+            <a:endParaRPr kumimoji="0" lang="en-US" sz="2000" b="0" i="0" u="none" strike="noStrike" kern="1200" cap="none" spc="0" normalizeH="0" baseline="0" noProof="0" dirty="0">
+              <a:ln>
+                <a:noFill/>
+              </a:ln>
+              <a:solidFill>
+                <a:srgbClr val="FFFFFF"/>
+              </a:solidFill>
+              <a:effectLst/>
+              <a:uLnTx/>
+              <a:uFillTx/>
+              <a:latin typeface="Segoe UI Semilight"/>
+              <a:ea typeface="+mn-ea"/>
+              <a:cs typeface="+mn-cs"/>
+            </a:endParaRPr>
+          </a:p>
+        </p:txBody>
+      </p:sp>
+      <p:sp>
+        <p:nvSpPr>
+          <p:cNvPr id="7" name="Rectangle 6">
+            <a:extLst>
+              <a:ext uri="{FF2B5EF4-FFF2-40B4-BE49-F238E27FC236}">
+                <a16:creationId xmlns:a16="http://schemas.microsoft.com/office/drawing/2014/main" id="{1CEC3436-9BFE-4DC7-AAB8-DF685DC98AA0}"/>
+              </a:ext>
+            </a:extLst>
+          </p:cNvPr>
+          <p:cNvSpPr/>
+          <p:nvPr/>
+        </p:nvSpPr>
+        <p:spPr bwMode="auto">
+          <a:xfrm>
+            <a:off x="8780960" y="2217115"/>
+            <a:ext cx="2649300" cy="868434"/>
+          </a:xfrm>
+          <a:prstGeom prst="rect">
+            <a:avLst/>
+          </a:prstGeom>
+          <a:solidFill>
+            <a:srgbClr val="DE7A00"/>
+          </a:solidFill>
+          <a:ln>
+            <a:headEnd type="none" w="med" len="med"/>
+            <a:tailEnd type="none" w="med" len="med"/>
+          </a:ln>
+        </p:spPr>
+        <p:style>
+          <a:lnRef idx="2">
+            <a:schemeClr val="accent6">
+              <a:shade val="50000"/>
+            </a:schemeClr>
+          </a:lnRef>
+          <a:fillRef idx="1">
+            <a:schemeClr val="accent6"/>
+          </a:fillRef>
+          <a:effectRef idx="0">
+            <a:schemeClr val="accent6"/>
+          </a:effectRef>
+          <a:fontRef idx="minor">
+            <a:schemeClr val="lt1"/>
+          </a:fontRef>
+        </p:style>
+        <p:txBody>
+          <a:bodyPr vert="horz" wrap="square" lIns="182828" tIns="146262" rIns="182828" bIns="146262" numCol="1" rtlCol="0" anchor="ctr" anchorCtr="0" compatLnSpc="1">
+            <a:prstTxWarp prst="textNoShape">
+              <a:avLst/>
+            </a:prstTxWarp>
+          </a:bodyPr>
+          <a:lstStyle/>
+          <a:p>
+            <a:pPr marL="0" marR="0" lvl="0" indent="0" algn="l" defTabSz="932114" rtl="0" eaLnBrk="1" fontAlgn="base" latinLnBrk="0" hangingPunct="1">
+              <a:lnSpc>
+                <a:spcPct val="100000"/>
+              </a:lnSpc>
+              <a:spcBef>
+                <a:spcPct val="0"/>
+              </a:spcBef>
+              <a:spcAft>
+                <a:spcPct val="0"/>
+              </a:spcAft>
+              <a:buClrTx/>
+              <a:buSzTx/>
+              <a:buFontTx/>
+              <a:buNone/>
+              <a:tabLst/>
+              <a:defRPr/>
+            </a:pPr>
+            <a:r>
+              <a:rPr kumimoji="0" lang="en-US" sz="2000" b="1" i="0" u="none" strike="noStrike" kern="1200" cap="none" spc="0" normalizeH="0" baseline="0" noProof="0" dirty="0">
+                <a:ln>
+                  <a:noFill/>
+                </a:ln>
+                <a:solidFill>
+                  <a:srgbClr val="FFFFFF"/>
+                </a:solidFill>
+                <a:effectLst>
+                  <a:outerShdw blurRad="38100" dist="38100" dir="2700000" algn="tl">
+                    <a:srgbClr val="000000">
+                      <a:alpha val="43137"/>
+                    </a:srgbClr>
+                  </a:outerShdw>
+                </a:effectLst>
+                <a:uLnTx/>
+                <a:uFillTx/>
+                <a:latin typeface="Segoe UI Semilight"/>
+                <a:ea typeface="+mn-ea"/>
+                <a:cs typeface="+mn-cs"/>
+              </a:rPr>
+              <a:t>ASP.NET Core </a:t>
+            </a:r>
+            <a:r>
+              <a:rPr kumimoji="0" lang="en-US" sz="2000" b="1" i="0" u="none" strike="noStrike" kern="1200" cap="none" spc="0" normalizeH="0" baseline="0" noProof="0" dirty="0" err="1">
+                <a:ln>
+                  <a:noFill/>
+                </a:ln>
+                <a:solidFill>
+                  <a:srgbClr val="FFFFFF"/>
+                </a:solidFill>
+                <a:effectLst>
+                  <a:outerShdw blurRad="38100" dist="38100" dir="2700000" algn="tl">
+                    <a:srgbClr val="000000">
+                      <a:alpha val="43137"/>
+                    </a:srgbClr>
+                  </a:outerShdw>
+                </a:effectLst>
+                <a:uLnTx/>
+                <a:uFillTx/>
+                <a:latin typeface="Segoe UI Semilight"/>
+                <a:ea typeface="+mn-ea"/>
+                <a:cs typeface="+mn-cs"/>
+              </a:rPr>
+              <a:t>vNext</a:t>
+            </a:r>
+            <a:br>
+              <a:rPr kumimoji="0" lang="en-US" sz="2000" b="0" i="0" u="none" strike="noStrike" kern="1200" cap="none" spc="0" normalizeH="0" baseline="0" noProof="0" dirty="0">
+                <a:ln>
+                  <a:noFill/>
+                </a:ln>
+                <a:solidFill>
+                  <a:srgbClr val="FFFFFF"/>
+                </a:solidFill>
+                <a:effectLst>
+                  <a:outerShdw blurRad="38100" dist="38100" dir="2700000" algn="tl">
+                    <a:srgbClr val="000000">
+                      <a:alpha val="43137"/>
+                    </a:srgbClr>
+                  </a:outerShdw>
+                </a:effectLst>
+                <a:uLnTx/>
+                <a:uFillTx/>
+                <a:latin typeface="Segoe UI Semilight"/>
+                <a:ea typeface="+mn-ea"/>
+                <a:cs typeface="+mn-cs"/>
+              </a:rPr>
+            </a:br>
+            <a:r>
+              <a:rPr kumimoji="0" lang="en-US" sz="1400" b="0" i="0" u="none" strike="noStrike" kern="1200" cap="none" spc="0" normalizeH="0" baseline="0" noProof="0" dirty="0">
+                <a:ln>
+                  <a:noFill/>
+                </a:ln>
+                <a:solidFill>
+                  <a:srgbClr val="FFFFFF"/>
+                </a:solidFill>
+                <a:effectLst/>
+                <a:uLnTx/>
+                <a:uFillTx/>
+                <a:latin typeface="Segoe UI Semilight"/>
+                <a:ea typeface="+mn-ea"/>
+                <a:cs typeface="+mn-cs"/>
+              </a:rPr>
+              <a:t>Web </a:t>
+            </a:r>
+            <a:r>
+              <a:rPr kumimoji="0" lang="en-US" sz="1400" b="0" i="0" u="none" strike="noStrike" kern="1200" cap="none" spc="0" normalizeH="0" baseline="0" noProof="0" dirty="0" err="1">
+                <a:ln>
+                  <a:noFill/>
+                </a:ln>
+                <a:solidFill>
+                  <a:srgbClr val="FFFFFF"/>
+                </a:solidFill>
+                <a:effectLst/>
+                <a:uLnTx/>
+                <a:uFillTx/>
+                <a:latin typeface="Segoe UI Semilight"/>
+                <a:ea typeface="+mn-ea"/>
+                <a:cs typeface="+mn-cs"/>
+              </a:rPr>
+              <a:t>API+MVC+Razor</a:t>
+            </a:r>
+            <a:r>
+              <a:rPr kumimoji="0" lang="en-US" sz="1400" b="0" i="0" u="none" strike="noStrike" kern="1200" cap="none" spc="0" normalizeH="0" baseline="0" noProof="0" dirty="0">
+                <a:ln>
+                  <a:noFill/>
+                </a:ln>
+                <a:solidFill>
+                  <a:srgbClr val="FFFFFF"/>
+                </a:solidFill>
+                <a:effectLst/>
+                <a:uLnTx/>
+                <a:uFillTx/>
+                <a:latin typeface="Segoe UI Semilight"/>
+                <a:ea typeface="+mn-ea"/>
+                <a:cs typeface="+mn-cs"/>
+              </a:rPr>
+              <a:t> Pages</a:t>
+            </a:r>
+            <a:br>
+              <a:rPr kumimoji="0" lang="en-US" sz="1400" b="0" i="0" u="none" strike="noStrike" kern="1200" cap="none" spc="0" normalizeH="0" baseline="0" noProof="0" dirty="0">
+                <a:ln>
+                  <a:noFill/>
+                </a:ln>
+                <a:solidFill>
+                  <a:srgbClr val="FFFFFF"/>
+                </a:solidFill>
+                <a:effectLst/>
+                <a:uLnTx/>
+                <a:uFillTx/>
+                <a:latin typeface="Segoe UI Semilight"/>
+                <a:ea typeface="+mn-ea"/>
+                <a:cs typeface="+mn-cs"/>
+              </a:rPr>
+            </a:br>
+            <a:r>
+              <a:rPr kumimoji="0" lang="en-US" sz="1400" b="0" i="0" u="none" strike="noStrike" kern="1200" cap="none" spc="0" normalizeH="0" baseline="0" noProof="0" dirty="0">
+                <a:ln>
+                  <a:noFill/>
+                </a:ln>
+                <a:solidFill>
+                  <a:srgbClr val="FFFFFF"/>
+                </a:solidFill>
+                <a:effectLst/>
+                <a:uLnTx/>
+                <a:uFillTx/>
+                <a:latin typeface="Segoe UI Semilight"/>
+                <a:ea typeface="+mn-ea"/>
+                <a:cs typeface="+mn-cs"/>
+              </a:rPr>
+              <a:t>+</a:t>
+            </a:r>
+            <a:r>
+              <a:rPr kumimoji="0" lang="en-US" sz="1400" b="1" i="0" u="none" strike="noStrike" kern="1200" cap="none" spc="0" normalizeH="0" baseline="0" noProof="0" dirty="0" err="1">
+                <a:ln>
+                  <a:noFill/>
+                </a:ln>
+                <a:solidFill>
+                  <a:srgbClr val="FFFFFF"/>
+                </a:solidFill>
+                <a:effectLst/>
+                <a:uLnTx/>
+                <a:uFillTx/>
+                <a:latin typeface="Segoe UI Semilight"/>
+                <a:ea typeface="+mn-ea"/>
+                <a:cs typeface="+mn-cs"/>
+              </a:rPr>
+              <a:t>SignalR</a:t>
+            </a:r>
+            <a:endParaRPr kumimoji="0" lang="en-US" sz="2000" b="1" i="0" u="none" strike="noStrike" kern="1200" cap="none" spc="0" normalizeH="0" baseline="0" noProof="0" dirty="0">
+              <a:ln>
+                <a:noFill/>
+              </a:ln>
+              <a:solidFill>
+                <a:srgbClr val="FFFFFF"/>
+              </a:solidFill>
+              <a:effectLst/>
+              <a:uLnTx/>
+              <a:uFillTx/>
+              <a:latin typeface="Segoe UI Semilight"/>
+              <a:ea typeface="+mn-ea"/>
+              <a:cs typeface="+mn-cs"/>
+            </a:endParaRPr>
+          </a:p>
+        </p:txBody>
+      </p:sp>
+    </p:spTree>
+    <p:extLst>
+      <p:ext uri="{BB962C8B-B14F-4D97-AF65-F5344CB8AC3E}">
+        <p14:creationId xmlns:p14="http://schemas.microsoft.com/office/powerpoint/2010/main" val="3344852915"/>
+      </p:ext>
+    </p:extLst>
+  </p:cSld>
+  <p:clrMapOvr>
+    <a:masterClrMapping/>
+  </p:clrMapOvr>
+  <mc:AlternateContent xmlns:mc="http://schemas.openxmlformats.org/markup-compatibility/2006" xmlns:p159="http://schemas.microsoft.com/office/powerpoint/2015/09/main">
+    <mc:Choice Requires="p159">
+      <p:transition xmlns:p14="http://schemas.microsoft.com/office/powerpoint/2010/main" spd="slow" p14:dur="2000">
+        <p159:morph option="byObject"/>
+      </p:transition>
+    </mc:Choice>
+    <mc:Fallback xmlns="">
+      <p:transition spd="slow">
+        <p:fade/>
+      </p:transition>
+    </mc:Fallback>
+  </mc:AlternateContent>
+</p:sld>
+</file>
+
+<file path=ppt/slides/slide11.xml><?xml version="1.0" encoding="utf-8"?>
+<p:sld xmlns:a="http://schemas.openxmlformats.org/drawingml/2006/main" xmlns:r="http://schemas.openxmlformats.org/officeDocument/2006/relationships" xmlns:p="http://schemas.openxmlformats.org/presentationml/2006/main">
+  <p:cSld>
+    <p:spTree>
+      <p:nvGrpSpPr>
+        <p:cNvPr id="1" name=""/>
+        <p:cNvGrpSpPr/>
+        <p:nvPr/>
+      </p:nvGrpSpPr>
+      <p:grpSpPr>
+        <a:xfrm>
+          <a:off x="0" y="0"/>
+          <a:ext cx="0" cy="0"/>
+          <a:chOff x="0" y="0"/>
+          <a:chExt cx="0" cy="0"/>
+        </a:xfrm>
+      </p:grpSpPr>
+      <p:sp>
+        <p:nvSpPr>
           <p:cNvPr id="2" name="Title 1"/>
           <p:cNvSpPr>
             <a:spLocks noGrp="1"/>
@@ -19756,7 +21538,71 @@
           <a:p>
             <a:r>
               <a:rPr lang="en-US" dirty="0"/>
-              <a:t>What’s (pretty much) the same</a:t>
+              <a:t>Razor Pages</a:t>
+            </a:r>
+          </a:p>
+        </p:txBody>
+      </p:sp>
+    </p:spTree>
+    <p:extLst>
+      <p:ext uri="{BB962C8B-B14F-4D97-AF65-F5344CB8AC3E}">
+        <p14:creationId xmlns:p14="http://schemas.microsoft.com/office/powerpoint/2010/main" val="4189216069"/>
+      </p:ext>
+    </p:extLst>
+  </p:cSld>
+  <p:clrMapOvr>
+    <a:masterClrMapping/>
+  </p:clrMapOvr>
+  <mc:AlternateContent xmlns:mc="http://schemas.openxmlformats.org/markup-compatibility/2006" xmlns:p14="http://schemas.microsoft.com/office/powerpoint/2010/main">
+    <mc:Choice Requires="p14">
+      <p:transition spd="med" p14:dur="700">
+        <p:fade/>
+      </p:transition>
+    </mc:Choice>
+    <mc:Fallback xmlns="">
+      <p:transition spd="med">
+        <p:fade/>
+      </p:transition>
+    </mc:Fallback>
+  </mc:AlternateContent>
+</p:sld>
+</file>
+
+<file path=ppt/slides/slide12.xml><?xml version="1.0" encoding="utf-8"?>
+<p:sld xmlns:a="http://schemas.openxmlformats.org/drawingml/2006/main" xmlns:r="http://schemas.openxmlformats.org/officeDocument/2006/relationships" xmlns:p="http://schemas.openxmlformats.org/presentationml/2006/main">
+  <p:cSld>
+    <p:spTree>
+      <p:nvGrpSpPr>
+        <p:cNvPr id="1" name=""/>
+        <p:cNvGrpSpPr/>
+        <p:nvPr/>
+      </p:nvGrpSpPr>
+      <p:grpSpPr>
+        <a:xfrm>
+          <a:off x="0" y="0"/>
+          <a:ext cx="0" cy="0"/>
+          <a:chOff x="0" y="0"/>
+          <a:chExt cx="0" cy="0"/>
+        </a:xfrm>
+      </p:grpSpPr>
+      <p:sp>
+        <p:nvSpPr>
+          <p:cNvPr id="2" name="Title 1"/>
+          <p:cNvSpPr>
+            <a:spLocks noGrp="1"/>
+          </p:cNvSpPr>
+          <p:nvPr>
+            <p:ph type="title"/>
+          </p:nvPr>
+        </p:nvSpPr>
+        <p:spPr/>
+        <p:txBody>
+          <a:bodyPr/>
+          <a:lstStyle/>
+          <a:p>
+            <a:r>
+              <a:rPr lang="en-US" dirty="0"/>
+              <a:t>Razor Pages</a:t>
             </a:r>
           </a:p>
         </p:txBody>
@@ -19774,7 +21620,7 @@
         <p:spPr>
           <a:xfrm>
             <a:off x="274638" y="1212850"/>
-            <a:ext cx="11887200" cy="2769989"/>
+            <a:ext cx="11887200" cy="1902059"/>
           </a:xfrm>
         </p:spPr>
         <p:txBody>
@@ -19787,7 +21633,7 @@
             </a:pPr>
             <a:r>
               <a:rPr lang="en-US" dirty="0"/>
-              <a:t>MVC developer flow</a:t>
+              <a:t>Runs on all the same MVC infrastructure</a:t>
             </a:r>
           </a:p>
           <a:p>
@@ -19797,7 +21643,7 @@
             </a:pPr>
             <a:r>
               <a:rPr lang="en-US" dirty="0"/>
-              <a:t>Models / Views / Controllers</a:t>
+              <a:t>Better encapsulation and grouping of UI details</a:t>
             </a:r>
           </a:p>
           <a:p>
@@ -19807,21 +21653,865 @@
             </a:pPr>
             <a:r>
               <a:rPr lang="en-US" dirty="0"/>
-              <a:t>Routing / Attribute Routing</a:t>
-            </a:r>
-          </a:p>
-          <a:p>
-            <a:pPr marL="571500" indent="-571500">
-              <a:buFont typeface="Arial" panose="020B0604020202020204" pitchFamily="34" charset="0"/>
-              <a:buChar char="•"/>
-            </a:pPr>
-            <a:r>
-              <a:rPr lang="en-US" dirty="0"/>
-              <a:t>HTML Helpers</a:t>
-            </a:r>
-          </a:p>
-        </p:txBody>
-      </p:sp>
+              <a:t>Fewer folders and files</a:t>
+            </a:r>
+          </a:p>
+        </p:txBody>
+      </p:sp>
+      <p:grpSp>
+        <p:nvGrpSpPr>
+          <p:cNvPr id="12" name="Group 11">
+            <a:extLst>
+              <a:ext uri="{FF2B5EF4-FFF2-40B4-BE49-F238E27FC236}">
+                <a16:creationId xmlns:a16="http://schemas.microsoft.com/office/drawing/2014/main" id="{646A06FA-1DF8-435A-AFF5-7DC1405E386A}"/>
+              </a:ext>
+            </a:extLst>
+          </p:cNvPr>
+          <p:cNvGrpSpPr/>
+          <p:nvPr/>
+        </p:nvGrpSpPr>
+        <p:grpSpPr>
+          <a:xfrm>
+            <a:off x="627058" y="3360102"/>
+            <a:ext cx="11182359" cy="3383244"/>
+            <a:chOff x="1006214" y="3360102"/>
+            <a:chExt cx="11182359" cy="3383244"/>
+          </a:xfrm>
+        </p:grpSpPr>
+        <p:grpSp>
+          <p:nvGrpSpPr>
+            <p:cNvPr id="6" name="Group 5">
+              <a:extLst>
+                <a:ext uri="{FF2B5EF4-FFF2-40B4-BE49-F238E27FC236}">
+                  <a16:creationId xmlns:a16="http://schemas.microsoft.com/office/drawing/2014/main" id="{BBA0D792-3906-4FCE-A8D3-81564110AF09}"/>
+                </a:ext>
+              </a:extLst>
+            </p:cNvPr>
+            <p:cNvGrpSpPr/>
+            <p:nvPr/>
+          </p:nvGrpSpPr>
+          <p:grpSpPr>
+            <a:xfrm>
+              <a:off x="1006214" y="3360103"/>
+              <a:ext cx="5486340" cy="3383243"/>
+              <a:chOff x="1006214" y="3360103"/>
+              <a:chExt cx="5486340" cy="3383243"/>
+            </a:xfrm>
+          </p:grpSpPr>
+          <p:sp>
+            <p:nvSpPr>
+              <p:cNvPr id="4" name="Rectangle 3">
+                <a:extLst>
+                  <a:ext uri="{FF2B5EF4-FFF2-40B4-BE49-F238E27FC236}">
+                    <a16:creationId xmlns:a16="http://schemas.microsoft.com/office/drawing/2014/main" id="{4774F918-7327-4CDD-8082-5A278E506246}"/>
+                  </a:ext>
+                </a:extLst>
+              </p:cNvPr>
+              <p:cNvSpPr/>
+              <p:nvPr/>
+            </p:nvSpPr>
+            <p:spPr bwMode="auto">
+              <a:xfrm>
+                <a:off x="1006214" y="3360103"/>
+                <a:ext cx="5486340" cy="3383243"/>
+              </a:xfrm>
+              <a:prstGeom prst="rect">
+                <a:avLst/>
+              </a:prstGeom>
+              <a:solidFill>
+                <a:schemeClr val="accent1"/>
+              </a:solidFill>
+              <a:ln>
+                <a:noFill/>
+                <a:headEnd type="none" w="med" len="med"/>
+                <a:tailEnd type="none" w="med" len="med"/>
+              </a:ln>
+              <a:effectLst/>
+            </p:spPr>
+            <p:style>
+              <a:lnRef idx="1">
+                <a:schemeClr val="accent2"/>
+              </a:lnRef>
+              <a:fillRef idx="3">
+                <a:schemeClr val="accent2"/>
+              </a:fillRef>
+              <a:effectRef idx="2">
+                <a:schemeClr val="accent2"/>
+              </a:effectRef>
+              <a:fontRef idx="minor">
+                <a:schemeClr val="lt1"/>
+              </a:fontRef>
+            </p:style>
+            <p:txBody>
+              <a:bodyPr rot="0" spcFirstLastPara="0" vertOverflow="overflow" horzOverflow="overflow" vert="horz" wrap="square" lIns="182880" tIns="146304" rIns="182880" bIns="146304" numCol="1" spcCol="0" rtlCol="0" fromWordArt="0" anchor="t" anchorCtr="0" forceAA="0" compatLnSpc="1">
+                <a:prstTxWarp prst="textNoShape">
+                  <a:avLst/>
+                </a:prstTxWarp>
+                <a:noAutofit/>
+              </a:bodyPr>
+              <a:lstStyle/>
+              <a:p>
+                <a:pPr algn="ctr" defTabSz="932472" fontAlgn="base">
+                  <a:lnSpc>
+                    <a:spcPct val="90000"/>
+                  </a:lnSpc>
+                  <a:spcBef>
+                    <a:spcPct val="0"/>
+                  </a:spcBef>
+                  <a:spcAft>
+                    <a:spcPct val="0"/>
+                  </a:spcAft>
+                </a:pPr>
+                <a:r>
+                  <a:rPr lang="en-US" sz="3600" b="1" dirty="0">
+                    <a:gradFill>
+                      <a:gsLst>
+                        <a:gs pos="0">
+                          <a:srgbClr val="FFFFFF"/>
+                        </a:gs>
+                        <a:gs pos="100000">
+                          <a:srgbClr val="FFFFFF"/>
+                        </a:gs>
+                      </a:gsLst>
+                      <a:lin ang="5400000" scaled="0"/>
+                    </a:gradFill>
+                    <a:ea typeface="Segoe UI" pitchFamily="34" charset="0"/>
+                    <a:cs typeface="Segoe UI" pitchFamily="34" charset="0"/>
+                  </a:rPr>
+                  <a:t>MVC</a:t>
+                </a:r>
+              </a:p>
+            </p:txBody>
+          </p:sp>
+          <p:sp>
+            <p:nvSpPr>
+              <p:cNvPr id="5" name="TextBox 4">
+                <a:extLst>
+                  <a:ext uri="{FF2B5EF4-FFF2-40B4-BE49-F238E27FC236}">
+                    <a16:creationId xmlns:a16="http://schemas.microsoft.com/office/drawing/2014/main" id="{E71C5A55-C0AA-4DDC-829C-2CE6CA55B88D}"/>
+                  </a:ext>
+                </a:extLst>
+              </p:cNvPr>
+              <p:cNvSpPr txBox="1"/>
+              <p:nvPr/>
+            </p:nvSpPr>
+            <p:spPr>
+              <a:xfrm>
+                <a:off x="1097653" y="4137335"/>
+                <a:ext cx="5268815" cy="2542234"/>
+              </a:xfrm>
+              <a:prstGeom prst="rect">
+                <a:avLst/>
+              </a:prstGeom>
+              <a:noFill/>
+            </p:spPr>
+            <p:txBody>
+              <a:bodyPr wrap="none" lIns="182880" tIns="146304" rIns="182880" bIns="146304" rtlCol="0">
+                <a:spAutoFit/>
+              </a:bodyPr>
+              <a:lstStyle/>
+              <a:p>
+                <a:pPr>
+                  <a:lnSpc>
+                    <a:spcPct val="90000"/>
+                  </a:lnSpc>
+                  <a:spcAft>
+                    <a:spcPts val="600"/>
+                  </a:spcAft>
+                </a:pPr>
+                <a:r>
+                  <a:rPr lang="en-US" sz="2800" dirty="0">
+                    <a:gradFill>
+                      <a:gsLst>
+                        <a:gs pos="2917">
+                          <a:schemeClr val="tx1"/>
+                        </a:gs>
+                        <a:gs pos="30000">
+                          <a:schemeClr val="tx1"/>
+                        </a:gs>
+                      </a:gsLst>
+                      <a:lin ang="5400000" scaled="0"/>
+                    </a:gradFill>
+                  </a:rPr>
+                  <a:t>/Controllers/</a:t>
+                </a:r>
+                <a:r>
+                  <a:rPr lang="en-US" sz="2800" dirty="0" err="1">
+                    <a:gradFill>
+                      <a:gsLst>
+                        <a:gs pos="2917">
+                          <a:schemeClr val="tx1"/>
+                        </a:gs>
+                        <a:gs pos="30000">
+                          <a:schemeClr val="tx1"/>
+                        </a:gs>
+                      </a:gsLst>
+                      <a:lin ang="5400000" scaled="0"/>
+                    </a:gradFill>
+                  </a:rPr>
+                  <a:t>CartController.cs</a:t>
+                </a:r>
+                <a:endParaRPr lang="en-US" sz="2800" dirty="0">
+                  <a:gradFill>
+                    <a:gsLst>
+                      <a:gs pos="2917">
+                        <a:schemeClr val="tx1"/>
+                      </a:gs>
+                      <a:gs pos="30000">
+                        <a:schemeClr val="tx1"/>
+                      </a:gs>
+                    </a:gsLst>
+                    <a:lin ang="5400000" scaled="0"/>
+                  </a:gradFill>
+                </a:endParaRPr>
+              </a:p>
+              <a:p>
+                <a:pPr>
+                  <a:lnSpc>
+                    <a:spcPct val="90000"/>
+                  </a:lnSpc>
+                  <a:spcAft>
+                    <a:spcPts val="600"/>
+                  </a:spcAft>
+                </a:pPr>
+                <a:r>
+                  <a:rPr lang="en-US" sz="2800" dirty="0">
+                    <a:gradFill>
+                      <a:gsLst>
+                        <a:gs pos="2917">
+                          <a:schemeClr val="tx1"/>
+                        </a:gs>
+                        <a:gs pos="30000">
+                          <a:schemeClr val="tx1"/>
+                        </a:gs>
+                      </a:gsLst>
+                      <a:lin ang="5400000" scaled="0"/>
+                    </a:gradFill>
+                  </a:rPr>
+                  <a:t>/</a:t>
+                </a:r>
+                <a:r>
+                  <a:rPr lang="en-US" sz="2800" dirty="0" err="1">
+                    <a:gradFill>
+                      <a:gsLst>
+                        <a:gs pos="2917">
+                          <a:schemeClr val="tx1"/>
+                        </a:gs>
+                        <a:gs pos="30000">
+                          <a:schemeClr val="tx1"/>
+                        </a:gs>
+                      </a:gsLst>
+                      <a:lin ang="5400000" scaled="0"/>
+                    </a:gradFill>
+                  </a:rPr>
+                  <a:t>ViewModels</a:t>
+                </a:r>
+                <a:r>
+                  <a:rPr lang="en-US" sz="2800" dirty="0">
+                    <a:gradFill>
+                      <a:gsLst>
+                        <a:gs pos="2917">
+                          <a:schemeClr val="tx1"/>
+                        </a:gs>
+                        <a:gs pos="30000">
+                          <a:schemeClr val="tx1"/>
+                        </a:gs>
+                      </a:gsLst>
+                      <a:lin ang="5400000" scaled="0"/>
+                    </a:gradFill>
+                  </a:rPr>
+                  <a:t>/</a:t>
+                </a:r>
+                <a:r>
+                  <a:rPr lang="en-US" sz="2800" dirty="0" err="1">
+                    <a:gradFill>
+                      <a:gsLst>
+                        <a:gs pos="2917">
+                          <a:schemeClr val="tx1"/>
+                        </a:gs>
+                        <a:gs pos="30000">
+                          <a:schemeClr val="tx1"/>
+                        </a:gs>
+                      </a:gsLst>
+                      <a:lin ang="5400000" scaled="0"/>
+                    </a:gradFill>
+                  </a:rPr>
+                  <a:t>CartViewModel.cs</a:t>
+                </a:r>
+                <a:endParaRPr lang="en-US" sz="2800" dirty="0">
+                  <a:gradFill>
+                    <a:gsLst>
+                      <a:gs pos="2917">
+                        <a:schemeClr val="tx1"/>
+                      </a:gs>
+                      <a:gs pos="30000">
+                        <a:schemeClr val="tx1"/>
+                      </a:gs>
+                    </a:gsLst>
+                    <a:lin ang="5400000" scaled="0"/>
+                  </a:gradFill>
+                </a:endParaRPr>
+              </a:p>
+              <a:p>
+                <a:pPr>
+                  <a:lnSpc>
+                    <a:spcPct val="90000"/>
+                  </a:lnSpc>
+                  <a:spcAft>
+                    <a:spcPts val="600"/>
+                  </a:spcAft>
+                </a:pPr>
+                <a:r>
+                  <a:rPr lang="en-US" sz="2800" dirty="0">
+                    <a:gradFill>
+                      <a:gsLst>
+                        <a:gs pos="2917">
+                          <a:schemeClr val="tx1"/>
+                        </a:gs>
+                        <a:gs pos="30000">
+                          <a:schemeClr val="tx1"/>
+                        </a:gs>
+                      </a:gsLst>
+                      <a:lin ang="5400000" scaled="0"/>
+                    </a:gradFill>
+                  </a:rPr>
+                  <a:t>/Views/Cart/</a:t>
+                </a:r>
+                <a:r>
+                  <a:rPr lang="en-US" sz="2800" dirty="0" err="1">
+                    <a:gradFill>
+                      <a:gsLst>
+                        <a:gs pos="2917">
+                          <a:schemeClr val="tx1"/>
+                        </a:gs>
+                        <a:gs pos="30000">
+                          <a:schemeClr val="tx1"/>
+                        </a:gs>
+                      </a:gsLst>
+                      <a:lin ang="5400000" scaled="0"/>
+                    </a:gradFill>
+                  </a:rPr>
+                  <a:t>Index.cshtml</a:t>
+                </a:r>
+                <a:endParaRPr lang="en-US" sz="2800" dirty="0">
+                  <a:gradFill>
+                    <a:gsLst>
+                      <a:gs pos="2917">
+                        <a:schemeClr val="tx1"/>
+                      </a:gs>
+                      <a:gs pos="30000">
+                        <a:schemeClr val="tx1"/>
+                      </a:gs>
+                    </a:gsLst>
+                    <a:lin ang="5400000" scaled="0"/>
+                  </a:gradFill>
+                </a:endParaRPr>
+              </a:p>
+              <a:p>
+                <a:pPr>
+                  <a:lnSpc>
+                    <a:spcPct val="90000"/>
+                  </a:lnSpc>
+                  <a:spcAft>
+                    <a:spcPts val="600"/>
+                  </a:spcAft>
+                </a:pPr>
+                <a:endParaRPr lang="en-US" sz="2800" dirty="0">
+                  <a:gradFill>
+                    <a:gsLst>
+                      <a:gs pos="2917">
+                        <a:schemeClr val="tx1"/>
+                      </a:gs>
+                      <a:gs pos="30000">
+                        <a:schemeClr val="tx1"/>
+                      </a:gs>
+                    </a:gsLst>
+                    <a:lin ang="5400000" scaled="0"/>
+                  </a:gradFill>
+                </a:endParaRPr>
+              </a:p>
+              <a:p>
+                <a:pPr>
+                  <a:lnSpc>
+                    <a:spcPct val="90000"/>
+                  </a:lnSpc>
+                  <a:spcAft>
+                    <a:spcPts val="600"/>
+                  </a:spcAft>
+                </a:pPr>
+                <a:r>
+                  <a:rPr lang="en-US" sz="2800" b="1" dirty="0">
+                    <a:gradFill>
+                      <a:gsLst>
+                        <a:gs pos="2917">
+                          <a:schemeClr val="tx1"/>
+                        </a:gs>
+                        <a:gs pos="30000">
+                          <a:schemeClr val="tx1"/>
+                        </a:gs>
+                      </a:gsLst>
+                      <a:lin ang="5400000" scaled="0"/>
+                    </a:gradFill>
+                  </a:rPr>
+                  <a:t>3</a:t>
+                </a:r>
+                <a:r>
+                  <a:rPr lang="en-US" sz="2800" dirty="0">
+                    <a:gradFill>
+                      <a:gsLst>
+                        <a:gs pos="2917">
+                          <a:schemeClr val="tx1"/>
+                        </a:gs>
+                        <a:gs pos="30000">
+                          <a:schemeClr val="tx1"/>
+                        </a:gs>
+                      </a:gsLst>
+                      <a:lin ang="5400000" scaled="0"/>
+                    </a:gradFill>
+                  </a:rPr>
+                  <a:t> Root Level Folders</a:t>
+                </a:r>
+              </a:p>
+            </p:txBody>
+          </p:sp>
+        </p:grpSp>
+        <p:grpSp>
+          <p:nvGrpSpPr>
+            <p:cNvPr id="11" name="Group 10">
+              <a:extLst>
+                <a:ext uri="{FF2B5EF4-FFF2-40B4-BE49-F238E27FC236}">
+                  <a16:creationId xmlns:a16="http://schemas.microsoft.com/office/drawing/2014/main" id="{96FA3BDA-FB41-4C28-A26A-7C2EA65A7E2E}"/>
+                </a:ext>
+              </a:extLst>
+            </p:cNvPr>
+            <p:cNvGrpSpPr/>
+            <p:nvPr/>
+          </p:nvGrpSpPr>
+          <p:grpSpPr>
+            <a:xfrm>
+              <a:off x="6702233" y="3360102"/>
+              <a:ext cx="5486340" cy="3383243"/>
+              <a:chOff x="6702233" y="3360102"/>
+              <a:chExt cx="5486340" cy="3383243"/>
+            </a:xfrm>
+          </p:grpSpPr>
+          <p:grpSp>
+            <p:nvGrpSpPr>
+              <p:cNvPr id="8" name="Group 7">
+                <a:extLst>
+                  <a:ext uri="{FF2B5EF4-FFF2-40B4-BE49-F238E27FC236}">
+                    <a16:creationId xmlns:a16="http://schemas.microsoft.com/office/drawing/2014/main" id="{A1F1D6CB-1309-43E5-B61E-442F8E97301D}"/>
+                  </a:ext>
+                </a:extLst>
+              </p:cNvPr>
+              <p:cNvGrpSpPr/>
+              <p:nvPr/>
+            </p:nvGrpSpPr>
+            <p:grpSpPr>
+              <a:xfrm>
+                <a:off x="6702233" y="3360102"/>
+                <a:ext cx="5486340" cy="3383243"/>
+                <a:chOff x="1006214" y="3360103"/>
+                <a:chExt cx="5486340" cy="3383243"/>
+              </a:xfrm>
+            </p:grpSpPr>
+            <p:sp>
+              <p:nvSpPr>
+                <p:cNvPr id="9" name="Rectangle 8">
+                  <a:extLst>
+                    <a:ext uri="{FF2B5EF4-FFF2-40B4-BE49-F238E27FC236}">
+                      <a16:creationId xmlns:a16="http://schemas.microsoft.com/office/drawing/2014/main" id="{DAF65366-7467-4F28-8624-E2C4E8BCD7CD}"/>
+                    </a:ext>
+                  </a:extLst>
+                </p:cNvPr>
+                <p:cNvSpPr/>
+                <p:nvPr/>
+              </p:nvSpPr>
+              <p:spPr bwMode="auto">
+                <a:xfrm>
+                  <a:off x="1006214" y="3360103"/>
+                  <a:ext cx="5486340" cy="3383243"/>
+                </a:xfrm>
+                <a:prstGeom prst="rect">
+                  <a:avLst/>
+                </a:prstGeom>
+                <a:solidFill>
+                  <a:schemeClr val="accent1"/>
+                </a:solidFill>
+                <a:ln>
+                  <a:noFill/>
+                  <a:headEnd type="none" w="med" len="med"/>
+                  <a:tailEnd type="none" w="med" len="med"/>
+                </a:ln>
+                <a:effectLst/>
+              </p:spPr>
+              <p:style>
+                <a:lnRef idx="1">
+                  <a:schemeClr val="accent2"/>
+                </a:lnRef>
+                <a:fillRef idx="3">
+                  <a:schemeClr val="accent2"/>
+                </a:fillRef>
+                <a:effectRef idx="2">
+                  <a:schemeClr val="accent2"/>
+                </a:effectRef>
+                <a:fontRef idx="minor">
+                  <a:schemeClr val="lt1"/>
+                </a:fontRef>
+              </p:style>
+              <p:txBody>
+                <a:bodyPr rot="0" spcFirstLastPara="0" vertOverflow="overflow" horzOverflow="overflow" vert="horz" wrap="square" lIns="182880" tIns="146304" rIns="182880" bIns="146304" numCol="1" spcCol="0" rtlCol="0" fromWordArt="0" anchor="t" anchorCtr="0" forceAA="0" compatLnSpc="1">
+                  <a:prstTxWarp prst="textNoShape">
+                    <a:avLst/>
+                  </a:prstTxWarp>
+                  <a:noAutofit/>
+                </a:bodyPr>
+                <a:lstStyle/>
+                <a:p>
+                  <a:pPr algn="ctr" defTabSz="932472" fontAlgn="base">
+                    <a:lnSpc>
+                      <a:spcPct val="90000"/>
+                    </a:lnSpc>
+                    <a:spcBef>
+                      <a:spcPct val="0"/>
+                    </a:spcBef>
+                    <a:spcAft>
+                      <a:spcPct val="0"/>
+                    </a:spcAft>
+                  </a:pPr>
+                  <a:r>
+                    <a:rPr lang="en-US" sz="3600" b="1" dirty="0">
+                      <a:gradFill>
+                        <a:gsLst>
+                          <a:gs pos="0">
+                            <a:srgbClr val="FFFFFF"/>
+                          </a:gs>
+                          <a:gs pos="100000">
+                            <a:srgbClr val="FFFFFF"/>
+                          </a:gs>
+                        </a:gsLst>
+                        <a:lin ang="5400000" scaled="0"/>
+                      </a:gradFill>
+                      <a:ea typeface="Segoe UI" pitchFamily="34" charset="0"/>
+                      <a:cs typeface="Segoe UI" pitchFamily="34" charset="0"/>
+                    </a:rPr>
+                    <a:t>Razor Pages</a:t>
+                  </a:r>
+                </a:p>
+              </p:txBody>
+            </p:sp>
+            <p:sp>
+              <p:nvSpPr>
+                <p:cNvPr id="10" name="TextBox 9">
+                  <a:extLst>
+                    <a:ext uri="{FF2B5EF4-FFF2-40B4-BE49-F238E27FC236}">
+                      <a16:creationId xmlns:a16="http://schemas.microsoft.com/office/drawing/2014/main" id="{0C9260B4-0376-4297-8BF0-7BD111474A45}"/>
+                    </a:ext>
+                  </a:extLst>
+                </p:cNvPr>
+                <p:cNvSpPr txBox="1"/>
+                <p:nvPr/>
+              </p:nvSpPr>
+              <p:spPr>
+                <a:xfrm>
+                  <a:off x="1097653" y="4137335"/>
+                  <a:ext cx="4244175" cy="2542234"/>
+                </a:xfrm>
+                <a:prstGeom prst="rect">
+                  <a:avLst/>
+                </a:prstGeom>
+                <a:noFill/>
+              </p:spPr>
+              <p:txBody>
+                <a:bodyPr wrap="none" lIns="182880" tIns="146304" rIns="182880" bIns="146304" rtlCol="0">
+                  <a:spAutoFit/>
+                </a:bodyPr>
+                <a:lstStyle/>
+                <a:p>
+                  <a:pPr>
+                    <a:lnSpc>
+                      <a:spcPct val="90000"/>
+                    </a:lnSpc>
+                    <a:spcAft>
+                      <a:spcPts val="600"/>
+                    </a:spcAft>
+                  </a:pPr>
+                  <a:r>
+                    <a:rPr lang="en-US" sz="2800" dirty="0">
+                      <a:gradFill>
+                        <a:gsLst>
+                          <a:gs pos="2917">
+                            <a:schemeClr val="tx1"/>
+                          </a:gs>
+                          <a:gs pos="30000">
+                            <a:schemeClr val="tx1"/>
+                          </a:gs>
+                        </a:gsLst>
+                        <a:lin ang="5400000" scaled="0"/>
+                      </a:gradFill>
+                    </a:rPr>
+                    <a:t>/Pages/Cart/</a:t>
+                  </a:r>
+                  <a:r>
+                    <a:rPr lang="en-US" sz="2800" dirty="0" err="1">
+                      <a:gradFill>
+                        <a:gsLst>
+                          <a:gs pos="2917">
+                            <a:schemeClr val="tx1"/>
+                          </a:gs>
+                          <a:gs pos="30000">
+                            <a:schemeClr val="tx1"/>
+                          </a:gs>
+                        </a:gsLst>
+                        <a:lin ang="5400000" scaled="0"/>
+                      </a:gradFill>
+                    </a:rPr>
+                    <a:t>Index.cshtml</a:t>
+                  </a:r>
+                  <a:endParaRPr lang="en-US" sz="2800" dirty="0">
+                    <a:gradFill>
+                      <a:gsLst>
+                        <a:gs pos="2917">
+                          <a:schemeClr val="tx1"/>
+                        </a:gs>
+                        <a:gs pos="30000">
+                          <a:schemeClr val="tx1"/>
+                        </a:gs>
+                      </a:gsLst>
+                      <a:lin ang="5400000" scaled="0"/>
+                    </a:gradFill>
+                  </a:endParaRPr>
+                </a:p>
+                <a:p>
+                  <a:pPr>
+                    <a:lnSpc>
+                      <a:spcPct val="90000"/>
+                    </a:lnSpc>
+                    <a:spcAft>
+                      <a:spcPts val="600"/>
+                    </a:spcAft>
+                  </a:pPr>
+                  <a:r>
+                    <a:rPr lang="en-US" sz="2800" dirty="0">
+                      <a:gradFill>
+                        <a:gsLst>
+                          <a:gs pos="2917">
+                            <a:schemeClr val="tx1"/>
+                          </a:gs>
+                          <a:gs pos="30000">
+                            <a:schemeClr val="tx1"/>
+                          </a:gs>
+                        </a:gsLst>
+                        <a:lin ang="5400000" scaled="0"/>
+                      </a:gradFill>
+                    </a:rPr>
+                    <a:t>      </a:t>
+                  </a:r>
+                  <a:r>
+                    <a:rPr lang="en-US" sz="2800" dirty="0" err="1">
+                      <a:gradFill>
+                        <a:gsLst>
+                          <a:gs pos="2917">
+                            <a:schemeClr val="tx1"/>
+                          </a:gs>
+                          <a:gs pos="30000">
+                            <a:schemeClr val="tx1"/>
+                          </a:gs>
+                        </a:gsLst>
+                        <a:lin ang="5400000" scaled="0"/>
+                      </a:gradFill>
+                    </a:rPr>
+                    <a:t>Index.cshtml.cs</a:t>
+                  </a:r>
+                  <a:endParaRPr lang="en-US" sz="2800" dirty="0">
+                    <a:gradFill>
+                      <a:gsLst>
+                        <a:gs pos="2917">
+                          <a:schemeClr val="tx1"/>
+                        </a:gs>
+                        <a:gs pos="30000">
+                          <a:schemeClr val="tx1"/>
+                        </a:gs>
+                      </a:gsLst>
+                      <a:lin ang="5400000" scaled="0"/>
+                    </a:gradFill>
+                  </a:endParaRPr>
+                </a:p>
+                <a:p>
+                  <a:pPr>
+                    <a:lnSpc>
+                      <a:spcPct val="90000"/>
+                    </a:lnSpc>
+                    <a:spcAft>
+                      <a:spcPts val="600"/>
+                    </a:spcAft>
+                  </a:pPr>
+                  <a:endParaRPr lang="en-US" sz="2800" dirty="0">
+                    <a:gradFill>
+                      <a:gsLst>
+                        <a:gs pos="2917">
+                          <a:schemeClr val="tx1"/>
+                        </a:gs>
+                        <a:gs pos="30000">
+                          <a:schemeClr val="tx1"/>
+                        </a:gs>
+                      </a:gsLst>
+                      <a:lin ang="5400000" scaled="0"/>
+                    </a:gradFill>
+                  </a:endParaRPr>
+                </a:p>
+                <a:p>
+                  <a:pPr>
+                    <a:lnSpc>
+                      <a:spcPct val="90000"/>
+                    </a:lnSpc>
+                    <a:spcAft>
+                      <a:spcPts val="600"/>
+                    </a:spcAft>
+                  </a:pPr>
+                  <a:endParaRPr lang="en-US" sz="2800" dirty="0">
+                    <a:gradFill>
+                      <a:gsLst>
+                        <a:gs pos="2917">
+                          <a:schemeClr val="tx1"/>
+                        </a:gs>
+                        <a:gs pos="30000">
+                          <a:schemeClr val="tx1"/>
+                        </a:gs>
+                      </a:gsLst>
+                      <a:lin ang="5400000" scaled="0"/>
+                    </a:gradFill>
+                  </a:endParaRPr>
+                </a:p>
+                <a:p>
+                  <a:pPr>
+                    <a:lnSpc>
+                      <a:spcPct val="90000"/>
+                    </a:lnSpc>
+                    <a:spcAft>
+                      <a:spcPts val="600"/>
+                    </a:spcAft>
+                  </a:pPr>
+                  <a:r>
+                    <a:rPr lang="en-US" sz="2800" b="1" dirty="0">
+                      <a:gradFill>
+                        <a:gsLst>
+                          <a:gs pos="2917">
+                            <a:schemeClr val="tx1"/>
+                          </a:gs>
+                          <a:gs pos="30000">
+                            <a:schemeClr val="tx1"/>
+                          </a:gs>
+                        </a:gsLst>
+                        <a:lin ang="5400000" scaled="0"/>
+                      </a:gradFill>
+                    </a:rPr>
+                    <a:t>1</a:t>
+                  </a:r>
+                  <a:r>
+                    <a:rPr lang="en-US" sz="2800" dirty="0">
+                      <a:gradFill>
+                        <a:gsLst>
+                          <a:gs pos="2917">
+                            <a:schemeClr val="tx1"/>
+                          </a:gs>
+                          <a:gs pos="30000">
+                            <a:schemeClr val="tx1"/>
+                          </a:gs>
+                        </a:gsLst>
+                        <a:lin ang="5400000" scaled="0"/>
+                      </a:gradFill>
+                    </a:rPr>
+                    <a:t> Root Level Folder</a:t>
+                  </a:r>
+                </a:p>
+              </p:txBody>
+            </p:sp>
+          </p:grpSp>
+          <p:sp>
+            <p:nvSpPr>
+              <p:cNvPr id="7" name="Arrow: Bent 6">
+                <a:extLst>
+                  <a:ext uri="{FF2B5EF4-FFF2-40B4-BE49-F238E27FC236}">
+                    <a16:creationId xmlns:a16="http://schemas.microsoft.com/office/drawing/2014/main" id="{4CF1ECEA-5ACC-475A-A146-D37A091A09A8}"/>
+                  </a:ext>
+                </a:extLst>
+              </p:cNvPr>
+              <p:cNvSpPr/>
+              <p:nvPr/>
+            </p:nvSpPr>
+            <p:spPr bwMode="auto">
+              <a:xfrm rot="10951351" flipH="1">
+                <a:off x="7229970" y="4691873"/>
+                <a:ext cx="274317" cy="274315"/>
+              </a:xfrm>
+              <a:prstGeom prst="bentArrow">
+                <a:avLst/>
+              </a:prstGeom>
+              <a:solidFill>
+                <a:schemeClr val="tx1"/>
+              </a:solidFill>
+              <a:ln>
+                <a:noFill/>
+                <a:headEnd type="none" w="med" len="med"/>
+                <a:tailEnd type="none" w="med" len="med"/>
+              </a:ln>
+              <a:effectLst/>
+            </p:spPr>
+            <p:style>
+              <a:lnRef idx="1">
+                <a:schemeClr val="accent2"/>
+              </a:lnRef>
+              <a:fillRef idx="3">
+                <a:schemeClr val="accent2"/>
+              </a:fillRef>
+              <a:effectRef idx="2">
+                <a:schemeClr val="accent2"/>
+              </a:effectRef>
+              <a:fontRef idx="minor">
+                <a:schemeClr val="lt1"/>
+              </a:fontRef>
+            </p:style>
+            <p:txBody>
+              <a:bodyPr rot="0" spcFirstLastPara="0" vertOverflow="overflow" horzOverflow="overflow" vert="horz" wrap="square" lIns="182880" tIns="146304" rIns="182880" bIns="146304" numCol="1" spcCol="0" rtlCol="0" fromWordArt="0" anchor="t" anchorCtr="0" forceAA="0" compatLnSpc="1">
+                <a:prstTxWarp prst="textNoShape">
+                  <a:avLst/>
+                </a:prstTxWarp>
+                <a:noAutofit/>
+              </a:bodyPr>
+              <a:lstStyle/>
+              <a:p>
+                <a:pPr algn="ctr" defTabSz="932472" fontAlgn="base">
+                  <a:lnSpc>
+                    <a:spcPct val="90000"/>
+                  </a:lnSpc>
+                  <a:spcBef>
+                    <a:spcPct val="0"/>
+                  </a:spcBef>
+                  <a:spcAft>
+                    <a:spcPct val="0"/>
+                  </a:spcAft>
+                </a:pPr>
+                <a:endParaRPr lang="en-US" sz="2400" dirty="0" err="1">
+                  <a:gradFill>
+                    <a:gsLst>
+                      <a:gs pos="0">
+                        <a:srgbClr val="FFFFFF"/>
+                      </a:gs>
+                      <a:gs pos="100000">
+                        <a:srgbClr val="FFFFFF"/>
+                      </a:gs>
+                    </a:gsLst>
+                    <a:lin ang="5400000" scaled="0"/>
+                  </a:gradFill>
+                  <a:ea typeface="Segoe UI" pitchFamily="34" charset="0"/>
+                  <a:cs typeface="Segoe UI" pitchFamily="34" charset="0"/>
+                </a:endParaRPr>
+              </a:p>
+            </p:txBody>
+          </p:sp>
+        </p:grpSp>
+      </p:grpSp>
     </p:spTree>
     <p:extLst>
       <p:ext uri="{BB962C8B-B14F-4D97-AF65-F5344CB8AC3E}">
@@ -19838,7 +22528,697 @@
 </p:sld>
 </file>
 
-<file path=ppt/slides/slide11.xml><?xml version="1.0" encoding="utf-8"?>
+<file path=ppt/slides/slide13.xml><?xml version="1.0" encoding="utf-8"?>
+<p:sld xmlns:a="http://schemas.openxmlformats.org/drawingml/2006/main" xmlns:r="http://schemas.openxmlformats.org/officeDocument/2006/relationships" xmlns:p="http://schemas.openxmlformats.org/presentationml/2006/main">
+  <p:cSld>
+    <p:spTree>
+      <p:nvGrpSpPr>
+        <p:cNvPr id="1" name=""/>
+        <p:cNvGrpSpPr/>
+        <p:nvPr/>
+      </p:nvGrpSpPr>
+      <p:grpSpPr>
+        <a:xfrm>
+          <a:off x="0" y="0"/>
+          <a:ext cx="0" cy="0"/>
+          <a:chOff x="0" y="0"/>
+          <a:chExt cx="0" cy="0"/>
+        </a:xfrm>
+      </p:grpSpPr>
+      <p:sp>
+        <p:nvSpPr>
+          <p:cNvPr id="3" name="Text Placeholder 2"/>
+          <p:cNvSpPr>
+            <a:spLocks noGrp="1"/>
+          </p:cNvSpPr>
+          <p:nvPr>
+            <p:ph type="body" sz="quarter" idx="10"/>
+          </p:nvPr>
+        </p:nvSpPr>
+        <p:spPr>
+          <a:xfrm>
+            <a:off x="274638" y="298378"/>
+            <a:ext cx="11887200" cy="1735860"/>
+          </a:xfrm>
+          <a:solidFill>
+            <a:schemeClr val="accent1">
+              <a:lumMod val="50000"/>
+            </a:schemeClr>
+          </a:solidFill>
+        </p:spPr>
+        <p:txBody>
+          <a:bodyPr/>
+          <a:lstStyle/>
+          <a:p>
+            <a:r>
+              <a:rPr lang="pt-BR" sz="2400" dirty="0">
+                <a:latin typeface="Consolas" panose="020B0609020204030204" pitchFamily="49" charset="0"/>
+              </a:rPr>
+              <a:t>@page</a:t>
+            </a:r>
+          </a:p>
+          <a:p>
+            <a:r>
+              <a:rPr lang="pt-BR" sz="2400" dirty="0">
+                <a:latin typeface="Consolas" panose="020B0609020204030204" pitchFamily="49" charset="0"/>
+              </a:rPr>
+              <a:t>@using RazorPages</a:t>
+            </a:r>
+          </a:p>
+          <a:p>
+            <a:r>
+              <a:rPr lang="pt-BR" sz="2400" dirty="0">
+                <a:latin typeface="Consolas" panose="020B0609020204030204" pitchFamily="49" charset="0"/>
+              </a:rPr>
+              <a:t>@model IndexModel </a:t>
+            </a:r>
+          </a:p>
+          <a:p>
+            <a:r>
+              <a:rPr lang="pt-BR" sz="2400" dirty="0">
+                <a:latin typeface="Consolas" panose="020B0609020204030204" pitchFamily="49" charset="0"/>
+              </a:rPr>
+              <a:t>&lt;p&gt; @Model.Message &lt;/p&gt;</a:t>
+            </a:r>
+            <a:endParaRPr lang="en-US" sz="2400" dirty="0">
+              <a:latin typeface="Consolas" panose="020B0609020204030204" pitchFamily="49" charset="0"/>
+            </a:endParaRPr>
+          </a:p>
+        </p:txBody>
+      </p:sp>
+      <p:sp>
+        <p:nvSpPr>
+          <p:cNvPr id="4" name="Text Placeholder 2">
+            <a:extLst>
+              <a:ext uri="{FF2B5EF4-FFF2-40B4-BE49-F238E27FC236}">
+                <a16:creationId xmlns:a16="http://schemas.microsoft.com/office/drawing/2014/main" id="{076385EF-156D-42CD-B692-E883696498DF}"/>
+              </a:ext>
+            </a:extLst>
+          </p:cNvPr>
+          <p:cNvSpPr txBox="1">
+            <a:spLocks/>
+          </p:cNvSpPr>
+          <p:nvPr/>
+        </p:nvSpPr>
+        <p:spPr>
+          <a:xfrm>
+            <a:off x="274638" y="2209351"/>
+            <a:ext cx="11887200" cy="4579715"/>
+          </a:xfrm>
+          <a:prstGeom prst="rect">
+            <a:avLst/>
+          </a:prstGeom>
+          <a:solidFill>
+            <a:schemeClr val="accent1">
+              <a:lumMod val="50000"/>
+            </a:schemeClr>
+          </a:solidFill>
+        </p:spPr>
+        <p:txBody>
+          <a:bodyPr vert="horz" wrap="square" lIns="146304" tIns="91440" rIns="146304" bIns="91440" rtlCol="0">
+            <a:spAutoFit/>
+          </a:bodyPr>
+          <a:lstStyle>
+            <a:lvl1pPr marL="0" marR="0" indent="0" algn="l" defTabSz="932742" rtl="0" eaLnBrk="1" fontAlgn="auto" latinLnBrk="0" hangingPunct="1">
+              <a:lnSpc>
+                <a:spcPct val="90000"/>
+              </a:lnSpc>
+              <a:spcBef>
+                <a:spcPct val="20000"/>
+              </a:spcBef>
+              <a:spcAft>
+                <a:spcPts val="0"/>
+              </a:spcAft>
+              <a:buClrTx/>
+              <a:buSzPct val="90000"/>
+              <a:buFont typeface="Wingdings" panose="05000000000000000000" pitchFamily="2" charset="2"/>
+              <a:buNone/>
+              <a:tabLst/>
+              <a:defRPr sz="3600" kern="1200" spc="0" baseline="0">
+                <a:gradFill>
+                  <a:gsLst>
+                    <a:gs pos="1250">
+                      <a:schemeClr val="tx1"/>
+                    </a:gs>
+                    <a:gs pos="100000">
+                      <a:schemeClr val="tx1"/>
+                    </a:gs>
+                  </a:gsLst>
+                  <a:lin ang="5400000" scaled="0"/>
+                </a:gradFill>
+                <a:latin typeface="+mj-lt"/>
+                <a:ea typeface="+mn-ea"/>
+                <a:cs typeface="+mn-cs"/>
+              </a:defRPr>
+            </a:lvl1pPr>
+            <a:lvl2pPr marL="228600" marR="0" indent="0" algn="l" defTabSz="932742" rtl="0" eaLnBrk="1" fontAlgn="auto" latinLnBrk="0" hangingPunct="1">
+              <a:lnSpc>
+                <a:spcPct val="90000"/>
+              </a:lnSpc>
+              <a:spcBef>
+                <a:spcPct val="20000"/>
+              </a:spcBef>
+              <a:spcAft>
+                <a:spcPts val="0"/>
+              </a:spcAft>
+              <a:buClrTx/>
+              <a:buSzPct val="90000"/>
+              <a:buFont typeface="Wingdings" panose="05000000000000000000" pitchFamily="2" charset="2"/>
+              <a:buNone/>
+              <a:tabLst/>
+              <a:defRPr sz="2800" kern="1200" spc="0" baseline="0">
+                <a:gradFill>
+                  <a:gsLst>
+                    <a:gs pos="1250">
+                      <a:schemeClr val="tx1"/>
+                    </a:gs>
+                    <a:gs pos="100000">
+                      <a:schemeClr val="tx1"/>
+                    </a:gs>
+                  </a:gsLst>
+                  <a:lin ang="5400000" scaled="0"/>
+                </a:gradFill>
+                <a:latin typeface="+mn-lt"/>
+                <a:ea typeface="+mn-ea"/>
+                <a:cs typeface="+mn-cs"/>
+              </a:defRPr>
+            </a:lvl2pPr>
+            <a:lvl3pPr marL="457200" marR="0" indent="0" algn="l" defTabSz="932742" rtl="0" eaLnBrk="1" fontAlgn="auto" latinLnBrk="0" hangingPunct="1">
+              <a:lnSpc>
+                <a:spcPct val="90000"/>
+              </a:lnSpc>
+              <a:spcBef>
+                <a:spcPct val="20000"/>
+              </a:spcBef>
+              <a:spcAft>
+                <a:spcPts val="0"/>
+              </a:spcAft>
+              <a:buClrTx/>
+              <a:buSzPct val="90000"/>
+              <a:buFont typeface="Wingdings" panose="05000000000000000000" pitchFamily="2" charset="2"/>
+              <a:buNone/>
+              <a:tabLst/>
+              <a:defRPr sz="2400" kern="1200" spc="0" baseline="0">
+                <a:gradFill>
+                  <a:gsLst>
+                    <a:gs pos="1250">
+                      <a:schemeClr val="tx1"/>
+                    </a:gs>
+                    <a:gs pos="100000">
+                      <a:schemeClr val="tx1"/>
+                    </a:gs>
+                  </a:gsLst>
+                  <a:lin ang="5400000" scaled="0"/>
+                </a:gradFill>
+                <a:latin typeface="+mn-lt"/>
+                <a:ea typeface="+mn-ea"/>
+                <a:cs typeface="+mn-cs"/>
+              </a:defRPr>
+            </a:lvl3pPr>
+            <a:lvl4pPr marL="685800" marR="0" indent="0" algn="l" defTabSz="932742" rtl="0" eaLnBrk="1" fontAlgn="auto" latinLnBrk="0" hangingPunct="1">
+              <a:lnSpc>
+                <a:spcPct val="90000"/>
+              </a:lnSpc>
+              <a:spcBef>
+                <a:spcPct val="20000"/>
+              </a:spcBef>
+              <a:spcAft>
+                <a:spcPts val="0"/>
+              </a:spcAft>
+              <a:buClrTx/>
+              <a:buSzPct val="90000"/>
+              <a:buFont typeface="Wingdings" panose="05000000000000000000" pitchFamily="2" charset="2"/>
+              <a:buNone/>
+              <a:tabLst/>
+              <a:defRPr sz="2200" kern="1200" spc="0" baseline="0">
+                <a:gradFill>
+                  <a:gsLst>
+                    <a:gs pos="1250">
+                      <a:schemeClr val="tx1"/>
+                    </a:gs>
+                    <a:gs pos="100000">
+                      <a:schemeClr val="tx1"/>
+                    </a:gs>
+                  </a:gsLst>
+                  <a:lin ang="5400000" scaled="0"/>
+                </a:gradFill>
+                <a:latin typeface="+mn-lt"/>
+                <a:ea typeface="+mn-ea"/>
+                <a:cs typeface="+mn-cs"/>
+              </a:defRPr>
+            </a:lvl4pPr>
+            <a:lvl5pPr marL="914400" marR="0" indent="0" algn="l" defTabSz="932742" rtl="0" eaLnBrk="1" fontAlgn="auto" latinLnBrk="0" hangingPunct="1">
+              <a:lnSpc>
+                <a:spcPct val="90000"/>
+              </a:lnSpc>
+              <a:spcBef>
+                <a:spcPct val="20000"/>
+              </a:spcBef>
+              <a:spcAft>
+                <a:spcPts val="0"/>
+              </a:spcAft>
+              <a:buClrTx/>
+              <a:buSzPct val="90000"/>
+              <a:buFont typeface="Wingdings" panose="05000000000000000000" pitchFamily="2" charset="2"/>
+              <a:buNone/>
+              <a:tabLst/>
+              <a:defRPr sz="2200" kern="1200" spc="0" baseline="0">
+                <a:gradFill>
+                  <a:gsLst>
+                    <a:gs pos="1250">
+                      <a:schemeClr val="tx1"/>
+                    </a:gs>
+                    <a:gs pos="100000">
+                      <a:schemeClr val="tx1"/>
+                    </a:gs>
+                  </a:gsLst>
+                  <a:lin ang="5400000" scaled="0"/>
+                </a:gradFill>
+                <a:latin typeface="+mn-lt"/>
+                <a:ea typeface="+mn-ea"/>
+                <a:cs typeface="+mn-cs"/>
+              </a:defRPr>
+            </a:lvl5pPr>
+            <a:lvl6pPr marL="2565040" indent="-233186" algn="l" defTabSz="932742" rtl="0" eaLnBrk="1" latinLnBrk="0" hangingPunct="1">
+              <a:spcBef>
+                <a:spcPct val="20000"/>
+              </a:spcBef>
+              <a:buFont typeface="Arial" pitchFamily="34" charset="0"/>
+              <a:buChar char="•"/>
+              <a:defRPr sz="2000" kern="1200">
+                <a:solidFill>
+                  <a:schemeClr val="tx1"/>
+                </a:solidFill>
+                <a:latin typeface="+mn-lt"/>
+                <a:ea typeface="+mn-ea"/>
+                <a:cs typeface="+mn-cs"/>
+              </a:defRPr>
+            </a:lvl6pPr>
+            <a:lvl7pPr marL="3031412" indent="-233186" algn="l" defTabSz="932742" rtl="0" eaLnBrk="1" latinLnBrk="0" hangingPunct="1">
+              <a:spcBef>
+                <a:spcPct val="20000"/>
+              </a:spcBef>
+              <a:buFont typeface="Arial" pitchFamily="34" charset="0"/>
+              <a:buChar char="•"/>
+              <a:defRPr sz="2000" kern="1200">
+                <a:solidFill>
+                  <a:schemeClr val="tx1"/>
+                </a:solidFill>
+                <a:latin typeface="+mn-lt"/>
+                <a:ea typeface="+mn-ea"/>
+                <a:cs typeface="+mn-cs"/>
+              </a:defRPr>
+            </a:lvl7pPr>
+            <a:lvl8pPr marL="3497783" indent="-233186" algn="l" defTabSz="932742" rtl="0" eaLnBrk="1" latinLnBrk="0" hangingPunct="1">
+              <a:spcBef>
+                <a:spcPct val="20000"/>
+              </a:spcBef>
+              <a:buFont typeface="Arial" pitchFamily="34" charset="0"/>
+              <a:buChar char="•"/>
+              <a:defRPr sz="2000" kern="1200">
+                <a:solidFill>
+                  <a:schemeClr val="tx1"/>
+                </a:solidFill>
+                <a:latin typeface="+mn-lt"/>
+                <a:ea typeface="+mn-ea"/>
+                <a:cs typeface="+mn-cs"/>
+              </a:defRPr>
+            </a:lvl8pPr>
+            <a:lvl9pPr marL="3964155" indent="-233186" algn="l" defTabSz="932742" rtl="0" eaLnBrk="1" latinLnBrk="0" hangingPunct="1">
+              <a:spcBef>
+                <a:spcPct val="20000"/>
+              </a:spcBef>
+              <a:buFont typeface="Arial" pitchFamily="34" charset="0"/>
+              <a:buChar char="•"/>
+              <a:defRPr sz="2000" kern="1200">
+                <a:solidFill>
+                  <a:schemeClr val="tx1"/>
+                </a:solidFill>
+                <a:latin typeface="+mn-lt"/>
+                <a:ea typeface="+mn-ea"/>
+                <a:cs typeface="+mn-cs"/>
+              </a:defRPr>
+            </a:lvl9pPr>
+          </a:lstStyle>
+          <a:p>
+            <a:r>
+              <a:rPr lang="en-US" sz="2400" dirty="0">
+                <a:latin typeface="Consolas" panose="020B0609020204030204" pitchFamily="49" charset="0"/>
+              </a:rPr>
+              <a:t>using </a:t>
+            </a:r>
+            <a:r>
+              <a:rPr lang="en-US" sz="2400" dirty="0" err="1">
+                <a:latin typeface="Consolas" panose="020B0609020204030204" pitchFamily="49" charset="0"/>
+              </a:rPr>
+              <a:t>Microsoft.AspNetCore.Mvc.RazorPages</a:t>
+            </a:r>
+            <a:r>
+              <a:rPr lang="en-US" sz="2400" dirty="0">
+                <a:latin typeface="Consolas" panose="020B0609020204030204" pitchFamily="49" charset="0"/>
+              </a:rPr>
+              <a:t>; </a:t>
+            </a:r>
+          </a:p>
+          <a:p>
+            <a:r>
+              <a:rPr lang="en-US" sz="2400" dirty="0">
+                <a:latin typeface="Consolas" panose="020B0609020204030204" pitchFamily="49" charset="0"/>
+              </a:rPr>
+              <a:t>using System; </a:t>
+            </a:r>
+          </a:p>
+          <a:p>
+            <a:r>
+              <a:rPr lang="en-US" sz="2400" dirty="0">
+                <a:latin typeface="Consolas" panose="020B0609020204030204" pitchFamily="49" charset="0"/>
+              </a:rPr>
+              <a:t>namespace </a:t>
+            </a:r>
+            <a:r>
+              <a:rPr lang="en-US" sz="2400" dirty="0" err="1">
+                <a:latin typeface="Consolas" panose="020B0609020204030204" pitchFamily="49" charset="0"/>
+              </a:rPr>
+              <a:t>RazorPages</a:t>
+            </a:r>
+            <a:r>
+              <a:rPr lang="en-US" sz="2400" dirty="0">
+                <a:latin typeface="Consolas" panose="020B0609020204030204" pitchFamily="49" charset="0"/>
+              </a:rPr>
+              <a:t> { </a:t>
+            </a:r>
+          </a:p>
+          <a:p>
+            <a:r>
+              <a:rPr lang="en-US" sz="2400" dirty="0">
+                <a:latin typeface="Consolas" panose="020B0609020204030204" pitchFamily="49" charset="0"/>
+              </a:rPr>
+              <a:t>public class </a:t>
+            </a:r>
+            <a:r>
+              <a:rPr lang="en-US" sz="2400" dirty="0" err="1">
+                <a:latin typeface="Consolas" panose="020B0609020204030204" pitchFamily="49" charset="0"/>
+              </a:rPr>
+              <a:t>IndexModel</a:t>
+            </a:r>
+            <a:r>
+              <a:rPr lang="en-US" sz="2400" dirty="0">
+                <a:latin typeface="Consolas" panose="020B0609020204030204" pitchFamily="49" charset="0"/>
+              </a:rPr>
+              <a:t> : </a:t>
+            </a:r>
+            <a:r>
+              <a:rPr lang="en-US" sz="2400" dirty="0" err="1">
+                <a:latin typeface="Consolas" panose="020B0609020204030204" pitchFamily="49" charset="0"/>
+              </a:rPr>
+              <a:t>PageModel</a:t>
+            </a:r>
+            <a:r>
+              <a:rPr lang="en-US" sz="2400" dirty="0">
+                <a:latin typeface="Consolas" panose="020B0609020204030204" pitchFamily="49" charset="0"/>
+              </a:rPr>
+              <a:t> </a:t>
+            </a:r>
+          </a:p>
+          <a:p>
+            <a:r>
+              <a:rPr lang="en-US" sz="2400" dirty="0">
+                <a:latin typeface="Consolas" panose="020B0609020204030204" pitchFamily="49" charset="0"/>
+              </a:rPr>
+              <a:t>{ </a:t>
+            </a:r>
+          </a:p>
+          <a:p>
+            <a:r>
+              <a:rPr lang="en-US" sz="2400" dirty="0">
+                <a:latin typeface="Consolas" panose="020B0609020204030204" pitchFamily="49" charset="0"/>
+              </a:rPr>
+              <a:t>	public string Message { get; private set; } = "Hello. "; </a:t>
+            </a:r>
+          </a:p>
+          <a:p>
+            <a:r>
+              <a:rPr lang="en-US" sz="2400" dirty="0">
+                <a:latin typeface="Consolas" panose="020B0609020204030204" pitchFamily="49" charset="0"/>
+              </a:rPr>
+              <a:t>	public void </a:t>
+            </a:r>
+            <a:r>
+              <a:rPr lang="en-US" sz="2400" dirty="0" err="1">
+                <a:latin typeface="Consolas" panose="020B0609020204030204" pitchFamily="49" charset="0"/>
+              </a:rPr>
+              <a:t>OnGet</a:t>
+            </a:r>
+            <a:r>
+              <a:rPr lang="en-US" sz="2400" dirty="0">
+                <a:latin typeface="Consolas" panose="020B0609020204030204" pitchFamily="49" charset="0"/>
+              </a:rPr>
+              <a:t>() </a:t>
+            </a:r>
+          </a:p>
+          <a:p>
+            <a:r>
+              <a:rPr lang="en-US" sz="2400" dirty="0">
+                <a:latin typeface="Consolas" panose="020B0609020204030204" pitchFamily="49" charset="0"/>
+              </a:rPr>
+              <a:t>	{ </a:t>
+            </a:r>
+          </a:p>
+          <a:p>
+            <a:r>
+              <a:rPr lang="en-US" sz="2400" dirty="0">
+                <a:latin typeface="Consolas" panose="020B0609020204030204" pitchFamily="49" charset="0"/>
+              </a:rPr>
+              <a:t>		Message += $" Server time is { </a:t>
+            </a:r>
+            <a:r>
+              <a:rPr lang="en-US" sz="2400" dirty="0" err="1">
+                <a:latin typeface="Consolas" panose="020B0609020204030204" pitchFamily="49" charset="0"/>
+              </a:rPr>
+              <a:t>DateTime.Now</a:t>
+            </a:r>
+            <a:r>
+              <a:rPr lang="en-US" sz="2400" dirty="0">
+                <a:latin typeface="Consolas" panose="020B0609020204030204" pitchFamily="49" charset="0"/>
+              </a:rPr>
+              <a:t> }"; } </a:t>
+            </a:r>
+          </a:p>
+          <a:p>
+            <a:r>
+              <a:rPr lang="en-US" sz="2400" dirty="0">
+                <a:latin typeface="Consolas" panose="020B0609020204030204" pitchFamily="49" charset="0"/>
+              </a:rPr>
+              <a:t>	} </a:t>
+            </a:r>
+          </a:p>
+          <a:p>
+            <a:r>
+              <a:rPr lang="en-US" sz="2400" dirty="0">
+                <a:latin typeface="Consolas" panose="020B0609020204030204" pitchFamily="49" charset="0"/>
+              </a:rPr>
+              <a:t>}</a:t>
+            </a:r>
+          </a:p>
+        </p:txBody>
+      </p:sp>
+    </p:spTree>
+    <p:extLst>
+      <p:ext uri="{BB962C8B-B14F-4D97-AF65-F5344CB8AC3E}">
+        <p14:creationId xmlns:p14="http://schemas.microsoft.com/office/powerpoint/2010/main" val="3860473114"/>
+      </p:ext>
+    </p:extLst>
+  </p:cSld>
+  <p:clrMapOvr>
+    <a:masterClrMapping/>
+  </p:clrMapOvr>
+  <p:transition>
+    <p:fade/>
+  </p:transition>
+</p:sld>
+</file>
+
+<file path=ppt/slides/slide14.xml><?xml version="1.0" encoding="utf-8"?>
+<p:sld xmlns:a="http://schemas.openxmlformats.org/drawingml/2006/main" xmlns:r="http://schemas.openxmlformats.org/officeDocument/2006/relationships" xmlns:p="http://schemas.openxmlformats.org/presentationml/2006/main">
+  <p:cSld>
+    <p:spTree>
+      <p:nvGrpSpPr>
+        <p:cNvPr id="1" name=""/>
+        <p:cNvGrpSpPr/>
+        <p:nvPr/>
+      </p:nvGrpSpPr>
+      <p:grpSpPr>
+        <a:xfrm>
+          <a:off x="0" y="0"/>
+          <a:ext cx="0" cy="0"/>
+          <a:chOff x="0" y="0"/>
+          <a:chExt cx="0" cy="0"/>
+        </a:xfrm>
+      </p:grpSpPr>
+      <p:sp>
+        <p:nvSpPr>
+          <p:cNvPr id="2" name="Title 1"/>
+          <p:cNvSpPr>
+            <a:spLocks noGrp="1"/>
+          </p:cNvSpPr>
+          <p:nvPr>
+            <p:ph type="title"/>
+          </p:nvPr>
+        </p:nvSpPr>
+        <p:spPr/>
+        <p:txBody>
+          <a:bodyPr/>
+          <a:lstStyle/>
+          <a:p>
+            <a:r>
+              <a:rPr lang="en-US" dirty="0"/>
+              <a:t>MVC</a:t>
+            </a:r>
+          </a:p>
+        </p:txBody>
+      </p:sp>
+    </p:spTree>
+    <p:extLst>
+      <p:ext uri="{BB962C8B-B14F-4D97-AF65-F5344CB8AC3E}">
+        <p14:creationId xmlns:p14="http://schemas.microsoft.com/office/powerpoint/2010/main" val="3278620722"/>
+      </p:ext>
+    </p:extLst>
+  </p:cSld>
+  <p:clrMapOvr>
+    <a:masterClrMapping/>
+  </p:clrMapOvr>
+  <mc:AlternateContent xmlns:mc="http://schemas.openxmlformats.org/markup-compatibility/2006" xmlns:p14="http://schemas.microsoft.com/office/powerpoint/2010/main">
+    <mc:Choice Requires="p14">
+      <p:transition spd="med" p14:dur="700">
+        <p:fade/>
+      </p:transition>
+    </mc:Choice>
+    <mc:Fallback xmlns="">
+      <p:transition spd="med">
+        <p:fade/>
+      </p:transition>
+    </mc:Fallback>
+  </mc:AlternateContent>
+</p:sld>
+</file>
+
+<file path=ppt/slides/slide15.xml><?xml version="1.0" encoding="utf-8"?>
+<p:sld xmlns:a="http://schemas.openxmlformats.org/drawingml/2006/main" xmlns:r="http://schemas.openxmlformats.org/officeDocument/2006/relationships" xmlns:p="http://schemas.openxmlformats.org/presentationml/2006/main">
+  <p:cSld>
+    <p:spTree>
+      <p:nvGrpSpPr>
+        <p:cNvPr id="1" name=""/>
+        <p:cNvGrpSpPr/>
+        <p:nvPr/>
+      </p:nvGrpSpPr>
+      <p:grpSpPr>
+        <a:xfrm>
+          <a:off x="0" y="0"/>
+          <a:ext cx="0" cy="0"/>
+          <a:chOff x="0" y="0"/>
+          <a:chExt cx="0" cy="0"/>
+        </a:xfrm>
+      </p:grpSpPr>
+      <p:sp>
+        <p:nvSpPr>
+          <p:cNvPr id="2" name="Title 1"/>
+          <p:cNvSpPr>
+            <a:spLocks noGrp="1"/>
+          </p:cNvSpPr>
+          <p:nvPr>
+            <p:ph type="title"/>
+          </p:nvPr>
+        </p:nvSpPr>
+        <p:spPr/>
+        <p:txBody>
+          <a:bodyPr/>
+          <a:lstStyle/>
+          <a:p>
+            <a:r>
+              <a:rPr lang="en-US" dirty="0"/>
+              <a:t>What’s (pretty much) the same</a:t>
+            </a:r>
+          </a:p>
+        </p:txBody>
+      </p:sp>
+      <p:sp>
+        <p:nvSpPr>
+          <p:cNvPr id="3" name="Text Placeholder 2"/>
+          <p:cNvSpPr>
+            <a:spLocks noGrp="1"/>
+          </p:cNvSpPr>
+          <p:nvPr>
+            <p:ph type="body" sz="quarter" idx="10"/>
+          </p:nvPr>
+        </p:nvSpPr>
+        <p:spPr>
+          <a:xfrm>
+            <a:off x="274638" y="1212850"/>
+            <a:ext cx="11887200" cy="2769989"/>
+          </a:xfrm>
+        </p:spPr>
+        <p:txBody>
+          <a:bodyPr/>
+          <a:lstStyle/>
+          <a:p>
+            <a:pPr marL="571500" indent="-571500">
+              <a:buFont typeface="Arial" panose="020B0604020202020204" pitchFamily="34" charset="0"/>
+              <a:buChar char="•"/>
+            </a:pPr>
+            <a:r>
+              <a:rPr lang="en-US" dirty="0"/>
+              <a:t>MVC developer flow</a:t>
+            </a:r>
+          </a:p>
+          <a:p>
+            <a:pPr marL="571500" indent="-571500">
+              <a:buFont typeface="Arial" panose="020B0604020202020204" pitchFamily="34" charset="0"/>
+              <a:buChar char="•"/>
+            </a:pPr>
+            <a:r>
+              <a:rPr lang="en-US" dirty="0"/>
+              <a:t>Models / Views / Controllers</a:t>
+            </a:r>
+          </a:p>
+          <a:p>
+            <a:pPr marL="571500" indent="-571500">
+              <a:buFont typeface="Arial" panose="020B0604020202020204" pitchFamily="34" charset="0"/>
+              <a:buChar char="•"/>
+            </a:pPr>
+            <a:r>
+              <a:rPr lang="en-US" dirty="0"/>
+              <a:t>Routing / Attribute Routing</a:t>
+            </a:r>
+          </a:p>
+          <a:p>
+            <a:pPr marL="571500" indent="-571500">
+              <a:buFont typeface="Arial" panose="020B0604020202020204" pitchFamily="34" charset="0"/>
+              <a:buChar char="•"/>
+            </a:pPr>
+            <a:r>
+              <a:rPr lang="en-US" dirty="0"/>
+              <a:t>HTML Helpers</a:t>
+            </a:r>
+          </a:p>
+        </p:txBody>
+      </p:sp>
+    </p:spTree>
+    <p:extLst>
+      <p:ext uri="{BB962C8B-B14F-4D97-AF65-F5344CB8AC3E}">
+        <p14:creationId xmlns:p14="http://schemas.microsoft.com/office/powerpoint/2010/main" val="1192186020"/>
+      </p:ext>
+    </p:extLst>
+  </p:cSld>
+  <p:clrMapOvr>
+    <a:masterClrMapping/>
+  </p:clrMapOvr>
+  <p:transition>
+    <p:fade/>
+  </p:transition>
+</p:sld>
+</file>
+
+<file path=ppt/slides/slide16.xml><?xml version="1.0" encoding="utf-8"?>
 <p:sld xmlns:a="http://schemas.openxmlformats.org/drawingml/2006/main" xmlns:r="http://schemas.openxmlformats.org/officeDocument/2006/relationships" xmlns:p="http://schemas.openxmlformats.org/presentationml/2006/main">
   <p:cSld>
     <p:spTree>
@@ -20416,7 +23796,7 @@
 </p:sld>
 </file>
 
-<file path=ppt/slides/slide12.xml><?xml version="1.0" encoding="utf-8"?>
+<file path=ppt/slides/slide17.xml><?xml version="1.0" encoding="utf-8"?>
 <p:sld xmlns:a="http://schemas.openxmlformats.org/drawingml/2006/main" xmlns:r="http://schemas.openxmlformats.org/officeDocument/2006/relationships" xmlns:p="http://schemas.openxmlformats.org/presentationml/2006/main">
   <p:cSld>
     <p:spTree>
@@ -20450,7 +23830,7 @@
           <a:p>
             <a:r>
               <a:rPr lang="en-US" dirty="0"/>
-              <a:t>What’s new (sessions later)</a:t>
+              <a:t>What’s new</a:t>
             </a:r>
           </a:p>
         </p:txBody>
@@ -20546,7 +23926,7 @@
 </p:sld>
 </file>
 
-<file path=ppt/slides/slide13.xml><?xml version="1.0" encoding="utf-8"?>
+<file path=ppt/slides/slide18.xml><?xml version="1.0" encoding="utf-8"?>
 <p:sld xmlns:a="http://schemas.openxmlformats.org/drawingml/2006/main" xmlns:r="http://schemas.openxmlformats.org/officeDocument/2006/relationships" xmlns:p="http://schemas.openxmlformats.org/presentationml/2006/main">
   <p:cSld>
     <p:spTree>
@@ -20728,7 +24108,7 @@
 </p:sld>
 </file>
 
-<file path=ppt/slides/slide14.xml><?xml version="1.0" encoding="utf-8"?>
+<file path=ppt/slides/slide19.xml><?xml version="1.0" encoding="utf-8"?>
 <p:sld xmlns:a="http://schemas.openxmlformats.org/drawingml/2006/main" xmlns:r="http://schemas.openxmlformats.org/officeDocument/2006/relationships" xmlns:p="http://schemas.openxmlformats.org/presentationml/2006/main">
   <p:cSld>
     <p:spTree>
@@ -21232,7 +24612,1288 @@
 </p:sld>
 </file>
 
-<file path=ppt/slides/slide15.xml><?xml version="1.0" encoding="utf-8"?>
+<file path=ppt/slides/slide2.xml><?xml version="1.0" encoding="utf-8"?>
+<p:sld xmlns:a="http://schemas.openxmlformats.org/drawingml/2006/main" xmlns:r="http://schemas.openxmlformats.org/officeDocument/2006/relationships" xmlns:p="http://schemas.openxmlformats.org/presentationml/2006/main">
+  <p:cSld>
+    <p:spTree>
+      <p:nvGrpSpPr>
+        <p:cNvPr id="1" name=""/>
+        <p:cNvGrpSpPr/>
+        <p:nvPr/>
+      </p:nvGrpSpPr>
+      <p:grpSpPr>
+        <a:xfrm>
+          <a:off x="0" y="0"/>
+          <a:ext cx="0" cy="0"/>
+          <a:chOff x="0" y="0"/>
+          <a:chExt cx="0" cy="0"/>
+        </a:xfrm>
+      </p:grpSpPr>
+      <p:sp>
+        <p:nvSpPr>
+          <p:cNvPr id="2" name="Title 1"/>
+          <p:cNvSpPr>
+            <a:spLocks noGrp="1"/>
+          </p:cNvSpPr>
+          <p:nvPr>
+            <p:ph type="title"/>
+          </p:nvPr>
+        </p:nvSpPr>
+        <p:spPr/>
+        <p:txBody>
+          <a:bodyPr/>
+          <a:lstStyle/>
+          <a:p>
+            <a:r>
+              <a:rPr lang="en-US" dirty="0"/>
+              <a:t>ASP.NET Core in a Nutshell</a:t>
+            </a:r>
+          </a:p>
+        </p:txBody>
+      </p:sp>
+      <p:sp>
+        <p:nvSpPr>
+          <p:cNvPr id="20" name="Rectangle 19"/>
+          <p:cNvSpPr/>
+          <p:nvPr/>
+        </p:nvSpPr>
+        <p:spPr bwMode="auto">
+          <a:xfrm>
+            <a:off x="6478259" y="3759537"/>
+            <a:ext cx="4643210" cy="2390317"/>
+          </a:xfrm>
+          <a:prstGeom prst="rect">
+            <a:avLst/>
+          </a:prstGeom>
+          <a:solidFill>
+            <a:srgbClr val="5C2D91"/>
+          </a:solidFill>
+          <a:ln w="25400" cap="flat" cmpd="sng" algn="ctr">
+            <a:noFill/>
+            <a:prstDash val="solid"/>
+            <a:headEnd type="none" w="med" len="med"/>
+            <a:tailEnd type="none" w="med" len="med"/>
+          </a:ln>
+          <a:effectLst/>
+        </p:spPr>
+        <p:txBody>
+          <a:bodyPr vert="horz" wrap="square" lIns="731210" tIns="274204" rIns="89600" bIns="89604" numCol="1" rtlCol="0" anchor="t" anchorCtr="0" compatLnSpc="1">
+            <a:prstTxWarp prst="textNoShape">
+              <a:avLst/>
+            </a:prstTxWarp>
+          </a:bodyPr>
+          <a:lstStyle/>
+          <a:p>
+            <a:pPr marL="0" marR="0" lvl="0" indent="0" defTabSz="913688" eaLnBrk="1" fontAlgn="auto" latinLnBrk="0" hangingPunct="1">
+              <a:lnSpc>
+                <a:spcPct val="100000"/>
+              </a:lnSpc>
+              <a:spcBef>
+                <a:spcPts val="0"/>
+              </a:spcBef>
+              <a:spcAft>
+                <a:spcPts val="0"/>
+              </a:spcAft>
+              <a:buClrTx/>
+              <a:buSzTx/>
+              <a:buFontTx/>
+              <a:buNone/>
+              <a:tabLst/>
+              <a:defRPr/>
+            </a:pPr>
+            <a:endParaRPr kumimoji="0" lang="en-US" sz="2800" b="0" i="0" u="none" strike="noStrike" kern="0" cap="none" spc="0" normalizeH="0" baseline="0" noProof="0" dirty="0">
+              <a:ln>
+                <a:noFill/>
+              </a:ln>
+              <a:gradFill>
+                <a:gsLst>
+                  <a:gs pos="14679">
+                    <a:srgbClr val="FFFFFF"/>
+                  </a:gs>
+                  <a:gs pos="38000">
+                    <a:srgbClr val="FFFFFF"/>
+                  </a:gs>
+                </a:gsLst>
+                <a:lin ang="5400000" scaled="1"/>
+              </a:gradFill>
+              <a:effectLst/>
+              <a:uLnTx/>
+              <a:uFillTx/>
+              <a:latin typeface="Segoe UI Light"/>
+            </a:endParaRPr>
+          </a:p>
+        </p:txBody>
+      </p:sp>
+      <p:sp>
+        <p:nvSpPr>
+          <p:cNvPr id="21" name="Rectangle 20"/>
+          <p:cNvSpPr/>
+          <p:nvPr/>
+        </p:nvSpPr>
+        <p:spPr bwMode="auto">
+          <a:xfrm>
+            <a:off x="1214867" y="3759537"/>
+            <a:ext cx="5197656" cy="2390316"/>
+          </a:xfrm>
+          <a:prstGeom prst="rect">
+            <a:avLst/>
+          </a:prstGeom>
+          <a:solidFill>
+            <a:srgbClr val="5C2D91"/>
+          </a:solidFill>
+          <a:ln w="25400" cap="flat" cmpd="sng" algn="ctr">
+            <a:noFill/>
+            <a:prstDash val="solid"/>
+            <a:headEnd type="none" w="med" len="med"/>
+            <a:tailEnd type="none" w="med" len="med"/>
+          </a:ln>
+          <a:effectLst/>
+        </p:spPr>
+        <p:txBody>
+          <a:bodyPr vert="horz" wrap="square" lIns="731210" tIns="274204" rIns="89600" bIns="89604" numCol="1" rtlCol="0" anchor="t" anchorCtr="0" compatLnSpc="1">
+            <a:prstTxWarp prst="textNoShape">
+              <a:avLst/>
+            </a:prstTxWarp>
+          </a:bodyPr>
+          <a:lstStyle/>
+          <a:p>
+            <a:pPr marL="0" marR="0" lvl="0" indent="0" defTabSz="913688" eaLnBrk="1" fontAlgn="auto" latinLnBrk="0" hangingPunct="1">
+              <a:lnSpc>
+                <a:spcPct val="100000"/>
+              </a:lnSpc>
+              <a:spcBef>
+                <a:spcPts val="0"/>
+              </a:spcBef>
+              <a:spcAft>
+                <a:spcPts val="0"/>
+              </a:spcAft>
+              <a:buClrTx/>
+              <a:buSzTx/>
+              <a:buFontTx/>
+              <a:buNone/>
+              <a:tabLst/>
+              <a:defRPr/>
+            </a:pPr>
+            <a:r>
+              <a:rPr kumimoji="0" lang="en-US" sz="2800" b="0" i="0" u="none" strike="noStrike" kern="0" cap="none" spc="0" normalizeH="0" baseline="0" noProof="0" dirty="0">
+                <a:ln>
+                  <a:noFill/>
+                </a:ln>
+                <a:gradFill>
+                  <a:gsLst>
+                    <a:gs pos="14679">
+                      <a:srgbClr val="FFFFFF"/>
+                    </a:gs>
+                    <a:gs pos="38000">
+                      <a:srgbClr val="FFFFFF"/>
+                    </a:gs>
+                  </a:gsLst>
+                  <a:lin ang="5400000" scaled="1"/>
+                </a:gradFill>
+                <a:effectLst/>
+                <a:uLnTx/>
+                <a:uFillTx/>
+                <a:latin typeface="Segoe UI Light"/>
+              </a:rPr>
+              <a:t>  </a:t>
+            </a:r>
+          </a:p>
+        </p:txBody>
+      </p:sp>
+      <p:sp>
+        <p:nvSpPr>
+          <p:cNvPr id="22" name="TextBox 21"/>
+          <p:cNvSpPr txBox="1"/>
+          <p:nvPr/>
+        </p:nvSpPr>
+        <p:spPr>
+          <a:xfrm>
+            <a:off x="1280603" y="4269080"/>
+            <a:ext cx="5173526" cy="531737"/>
+          </a:xfrm>
+          <a:prstGeom prst="rect">
+            <a:avLst/>
+          </a:prstGeom>
+          <a:noFill/>
+        </p:spPr>
+        <p:txBody>
+          <a:bodyPr wrap="square" rtlCol="0">
+            <a:spAutoFit/>
+          </a:bodyPr>
+          <a:lstStyle/>
+          <a:p>
+            <a:pPr algn="ctr" defTabSz="913990"/>
+            <a:r>
+              <a:rPr lang="en-US" sz="2800" b="1" dirty="0">
+                <a:solidFill>
+                  <a:srgbClr val="FFFFFF"/>
+                </a:solidFill>
+                <a:latin typeface="Segoe UI Semibold" panose="020B0702040204020203" pitchFamily="34" charset="0"/>
+                <a:cs typeface="Segoe UI Semibold" panose="020B0702040204020203" pitchFamily="34" charset="0"/>
+              </a:rPr>
+              <a:t>.NET Framework</a:t>
+            </a:r>
+          </a:p>
+        </p:txBody>
+      </p:sp>
+      <p:sp>
+        <p:nvSpPr>
+          <p:cNvPr id="23" name="TextBox 22"/>
+          <p:cNvSpPr txBox="1"/>
+          <p:nvPr/>
+        </p:nvSpPr>
+        <p:spPr>
+          <a:xfrm>
+            <a:off x="6592653" y="4280755"/>
+            <a:ext cx="4424508" cy="531737"/>
+          </a:xfrm>
+          <a:prstGeom prst="rect">
+            <a:avLst/>
+          </a:prstGeom>
+          <a:noFill/>
+        </p:spPr>
+        <p:txBody>
+          <a:bodyPr wrap="square" rtlCol="0">
+            <a:spAutoFit/>
+          </a:bodyPr>
+          <a:lstStyle/>
+          <a:p>
+            <a:pPr algn="ctr" defTabSz="913990"/>
+            <a:r>
+              <a:rPr lang="en-US" sz="2800" b="1" dirty="0">
+                <a:solidFill>
+                  <a:srgbClr val="FFFFFF"/>
+                </a:solidFill>
+                <a:latin typeface="Segoe UI Semibold" panose="020B0702040204020203" pitchFamily="34" charset="0"/>
+                <a:cs typeface="Segoe UI Semibold" panose="020B0702040204020203" pitchFamily="34" charset="0"/>
+              </a:rPr>
+              <a:t>.NET </a:t>
+            </a:r>
+            <a:r>
+              <a:rPr lang="en-US" sz="2800" dirty="0">
+                <a:solidFill>
+                  <a:srgbClr val="FFFFFF"/>
+                </a:solidFill>
+                <a:latin typeface="Segoe UI Semibold" panose="020B0702040204020203" pitchFamily="34" charset="0"/>
+                <a:cs typeface="Segoe UI Semibold" panose="020B0702040204020203" pitchFamily="34" charset="0"/>
+              </a:rPr>
+              <a:t>Core</a:t>
+            </a:r>
+            <a:r>
+              <a:rPr lang="en-US" sz="2800" b="1" dirty="0">
+                <a:solidFill>
+                  <a:srgbClr val="FFFFFF"/>
+                </a:solidFill>
+                <a:latin typeface="Segoe UI Semibold" panose="020B0702040204020203" pitchFamily="34" charset="0"/>
+                <a:cs typeface="Segoe UI Semibold" panose="020B0702040204020203" pitchFamily="34" charset="0"/>
+              </a:rPr>
+              <a:t> </a:t>
+            </a:r>
+          </a:p>
+        </p:txBody>
+      </p:sp>
+      <p:pic>
+        <p:nvPicPr>
+          <p:cNvPr id="24" name="Picture 23"/>
+          <p:cNvPicPr>
+            <a:picLocks noChangeAspect="1"/>
+          </p:cNvPicPr>
+          <p:nvPr/>
+        </p:nvPicPr>
+        <p:blipFill>
+          <a:blip r:embed="rId3" cstate="print">
+            <a:lum bright="70000" contrast="-70000"/>
+            <a:extLst>
+              <a:ext uri="{28A0092B-C50C-407E-A947-70E740481C1C}">
+                <a14:useLocalDpi xmlns:a14="http://schemas.microsoft.com/office/drawing/2010/main" val="0"/>
+              </a:ext>
+            </a:extLst>
+          </a:blip>
+          <a:stretch>
+            <a:fillRect/>
+          </a:stretch>
+        </p:blipFill>
+        <p:spPr>
+          <a:xfrm>
+            <a:off x="9779289" y="5444011"/>
+            <a:ext cx="382157" cy="449931"/>
+          </a:xfrm>
+          <a:prstGeom prst="rect">
+            <a:avLst/>
+          </a:prstGeom>
+        </p:spPr>
+      </p:pic>
+      <p:pic>
+        <p:nvPicPr>
+          <p:cNvPr id="25" name="Picture 2" descr="http://files.softicons.com/download/system-icons/windows-8-metro-icons-by-dakirby309/png/512x512/Folders%20&amp;%20OS/Linux.png"/>
+          <p:cNvPicPr>
+            <a:picLocks noChangeAspect="1" noChangeArrowheads="1"/>
+          </p:cNvPicPr>
+          <p:nvPr/>
+        </p:nvPicPr>
+        <p:blipFill>
+          <a:blip r:embed="rId4" cstate="print">
+            <a:extLst>
+              <a:ext uri="{BEBA8EAE-BF5A-486C-A8C5-ECC9F3942E4B}">
+                <a14:imgProps xmlns:a14="http://schemas.microsoft.com/office/drawing/2010/main">
+                  <a14:imgLayer r:embed="rId5">
+                    <a14:imgEffect>
+                      <a14:backgroundRemoval t="10000" b="90000" l="10000" r="90000"/>
+                    </a14:imgEffect>
+                  </a14:imgLayer>
+                </a14:imgProps>
+              </a:ext>
+              <a:ext uri="{28A0092B-C50C-407E-A947-70E740481C1C}">
+                <a14:useLocalDpi xmlns:a14="http://schemas.microsoft.com/office/drawing/2010/main" val="0"/>
+              </a:ext>
+            </a:extLst>
+          </a:blip>
+          <a:srcRect/>
+          <a:stretch>
+            <a:fillRect/>
+          </a:stretch>
+        </p:blipFill>
+        <p:spPr bwMode="auto">
+          <a:xfrm>
+            <a:off x="8644949" y="5440421"/>
+            <a:ext cx="510157" cy="500847"/>
+          </a:xfrm>
+          <a:prstGeom prst="rect">
+            <a:avLst/>
+          </a:prstGeom>
+          <a:noFill/>
+          <a:extLst>
+            <a:ext uri="{909E8E84-426E-40DD-AFC4-6F175D3DCCD1}">
+              <a14:hiddenFill xmlns:a14="http://schemas.microsoft.com/office/drawing/2010/main">
+                <a:solidFill>
+                  <a:srgbClr val="FFFFFF"/>
+                </a:solidFill>
+              </a14:hiddenFill>
+            </a:ext>
+          </a:extLst>
+        </p:spPr>
+      </p:pic>
+      <p:pic>
+        <p:nvPicPr>
+          <p:cNvPr id="26" name="Picture 6" descr="C:\temp\WinAzure_rgb_Wht_S.png"/>
+          <p:cNvPicPr>
+            <a:picLocks noChangeAspect="1" noChangeArrowheads="1"/>
+          </p:cNvPicPr>
+          <p:nvPr/>
+        </p:nvPicPr>
+        <p:blipFill rotWithShape="1">
+          <a:blip r:embed="rId6" cstate="print">
+            <a:extLst>
+              <a:ext uri="{28A0092B-C50C-407E-A947-70E740481C1C}">
+                <a14:useLocalDpi xmlns:a14="http://schemas.microsoft.com/office/drawing/2010/main" val="0"/>
+              </a:ext>
+            </a:extLst>
+          </a:blip>
+          <a:srcRect l="3371" t="15460" r="80628" b="15496"/>
+          <a:stretch/>
+        </p:blipFill>
+        <p:spPr bwMode="auto">
+          <a:xfrm>
+            <a:off x="7304080" y="5400278"/>
+            <a:ext cx="546044" cy="554567"/>
+          </a:xfrm>
+          <a:prstGeom prst="rect">
+            <a:avLst/>
+          </a:prstGeom>
+          <a:noFill/>
+          <a:extLst>
+            <a:ext uri="{909E8E84-426E-40DD-AFC4-6F175D3DCCD1}">
+              <a14:hiddenFill xmlns:a14="http://schemas.microsoft.com/office/drawing/2010/main">
+                <a:solidFill>
+                  <a:srgbClr val="FFFFFF"/>
+                </a:solidFill>
+              </a14:hiddenFill>
+            </a:ext>
+          </a:extLst>
+        </p:spPr>
+      </p:pic>
+      <p:pic>
+        <p:nvPicPr>
+          <p:cNvPr id="27" name="Picture 6" descr="C:\temp\WinAzure_rgb_Wht_S.png"/>
+          <p:cNvPicPr>
+            <a:picLocks noChangeAspect="1" noChangeArrowheads="1"/>
+          </p:cNvPicPr>
+          <p:nvPr/>
+        </p:nvPicPr>
+        <p:blipFill rotWithShape="1">
+          <a:blip r:embed="rId6" cstate="print">
+            <a:extLst>
+              <a:ext uri="{28A0092B-C50C-407E-A947-70E740481C1C}">
+                <a14:useLocalDpi xmlns:a14="http://schemas.microsoft.com/office/drawing/2010/main" val="0"/>
+              </a:ext>
+            </a:extLst>
+          </a:blip>
+          <a:srcRect l="3371" t="15460" r="80628" b="15496"/>
+          <a:stretch/>
+        </p:blipFill>
+        <p:spPr bwMode="auto">
+          <a:xfrm>
+            <a:off x="3779501" y="5400278"/>
+            <a:ext cx="546044" cy="554567"/>
+          </a:xfrm>
+          <a:prstGeom prst="rect">
+            <a:avLst/>
+          </a:prstGeom>
+          <a:noFill/>
+          <a:extLst>
+            <a:ext uri="{909E8E84-426E-40DD-AFC4-6F175D3DCCD1}">
+              <a14:hiddenFill xmlns:a14="http://schemas.microsoft.com/office/drawing/2010/main">
+                <a:solidFill>
+                  <a:srgbClr val="FFFFFF"/>
+                </a:solidFill>
+              </a14:hiddenFill>
+            </a:ext>
+          </a:extLst>
+        </p:spPr>
+      </p:pic>
+      <p:sp>
+        <p:nvSpPr>
+          <p:cNvPr id="28" name="Rectangle 27"/>
+          <p:cNvSpPr/>
+          <p:nvPr/>
+        </p:nvSpPr>
+        <p:spPr>
+          <a:xfrm>
+            <a:off x="1602661" y="4777266"/>
+            <a:ext cx="4817610" cy="584436"/>
+          </a:xfrm>
+          <a:prstGeom prst="rect">
+            <a:avLst/>
+          </a:prstGeom>
+        </p:spPr>
+        <p:txBody>
+          <a:bodyPr wrap="square">
+            <a:spAutoFit/>
+          </a:bodyPr>
+          <a:lstStyle/>
+          <a:p>
+            <a:pPr lvl="0" algn="ctr" defTabSz="913736">
+              <a:defRPr/>
+            </a:pPr>
+            <a:r>
+              <a:rPr lang="en-US" sz="1567" i="1" kern="0" dirty="0">
+                <a:solidFill>
+                  <a:srgbClr val="FFFFFF"/>
+                </a:solidFill>
+              </a:rPr>
+              <a:t>Platform for .NET applications on Windows</a:t>
+            </a:r>
+          </a:p>
+          <a:p>
+            <a:pPr marL="0" marR="0" lvl="0" indent="0" algn="ctr" defTabSz="913736" eaLnBrk="1" fontAlgn="auto" latinLnBrk="0" hangingPunct="1">
+              <a:lnSpc>
+                <a:spcPct val="100000"/>
+              </a:lnSpc>
+              <a:spcBef>
+                <a:spcPts val="0"/>
+              </a:spcBef>
+              <a:spcAft>
+                <a:spcPts val="0"/>
+              </a:spcAft>
+              <a:buClrTx/>
+              <a:buSzTx/>
+              <a:buFontTx/>
+              <a:buNone/>
+              <a:tabLst/>
+              <a:defRPr/>
+            </a:pPr>
+            <a:endParaRPr kumimoji="0" lang="en-US" sz="1567" b="0" i="1" u="none" strike="noStrike" kern="0" cap="none" spc="0" normalizeH="0" baseline="0" noProof="0" dirty="0">
+              <a:ln>
+                <a:noFill/>
+              </a:ln>
+              <a:solidFill>
+                <a:srgbClr val="FFFFFF"/>
+              </a:solidFill>
+              <a:effectLst/>
+              <a:uLnTx/>
+              <a:uFillTx/>
+            </a:endParaRPr>
+          </a:p>
+        </p:txBody>
+      </p:sp>
+      <p:sp>
+        <p:nvSpPr>
+          <p:cNvPr id="29" name="Rectangle 28"/>
+          <p:cNvSpPr/>
+          <p:nvPr/>
+        </p:nvSpPr>
+        <p:spPr>
+          <a:xfrm>
+            <a:off x="6672974" y="4726053"/>
+            <a:ext cx="4276112" cy="584436"/>
+          </a:xfrm>
+          <a:prstGeom prst="rect">
+            <a:avLst/>
+          </a:prstGeom>
+        </p:spPr>
+        <p:txBody>
+          <a:bodyPr wrap="square">
+            <a:spAutoFit/>
+          </a:bodyPr>
+          <a:lstStyle/>
+          <a:p>
+            <a:pPr marL="0" marR="0" lvl="0" indent="0" algn="ctr" defTabSz="913736" eaLnBrk="1" fontAlgn="auto" latinLnBrk="0" hangingPunct="1">
+              <a:lnSpc>
+                <a:spcPct val="100000"/>
+              </a:lnSpc>
+              <a:spcBef>
+                <a:spcPts val="0"/>
+              </a:spcBef>
+              <a:spcAft>
+                <a:spcPts val="0"/>
+              </a:spcAft>
+              <a:buClrTx/>
+              <a:buSzTx/>
+              <a:buFontTx/>
+              <a:buNone/>
+              <a:tabLst/>
+              <a:defRPr/>
+            </a:pPr>
+            <a:r>
+              <a:rPr kumimoji="0" lang="en-US" sz="1567" b="0" i="1" u="none" strike="noStrike" kern="0" cap="none" spc="0" normalizeH="0" baseline="0" noProof="0" dirty="0">
+                <a:ln>
+                  <a:noFill/>
+                </a:ln>
+                <a:solidFill>
+                  <a:srgbClr val="FFFFFF"/>
+                </a:solidFill>
+                <a:effectLst/>
+                <a:uLnTx/>
+                <a:uFillTx/>
+              </a:rPr>
+              <a:t>Cross-platform, modular libraries &amp; runtime optimized for server and cloud workloads</a:t>
+            </a:r>
+          </a:p>
+        </p:txBody>
+      </p:sp>
+      <p:sp>
+        <p:nvSpPr>
+          <p:cNvPr id="30" name="Rectangle 29"/>
+          <p:cNvSpPr/>
+          <p:nvPr/>
+        </p:nvSpPr>
+        <p:spPr bwMode="auto">
+          <a:xfrm>
+            <a:off x="1214867" y="2582862"/>
+            <a:ext cx="3966733" cy="1117557"/>
+          </a:xfrm>
+          <a:prstGeom prst="rect">
+            <a:avLst/>
+          </a:prstGeom>
+          <a:solidFill>
+            <a:srgbClr val="0078D7"/>
+          </a:solidFill>
+          <a:ln w="9525" cap="flat" cmpd="sng" algn="ctr">
+            <a:noFill/>
+            <a:prstDash val="solid"/>
+            <a:headEnd type="none" w="med" len="med"/>
+            <a:tailEnd type="none" w="med" len="med"/>
+          </a:ln>
+          <a:effectLst/>
+        </p:spPr>
+        <p:txBody>
+          <a:bodyPr rot="0" spcFirstLastPara="0" vertOverflow="overflow" horzOverflow="overflow" vert="horz" wrap="square" lIns="179259" tIns="143407" rIns="179259" bIns="143407" numCol="1" spcCol="0" rtlCol="0" fromWordArt="0" anchor="t" anchorCtr="0" forceAA="0" compatLnSpc="1">
+            <a:prstTxWarp prst="textNoShape">
+              <a:avLst/>
+            </a:prstTxWarp>
+            <a:noAutofit/>
+          </a:bodyPr>
+          <a:lstStyle/>
+          <a:p>
+            <a:pPr marL="0" marR="0" lvl="0" indent="0" algn="ctr" defTabSz="913927" eaLnBrk="1" fontAlgn="base" latinLnBrk="0" hangingPunct="1">
+              <a:lnSpc>
+                <a:spcPct val="90000"/>
+              </a:lnSpc>
+              <a:spcBef>
+                <a:spcPct val="0"/>
+              </a:spcBef>
+              <a:spcAft>
+                <a:spcPct val="0"/>
+              </a:spcAft>
+              <a:buClrTx/>
+              <a:buSzTx/>
+              <a:buFontTx/>
+              <a:buNone/>
+              <a:tabLst/>
+              <a:defRPr/>
+            </a:pPr>
+            <a:r>
+              <a:rPr kumimoji="0" lang="en-US" sz="1961" b="0" i="0" u="none" strike="noStrike" kern="0" cap="none" spc="0" normalizeH="0" baseline="0" noProof="0" dirty="0">
+                <a:ln>
+                  <a:noFill/>
+                </a:ln>
+                <a:gradFill>
+                  <a:gsLst>
+                    <a:gs pos="0">
+                      <a:srgbClr val="FFFFFF"/>
+                    </a:gs>
+                    <a:gs pos="100000">
+                      <a:srgbClr val="FFFFFF"/>
+                    </a:gs>
+                  </a:gsLst>
+                  <a:lin ang="5400000" scaled="0"/>
+                </a:gradFill>
+                <a:effectLst/>
+                <a:uLnTx/>
+                <a:uFillTx/>
+                <a:latin typeface="Segoe UI"/>
+                <a:ea typeface="Segoe UI" pitchFamily="34" charset="0"/>
+                <a:cs typeface="Segoe UI" pitchFamily="34" charset="0"/>
+              </a:rPr>
+              <a:t>ASP.NET 4.6</a:t>
+            </a:r>
+          </a:p>
+          <a:p>
+            <a:pPr marL="0" marR="0" lvl="0" indent="0" algn="ctr" defTabSz="913927" eaLnBrk="1" fontAlgn="base" latinLnBrk="0" hangingPunct="1">
+              <a:lnSpc>
+                <a:spcPct val="90000"/>
+              </a:lnSpc>
+              <a:spcBef>
+                <a:spcPct val="0"/>
+              </a:spcBef>
+              <a:spcAft>
+                <a:spcPct val="0"/>
+              </a:spcAft>
+              <a:buClrTx/>
+              <a:buSzTx/>
+              <a:buFontTx/>
+              <a:buNone/>
+              <a:tabLst/>
+              <a:defRPr/>
+            </a:pPr>
+            <a:r>
+              <a:rPr kumimoji="0" lang="en-US" sz="1961" b="0" i="0" u="none" strike="noStrike" kern="0" cap="none" spc="0" normalizeH="0" baseline="0" noProof="0" dirty="0">
+                <a:ln>
+                  <a:noFill/>
+                </a:ln>
+                <a:gradFill>
+                  <a:gsLst>
+                    <a:gs pos="0">
+                      <a:srgbClr val="FFFFFF"/>
+                    </a:gs>
+                    <a:gs pos="100000">
+                      <a:srgbClr val="FFFFFF"/>
+                    </a:gs>
+                  </a:gsLst>
+                  <a:lin ang="5400000" scaled="0"/>
+                </a:gradFill>
+                <a:effectLst/>
+                <a:uLnTx/>
+                <a:uFillTx/>
+                <a:latin typeface="Segoe UI"/>
+                <a:ea typeface="Segoe UI" pitchFamily="34" charset="0"/>
+                <a:cs typeface="Segoe UI" pitchFamily="34" charset="0"/>
+              </a:rPr>
+              <a:t>(</a:t>
+            </a:r>
+            <a:r>
+              <a:rPr kumimoji="0" lang="en-US" sz="1961" b="0" i="0" u="none" strike="noStrike" kern="0" cap="none" spc="0" normalizeH="0" baseline="0" noProof="0" dirty="0" err="1">
+                <a:ln>
+                  <a:noFill/>
+                </a:ln>
+                <a:gradFill>
+                  <a:gsLst>
+                    <a:gs pos="0">
+                      <a:srgbClr val="FFFFFF"/>
+                    </a:gs>
+                    <a:gs pos="100000">
+                      <a:srgbClr val="FFFFFF"/>
+                    </a:gs>
+                  </a:gsLst>
+                  <a:lin ang="5400000" scaled="0"/>
+                </a:gradFill>
+                <a:effectLst/>
+                <a:uLnTx/>
+                <a:uFillTx/>
+                <a:latin typeface="Segoe UI"/>
+                <a:ea typeface="Segoe UI" pitchFamily="34" charset="0"/>
+                <a:cs typeface="Segoe UI" pitchFamily="34" charset="0"/>
+              </a:rPr>
+              <a:t>System.Web</a:t>
+            </a:r>
+            <a:r>
+              <a:rPr kumimoji="0" lang="en-US" sz="1961" b="0" i="0" u="none" strike="noStrike" kern="0" cap="none" spc="0" normalizeH="0" baseline="0" noProof="0" dirty="0">
+                <a:ln>
+                  <a:noFill/>
+                </a:ln>
+                <a:gradFill>
+                  <a:gsLst>
+                    <a:gs pos="0">
+                      <a:srgbClr val="FFFFFF"/>
+                    </a:gs>
+                    <a:gs pos="100000">
+                      <a:srgbClr val="FFFFFF"/>
+                    </a:gs>
+                  </a:gsLst>
+                  <a:lin ang="5400000" scaled="0"/>
+                </a:gradFill>
+                <a:effectLst/>
+                <a:uLnTx/>
+                <a:uFillTx/>
+                <a:latin typeface="Segoe UI"/>
+                <a:ea typeface="Segoe UI" pitchFamily="34" charset="0"/>
+                <a:cs typeface="Segoe UI" pitchFamily="34" charset="0"/>
+              </a:rPr>
+              <a:t>)</a:t>
+            </a:r>
+          </a:p>
+        </p:txBody>
+      </p:sp>
+      <p:sp>
+        <p:nvSpPr>
+          <p:cNvPr id="31" name="Rectangle 30"/>
+          <p:cNvSpPr/>
+          <p:nvPr/>
+        </p:nvSpPr>
+        <p:spPr bwMode="auto">
+          <a:xfrm>
+            <a:off x="2592066" y="1746504"/>
+            <a:ext cx="1238254" cy="777240"/>
+          </a:xfrm>
+          <a:prstGeom prst="rect">
+            <a:avLst/>
+          </a:prstGeom>
+          <a:solidFill>
+            <a:srgbClr val="00BCF2"/>
+          </a:solidFill>
+          <a:ln w="9525" cap="flat" cmpd="sng" algn="ctr">
+            <a:noFill/>
+            <a:prstDash val="solid"/>
+            <a:headEnd type="none" w="med" len="med"/>
+            <a:tailEnd type="none" w="med" len="med"/>
+          </a:ln>
+          <a:effectLst/>
+        </p:spPr>
+        <p:txBody>
+          <a:bodyPr rot="0" spcFirstLastPara="0" vertOverflow="overflow" horzOverflow="overflow" vert="horz" wrap="square" lIns="179259" tIns="143407" rIns="179259" bIns="143407" numCol="1" spcCol="0" rtlCol="0" fromWordArt="0" anchor="t" anchorCtr="0" forceAA="0" compatLnSpc="1">
+            <a:prstTxWarp prst="textNoShape">
+              <a:avLst/>
+            </a:prstTxWarp>
+            <a:noAutofit/>
+          </a:bodyPr>
+          <a:lstStyle/>
+          <a:p>
+            <a:pPr marL="0" marR="0" lvl="0" indent="0" algn="ctr" defTabSz="913927" eaLnBrk="1" fontAlgn="base" latinLnBrk="0" hangingPunct="1">
+              <a:lnSpc>
+                <a:spcPct val="90000"/>
+              </a:lnSpc>
+              <a:spcBef>
+                <a:spcPct val="0"/>
+              </a:spcBef>
+              <a:spcAft>
+                <a:spcPct val="0"/>
+              </a:spcAft>
+              <a:buClrTx/>
+              <a:buSzTx/>
+              <a:buFontTx/>
+              <a:buNone/>
+              <a:tabLst/>
+              <a:defRPr/>
+            </a:pPr>
+            <a:r>
+              <a:rPr kumimoji="0" lang="en-US" sz="1961" b="0" i="0" u="none" strike="noStrike" kern="0" cap="none" spc="0" normalizeH="0" baseline="0" noProof="0" dirty="0">
+                <a:ln>
+                  <a:noFill/>
+                </a:ln>
+                <a:gradFill>
+                  <a:gsLst>
+                    <a:gs pos="0">
+                      <a:srgbClr val="FFFFFF"/>
+                    </a:gs>
+                    <a:gs pos="100000">
+                      <a:srgbClr val="FFFFFF"/>
+                    </a:gs>
+                  </a:gsLst>
+                  <a:lin ang="5400000" scaled="0"/>
+                </a:gradFill>
+                <a:effectLst/>
+                <a:uLnTx/>
+                <a:uFillTx/>
+                <a:latin typeface="Segoe UI"/>
+                <a:ea typeface="Segoe UI" pitchFamily="34" charset="0"/>
+                <a:cs typeface="Segoe UI" pitchFamily="34" charset="0"/>
+              </a:rPr>
+              <a:t>MVC</a:t>
+            </a:r>
+          </a:p>
+        </p:txBody>
+      </p:sp>
+      <p:sp>
+        <p:nvSpPr>
+          <p:cNvPr id="32" name="Rectangle 31"/>
+          <p:cNvSpPr/>
+          <p:nvPr/>
+        </p:nvSpPr>
+        <p:spPr bwMode="auto">
+          <a:xfrm>
+            <a:off x="5252720" y="1744662"/>
+            <a:ext cx="5868748" cy="772857"/>
+          </a:xfrm>
+          <a:prstGeom prst="rect">
+            <a:avLst/>
+          </a:prstGeom>
+          <a:solidFill>
+            <a:srgbClr val="FFB900"/>
+          </a:solidFill>
+          <a:ln w="9525" cap="flat" cmpd="sng" algn="ctr">
+            <a:noFill/>
+            <a:prstDash val="solid"/>
+            <a:headEnd type="none" w="med" len="med"/>
+            <a:tailEnd type="none" w="med" len="med"/>
+          </a:ln>
+          <a:effectLst/>
+        </p:spPr>
+        <p:txBody>
+          <a:bodyPr rot="0" spcFirstLastPara="0" vertOverflow="overflow" horzOverflow="overflow" vert="horz" wrap="square" lIns="179259" tIns="143407" rIns="179259" bIns="143407" numCol="1" spcCol="0" rtlCol="0" fromWordArt="0" anchor="t" anchorCtr="0" forceAA="0" compatLnSpc="1">
+            <a:prstTxWarp prst="textNoShape">
+              <a:avLst/>
+            </a:prstTxWarp>
+            <a:noAutofit/>
+          </a:bodyPr>
+          <a:lstStyle/>
+          <a:p>
+            <a:pPr marL="0" marR="0" lvl="0" indent="0" algn="ctr" defTabSz="913927" eaLnBrk="1" fontAlgn="base" latinLnBrk="0" hangingPunct="1">
+              <a:lnSpc>
+                <a:spcPct val="90000"/>
+              </a:lnSpc>
+              <a:spcBef>
+                <a:spcPct val="0"/>
+              </a:spcBef>
+              <a:spcAft>
+                <a:spcPct val="0"/>
+              </a:spcAft>
+              <a:buClrTx/>
+              <a:buSzTx/>
+              <a:buFontTx/>
+              <a:buNone/>
+              <a:tabLst/>
+              <a:defRPr/>
+            </a:pPr>
+            <a:r>
+              <a:rPr kumimoji="0" lang="en-US" sz="1961" b="0" i="0" u="none" strike="noStrike" kern="0" cap="none" spc="0" normalizeH="0" baseline="0" noProof="0" dirty="0">
+                <a:ln>
+                  <a:noFill/>
+                </a:ln>
+                <a:gradFill>
+                  <a:gsLst>
+                    <a:gs pos="0">
+                      <a:srgbClr val="FFFFFF"/>
+                    </a:gs>
+                    <a:gs pos="100000">
+                      <a:srgbClr val="FFFFFF"/>
+                    </a:gs>
+                  </a:gsLst>
+                  <a:lin ang="5400000" scaled="0"/>
+                </a:gradFill>
+                <a:effectLst/>
+                <a:uLnTx/>
+                <a:uFillTx/>
+                <a:latin typeface="Segoe UI"/>
+                <a:ea typeface="Segoe UI" pitchFamily="34" charset="0"/>
+                <a:cs typeface="Segoe UI" pitchFamily="34" charset="0"/>
+              </a:rPr>
+              <a:t>ASP.NET Core (MVC + Razor Pages + API)</a:t>
+            </a:r>
+          </a:p>
+        </p:txBody>
+      </p:sp>
+      <p:sp>
+        <p:nvSpPr>
+          <p:cNvPr id="33" name="Rectangle 32"/>
+          <p:cNvSpPr/>
+          <p:nvPr/>
+        </p:nvSpPr>
+        <p:spPr bwMode="auto">
+          <a:xfrm>
+            <a:off x="5252720" y="2582861"/>
+            <a:ext cx="5868748" cy="1117558"/>
+          </a:xfrm>
+          <a:prstGeom prst="rect">
+            <a:avLst/>
+          </a:prstGeom>
+          <a:solidFill>
+            <a:srgbClr val="D83B01"/>
+          </a:solidFill>
+          <a:ln w="9525" cap="flat" cmpd="sng" algn="ctr">
+            <a:noFill/>
+            <a:prstDash val="solid"/>
+            <a:headEnd type="none" w="med" len="med"/>
+            <a:tailEnd type="none" w="med" len="med"/>
+          </a:ln>
+          <a:effectLst/>
+        </p:spPr>
+        <p:txBody>
+          <a:bodyPr rot="0" spcFirstLastPara="0" vertOverflow="overflow" horzOverflow="overflow" vert="horz" wrap="square" lIns="179259" tIns="143407" rIns="179259" bIns="143407" numCol="1" spcCol="0" rtlCol="0" fromWordArt="0" anchor="t" anchorCtr="0" forceAA="0" compatLnSpc="1">
+            <a:prstTxWarp prst="textNoShape">
+              <a:avLst/>
+            </a:prstTxWarp>
+            <a:noAutofit/>
+          </a:bodyPr>
+          <a:lstStyle/>
+          <a:p>
+            <a:pPr marL="0" marR="0" lvl="0" indent="0" algn="ctr" defTabSz="913927" eaLnBrk="1" fontAlgn="base" latinLnBrk="0" hangingPunct="1">
+              <a:lnSpc>
+                <a:spcPct val="90000"/>
+              </a:lnSpc>
+              <a:spcBef>
+                <a:spcPct val="0"/>
+              </a:spcBef>
+              <a:spcAft>
+                <a:spcPct val="0"/>
+              </a:spcAft>
+              <a:buClrTx/>
+              <a:buSzTx/>
+              <a:buFontTx/>
+              <a:buNone/>
+              <a:tabLst/>
+              <a:defRPr/>
+            </a:pPr>
+            <a:r>
+              <a:rPr kumimoji="0" lang="en-US" sz="1961" b="0" i="0" u="none" strike="noStrike" kern="0" cap="none" spc="0" normalizeH="0" baseline="0" noProof="0" dirty="0">
+                <a:ln>
+                  <a:noFill/>
+                </a:ln>
+                <a:gradFill>
+                  <a:gsLst>
+                    <a:gs pos="0">
+                      <a:srgbClr val="FFFFFF"/>
+                    </a:gs>
+                    <a:gs pos="100000">
+                      <a:srgbClr val="FFFFFF"/>
+                    </a:gs>
+                  </a:gsLst>
+                  <a:lin ang="5400000" scaled="0"/>
+                </a:gradFill>
+                <a:effectLst/>
+                <a:uLnTx/>
+                <a:uFillTx/>
+                <a:latin typeface="Segoe UI"/>
+                <a:ea typeface="Segoe UI" pitchFamily="34" charset="0"/>
+                <a:cs typeface="Segoe UI" pitchFamily="34" charset="0"/>
+              </a:rPr>
+              <a:t>ASP.NET Core 2.0</a:t>
+            </a:r>
+          </a:p>
+          <a:p>
+            <a:pPr marL="0" marR="0" lvl="0" indent="0" algn="ctr" defTabSz="913927" eaLnBrk="1" fontAlgn="base" latinLnBrk="0" hangingPunct="1">
+              <a:lnSpc>
+                <a:spcPct val="90000"/>
+              </a:lnSpc>
+              <a:spcBef>
+                <a:spcPct val="0"/>
+              </a:spcBef>
+              <a:spcAft>
+                <a:spcPct val="0"/>
+              </a:spcAft>
+              <a:buClrTx/>
+              <a:buSzTx/>
+              <a:buFontTx/>
+              <a:buNone/>
+              <a:tabLst/>
+              <a:defRPr/>
+            </a:pPr>
+            <a:r>
+              <a:rPr kumimoji="0" lang="en-US" sz="1961" b="0" i="0" u="none" strike="noStrike" kern="0" cap="none" spc="0" normalizeH="0" baseline="0" noProof="0" dirty="0">
+                <a:ln>
+                  <a:noFill/>
+                </a:ln>
+                <a:gradFill>
+                  <a:gsLst>
+                    <a:gs pos="0">
+                      <a:srgbClr val="FFFFFF"/>
+                    </a:gs>
+                    <a:gs pos="100000">
+                      <a:srgbClr val="FFFFFF"/>
+                    </a:gs>
+                  </a:gsLst>
+                  <a:lin ang="5400000" scaled="0"/>
+                </a:gradFill>
+                <a:effectLst/>
+                <a:uLnTx/>
+                <a:uFillTx/>
+                <a:latin typeface="Segoe UI"/>
+                <a:ea typeface="Segoe UI" pitchFamily="34" charset="0"/>
+                <a:cs typeface="Segoe UI" pitchFamily="34" charset="0"/>
+              </a:rPr>
+              <a:t>(</a:t>
+            </a:r>
+            <a:r>
+              <a:rPr kumimoji="0" lang="en-US" sz="1961" b="0" i="0" u="none" strike="noStrike" kern="0" cap="none" spc="0" normalizeH="0" baseline="0" noProof="0" dirty="0" err="1">
+                <a:ln>
+                  <a:noFill/>
+                </a:ln>
+                <a:gradFill>
+                  <a:gsLst>
+                    <a:gs pos="0">
+                      <a:srgbClr val="FFFFFF"/>
+                    </a:gs>
+                    <a:gs pos="100000">
+                      <a:srgbClr val="FFFFFF"/>
+                    </a:gs>
+                  </a:gsLst>
+                  <a:lin ang="5400000" scaled="0"/>
+                </a:gradFill>
+                <a:effectLst/>
+                <a:uLnTx/>
+                <a:uFillTx/>
+                <a:latin typeface="Segoe UI"/>
+                <a:ea typeface="Segoe UI" pitchFamily="34" charset="0"/>
+                <a:cs typeface="Segoe UI" pitchFamily="34" charset="0"/>
+              </a:rPr>
+              <a:t>Microsoft.AspNetCore</a:t>
+            </a:r>
+            <a:r>
+              <a:rPr kumimoji="0" lang="en-US" sz="1961" b="0" i="0" u="none" strike="noStrike" kern="0" cap="none" spc="0" normalizeH="0" baseline="0" noProof="0" dirty="0">
+                <a:ln>
+                  <a:noFill/>
+                </a:ln>
+                <a:gradFill>
+                  <a:gsLst>
+                    <a:gs pos="0">
+                      <a:srgbClr val="FFFFFF"/>
+                    </a:gs>
+                    <a:gs pos="100000">
+                      <a:srgbClr val="FFFFFF"/>
+                    </a:gs>
+                  </a:gsLst>
+                  <a:lin ang="5400000" scaled="0"/>
+                </a:gradFill>
+                <a:effectLst/>
+                <a:uLnTx/>
+                <a:uFillTx/>
+                <a:latin typeface="Segoe UI"/>
+                <a:ea typeface="Segoe UI" pitchFamily="34" charset="0"/>
+                <a:cs typeface="Segoe UI" pitchFamily="34" charset="0"/>
+              </a:rPr>
+              <a:t>)</a:t>
+            </a:r>
+          </a:p>
+        </p:txBody>
+      </p:sp>
+      <p:sp>
+        <p:nvSpPr>
+          <p:cNvPr id="34" name="Rectangle 33"/>
+          <p:cNvSpPr/>
+          <p:nvPr/>
+        </p:nvSpPr>
+        <p:spPr bwMode="auto">
+          <a:xfrm>
+            <a:off x="3901440" y="1746504"/>
+            <a:ext cx="1280160" cy="777240"/>
+          </a:xfrm>
+          <a:prstGeom prst="rect">
+            <a:avLst/>
+          </a:prstGeom>
+          <a:solidFill>
+            <a:srgbClr val="00BCF2"/>
+          </a:solidFill>
+          <a:ln w="9525" cap="flat" cmpd="sng" algn="ctr">
+            <a:noFill/>
+            <a:prstDash val="solid"/>
+            <a:headEnd type="none" w="med" len="med"/>
+            <a:tailEnd type="none" w="med" len="med"/>
+          </a:ln>
+          <a:effectLst/>
+        </p:spPr>
+        <p:txBody>
+          <a:bodyPr rot="0" spcFirstLastPara="0" vertOverflow="overflow" horzOverflow="overflow" vert="horz" wrap="square" lIns="179259" tIns="143407" rIns="179259" bIns="143407" numCol="1" spcCol="0" rtlCol="0" fromWordArt="0" anchor="t" anchorCtr="0" forceAA="0" compatLnSpc="1">
+            <a:prstTxWarp prst="textNoShape">
+              <a:avLst/>
+            </a:prstTxWarp>
+            <a:noAutofit/>
+          </a:bodyPr>
+          <a:lstStyle/>
+          <a:p>
+            <a:pPr marL="0" marR="0" lvl="0" indent="0" algn="ctr" defTabSz="913927" eaLnBrk="1" fontAlgn="base" latinLnBrk="0" hangingPunct="1">
+              <a:lnSpc>
+                <a:spcPct val="90000"/>
+              </a:lnSpc>
+              <a:spcBef>
+                <a:spcPct val="0"/>
+              </a:spcBef>
+              <a:spcAft>
+                <a:spcPct val="0"/>
+              </a:spcAft>
+              <a:buClrTx/>
+              <a:buSzTx/>
+              <a:buFontTx/>
+              <a:buNone/>
+              <a:tabLst/>
+              <a:defRPr/>
+            </a:pPr>
+            <a:r>
+              <a:rPr kumimoji="0" lang="en-US" sz="1961" b="0" i="0" u="none" strike="noStrike" kern="0" cap="none" spc="0" normalizeH="0" baseline="0" noProof="0" dirty="0">
+                <a:ln>
+                  <a:noFill/>
+                </a:ln>
+                <a:gradFill>
+                  <a:gsLst>
+                    <a:gs pos="0">
+                      <a:srgbClr val="FFFFFF"/>
+                    </a:gs>
+                    <a:gs pos="100000">
+                      <a:srgbClr val="FFFFFF"/>
+                    </a:gs>
+                  </a:gsLst>
+                  <a:lin ang="5400000" scaled="0"/>
+                </a:gradFill>
+                <a:effectLst/>
+                <a:uLnTx/>
+                <a:uFillTx/>
+                <a:latin typeface="Segoe UI"/>
+                <a:ea typeface="Segoe UI" pitchFamily="34" charset="0"/>
+                <a:cs typeface="Segoe UI" pitchFamily="34" charset="0"/>
+              </a:rPr>
+              <a:t>Web API</a:t>
+            </a:r>
+          </a:p>
+        </p:txBody>
+      </p:sp>
+      <p:sp>
+        <p:nvSpPr>
+          <p:cNvPr id="35" name="Rectangle 34"/>
+          <p:cNvSpPr/>
+          <p:nvPr/>
+        </p:nvSpPr>
+        <p:spPr bwMode="auto">
+          <a:xfrm>
+            <a:off x="1216152" y="1746504"/>
+            <a:ext cx="1304794" cy="777240"/>
+          </a:xfrm>
+          <a:prstGeom prst="rect">
+            <a:avLst/>
+          </a:prstGeom>
+          <a:solidFill>
+            <a:srgbClr val="00BCF2"/>
+          </a:solidFill>
+          <a:ln w="9525" cap="flat" cmpd="sng" algn="ctr">
+            <a:noFill/>
+            <a:prstDash val="solid"/>
+            <a:headEnd type="none" w="med" len="med"/>
+            <a:tailEnd type="none" w="med" len="med"/>
+          </a:ln>
+          <a:effectLst/>
+        </p:spPr>
+        <p:txBody>
+          <a:bodyPr rot="0" spcFirstLastPara="0" vertOverflow="overflow" horzOverflow="overflow" vert="horz" wrap="square" lIns="179259" tIns="143407" rIns="179259" bIns="143407" numCol="1" spcCol="0" rtlCol="0" fromWordArt="0" anchor="t" anchorCtr="0" forceAA="0" compatLnSpc="1">
+            <a:prstTxWarp prst="textNoShape">
+              <a:avLst/>
+            </a:prstTxWarp>
+            <a:noAutofit/>
+          </a:bodyPr>
+          <a:lstStyle/>
+          <a:p>
+            <a:pPr marL="0" marR="0" lvl="0" indent="0" algn="ctr" defTabSz="913927" eaLnBrk="1" fontAlgn="base" latinLnBrk="0" hangingPunct="1">
+              <a:lnSpc>
+                <a:spcPct val="90000"/>
+              </a:lnSpc>
+              <a:spcBef>
+                <a:spcPct val="0"/>
+              </a:spcBef>
+              <a:spcAft>
+                <a:spcPct val="0"/>
+              </a:spcAft>
+              <a:buClrTx/>
+              <a:buSzTx/>
+              <a:buFontTx/>
+              <a:buNone/>
+              <a:tabLst/>
+              <a:defRPr/>
+            </a:pPr>
+            <a:r>
+              <a:rPr kumimoji="0" lang="en-US" sz="1961" b="0" i="0" u="none" strike="noStrike" kern="0" cap="none" spc="0" normalizeH="0" baseline="0" noProof="0" dirty="0">
+                <a:ln>
+                  <a:noFill/>
+                </a:ln>
+                <a:gradFill>
+                  <a:gsLst>
+                    <a:gs pos="0">
+                      <a:srgbClr val="FFFFFF"/>
+                    </a:gs>
+                    <a:gs pos="100000">
+                      <a:srgbClr val="FFFFFF"/>
+                    </a:gs>
+                  </a:gsLst>
+                  <a:lin ang="5400000" scaled="0"/>
+                </a:gradFill>
+                <a:effectLst/>
+                <a:uLnTx/>
+                <a:uFillTx/>
+                <a:latin typeface="Segoe UI"/>
+                <a:ea typeface="Segoe UI" pitchFamily="34" charset="0"/>
+                <a:cs typeface="Segoe UI" pitchFamily="34" charset="0"/>
+              </a:rPr>
+              <a:t>Web</a:t>
+            </a:r>
+          </a:p>
+          <a:p>
+            <a:pPr marL="0" marR="0" lvl="0" indent="0" algn="ctr" defTabSz="913927" eaLnBrk="1" fontAlgn="base" latinLnBrk="0" hangingPunct="1">
+              <a:lnSpc>
+                <a:spcPct val="90000"/>
+              </a:lnSpc>
+              <a:spcBef>
+                <a:spcPct val="0"/>
+              </a:spcBef>
+              <a:spcAft>
+                <a:spcPct val="0"/>
+              </a:spcAft>
+              <a:buClrTx/>
+              <a:buSzTx/>
+              <a:buFontTx/>
+              <a:buNone/>
+              <a:tabLst/>
+              <a:defRPr/>
+            </a:pPr>
+            <a:r>
+              <a:rPr kumimoji="0" lang="en-US" sz="1961" b="0" i="0" u="none" strike="noStrike" kern="0" cap="none" spc="0" normalizeH="0" baseline="0" noProof="0" dirty="0">
+                <a:ln>
+                  <a:noFill/>
+                </a:ln>
+                <a:gradFill>
+                  <a:gsLst>
+                    <a:gs pos="0">
+                      <a:srgbClr val="FFFFFF"/>
+                    </a:gs>
+                    <a:gs pos="100000">
+                      <a:srgbClr val="FFFFFF"/>
+                    </a:gs>
+                  </a:gsLst>
+                  <a:lin ang="5400000" scaled="0"/>
+                </a:gradFill>
+                <a:effectLst/>
+                <a:uLnTx/>
+                <a:uFillTx/>
+                <a:latin typeface="Segoe UI"/>
+                <a:ea typeface="Segoe UI" pitchFamily="34" charset="0"/>
+                <a:cs typeface="Segoe UI" pitchFamily="34" charset="0"/>
+              </a:rPr>
+              <a:t>Forms</a:t>
+            </a:r>
+          </a:p>
+        </p:txBody>
+      </p:sp>
+    </p:spTree>
+    <p:extLst>
+      <p:ext uri="{BB962C8B-B14F-4D97-AF65-F5344CB8AC3E}">
+        <p14:creationId xmlns:p14="http://schemas.microsoft.com/office/powerpoint/2010/main" val="2034755928"/>
+      </p:ext>
+    </p:extLst>
+  </p:cSld>
+  <p:clrMapOvr>
+    <a:masterClrMapping/>
+  </p:clrMapOvr>
+  <p:transition>
+    <p:fade/>
+  </p:transition>
+</p:sld>
+</file>
+
+<file path=ppt/slides/slide20.xml><?xml version="1.0" encoding="utf-8"?>
 <p:sld xmlns:a="http://schemas.openxmlformats.org/drawingml/2006/main" xmlns:r="http://schemas.openxmlformats.org/officeDocument/2006/relationships" xmlns:p="http://schemas.openxmlformats.org/presentationml/2006/main">
   <p:cSld>
     <p:spTree>
@@ -21544,7 +26205,7 @@
 </p:sld>
 </file>
 
-<file path=ppt/slides/slide16.xml><?xml version="1.0" encoding="utf-8"?>
+<file path=ppt/slides/slide21.xml><?xml version="1.0" encoding="utf-8"?>
 <p:sld xmlns:a="http://schemas.openxmlformats.org/drawingml/2006/main" xmlns:r="http://schemas.openxmlformats.org/officeDocument/2006/relationships" xmlns:p="http://schemas.openxmlformats.org/presentationml/2006/main">
   <p:cSld>
     <p:spTree>
@@ -22038,7 +26699,7 @@
 </p:sld>
 </file>
 
-<file path=ppt/slides/slide17.xml><?xml version="1.0" encoding="utf-8"?>
+<file path=ppt/slides/slide22.xml><?xml version="1.0" encoding="utf-8"?>
 <p:sld xmlns:a="http://schemas.openxmlformats.org/drawingml/2006/main" xmlns:r="http://schemas.openxmlformats.org/officeDocument/2006/relationships" xmlns:p="http://schemas.openxmlformats.org/presentationml/2006/main">
   <p:cSld>
     <p:spTree>
@@ -22125,7 +26786,7 @@
 </p:sld>
 </file>
 
-<file path=ppt/slides/slide18.xml><?xml version="1.0" encoding="utf-8"?>
+<file path=ppt/slides/slide23.xml><?xml version="1.0" encoding="utf-8"?>
 <p:sld xmlns:a="http://schemas.openxmlformats.org/drawingml/2006/main" xmlns:r="http://schemas.openxmlformats.org/officeDocument/2006/relationships" xmlns:p="http://schemas.openxmlformats.org/presentationml/2006/main">
   <p:cSld>
     <p:spTree>
@@ -22474,7 +27135,7 @@
 </p:sld>
 </file>
 
-<file path=ppt/slides/slide19.xml><?xml version="1.0" encoding="utf-8"?>
+<file path=ppt/slides/slide24.xml><?xml version="1.0" encoding="utf-8"?>
 <p:sld xmlns:a="http://schemas.openxmlformats.org/drawingml/2006/main" xmlns:r="http://schemas.openxmlformats.org/officeDocument/2006/relationships" xmlns:p="http://schemas.openxmlformats.org/presentationml/2006/main">
   <p:cSld>
     <p:spTree>
@@ -22560,1288 +27221,7 @@
 </p:sld>
 </file>
 
-<file path=ppt/slides/slide2.xml><?xml version="1.0" encoding="utf-8"?>
-<p:sld xmlns:a="http://schemas.openxmlformats.org/drawingml/2006/main" xmlns:r="http://schemas.openxmlformats.org/officeDocument/2006/relationships" xmlns:p="http://schemas.openxmlformats.org/presentationml/2006/main">
-  <p:cSld>
-    <p:spTree>
-      <p:nvGrpSpPr>
-        <p:cNvPr id="1" name=""/>
-        <p:cNvGrpSpPr/>
-        <p:nvPr/>
-      </p:nvGrpSpPr>
-      <p:grpSpPr>
-        <a:xfrm>
-          <a:off x="0" y="0"/>
-          <a:ext cx="0" cy="0"/>
-          <a:chOff x="0" y="0"/>
-          <a:chExt cx="0" cy="0"/>
-        </a:xfrm>
-      </p:grpSpPr>
-      <p:sp>
-        <p:nvSpPr>
-          <p:cNvPr id="2" name="Title 1"/>
-          <p:cNvSpPr>
-            <a:spLocks noGrp="1"/>
-          </p:cNvSpPr>
-          <p:nvPr>
-            <p:ph type="title"/>
-          </p:nvPr>
-        </p:nvSpPr>
-        <p:spPr/>
-        <p:txBody>
-          <a:bodyPr/>
-          <a:lstStyle/>
-          <a:p>
-            <a:r>
-              <a:rPr lang="en-US" dirty="0"/>
-              <a:t>ASP.NET Core in a Nutshell</a:t>
-            </a:r>
-          </a:p>
-        </p:txBody>
-      </p:sp>
-      <p:sp>
-        <p:nvSpPr>
-          <p:cNvPr id="20" name="Rectangle 19"/>
-          <p:cNvSpPr/>
-          <p:nvPr/>
-        </p:nvSpPr>
-        <p:spPr bwMode="auto">
-          <a:xfrm>
-            <a:off x="6478259" y="3759537"/>
-            <a:ext cx="4643210" cy="2390317"/>
-          </a:xfrm>
-          <a:prstGeom prst="rect">
-            <a:avLst/>
-          </a:prstGeom>
-          <a:solidFill>
-            <a:srgbClr val="5C2D91"/>
-          </a:solidFill>
-          <a:ln w="25400" cap="flat" cmpd="sng" algn="ctr">
-            <a:noFill/>
-            <a:prstDash val="solid"/>
-            <a:headEnd type="none" w="med" len="med"/>
-            <a:tailEnd type="none" w="med" len="med"/>
-          </a:ln>
-          <a:effectLst/>
-        </p:spPr>
-        <p:txBody>
-          <a:bodyPr vert="horz" wrap="square" lIns="731210" tIns="274204" rIns="89600" bIns="89604" numCol="1" rtlCol="0" anchor="t" anchorCtr="0" compatLnSpc="1">
-            <a:prstTxWarp prst="textNoShape">
-              <a:avLst/>
-            </a:prstTxWarp>
-          </a:bodyPr>
-          <a:lstStyle/>
-          <a:p>
-            <a:pPr marL="0" marR="0" lvl="0" indent="0" defTabSz="913688" eaLnBrk="1" fontAlgn="auto" latinLnBrk="0" hangingPunct="1">
-              <a:lnSpc>
-                <a:spcPct val="100000"/>
-              </a:lnSpc>
-              <a:spcBef>
-                <a:spcPts val="0"/>
-              </a:spcBef>
-              <a:spcAft>
-                <a:spcPts val="0"/>
-              </a:spcAft>
-              <a:buClrTx/>
-              <a:buSzTx/>
-              <a:buFontTx/>
-              <a:buNone/>
-              <a:tabLst/>
-              <a:defRPr/>
-            </a:pPr>
-            <a:endParaRPr kumimoji="0" lang="en-US" sz="2800" b="0" i="0" u="none" strike="noStrike" kern="0" cap="none" spc="0" normalizeH="0" baseline="0" noProof="0" dirty="0">
-              <a:ln>
-                <a:noFill/>
-              </a:ln>
-              <a:gradFill>
-                <a:gsLst>
-                  <a:gs pos="14679">
-                    <a:srgbClr val="FFFFFF"/>
-                  </a:gs>
-                  <a:gs pos="38000">
-                    <a:srgbClr val="FFFFFF"/>
-                  </a:gs>
-                </a:gsLst>
-                <a:lin ang="5400000" scaled="1"/>
-              </a:gradFill>
-              <a:effectLst/>
-              <a:uLnTx/>
-              <a:uFillTx/>
-              <a:latin typeface="Segoe UI Light"/>
-            </a:endParaRPr>
-          </a:p>
-        </p:txBody>
-      </p:sp>
-      <p:sp>
-        <p:nvSpPr>
-          <p:cNvPr id="21" name="Rectangle 20"/>
-          <p:cNvSpPr/>
-          <p:nvPr/>
-        </p:nvSpPr>
-        <p:spPr bwMode="auto">
-          <a:xfrm>
-            <a:off x="1214867" y="3759537"/>
-            <a:ext cx="5197656" cy="2390316"/>
-          </a:xfrm>
-          <a:prstGeom prst="rect">
-            <a:avLst/>
-          </a:prstGeom>
-          <a:solidFill>
-            <a:srgbClr val="5C2D91"/>
-          </a:solidFill>
-          <a:ln w="25400" cap="flat" cmpd="sng" algn="ctr">
-            <a:noFill/>
-            <a:prstDash val="solid"/>
-            <a:headEnd type="none" w="med" len="med"/>
-            <a:tailEnd type="none" w="med" len="med"/>
-          </a:ln>
-          <a:effectLst/>
-        </p:spPr>
-        <p:txBody>
-          <a:bodyPr vert="horz" wrap="square" lIns="731210" tIns="274204" rIns="89600" bIns="89604" numCol="1" rtlCol="0" anchor="t" anchorCtr="0" compatLnSpc="1">
-            <a:prstTxWarp prst="textNoShape">
-              <a:avLst/>
-            </a:prstTxWarp>
-          </a:bodyPr>
-          <a:lstStyle/>
-          <a:p>
-            <a:pPr marL="0" marR="0" lvl="0" indent="0" defTabSz="913688" eaLnBrk="1" fontAlgn="auto" latinLnBrk="0" hangingPunct="1">
-              <a:lnSpc>
-                <a:spcPct val="100000"/>
-              </a:lnSpc>
-              <a:spcBef>
-                <a:spcPts val="0"/>
-              </a:spcBef>
-              <a:spcAft>
-                <a:spcPts val="0"/>
-              </a:spcAft>
-              <a:buClrTx/>
-              <a:buSzTx/>
-              <a:buFontTx/>
-              <a:buNone/>
-              <a:tabLst/>
-              <a:defRPr/>
-            </a:pPr>
-            <a:r>
-              <a:rPr kumimoji="0" lang="en-US" sz="2800" b="0" i="0" u="none" strike="noStrike" kern="0" cap="none" spc="0" normalizeH="0" baseline="0" noProof="0" dirty="0">
-                <a:ln>
-                  <a:noFill/>
-                </a:ln>
-                <a:gradFill>
-                  <a:gsLst>
-                    <a:gs pos="14679">
-                      <a:srgbClr val="FFFFFF"/>
-                    </a:gs>
-                    <a:gs pos="38000">
-                      <a:srgbClr val="FFFFFF"/>
-                    </a:gs>
-                  </a:gsLst>
-                  <a:lin ang="5400000" scaled="1"/>
-                </a:gradFill>
-                <a:effectLst/>
-                <a:uLnTx/>
-                <a:uFillTx/>
-                <a:latin typeface="Segoe UI Light"/>
-              </a:rPr>
-              <a:t>  </a:t>
-            </a:r>
-          </a:p>
-        </p:txBody>
-      </p:sp>
-      <p:sp>
-        <p:nvSpPr>
-          <p:cNvPr id="22" name="TextBox 21"/>
-          <p:cNvSpPr txBox="1"/>
-          <p:nvPr/>
-        </p:nvSpPr>
-        <p:spPr>
-          <a:xfrm>
-            <a:off x="1280603" y="4269080"/>
-            <a:ext cx="5173526" cy="531737"/>
-          </a:xfrm>
-          <a:prstGeom prst="rect">
-            <a:avLst/>
-          </a:prstGeom>
-          <a:noFill/>
-        </p:spPr>
-        <p:txBody>
-          <a:bodyPr wrap="square" rtlCol="0">
-            <a:spAutoFit/>
-          </a:bodyPr>
-          <a:lstStyle/>
-          <a:p>
-            <a:pPr algn="ctr" defTabSz="913990"/>
-            <a:r>
-              <a:rPr lang="en-US" sz="2800" b="1" dirty="0">
-                <a:solidFill>
-                  <a:srgbClr val="FFFFFF"/>
-                </a:solidFill>
-                <a:latin typeface="Segoe UI Semibold" panose="020B0702040204020203" pitchFamily="34" charset="0"/>
-                <a:cs typeface="Segoe UI Semibold" panose="020B0702040204020203" pitchFamily="34" charset="0"/>
-              </a:rPr>
-              <a:t>.NET Framework</a:t>
-            </a:r>
-          </a:p>
-        </p:txBody>
-      </p:sp>
-      <p:sp>
-        <p:nvSpPr>
-          <p:cNvPr id="23" name="TextBox 22"/>
-          <p:cNvSpPr txBox="1"/>
-          <p:nvPr/>
-        </p:nvSpPr>
-        <p:spPr>
-          <a:xfrm>
-            <a:off x="6592653" y="4280755"/>
-            <a:ext cx="4424508" cy="531737"/>
-          </a:xfrm>
-          <a:prstGeom prst="rect">
-            <a:avLst/>
-          </a:prstGeom>
-          <a:noFill/>
-        </p:spPr>
-        <p:txBody>
-          <a:bodyPr wrap="square" rtlCol="0">
-            <a:spAutoFit/>
-          </a:bodyPr>
-          <a:lstStyle/>
-          <a:p>
-            <a:pPr algn="ctr" defTabSz="913990"/>
-            <a:r>
-              <a:rPr lang="en-US" sz="2800" b="1" dirty="0">
-                <a:solidFill>
-                  <a:srgbClr val="FFFFFF"/>
-                </a:solidFill>
-                <a:latin typeface="Segoe UI Semibold" panose="020B0702040204020203" pitchFamily="34" charset="0"/>
-                <a:cs typeface="Segoe UI Semibold" panose="020B0702040204020203" pitchFamily="34" charset="0"/>
-              </a:rPr>
-              <a:t>.NET </a:t>
-            </a:r>
-            <a:r>
-              <a:rPr lang="en-US" sz="2800" dirty="0">
-                <a:solidFill>
-                  <a:srgbClr val="FFFFFF"/>
-                </a:solidFill>
-                <a:latin typeface="Segoe UI Semibold" panose="020B0702040204020203" pitchFamily="34" charset="0"/>
-                <a:cs typeface="Segoe UI Semibold" panose="020B0702040204020203" pitchFamily="34" charset="0"/>
-              </a:rPr>
-              <a:t>Core</a:t>
-            </a:r>
-            <a:r>
-              <a:rPr lang="en-US" sz="2800" b="1" dirty="0">
-                <a:solidFill>
-                  <a:srgbClr val="FFFFFF"/>
-                </a:solidFill>
-                <a:latin typeface="Segoe UI Semibold" panose="020B0702040204020203" pitchFamily="34" charset="0"/>
-                <a:cs typeface="Segoe UI Semibold" panose="020B0702040204020203" pitchFamily="34" charset="0"/>
-              </a:rPr>
-              <a:t> </a:t>
-            </a:r>
-          </a:p>
-        </p:txBody>
-      </p:sp>
-      <p:pic>
-        <p:nvPicPr>
-          <p:cNvPr id="24" name="Picture 23"/>
-          <p:cNvPicPr>
-            <a:picLocks noChangeAspect="1"/>
-          </p:cNvPicPr>
-          <p:nvPr/>
-        </p:nvPicPr>
-        <p:blipFill>
-          <a:blip r:embed="rId3" cstate="print">
-            <a:lum bright="70000" contrast="-70000"/>
-            <a:extLst>
-              <a:ext uri="{28A0092B-C50C-407E-A947-70E740481C1C}">
-                <a14:useLocalDpi xmlns:a14="http://schemas.microsoft.com/office/drawing/2010/main" val="0"/>
-              </a:ext>
-            </a:extLst>
-          </a:blip>
-          <a:stretch>
-            <a:fillRect/>
-          </a:stretch>
-        </p:blipFill>
-        <p:spPr>
-          <a:xfrm>
-            <a:off x="9779289" y="5444011"/>
-            <a:ext cx="382157" cy="449931"/>
-          </a:xfrm>
-          <a:prstGeom prst="rect">
-            <a:avLst/>
-          </a:prstGeom>
-        </p:spPr>
-      </p:pic>
-      <p:pic>
-        <p:nvPicPr>
-          <p:cNvPr id="25" name="Picture 2" descr="http://files.softicons.com/download/system-icons/windows-8-metro-icons-by-dakirby309/png/512x512/Folders%20&amp;%20OS/Linux.png"/>
-          <p:cNvPicPr>
-            <a:picLocks noChangeAspect="1" noChangeArrowheads="1"/>
-          </p:cNvPicPr>
-          <p:nvPr/>
-        </p:nvPicPr>
-        <p:blipFill>
-          <a:blip r:embed="rId4" cstate="print">
-            <a:extLst>
-              <a:ext uri="{BEBA8EAE-BF5A-486C-A8C5-ECC9F3942E4B}">
-                <a14:imgProps xmlns:a14="http://schemas.microsoft.com/office/drawing/2010/main">
-                  <a14:imgLayer r:embed="rId5">
-                    <a14:imgEffect>
-                      <a14:backgroundRemoval t="10000" b="90000" l="10000" r="90000"/>
-                    </a14:imgEffect>
-                  </a14:imgLayer>
-                </a14:imgProps>
-              </a:ext>
-              <a:ext uri="{28A0092B-C50C-407E-A947-70E740481C1C}">
-                <a14:useLocalDpi xmlns:a14="http://schemas.microsoft.com/office/drawing/2010/main" val="0"/>
-              </a:ext>
-            </a:extLst>
-          </a:blip>
-          <a:srcRect/>
-          <a:stretch>
-            <a:fillRect/>
-          </a:stretch>
-        </p:blipFill>
-        <p:spPr bwMode="auto">
-          <a:xfrm>
-            <a:off x="8644949" y="5440421"/>
-            <a:ext cx="510157" cy="500847"/>
-          </a:xfrm>
-          <a:prstGeom prst="rect">
-            <a:avLst/>
-          </a:prstGeom>
-          <a:noFill/>
-          <a:extLst>
-            <a:ext uri="{909E8E84-426E-40DD-AFC4-6F175D3DCCD1}">
-              <a14:hiddenFill xmlns:a14="http://schemas.microsoft.com/office/drawing/2010/main">
-                <a:solidFill>
-                  <a:srgbClr val="FFFFFF"/>
-                </a:solidFill>
-              </a14:hiddenFill>
-            </a:ext>
-          </a:extLst>
-        </p:spPr>
-      </p:pic>
-      <p:pic>
-        <p:nvPicPr>
-          <p:cNvPr id="26" name="Picture 6" descr="C:\temp\WinAzure_rgb_Wht_S.png"/>
-          <p:cNvPicPr>
-            <a:picLocks noChangeAspect="1" noChangeArrowheads="1"/>
-          </p:cNvPicPr>
-          <p:nvPr/>
-        </p:nvPicPr>
-        <p:blipFill rotWithShape="1">
-          <a:blip r:embed="rId6" cstate="print">
-            <a:extLst>
-              <a:ext uri="{28A0092B-C50C-407E-A947-70E740481C1C}">
-                <a14:useLocalDpi xmlns:a14="http://schemas.microsoft.com/office/drawing/2010/main" val="0"/>
-              </a:ext>
-            </a:extLst>
-          </a:blip>
-          <a:srcRect l="3371" t="15460" r="80628" b="15496"/>
-          <a:stretch/>
-        </p:blipFill>
-        <p:spPr bwMode="auto">
-          <a:xfrm>
-            <a:off x="7304080" y="5400278"/>
-            <a:ext cx="546044" cy="554567"/>
-          </a:xfrm>
-          <a:prstGeom prst="rect">
-            <a:avLst/>
-          </a:prstGeom>
-          <a:noFill/>
-          <a:extLst>
-            <a:ext uri="{909E8E84-426E-40DD-AFC4-6F175D3DCCD1}">
-              <a14:hiddenFill xmlns:a14="http://schemas.microsoft.com/office/drawing/2010/main">
-                <a:solidFill>
-                  <a:srgbClr val="FFFFFF"/>
-                </a:solidFill>
-              </a14:hiddenFill>
-            </a:ext>
-          </a:extLst>
-        </p:spPr>
-      </p:pic>
-      <p:pic>
-        <p:nvPicPr>
-          <p:cNvPr id="27" name="Picture 6" descr="C:\temp\WinAzure_rgb_Wht_S.png"/>
-          <p:cNvPicPr>
-            <a:picLocks noChangeAspect="1" noChangeArrowheads="1"/>
-          </p:cNvPicPr>
-          <p:nvPr/>
-        </p:nvPicPr>
-        <p:blipFill rotWithShape="1">
-          <a:blip r:embed="rId6" cstate="print">
-            <a:extLst>
-              <a:ext uri="{28A0092B-C50C-407E-A947-70E740481C1C}">
-                <a14:useLocalDpi xmlns:a14="http://schemas.microsoft.com/office/drawing/2010/main" val="0"/>
-              </a:ext>
-            </a:extLst>
-          </a:blip>
-          <a:srcRect l="3371" t="15460" r="80628" b="15496"/>
-          <a:stretch/>
-        </p:blipFill>
-        <p:spPr bwMode="auto">
-          <a:xfrm>
-            <a:off x="3779501" y="5400278"/>
-            <a:ext cx="546044" cy="554567"/>
-          </a:xfrm>
-          <a:prstGeom prst="rect">
-            <a:avLst/>
-          </a:prstGeom>
-          <a:noFill/>
-          <a:extLst>
-            <a:ext uri="{909E8E84-426E-40DD-AFC4-6F175D3DCCD1}">
-              <a14:hiddenFill xmlns:a14="http://schemas.microsoft.com/office/drawing/2010/main">
-                <a:solidFill>
-                  <a:srgbClr val="FFFFFF"/>
-                </a:solidFill>
-              </a14:hiddenFill>
-            </a:ext>
-          </a:extLst>
-        </p:spPr>
-      </p:pic>
-      <p:sp>
-        <p:nvSpPr>
-          <p:cNvPr id="28" name="Rectangle 27"/>
-          <p:cNvSpPr/>
-          <p:nvPr/>
-        </p:nvSpPr>
-        <p:spPr>
-          <a:xfrm>
-            <a:off x="1602661" y="4777266"/>
-            <a:ext cx="4817610" cy="584436"/>
-          </a:xfrm>
-          <a:prstGeom prst="rect">
-            <a:avLst/>
-          </a:prstGeom>
-        </p:spPr>
-        <p:txBody>
-          <a:bodyPr wrap="square">
-            <a:spAutoFit/>
-          </a:bodyPr>
-          <a:lstStyle/>
-          <a:p>
-            <a:pPr lvl="0" algn="ctr" defTabSz="913736">
-              <a:defRPr/>
-            </a:pPr>
-            <a:r>
-              <a:rPr lang="en-US" sz="1567" i="1" kern="0" dirty="0">
-                <a:solidFill>
-                  <a:srgbClr val="FFFFFF"/>
-                </a:solidFill>
-              </a:rPr>
-              <a:t>Platform for .NET applications on Windows</a:t>
-            </a:r>
-          </a:p>
-          <a:p>
-            <a:pPr marL="0" marR="0" lvl="0" indent="0" algn="ctr" defTabSz="913736" eaLnBrk="1" fontAlgn="auto" latinLnBrk="0" hangingPunct="1">
-              <a:lnSpc>
-                <a:spcPct val="100000"/>
-              </a:lnSpc>
-              <a:spcBef>
-                <a:spcPts val="0"/>
-              </a:spcBef>
-              <a:spcAft>
-                <a:spcPts val="0"/>
-              </a:spcAft>
-              <a:buClrTx/>
-              <a:buSzTx/>
-              <a:buFontTx/>
-              <a:buNone/>
-              <a:tabLst/>
-              <a:defRPr/>
-            </a:pPr>
-            <a:endParaRPr kumimoji="0" lang="en-US" sz="1567" b="0" i="1" u="none" strike="noStrike" kern="0" cap="none" spc="0" normalizeH="0" baseline="0" noProof="0" dirty="0">
-              <a:ln>
-                <a:noFill/>
-              </a:ln>
-              <a:solidFill>
-                <a:srgbClr val="FFFFFF"/>
-              </a:solidFill>
-              <a:effectLst/>
-              <a:uLnTx/>
-              <a:uFillTx/>
-            </a:endParaRPr>
-          </a:p>
-        </p:txBody>
-      </p:sp>
-      <p:sp>
-        <p:nvSpPr>
-          <p:cNvPr id="29" name="Rectangle 28"/>
-          <p:cNvSpPr/>
-          <p:nvPr/>
-        </p:nvSpPr>
-        <p:spPr>
-          <a:xfrm>
-            <a:off x="6672974" y="4726053"/>
-            <a:ext cx="4276112" cy="584436"/>
-          </a:xfrm>
-          <a:prstGeom prst="rect">
-            <a:avLst/>
-          </a:prstGeom>
-        </p:spPr>
-        <p:txBody>
-          <a:bodyPr wrap="square">
-            <a:spAutoFit/>
-          </a:bodyPr>
-          <a:lstStyle/>
-          <a:p>
-            <a:pPr marL="0" marR="0" lvl="0" indent="0" algn="ctr" defTabSz="913736" eaLnBrk="1" fontAlgn="auto" latinLnBrk="0" hangingPunct="1">
-              <a:lnSpc>
-                <a:spcPct val="100000"/>
-              </a:lnSpc>
-              <a:spcBef>
-                <a:spcPts val="0"/>
-              </a:spcBef>
-              <a:spcAft>
-                <a:spcPts val="0"/>
-              </a:spcAft>
-              <a:buClrTx/>
-              <a:buSzTx/>
-              <a:buFontTx/>
-              <a:buNone/>
-              <a:tabLst/>
-              <a:defRPr/>
-            </a:pPr>
-            <a:r>
-              <a:rPr kumimoji="0" lang="en-US" sz="1567" b="0" i="1" u="none" strike="noStrike" kern="0" cap="none" spc="0" normalizeH="0" baseline="0" noProof="0" dirty="0">
-                <a:ln>
-                  <a:noFill/>
-                </a:ln>
-                <a:solidFill>
-                  <a:srgbClr val="FFFFFF"/>
-                </a:solidFill>
-                <a:effectLst/>
-                <a:uLnTx/>
-                <a:uFillTx/>
-              </a:rPr>
-              <a:t>Cross-platform, modular libraries &amp; runtime optimized for server and cloud workloads</a:t>
-            </a:r>
-          </a:p>
-        </p:txBody>
-      </p:sp>
-      <p:sp>
-        <p:nvSpPr>
-          <p:cNvPr id="30" name="Rectangle 29"/>
-          <p:cNvSpPr/>
-          <p:nvPr/>
-        </p:nvSpPr>
-        <p:spPr bwMode="auto">
-          <a:xfrm>
-            <a:off x="1214867" y="2582862"/>
-            <a:ext cx="3966733" cy="1117557"/>
-          </a:xfrm>
-          <a:prstGeom prst="rect">
-            <a:avLst/>
-          </a:prstGeom>
-          <a:solidFill>
-            <a:srgbClr val="0078D7"/>
-          </a:solidFill>
-          <a:ln w="9525" cap="flat" cmpd="sng" algn="ctr">
-            <a:noFill/>
-            <a:prstDash val="solid"/>
-            <a:headEnd type="none" w="med" len="med"/>
-            <a:tailEnd type="none" w="med" len="med"/>
-          </a:ln>
-          <a:effectLst/>
-        </p:spPr>
-        <p:txBody>
-          <a:bodyPr rot="0" spcFirstLastPara="0" vertOverflow="overflow" horzOverflow="overflow" vert="horz" wrap="square" lIns="179259" tIns="143407" rIns="179259" bIns="143407" numCol="1" spcCol="0" rtlCol="0" fromWordArt="0" anchor="t" anchorCtr="0" forceAA="0" compatLnSpc="1">
-            <a:prstTxWarp prst="textNoShape">
-              <a:avLst/>
-            </a:prstTxWarp>
-            <a:noAutofit/>
-          </a:bodyPr>
-          <a:lstStyle/>
-          <a:p>
-            <a:pPr marL="0" marR="0" lvl="0" indent="0" algn="ctr" defTabSz="913927" eaLnBrk="1" fontAlgn="base" latinLnBrk="0" hangingPunct="1">
-              <a:lnSpc>
-                <a:spcPct val="90000"/>
-              </a:lnSpc>
-              <a:spcBef>
-                <a:spcPct val="0"/>
-              </a:spcBef>
-              <a:spcAft>
-                <a:spcPct val="0"/>
-              </a:spcAft>
-              <a:buClrTx/>
-              <a:buSzTx/>
-              <a:buFontTx/>
-              <a:buNone/>
-              <a:tabLst/>
-              <a:defRPr/>
-            </a:pPr>
-            <a:r>
-              <a:rPr kumimoji="0" lang="en-US" sz="1961" b="0" i="0" u="none" strike="noStrike" kern="0" cap="none" spc="0" normalizeH="0" baseline="0" noProof="0" dirty="0">
-                <a:ln>
-                  <a:noFill/>
-                </a:ln>
-                <a:gradFill>
-                  <a:gsLst>
-                    <a:gs pos="0">
-                      <a:srgbClr val="FFFFFF"/>
-                    </a:gs>
-                    <a:gs pos="100000">
-                      <a:srgbClr val="FFFFFF"/>
-                    </a:gs>
-                  </a:gsLst>
-                  <a:lin ang="5400000" scaled="0"/>
-                </a:gradFill>
-                <a:effectLst/>
-                <a:uLnTx/>
-                <a:uFillTx/>
-                <a:latin typeface="Segoe UI"/>
-                <a:ea typeface="Segoe UI" pitchFamily="34" charset="0"/>
-                <a:cs typeface="Segoe UI" pitchFamily="34" charset="0"/>
-              </a:rPr>
-              <a:t>ASP.NET 4.6</a:t>
-            </a:r>
-          </a:p>
-          <a:p>
-            <a:pPr marL="0" marR="0" lvl="0" indent="0" algn="ctr" defTabSz="913927" eaLnBrk="1" fontAlgn="base" latinLnBrk="0" hangingPunct="1">
-              <a:lnSpc>
-                <a:spcPct val="90000"/>
-              </a:lnSpc>
-              <a:spcBef>
-                <a:spcPct val="0"/>
-              </a:spcBef>
-              <a:spcAft>
-                <a:spcPct val="0"/>
-              </a:spcAft>
-              <a:buClrTx/>
-              <a:buSzTx/>
-              <a:buFontTx/>
-              <a:buNone/>
-              <a:tabLst/>
-              <a:defRPr/>
-            </a:pPr>
-            <a:r>
-              <a:rPr kumimoji="0" lang="en-US" sz="1961" b="0" i="0" u="none" strike="noStrike" kern="0" cap="none" spc="0" normalizeH="0" baseline="0" noProof="0" dirty="0">
-                <a:ln>
-                  <a:noFill/>
-                </a:ln>
-                <a:gradFill>
-                  <a:gsLst>
-                    <a:gs pos="0">
-                      <a:srgbClr val="FFFFFF"/>
-                    </a:gs>
-                    <a:gs pos="100000">
-                      <a:srgbClr val="FFFFFF"/>
-                    </a:gs>
-                  </a:gsLst>
-                  <a:lin ang="5400000" scaled="0"/>
-                </a:gradFill>
-                <a:effectLst/>
-                <a:uLnTx/>
-                <a:uFillTx/>
-                <a:latin typeface="Segoe UI"/>
-                <a:ea typeface="Segoe UI" pitchFamily="34" charset="0"/>
-                <a:cs typeface="Segoe UI" pitchFamily="34" charset="0"/>
-              </a:rPr>
-              <a:t>(</a:t>
-            </a:r>
-            <a:r>
-              <a:rPr kumimoji="0" lang="en-US" sz="1961" b="0" i="0" u="none" strike="noStrike" kern="0" cap="none" spc="0" normalizeH="0" baseline="0" noProof="0" dirty="0" err="1">
-                <a:ln>
-                  <a:noFill/>
-                </a:ln>
-                <a:gradFill>
-                  <a:gsLst>
-                    <a:gs pos="0">
-                      <a:srgbClr val="FFFFFF"/>
-                    </a:gs>
-                    <a:gs pos="100000">
-                      <a:srgbClr val="FFFFFF"/>
-                    </a:gs>
-                  </a:gsLst>
-                  <a:lin ang="5400000" scaled="0"/>
-                </a:gradFill>
-                <a:effectLst/>
-                <a:uLnTx/>
-                <a:uFillTx/>
-                <a:latin typeface="Segoe UI"/>
-                <a:ea typeface="Segoe UI" pitchFamily="34" charset="0"/>
-                <a:cs typeface="Segoe UI" pitchFamily="34" charset="0"/>
-              </a:rPr>
-              <a:t>System.Web</a:t>
-            </a:r>
-            <a:r>
-              <a:rPr kumimoji="0" lang="en-US" sz="1961" b="0" i="0" u="none" strike="noStrike" kern="0" cap="none" spc="0" normalizeH="0" baseline="0" noProof="0" dirty="0">
-                <a:ln>
-                  <a:noFill/>
-                </a:ln>
-                <a:gradFill>
-                  <a:gsLst>
-                    <a:gs pos="0">
-                      <a:srgbClr val="FFFFFF"/>
-                    </a:gs>
-                    <a:gs pos="100000">
-                      <a:srgbClr val="FFFFFF"/>
-                    </a:gs>
-                  </a:gsLst>
-                  <a:lin ang="5400000" scaled="0"/>
-                </a:gradFill>
-                <a:effectLst/>
-                <a:uLnTx/>
-                <a:uFillTx/>
-                <a:latin typeface="Segoe UI"/>
-                <a:ea typeface="Segoe UI" pitchFamily="34" charset="0"/>
-                <a:cs typeface="Segoe UI" pitchFamily="34" charset="0"/>
-              </a:rPr>
-              <a:t>)</a:t>
-            </a:r>
-          </a:p>
-        </p:txBody>
-      </p:sp>
-      <p:sp>
-        <p:nvSpPr>
-          <p:cNvPr id="31" name="Rectangle 30"/>
-          <p:cNvSpPr/>
-          <p:nvPr/>
-        </p:nvSpPr>
-        <p:spPr bwMode="auto">
-          <a:xfrm>
-            <a:off x="2592066" y="1746504"/>
-            <a:ext cx="1238254" cy="777240"/>
-          </a:xfrm>
-          <a:prstGeom prst="rect">
-            <a:avLst/>
-          </a:prstGeom>
-          <a:solidFill>
-            <a:srgbClr val="00BCF2"/>
-          </a:solidFill>
-          <a:ln w="9525" cap="flat" cmpd="sng" algn="ctr">
-            <a:noFill/>
-            <a:prstDash val="solid"/>
-            <a:headEnd type="none" w="med" len="med"/>
-            <a:tailEnd type="none" w="med" len="med"/>
-          </a:ln>
-          <a:effectLst/>
-        </p:spPr>
-        <p:txBody>
-          <a:bodyPr rot="0" spcFirstLastPara="0" vertOverflow="overflow" horzOverflow="overflow" vert="horz" wrap="square" lIns="179259" tIns="143407" rIns="179259" bIns="143407" numCol="1" spcCol="0" rtlCol="0" fromWordArt="0" anchor="t" anchorCtr="0" forceAA="0" compatLnSpc="1">
-            <a:prstTxWarp prst="textNoShape">
-              <a:avLst/>
-            </a:prstTxWarp>
-            <a:noAutofit/>
-          </a:bodyPr>
-          <a:lstStyle/>
-          <a:p>
-            <a:pPr marL="0" marR="0" lvl="0" indent="0" algn="ctr" defTabSz="913927" eaLnBrk="1" fontAlgn="base" latinLnBrk="0" hangingPunct="1">
-              <a:lnSpc>
-                <a:spcPct val="90000"/>
-              </a:lnSpc>
-              <a:spcBef>
-                <a:spcPct val="0"/>
-              </a:spcBef>
-              <a:spcAft>
-                <a:spcPct val="0"/>
-              </a:spcAft>
-              <a:buClrTx/>
-              <a:buSzTx/>
-              <a:buFontTx/>
-              <a:buNone/>
-              <a:tabLst/>
-              <a:defRPr/>
-            </a:pPr>
-            <a:r>
-              <a:rPr kumimoji="0" lang="en-US" sz="1961" b="0" i="0" u="none" strike="noStrike" kern="0" cap="none" spc="0" normalizeH="0" baseline="0" noProof="0" dirty="0">
-                <a:ln>
-                  <a:noFill/>
-                </a:ln>
-                <a:gradFill>
-                  <a:gsLst>
-                    <a:gs pos="0">
-                      <a:srgbClr val="FFFFFF"/>
-                    </a:gs>
-                    <a:gs pos="100000">
-                      <a:srgbClr val="FFFFFF"/>
-                    </a:gs>
-                  </a:gsLst>
-                  <a:lin ang="5400000" scaled="0"/>
-                </a:gradFill>
-                <a:effectLst/>
-                <a:uLnTx/>
-                <a:uFillTx/>
-                <a:latin typeface="Segoe UI"/>
-                <a:ea typeface="Segoe UI" pitchFamily="34" charset="0"/>
-                <a:cs typeface="Segoe UI" pitchFamily="34" charset="0"/>
-              </a:rPr>
-              <a:t>MVC</a:t>
-            </a:r>
-          </a:p>
-        </p:txBody>
-      </p:sp>
-      <p:sp>
-        <p:nvSpPr>
-          <p:cNvPr id="32" name="Rectangle 31"/>
-          <p:cNvSpPr/>
-          <p:nvPr/>
-        </p:nvSpPr>
-        <p:spPr bwMode="auto">
-          <a:xfrm>
-            <a:off x="5252720" y="1744662"/>
-            <a:ext cx="5868748" cy="772857"/>
-          </a:xfrm>
-          <a:prstGeom prst="rect">
-            <a:avLst/>
-          </a:prstGeom>
-          <a:solidFill>
-            <a:srgbClr val="FFB900"/>
-          </a:solidFill>
-          <a:ln w="9525" cap="flat" cmpd="sng" algn="ctr">
-            <a:noFill/>
-            <a:prstDash val="solid"/>
-            <a:headEnd type="none" w="med" len="med"/>
-            <a:tailEnd type="none" w="med" len="med"/>
-          </a:ln>
-          <a:effectLst/>
-        </p:spPr>
-        <p:txBody>
-          <a:bodyPr rot="0" spcFirstLastPara="0" vertOverflow="overflow" horzOverflow="overflow" vert="horz" wrap="square" lIns="179259" tIns="143407" rIns="179259" bIns="143407" numCol="1" spcCol="0" rtlCol="0" fromWordArt="0" anchor="t" anchorCtr="0" forceAA="0" compatLnSpc="1">
-            <a:prstTxWarp prst="textNoShape">
-              <a:avLst/>
-            </a:prstTxWarp>
-            <a:noAutofit/>
-          </a:bodyPr>
-          <a:lstStyle/>
-          <a:p>
-            <a:pPr marL="0" marR="0" lvl="0" indent="0" algn="ctr" defTabSz="913927" eaLnBrk="1" fontAlgn="base" latinLnBrk="0" hangingPunct="1">
-              <a:lnSpc>
-                <a:spcPct val="90000"/>
-              </a:lnSpc>
-              <a:spcBef>
-                <a:spcPct val="0"/>
-              </a:spcBef>
-              <a:spcAft>
-                <a:spcPct val="0"/>
-              </a:spcAft>
-              <a:buClrTx/>
-              <a:buSzTx/>
-              <a:buFontTx/>
-              <a:buNone/>
-              <a:tabLst/>
-              <a:defRPr/>
-            </a:pPr>
-            <a:r>
-              <a:rPr kumimoji="0" lang="en-US" sz="1961" b="0" i="0" u="none" strike="noStrike" kern="0" cap="none" spc="0" normalizeH="0" baseline="0" noProof="0" dirty="0">
-                <a:ln>
-                  <a:noFill/>
-                </a:ln>
-                <a:gradFill>
-                  <a:gsLst>
-                    <a:gs pos="0">
-                      <a:srgbClr val="FFFFFF"/>
-                    </a:gs>
-                    <a:gs pos="100000">
-                      <a:srgbClr val="FFFFFF"/>
-                    </a:gs>
-                  </a:gsLst>
-                  <a:lin ang="5400000" scaled="0"/>
-                </a:gradFill>
-                <a:effectLst/>
-                <a:uLnTx/>
-                <a:uFillTx/>
-                <a:latin typeface="Segoe UI"/>
-                <a:ea typeface="Segoe UI" pitchFamily="34" charset="0"/>
-                <a:cs typeface="Segoe UI" pitchFamily="34" charset="0"/>
-              </a:rPr>
-              <a:t>ASP.NET Core (MVC + Razor Pages + API)</a:t>
-            </a:r>
-          </a:p>
-        </p:txBody>
-      </p:sp>
-      <p:sp>
-        <p:nvSpPr>
-          <p:cNvPr id="33" name="Rectangle 32"/>
-          <p:cNvSpPr/>
-          <p:nvPr/>
-        </p:nvSpPr>
-        <p:spPr bwMode="auto">
-          <a:xfrm>
-            <a:off x="5252720" y="2582861"/>
-            <a:ext cx="5868748" cy="1117558"/>
-          </a:xfrm>
-          <a:prstGeom prst="rect">
-            <a:avLst/>
-          </a:prstGeom>
-          <a:solidFill>
-            <a:srgbClr val="D83B01"/>
-          </a:solidFill>
-          <a:ln w="9525" cap="flat" cmpd="sng" algn="ctr">
-            <a:noFill/>
-            <a:prstDash val="solid"/>
-            <a:headEnd type="none" w="med" len="med"/>
-            <a:tailEnd type="none" w="med" len="med"/>
-          </a:ln>
-          <a:effectLst/>
-        </p:spPr>
-        <p:txBody>
-          <a:bodyPr rot="0" spcFirstLastPara="0" vertOverflow="overflow" horzOverflow="overflow" vert="horz" wrap="square" lIns="179259" tIns="143407" rIns="179259" bIns="143407" numCol="1" spcCol="0" rtlCol="0" fromWordArt="0" anchor="t" anchorCtr="0" forceAA="0" compatLnSpc="1">
-            <a:prstTxWarp prst="textNoShape">
-              <a:avLst/>
-            </a:prstTxWarp>
-            <a:noAutofit/>
-          </a:bodyPr>
-          <a:lstStyle/>
-          <a:p>
-            <a:pPr marL="0" marR="0" lvl="0" indent="0" algn="ctr" defTabSz="913927" eaLnBrk="1" fontAlgn="base" latinLnBrk="0" hangingPunct="1">
-              <a:lnSpc>
-                <a:spcPct val="90000"/>
-              </a:lnSpc>
-              <a:spcBef>
-                <a:spcPct val="0"/>
-              </a:spcBef>
-              <a:spcAft>
-                <a:spcPct val="0"/>
-              </a:spcAft>
-              <a:buClrTx/>
-              <a:buSzTx/>
-              <a:buFontTx/>
-              <a:buNone/>
-              <a:tabLst/>
-              <a:defRPr/>
-            </a:pPr>
-            <a:r>
-              <a:rPr kumimoji="0" lang="en-US" sz="1961" b="0" i="0" u="none" strike="noStrike" kern="0" cap="none" spc="0" normalizeH="0" baseline="0" noProof="0" dirty="0">
-                <a:ln>
-                  <a:noFill/>
-                </a:ln>
-                <a:gradFill>
-                  <a:gsLst>
-                    <a:gs pos="0">
-                      <a:srgbClr val="FFFFFF"/>
-                    </a:gs>
-                    <a:gs pos="100000">
-                      <a:srgbClr val="FFFFFF"/>
-                    </a:gs>
-                  </a:gsLst>
-                  <a:lin ang="5400000" scaled="0"/>
-                </a:gradFill>
-                <a:effectLst/>
-                <a:uLnTx/>
-                <a:uFillTx/>
-                <a:latin typeface="Segoe UI"/>
-                <a:ea typeface="Segoe UI" pitchFamily="34" charset="0"/>
-                <a:cs typeface="Segoe UI" pitchFamily="34" charset="0"/>
-              </a:rPr>
-              <a:t>ASP.NET Core 2.0</a:t>
-            </a:r>
-          </a:p>
-          <a:p>
-            <a:pPr marL="0" marR="0" lvl="0" indent="0" algn="ctr" defTabSz="913927" eaLnBrk="1" fontAlgn="base" latinLnBrk="0" hangingPunct="1">
-              <a:lnSpc>
-                <a:spcPct val="90000"/>
-              </a:lnSpc>
-              <a:spcBef>
-                <a:spcPct val="0"/>
-              </a:spcBef>
-              <a:spcAft>
-                <a:spcPct val="0"/>
-              </a:spcAft>
-              <a:buClrTx/>
-              <a:buSzTx/>
-              <a:buFontTx/>
-              <a:buNone/>
-              <a:tabLst/>
-              <a:defRPr/>
-            </a:pPr>
-            <a:r>
-              <a:rPr kumimoji="0" lang="en-US" sz="1961" b="0" i="0" u="none" strike="noStrike" kern="0" cap="none" spc="0" normalizeH="0" baseline="0" noProof="0" dirty="0">
-                <a:ln>
-                  <a:noFill/>
-                </a:ln>
-                <a:gradFill>
-                  <a:gsLst>
-                    <a:gs pos="0">
-                      <a:srgbClr val="FFFFFF"/>
-                    </a:gs>
-                    <a:gs pos="100000">
-                      <a:srgbClr val="FFFFFF"/>
-                    </a:gs>
-                  </a:gsLst>
-                  <a:lin ang="5400000" scaled="0"/>
-                </a:gradFill>
-                <a:effectLst/>
-                <a:uLnTx/>
-                <a:uFillTx/>
-                <a:latin typeface="Segoe UI"/>
-                <a:ea typeface="Segoe UI" pitchFamily="34" charset="0"/>
-                <a:cs typeface="Segoe UI" pitchFamily="34" charset="0"/>
-              </a:rPr>
-              <a:t>(</a:t>
-            </a:r>
-            <a:r>
-              <a:rPr kumimoji="0" lang="en-US" sz="1961" b="0" i="0" u="none" strike="noStrike" kern="0" cap="none" spc="0" normalizeH="0" baseline="0" noProof="0" dirty="0" err="1">
-                <a:ln>
-                  <a:noFill/>
-                </a:ln>
-                <a:gradFill>
-                  <a:gsLst>
-                    <a:gs pos="0">
-                      <a:srgbClr val="FFFFFF"/>
-                    </a:gs>
-                    <a:gs pos="100000">
-                      <a:srgbClr val="FFFFFF"/>
-                    </a:gs>
-                  </a:gsLst>
-                  <a:lin ang="5400000" scaled="0"/>
-                </a:gradFill>
-                <a:effectLst/>
-                <a:uLnTx/>
-                <a:uFillTx/>
-                <a:latin typeface="Segoe UI"/>
-                <a:ea typeface="Segoe UI" pitchFamily="34" charset="0"/>
-                <a:cs typeface="Segoe UI" pitchFamily="34" charset="0"/>
-              </a:rPr>
-              <a:t>Microsoft.AspNetCore</a:t>
-            </a:r>
-            <a:r>
-              <a:rPr kumimoji="0" lang="en-US" sz="1961" b="0" i="0" u="none" strike="noStrike" kern="0" cap="none" spc="0" normalizeH="0" baseline="0" noProof="0" dirty="0">
-                <a:ln>
-                  <a:noFill/>
-                </a:ln>
-                <a:gradFill>
-                  <a:gsLst>
-                    <a:gs pos="0">
-                      <a:srgbClr val="FFFFFF"/>
-                    </a:gs>
-                    <a:gs pos="100000">
-                      <a:srgbClr val="FFFFFF"/>
-                    </a:gs>
-                  </a:gsLst>
-                  <a:lin ang="5400000" scaled="0"/>
-                </a:gradFill>
-                <a:effectLst/>
-                <a:uLnTx/>
-                <a:uFillTx/>
-                <a:latin typeface="Segoe UI"/>
-                <a:ea typeface="Segoe UI" pitchFamily="34" charset="0"/>
-                <a:cs typeface="Segoe UI" pitchFamily="34" charset="0"/>
-              </a:rPr>
-              <a:t>)</a:t>
-            </a:r>
-          </a:p>
-        </p:txBody>
-      </p:sp>
-      <p:sp>
-        <p:nvSpPr>
-          <p:cNvPr id="34" name="Rectangle 33"/>
-          <p:cNvSpPr/>
-          <p:nvPr/>
-        </p:nvSpPr>
-        <p:spPr bwMode="auto">
-          <a:xfrm>
-            <a:off x="3901440" y="1746504"/>
-            <a:ext cx="1280160" cy="777240"/>
-          </a:xfrm>
-          <a:prstGeom prst="rect">
-            <a:avLst/>
-          </a:prstGeom>
-          <a:solidFill>
-            <a:srgbClr val="00BCF2"/>
-          </a:solidFill>
-          <a:ln w="9525" cap="flat" cmpd="sng" algn="ctr">
-            <a:noFill/>
-            <a:prstDash val="solid"/>
-            <a:headEnd type="none" w="med" len="med"/>
-            <a:tailEnd type="none" w="med" len="med"/>
-          </a:ln>
-          <a:effectLst/>
-        </p:spPr>
-        <p:txBody>
-          <a:bodyPr rot="0" spcFirstLastPara="0" vertOverflow="overflow" horzOverflow="overflow" vert="horz" wrap="square" lIns="179259" tIns="143407" rIns="179259" bIns="143407" numCol="1" spcCol="0" rtlCol="0" fromWordArt="0" anchor="t" anchorCtr="0" forceAA="0" compatLnSpc="1">
-            <a:prstTxWarp prst="textNoShape">
-              <a:avLst/>
-            </a:prstTxWarp>
-            <a:noAutofit/>
-          </a:bodyPr>
-          <a:lstStyle/>
-          <a:p>
-            <a:pPr marL="0" marR="0" lvl="0" indent="0" algn="ctr" defTabSz="913927" eaLnBrk="1" fontAlgn="base" latinLnBrk="0" hangingPunct="1">
-              <a:lnSpc>
-                <a:spcPct val="90000"/>
-              </a:lnSpc>
-              <a:spcBef>
-                <a:spcPct val="0"/>
-              </a:spcBef>
-              <a:spcAft>
-                <a:spcPct val="0"/>
-              </a:spcAft>
-              <a:buClrTx/>
-              <a:buSzTx/>
-              <a:buFontTx/>
-              <a:buNone/>
-              <a:tabLst/>
-              <a:defRPr/>
-            </a:pPr>
-            <a:r>
-              <a:rPr kumimoji="0" lang="en-US" sz="1961" b="0" i="0" u="none" strike="noStrike" kern="0" cap="none" spc="0" normalizeH="0" baseline="0" noProof="0" dirty="0">
-                <a:ln>
-                  <a:noFill/>
-                </a:ln>
-                <a:gradFill>
-                  <a:gsLst>
-                    <a:gs pos="0">
-                      <a:srgbClr val="FFFFFF"/>
-                    </a:gs>
-                    <a:gs pos="100000">
-                      <a:srgbClr val="FFFFFF"/>
-                    </a:gs>
-                  </a:gsLst>
-                  <a:lin ang="5400000" scaled="0"/>
-                </a:gradFill>
-                <a:effectLst/>
-                <a:uLnTx/>
-                <a:uFillTx/>
-                <a:latin typeface="Segoe UI"/>
-                <a:ea typeface="Segoe UI" pitchFamily="34" charset="0"/>
-                <a:cs typeface="Segoe UI" pitchFamily="34" charset="0"/>
-              </a:rPr>
-              <a:t>Web API</a:t>
-            </a:r>
-          </a:p>
-        </p:txBody>
-      </p:sp>
-      <p:sp>
-        <p:nvSpPr>
-          <p:cNvPr id="35" name="Rectangle 34"/>
-          <p:cNvSpPr/>
-          <p:nvPr/>
-        </p:nvSpPr>
-        <p:spPr bwMode="auto">
-          <a:xfrm>
-            <a:off x="1216152" y="1746504"/>
-            <a:ext cx="1304794" cy="777240"/>
-          </a:xfrm>
-          <a:prstGeom prst="rect">
-            <a:avLst/>
-          </a:prstGeom>
-          <a:solidFill>
-            <a:srgbClr val="00BCF2"/>
-          </a:solidFill>
-          <a:ln w="9525" cap="flat" cmpd="sng" algn="ctr">
-            <a:noFill/>
-            <a:prstDash val="solid"/>
-            <a:headEnd type="none" w="med" len="med"/>
-            <a:tailEnd type="none" w="med" len="med"/>
-          </a:ln>
-          <a:effectLst/>
-        </p:spPr>
-        <p:txBody>
-          <a:bodyPr rot="0" spcFirstLastPara="0" vertOverflow="overflow" horzOverflow="overflow" vert="horz" wrap="square" lIns="179259" tIns="143407" rIns="179259" bIns="143407" numCol="1" spcCol="0" rtlCol="0" fromWordArt="0" anchor="t" anchorCtr="0" forceAA="0" compatLnSpc="1">
-            <a:prstTxWarp prst="textNoShape">
-              <a:avLst/>
-            </a:prstTxWarp>
-            <a:noAutofit/>
-          </a:bodyPr>
-          <a:lstStyle/>
-          <a:p>
-            <a:pPr marL="0" marR="0" lvl="0" indent="0" algn="ctr" defTabSz="913927" eaLnBrk="1" fontAlgn="base" latinLnBrk="0" hangingPunct="1">
-              <a:lnSpc>
-                <a:spcPct val="90000"/>
-              </a:lnSpc>
-              <a:spcBef>
-                <a:spcPct val="0"/>
-              </a:spcBef>
-              <a:spcAft>
-                <a:spcPct val="0"/>
-              </a:spcAft>
-              <a:buClrTx/>
-              <a:buSzTx/>
-              <a:buFontTx/>
-              <a:buNone/>
-              <a:tabLst/>
-              <a:defRPr/>
-            </a:pPr>
-            <a:r>
-              <a:rPr kumimoji="0" lang="en-US" sz="1961" b="0" i="0" u="none" strike="noStrike" kern="0" cap="none" spc="0" normalizeH="0" baseline="0" noProof="0" dirty="0">
-                <a:ln>
-                  <a:noFill/>
-                </a:ln>
-                <a:gradFill>
-                  <a:gsLst>
-                    <a:gs pos="0">
-                      <a:srgbClr val="FFFFFF"/>
-                    </a:gs>
-                    <a:gs pos="100000">
-                      <a:srgbClr val="FFFFFF"/>
-                    </a:gs>
-                  </a:gsLst>
-                  <a:lin ang="5400000" scaled="0"/>
-                </a:gradFill>
-                <a:effectLst/>
-                <a:uLnTx/>
-                <a:uFillTx/>
-                <a:latin typeface="Segoe UI"/>
-                <a:ea typeface="Segoe UI" pitchFamily="34" charset="0"/>
-                <a:cs typeface="Segoe UI" pitchFamily="34" charset="0"/>
-              </a:rPr>
-              <a:t>Web</a:t>
-            </a:r>
-          </a:p>
-          <a:p>
-            <a:pPr marL="0" marR="0" lvl="0" indent="0" algn="ctr" defTabSz="913927" eaLnBrk="1" fontAlgn="base" latinLnBrk="0" hangingPunct="1">
-              <a:lnSpc>
-                <a:spcPct val="90000"/>
-              </a:lnSpc>
-              <a:spcBef>
-                <a:spcPct val="0"/>
-              </a:spcBef>
-              <a:spcAft>
-                <a:spcPct val="0"/>
-              </a:spcAft>
-              <a:buClrTx/>
-              <a:buSzTx/>
-              <a:buFontTx/>
-              <a:buNone/>
-              <a:tabLst/>
-              <a:defRPr/>
-            </a:pPr>
-            <a:r>
-              <a:rPr kumimoji="0" lang="en-US" sz="1961" b="0" i="0" u="none" strike="noStrike" kern="0" cap="none" spc="0" normalizeH="0" baseline="0" noProof="0" dirty="0">
-                <a:ln>
-                  <a:noFill/>
-                </a:ln>
-                <a:gradFill>
-                  <a:gsLst>
-                    <a:gs pos="0">
-                      <a:srgbClr val="FFFFFF"/>
-                    </a:gs>
-                    <a:gs pos="100000">
-                      <a:srgbClr val="FFFFFF"/>
-                    </a:gs>
-                  </a:gsLst>
-                  <a:lin ang="5400000" scaled="0"/>
-                </a:gradFill>
-                <a:effectLst/>
-                <a:uLnTx/>
-                <a:uFillTx/>
-                <a:latin typeface="Segoe UI"/>
-                <a:ea typeface="Segoe UI" pitchFamily="34" charset="0"/>
-                <a:cs typeface="Segoe UI" pitchFamily="34" charset="0"/>
-              </a:rPr>
-              <a:t>Forms</a:t>
-            </a:r>
-          </a:p>
-        </p:txBody>
-      </p:sp>
-    </p:spTree>
-    <p:extLst>
-      <p:ext uri="{BB962C8B-B14F-4D97-AF65-F5344CB8AC3E}">
-        <p14:creationId xmlns:p14="http://schemas.microsoft.com/office/powerpoint/2010/main" val="2034755928"/>
-      </p:ext>
-    </p:extLst>
-  </p:cSld>
-  <p:clrMapOvr>
-    <a:masterClrMapping/>
-  </p:clrMapOvr>
-  <p:transition>
-    <p:fade/>
-  </p:transition>
-</p:sld>
-</file>
-
-<file path=ppt/slides/slide20.xml><?xml version="1.0" encoding="utf-8"?>
+<file path=ppt/slides/slide25.xml><?xml version="1.0" encoding="utf-8"?>
 <p:sld xmlns:a="http://schemas.openxmlformats.org/drawingml/2006/main" xmlns:r="http://schemas.openxmlformats.org/officeDocument/2006/relationships" xmlns:p="http://schemas.openxmlformats.org/presentationml/2006/main">
   <p:cSld>
     <p:spTree>
@@ -23927,7 +27307,7 @@
 </p:sld>
 </file>
 
-<file path=ppt/slides/slide21.xml><?xml version="1.0" encoding="utf-8"?>
+<file path=ppt/slides/slide26.xml><?xml version="1.0" encoding="utf-8"?>
 <p:sld xmlns:a="http://schemas.openxmlformats.org/drawingml/2006/main" xmlns:r="http://schemas.openxmlformats.org/officeDocument/2006/relationships" xmlns:p="http://schemas.openxmlformats.org/presentationml/2006/main">
   <p:cSld>
     <p:spTree>
@@ -24013,7 +27393,7 @@
 </p:sld>
 </file>
 
-<file path=ppt/slides/slide22.xml><?xml version="1.0" encoding="utf-8"?>
+<file path=ppt/slides/slide27.xml><?xml version="1.0" encoding="utf-8"?>
 <p:sld xmlns:a="http://schemas.openxmlformats.org/drawingml/2006/main" xmlns:r="http://schemas.openxmlformats.org/officeDocument/2006/relationships" xmlns:p="http://schemas.openxmlformats.org/presentationml/2006/main">
   <p:cSld>
     <p:spTree>
@@ -24211,15 +27591,7 @@
             <a:pPr lvl="1"/>
             <a:r>
               <a:rPr lang="en-US" dirty="0"/>
-              <a:t>MVC, Identity, </a:t>
-            </a:r>
-            <a:r>
-              <a:rPr lang="en-US" dirty="0" err="1"/>
-              <a:t>SignalR</a:t>
-            </a:r>
-            <a:r>
-              <a:rPr lang="en-US" dirty="0"/>
-              <a:t> (future)</a:t>
+              <a:t>Razor Pages, MVC, Identity, SignalR (alpha release)</a:t>
             </a:r>
           </a:p>
         </p:txBody>
@@ -25162,8 +28534,8 @@
           <a:lstStyle/>
           <a:p>
             <a:r>
-              <a:rPr lang="en-US" dirty="0"/>
-              <a:t>ASP.NET Core frameworks - similar, but different</a:t>
+              <a:rPr lang="en-US" sz="4400" dirty="0"/>
+              <a:t>Previous ASP.NET frameworks - similar, but different</a:t>
             </a:r>
           </a:p>
         </p:txBody>
@@ -26992,7 +30364,275 @@
       </p:grpSpPr>
       <p:sp>
         <p:nvSpPr>
-          <p:cNvPr id="2" name="Title 1"/>
+          <p:cNvPr id="4" name="Arrow: Notched Right 3">
+            <a:extLst>
+              <a:ext uri="{FF2B5EF4-FFF2-40B4-BE49-F238E27FC236}">
+                <a16:creationId xmlns:a16="http://schemas.microsoft.com/office/drawing/2014/main" id="{0D3DE9C4-CA2B-447D-B892-88D800257F1D}"/>
+              </a:ext>
+            </a:extLst>
+          </p:cNvPr>
+          <p:cNvSpPr/>
+          <p:nvPr/>
+        </p:nvSpPr>
+        <p:spPr bwMode="auto">
+          <a:xfrm>
+            <a:off x="183263" y="2148418"/>
+            <a:ext cx="11980940" cy="1005829"/>
+          </a:xfrm>
+          <a:prstGeom prst="notchedRightArrow">
+            <a:avLst/>
+          </a:prstGeom>
+          <a:pattFill prst="wdDnDiag">
+            <a:fgClr>
+              <a:schemeClr val="accent1"/>
+            </a:fgClr>
+            <a:bgClr>
+              <a:schemeClr val="bg1"/>
+            </a:bgClr>
+          </a:pattFill>
+          <a:ln>
+            <a:noFill/>
+            <a:headEnd type="none" w="med" len="med"/>
+            <a:tailEnd type="none" w="med" len="med"/>
+          </a:ln>
+        </p:spPr>
+        <p:style>
+          <a:lnRef idx="2">
+            <a:schemeClr val="accent1">
+              <a:shade val="50000"/>
+            </a:schemeClr>
+          </a:lnRef>
+          <a:fillRef idx="1">
+            <a:schemeClr val="accent1"/>
+          </a:fillRef>
+          <a:effectRef idx="0">
+            <a:schemeClr val="accent1"/>
+          </a:effectRef>
+          <a:fontRef idx="minor">
+            <a:schemeClr val="lt1"/>
+          </a:fontRef>
+        </p:style>
+        <p:txBody>
+          <a:bodyPr vert="horz" wrap="square" lIns="0" tIns="46637" rIns="0" bIns="46637" numCol="1" rtlCol="0" anchor="ctr" anchorCtr="0" compatLnSpc="1">
+            <a:prstTxWarp prst="textNoShape">
+              <a:avLst/>
+            </a:prstTxWarp>
+          </a:bodyPr>
+          <a:lstStyle/>
+          <a:p>
+            <a:pPr marL="0" marR="0" lvl="0" indent="0" algn="ctr" defTabSz="932472" rtl="0" eaLnBrk="1" fontAlgn="base" latinLnBrk="0" hangingPunct="1">
+              <a:lnSpc>
+                <a:spcPct val="100000"/>
+              </a:lnSpc>
+              <a:spcBef>
+                <a:spcPct val="0"/>
+              </a:spcBef>
+              <a:spcAft>
+                <a:spcPct val="0"/>
+              </a:spcAft>
+              <a:buClrTx/>
+              <a:buSzTx/>
+              <a:buFontTx/>
+              <a:buNone/>
+              <a:tabLst/>
+              <a:defRPr/>
+            </a:pPr>
+            <a:endParaRPr kumimoji="0" lang="en-US" sz="2000" b="0" i="0" u="none" strike="noStrike" kern="1200" cap="none" spc="0" normalizeH="0" baseline="0" noProof="0" dirty="0">
+              <a:ln>
+                <a:noFill/>
+              </a:ln>
+              <a:gradFill>
+                <a:gsLst>
+                  <a:gs pos="5439">
+                    <a:srgbClr val="F8F8F8"/>
+                  </a:gs>
+                  <a:gs pos="10000">
+                    <a:srgbClr val="F8F8F8"/>
+                  </a:gs>
+                </a:gsLst>
+                <a:lin ang="5400000" scaled="0"/>
+              </a:gradFill>
+              <a:effectLst/>
+              <a:uLnTx/>
+              <a:uFillTx/>
+              <a:latin typeface="Segoe UI Semilight"/>
+              <a:ea typeface="+mn-ea"/>
+              <a:cs typeface="+mn-cs"/>
+            </a:endParaRPr>
+          </a:p>
+        </p:txBody>
+      </p:sp>
+      <p:sp>
+        <p:nvSpPr>
+          <p:cNvPr id="13" name="Rectangle 12"/>
+          <p:cNvSpPr/>
+          <p:nvPr/>
+        </p:nvSpPr>
+        <p:spPr bwMode="auto">
+          <a:xfrm>
+            <a:off x="549019" y="2217116"/>
+            <a:ext cx="3450852" cy="868434"/>
+          </a:xfrm>
+          <a:prstGeom prst="rect">
+            <a:avLst/>
+          </a:prstGeom>
+          <a:solidFill>
+            <a:schemeClr val="accent5">
+              <a:lumMod val="60000"/>
+              <a:lumOff val="40000"/>
+            </a:schemeClr>
+          </a:solidFill>
+          <a:ln>
+            <a:noFill/>
+            <a:headEnd type="none" w="med" len="med"/>
+            <a:tailEnd type="none" w="med" len="med"/>
+          </a:ln>
+        </p:spPr>
+        <p:style>
+          <a:lnRef idx="2">
+            <a:schemeClr val="accent1">
+              <a:shade val="50000"/>
+            </a:schemeClr>
+          </a:lnRef>
+          <a:fillRef idx="1">
+            <a:schemeClr val="accent1"/>
+          </a:fillRef>
+          <a:effectRef idx="0">
+            <a:schemeClr val="accent1"/>
+          </a:effectRef>
+          <a:fontRef idx="minor">
+            <a:schemeClr val="lt1"/>
+          </a:fontRef>
+        </p:style>
+        <p:txBody>
+          <a:bodyPr vert="horz" wrap="square" lIns="182828" tIns="146262" rIns="182828" bIns="146262" numCol="1" rtlCol="0" anchor="ctr" anchorCtr="0" compatLnSpc="1">
+            <a:prstTxWarp prst="textNoShape">
+              <a:avLst/>
+            </a:prstTxWarp>
+          </a:bodyPr>
+          <a:lstStyle/>
+          <a:p>
+            <a:pPr marL="0" marR="0" lvl="0" indent="0" algn="l" defTabSz="932114" rtl="0" eaLnBrk="1" fontAlgn="base" latinLnBrk="0" hangingPunct="1">
+              <a:lnSpc>
+                <a:spcPct val="100000"/>
+              </a:lnSpc>
+              <a:spcBef>
+                <a:spcPct val="0"/>
+              </a:spcBef>
+              <a:spcAft>
+                <a:spcPct val="0"/>
+              </a:spcAft>
+              <a:buClrTx/>
+              <a:buSzTx/>
+              <a:buFontTx/>
+              <a:buNone/>
+              <a:tabLst/>
+              <a:defRPr/>
+            </a:pPr>
+            <a:r>
+              <a:rPr kumimoji="0" lang="en-US" sz="2000" b="1" i="0" u="none" strike="noStrike" kern="1200" cap="none" spc="0" normalizeH="0" baseline="0" noProof="0" dirty="0">
+                <a:ln>
+                  <a:noFill/>
+                </a:ln>
+                <a:solidFill>
+                  <a:srgbClr val="505050"/>
+                </a:solidFill>
+                <a:effectLst/>
+                <a:uLnTx/>
+                <a:uFillTx/>
+                <a:latin typeface="Segoe UI Semilight"/>
+                <a:ea typeface="+mn-ea"/>
+                <a:cs typeface="+mn-cs"/>
+              </a:rPr>
+              <a:t>ASP.NET 4.6</a:t>
+            </a:r>
+            <a:br>
+              <a:rPr kumimoji="0" lang="en-US" sz="2000" b="0" i="0" u="none" strike="noStrike" kern="1200" cap="none" spc="0" normalizeH="0" baseline="0" noProof="0" dirty="0">
+                <a:ln>
+                  <a:noFill/>
+                </a:ln>
+                <a:solidFill>
+                  <a:srgbClr val="505050"/>
+                </a:solidFill>
+                <a:effectLst/>
+                <a:uLnTx/>
+                <a:uFillTx/>
+                <a:latin typeface="Segoe UI Semilight"/>
+                <a:ea typeface="+mn-ea"/>
+                <a:cs typeface="+mn-cs"/>
+              </a:rPr>
+            </a:br>
+            <a:r>
+              <a:rPr kumimoji="0" lang="en-US" sz="1400" b="0" i="0" u="none" strike="noStrike" kern="1200" cap="none" spc="0" normalizeH="0" baseline="0" noProof="0" dirty="0">
+                <a:ln>
+                  <a:noFill/>
+                </a:ln>
+                <a:solidFill>
+                  <a:srgbClr val="505050"/>
+                </a:solidFill>
+                <a:effectLst/>
+                <a:uLnTx/>
+                <a:uFillTx/>
+                <a:latin typeface="Segoe UI Semilight"/>
+                <a:ea typeface="+mn-ea"/>
+                <a:cs typeface="+mn-cs"/>
+              </a:rPr>
+              <a:t>(</a:t>
+            </a:r>
+            <a:r>
+              <a:rPr kumimoji="0" lang="en-US" sz="1400" b="0" i="0" u="none" strike="noStrike" kern="1200" cap="none" spc="0" normalizeH="0" baseline="0" noProof="0" dirty="0" err="1">
+                <a:ln>
+                  <a:noFill/>
+                </a:ln>
+                <a:solidFill>
+                  <a:srgbClr val="505050"/>
+                </a:solidFill>
+                <a:effectLst/>
+                <a:uLnTx/>
+                <a:uFillTx/>
+                <a:latin typeface="Segoe UI Semilight"/>
+                <a:ea typeface="+mn-ea"/>
+                <a:cs typeface="+mn-cs"/>
+              </a:rPr>
+              <a:t>WebForms</a:t>
+            </a:r>
+            <a:r>
+              <a:rPr kumimoji="0" lang="en-US" sz="1400" b="0" i="0" u="none" strike="noStrike" kern="1200" cap="none" spc="0" normalizeH="0" baseline="0" noProof="0" dirty="0">
+                <a:ln>
+                  <a:noFill/>
+                </a:ln>
+                <a:solidFill>
+                  <a:srgbClr val="505050"/>
+                </a:solidFill>
+                <a:effectLst/>
+                <a:uLnTx/>
+                <a:uFillTx/>
+                <a:latin typeface="Segoe UI Semilight"/>
+                <a:ea typeface="+mn-ea"/>
+                <a:cs typeface="+mn-cs"/>
+              </a:rPr>
+              <a:t>, MVC, Web API, Web Pages - present but separate)</a:t>
+            </a:r>
+            <a:endParaRPr kumimoji="0" lang="en-US" sz="1600" b="0" i="0" u="none" strike="noStrike" kern="1200" cap="none" spc="0" normalizeH="0" baseline="0" noProof="0" dirty="0">
+              <a:ln>
+                <a:noFill/>
+              </a:ln>
+              <a:solidFill>
+                <a:srgbClr val="505050"/>
+              </a:solidFill>
+              <a:effectLst/>
+              <a:uLnTx/>
+              <a:uFillTx/>
+              <a:latin typeface="Segoe UI Semilight"/>
+              <a:ea typeface="+mn-ea"/>
+              <a:cs typeface="+mn-cs"/>
+            </a:endParaRPr>
+          </a:p>
+        </p:txBody>
+      </p:sp>
+      <p:sp>
+        <p:nvSpPr>
+          <p:cNvPr id="9" name="Title 1"/>
           <p:cNvSpPr>
             <a:spLocks noGrp="1"/>
           </p:cNvSpPr>
@@ -27007,7 +30647,658 @@
           <a:p>
             <a:r>
               <a:rPr lang="en-US" dirty="0"/>
+              <a:t>ASP.NET = A unified web stack </a:t>
+            </a:r>
+          </a:p>
+        </p:txBody>
+      </p:sp>
+      <p:sp>
+        <p:nvSpPr>
+          <p:cNvPr id="8" name="Rectangle 7"/>
+          <p:cNvSpPr/>
+          <p:nvPr/>
+        </p:nvSpPr>
+        <p:spPr bwMode="auto">
+          <a:xfrm>
+            <a:off x="4115275" y="2217116"/>
+            <a:ext cx="3474682" cy="868434"/>
+          </a:xfrm>
+          <a:prstGeom prst="rect">
+            <a:avLst/>
+          </a:prstGeom>
+          <a:solidFill>
+            <a:schemeClr val="accent5"/>
+          </a:solidFill>
+          <a:ln>
+            <a:noFill/>
+            <a:headEnd type="none" w="med" len="med"/>
+            <a:tailEnd type="none" w="med" len="med"/>
+          </a:ln>
+        </p:spPr>
+        <p:style>
+          <a:lnRef idx="2">
+            <a:schemeClr val="accent1">
+              <a:shade val="50000"/>
+            </a:schemeClr>
+          </a:lnRef>
+          <a:fillRef idx="1">
+            <a:schemeClr val="accent1"/>
+          </a:fillRef>
+          <a:effectRef idx="0">
+            <a:schemeClr val="accent1"/>
+          </a:effectRef>
+          <a:fontRef idx="minor">
+            <a:schemeClr val="lt1"/>
+          </a:fontRef>
+        </p:style>
+        <p:txBody>
+          <a:bodyPr vert="horz" wrap="square" lIns="182828" tIns="146262" rIns="182828" bIns="146262" numCol="1" rtlCol="0" anchor="ctr" anchorCtr="0" compatLnSpc="1">
+            <a:prstTxWarp prst="textNoShape">
+              <a:avLst/>
+            </a:prstTxWarp>
+          </a:bodyPr>
+          <a:lstStyle/>
+          <a:p>
+            <a:pPr marL="0" marR="0" lvl="0" indent="0" algn="l" defTabSz="932114" rtl="0" eaLnBrk="1" fontAlgn="base" latinLnBrk="0" hangingPunct="1">
+              <a:lnSpc>
+                <a:spcPct val="100000"/>
+              </a:lnSpc>
+              <a:spcBef>
+                <a:spcPct val="0"/>
+              </a:spcBef>
+              <a:spcAft>
+                <a:spcPct val="0"/>
+              </a:spcAft>
+              <a:buClrTx/>
+              <a:buSzTx/>
+              <a:buFontTx/>
+              <a:buNone/>
+              <a:tabLst/>
+              <a:defRPr/>
+            </a:pPr>
+            <a:r>
+              <a:rPr kumimoji="0" lang="en-US" sz="2000" b="1" i="0" u="none" strike="noStrike" kern="1200" cap="none" spc="0" normalizeH="0" baseline="0" noProof="0" dirty="0">
+                <a:ln>
+                  <a:noFill/>
+                </a:ln>
+                <a:solidFill>
+                  <a:srgbClr val="505050"/>
+                </a:solidFill>
+                <a:effectLst/>
+                <a:uLnTx/>
+                <a:uFillTx/>
+                <a:latin typeface="Segoe UI Semilight"/>
+                <a:ea typeface="+mn-ea"/>
+                <a:cs typeface="+mn-cs"/>
+              </a:rPr>
+              <a:t>ASP.NET Core 1.0</a:t>
+            </a:r>
+            <a:br>
+              <a:rPr kumimoji="0" lang="en-US" sz="2000" b="0" i="0" u="none" strike="noStrike" kern="1200" cap="none" spc="0" normalizeH="0" baseline="0" noProof="0" dirty="0">
+                <a:ln>
+                  <a:noFill/>
+                </a:ln>
+                <a:solidFill>
+                  <a:srgbClr val="505050"/>
+                </a:solidFill>
+                <a:effectLst/>
+                <a:uLnTx/>
+                <a:uFillTx/>
+                <a:latin typeface="Segoe UI Semilight"/>
+                <a:ea typeface="+mn-ea"/>
+                <a:cs typeface="+mn-cs"/>
+              </a:rPr>
+            </a:br>
+            <a:r>
+              <a:rPr kumimoji="0" lang="en-US" sz="2000" b="0" i="0" u="none" strike="noStrike" kern="1200" cap="none" spc="0" normalizeH="0" baseline="0" noProof="0" dirty="0">
+                <a:ln>
+                  <a:noFill/>
+                </a:ln>
+                <a:solidFill>
+                  <a:srgbClr val="505050"/>
+                </a:solidFill>
+                <a:effectLst/>
+                <a:uLnTx/>
+                <a:uFillTx/>
+                <a:latin typeface="Segoe UI Semilight"/>
+                <a:ea typeface="+mn-ea"/>
+                <a:cs typeface="+mn-cs"/>
+              </a:rPr>
+              <a:t>Web API + MVC</a:t>
+            </a:r>
+          </a:p>
+        </p:txBody>
+      </p:sp>
+      <p:sp>
+        <p:nvSpPr>
+          <p:cNvPr id="10" name="Rectangle 9">
+            <a:extLst>
+              <a:ext uri="{FF2B5EF4-FFF2-40B4-BE49-F238E27FC236}">
+                <a16:creationId xmlns:a16="http://schemas.microsoft.com/office/drawing/2014/main" id="{D3B1ECD4-FF1F-4FB7-A709-F4C6F2DC622F}"/>
+              </a:ext>
+            </a:extLst>
+          </p:cNvPr>
+          <p:cNvSpPr/>
+          <p:nvPr/>
+        </p:nvSpPr>
+        <p:spPr bwMode="auto">
+          <a:xfrm>
+            <a:off x="7705362" y="2217116"/>
+            <a:ext cx="3724898" cy="868434"/>
+          </a:xfrm>
+          <a:prstGeom prst="rect">
+            <a:avLst/>
+          </a:prstGeom>
+          <a:solidFill>
+            <a:schemeClr val="accent5">
+              <a:lumMod val="75000"/>
+            </a:schemeClr>
+          </a:solidFill>
+          <a:ln>
+            <a:headEnd type="none" w="med" len="med"/>
+            <a:tailEnd type="none" w="med" len="med"/>
+          </a:ln>
+        </p:spPr>
+        <p:style>
+          <a:lnRef idx="2">
+            <a:schemeClr val="accent6">
+              <a:shade val="50000"/>
+            </a:schemeClr>
+          </a:lnRef>
+          <a:fillRef idx="1">
+            <a:schemeClr val="accent6"/>
+          </a:fillRef>
+          <a:effectRef idx="0">
+            <a:schemeClr val="accent6"/>
+          </a:effectRef>
+          <a:fontRef idx="minor">
+            <a:schemeClr val="lt1"/>
+          </a:fontRef>
+        </p:style>
+        <p:txBody>
+          <a:bodyPr vert="horz" wrap="square" lIns="182828" tIns="146262" rIns="182828" bIns="146262" numCol="1" rtlCol="0" anchor="ctr" anchorCtr="0" compatLnSpc="1">
+            <a:prstTxWarp prst="textNoShape">
+              <a:avLst/>
+            </a:prstTxWarp>
+          </a:bodyPr>
+          <a:lstStyle/>
+          <a:p>
+            <a:pPr marL="0" marR="0" lvl="0" indent="0" algn="l" defTabSz="932114" rtl="0" eaLnBrk="1" fontAlgn="base" latinLnBrk="0" hangingPunct="1">
+              <a:lnSpc>
+                <a:spcPct val="100000"/>
+              </a:lnSpc>
+              <a:spcBef>
+                <a:spcPct val="0"/>
+              </a:spcBef>
+              <a:spcAft>
+                <a:spcPct val="0"/>
+              </a:spcAft>
+              <a:buClrTx/>
+              <a:buSzTx/>
+              <a:buFontTx/>
+              <a:buNone/>
+              <a:tabLst/>
+              <a:defRPr/>
+            </a:pPr>
+            <a:r>
+              <a:rPr kumimoji="0" lang="en-US" sz="2000" b="1" i="0" u="none" strike="noStrike" kern="1200" cap="none" spc="0" normalizeH="0" baseline="0" noProof="0" dirty="0">
+                <a:ln>
+                  <a:noFill/>
+                </a:ln>
+                <a:solidFill>
+                  <a:srgbClr val="FFFFFF"/>
+                </a:solidFill>
+                <a:effectLst/>
+                <a:uLnTx/>
+                <a:uFillTx/>
+                <a:latin typeface="Segoe UI Semilight"/>
+                <a:ea typeface="+mn-ea"/>
+                <a:cs typeface="+mn-cs"/>
+              </a:rPr>
+              <a:t>ASP.NET Core 2.0</a:t>
+            </a:r>
+            <a:br>
+              <a:rPr kumimoji="0" lang="en-US" sz="2000" b="0" i="0" u="none" strike="noStrike" kern="1200" cap="none" spc="0" normalizeH="0" baseline="0" noProof="0" dirty="0">
+                <a:ln>
+                  <a:noFill/>
+                </a:ln>
+                <a:solidFill>
+                  <a:srgbClr val="FFFFFF"/>
+                </a:solidFill>
+                <a:effectLst/>
+                <a:uLnTx/>
+                <a:uFillTx/>
+                <a:latin typeface="Segoe UI Semilight"/>
+                <a:ea typeface="+mn-ea"/>
+                <a:cs typeface="+mn-cs"/>
+              </a:rPr>
+            </a:br>
+            <a:r>
+              <a:rPr kumimoji="0" lang="en-US" sz="1836" b="0" i="0" u="none" strike="noStrike" kern="1200" cap="none" spc="0" normalizeH="0" baseline="0" noProof="0" dirty="0">
+                <a:ln>
+                  <a:noFill/>
+                </a:ln>
+                <a:solidFill>
+                  <a:srgbClr val="FFFFFF"/>
+                </a:solidFill>
+                <a:effectLst/>
+                <a:uLnTx/>
+                <a:uFillTx/>
+                <a:latin typeface="Segoe UI Semilight"/>
+                <a:ea typeface="+mn-ea"/>
+                <a:cs typeface="+mn-cs"/>
+              </a:rPr>
+              <a:t>Web API + MVC + Razor Pages</a:t>
+            </a:r>
+            <a:endParaRPr kumimoji="0" lang="en-US" sz="2000" b="0" i="0" u="none" strike="noStrike" kern="1200" cap="none" spc="0" normalizeH="0" baseline="0" noProof="0" dirty="0">
+              <a:ln>
+                <a:noFill/>
+              </a:ln>
+              <a:solidFill>
+                <a:srgbClr val="FFFFFF"/>
+              </a:solidFill>
+              <a:effectLst/>
+              <a:uLnTx/>
+              <a:uFillTx/>
+              <a:latin typeface="Segoe UI Semilight"/>
+              <a:ea typeface="+mn-ea"/>
+              <a:cs typeface="+mn-cs"/>
+            </a:endParaRPr>
+          </a:p>
+        </p:txBody>
+      </p:sp>
+      <p:sp>
+        <p:nvSpPr>
+          <p:cNvPr id="22" name="Rectangle 21">
+            <a:extLst>
+              <a:ext uri="{FF2B5EF4-FFF2-40B4-BE49-F238E27FC236}">
+                <a16:creationId xmlns:a16="http://schemas.microsoft.com/office/drawing/2014/main" id="{D809B98C-DAE2-482C-87E5-97639177DA65}"/>
+              </a:ext>
+            </a:extLst>
+          </p:cNvPr>
+          <p:cNvSpPr/>
+          <p:nvPr/>
+        </p:nvSpPr>
+        <p:spPr bwMode="auto">
+          <a:xfrm>
+            <a:off x="2377800" y="3131506"/>
+            <a:ext cx="1622072" cy="307605"/>
+          </a:xfrm>
+          <a:prstGeom prst="rect">
+            <a:avLst/>
+          </a:prstGeom>
+          <a:solidFill>
+            <a:schemeClr val="accent5">
+              <a:lumMod val="20000"/>
+              <a:lumOff val="80000"/>
+            </a:schemeClr>
+          </a:solidFill>
+          <a:ln>
+            <a:solidFill>
+              <a:schemeClr val="accent5">
+                <a:lumMod val="60000"/>
+                <a:lumOff val="40000"/>
+              </a:schemeClr>
+            </a:solidFill>
+            <a:prstDash val="sysDash"/>
+            <a:headEnd type="none" w="med" len="med"/>
+            <a:tailEnd type="none" w="med" len="med"/>
+          </a:ln>
+        </p:spPr>
+        <p:style>
+          <a:lnRef idx="2">
+            <a:schemeClr val="accent1">
+              <a:shade val="50000"/>
+            </a:schemeClr>
+          </a:lnRef>
+          <a:fillRef idx="1">
+            <a:schemeClr val="accent1"/>
+          </a:fillRef>
+          <a:effectRef idx="0">
+            <a:schemeClr val="accent1"/>
+          </a:effectRef>
+          <a:fontRef idx="minor">
+            <a:schemeClr val="lt1"/>
+          </a:fontRef>
+        </p:style>
+        <p:txBody>
+          <a:bodyPr vert="horz" wrap="square" lIns="182828" tIns="146262" rIns="182828" bIns="146262" numCol="1" rtlCol="0" anchor="ctr" anchorCtr="0" compatLnSpc="1">
+            <a:prstTxWarp prst="textNoShape">
+              <a:avLst/>
+            </a:prstTxWarp>
+          </a:bodyPr>
+          <a:lstStyle/>
+          <a:p>
+            <a:pPr marL="0" marR="0" lvl="0" indent="0" algn="l" defTabSz="932114" rtl="0" eaLnBrk="1" fontAlgn="base" latinLnBrk="0" hangingPunct="1">
+              <a:lnSpc>
+                <a:spcPct val="100000"/>
+              </a:lnSpc>
+              <a:spcBef>
+                <a:spcPct val="0"/>
+              </a:spcBef>
+              <a:spcAft>
+                <a:spcPct val="0"/>
+              </a:spcAft>
+              <a:buClrTx/>
+              <a:buSzTx/>
+              <a:buFontTx/>
+              <a:buNone/>
+              <a:tabLst/>
+              <a:defRPr/>
+            </a:pPr>
+            <a:r>
+              <a:rPr kumimoji="0" lang="en-US" sz="1200" b="1" i="0" u="none" strike="noStrike" kern="1200" cap="none" spc="0" normalizeH="0" baseline="0" noProof="0" dirty="0">
+                <a:ln>
+                  <a:noFill/>
+                </a:ln>
+                <a:solidFill>
+                  <a:srgbClr val="505050"/>
+                </a:solidFill>
+                <a:effectLst/>
+                <a:uLnTx/>
+                <a:uFillTx/>
+                <a:latin typeface="Segoe UI Semilight"/>
+                <a:ea typeface="+mn-ea"/>
+                <a:cs typeface="+mn-cs"/>
+              </a:rPr>
               <a:t>MVC</a:t>
+            </a:r>
+          </a:p>
+        </p:txBody>
+      </p:sp>
+      <p:sp>
+        <p:nvSpPr>
+          <p:cNvPr id="23" name="Rectangle 22">
+            <a:extLst>
+              <a:ext uri="{FF2B5EF4-FFF2-40B4-BE49-F238E27FC236}">
+                <a16:creationId xmlns:a16="http://schemas.microsoft.com/office/drawing/2014/main" id="{2F8A5806-ABD6-480C-B94A-AEBD84D69F76}"/>
+              </a:ext>
+            </a:extLst>
+          </p:cNvPr>
+          <p:cNvSpPr/>
+          <p:nvPr/>
+        </p:nvSpPr>
+        <p:spPr bwMode="auto">
+          <a:xfrm>
+            <a:off x="2194921" y="3507808"/>
+            <a:ext cx="1804950" cy="307605"/>
+          </a:xfrm>
+          <a:prstGeom prst="rect">
+            <a:avLst/>
+          </a:prstGeom>
+          <a:solidFill>
+            <a:schemeClr val="accent5">
+              <a:lumMod val="20000"/>
+              <a:lumOff val="80000"/>
+            </a:schemeClr>
+          </a:solidFill>
+          <a:ln>
+            <a:solidFill>
+              <a:schemeClr val="accent5">
+                <a:lumMod val="60000"/>
+                <a:lumOff val="40000"/>
+              </a:schemeClr>
+            </a:solidFill>
+            <a:prstDash val="sysDash"/>
+            <a:headEnd type="none" w="med" len="med"/>
+            <a:tailEnd type="none" w="med" len="med"/>
+          </a:ln>
+        </p:spPr>
+        <p:style>
+          <a:lnRef idx="2">
+            <a:schemeClr val="accent1">
+              <a:shade val="50000"/>
+            </a:schemeClr>
+          </a:lnRef>
+          <a:fillRef idx="1">
+            <a:schemeClr val="accent1"/>
+          </a:fillRef>
+          <a:effectRef idx="0">
+            <a:schemeClr val="accent1"/>
+          </a:effectRef>
+          <a:fontRef idx="minor">
+            <a:schemeClr val="lt1"/>
+          </a:fontRef>
+        </p:style>
+        <p:txBody>
+          <a:bodyPr vert="horz" wrap="square" lIns="182828" tIns="146262" rIns="182828" bIns="146262" numCol="1" rtlCol="0" anchor="ctr" anchorCtr="0" compatLnSpc="1">
+            <a:prstTxWarp prst="textNoShape">
+              <a:avLst/>
+            </a:prstTxWarp>
+          </a:bodyPr>
+          <a:lstStyle/>
+          <a:p>
+            <a:pPr marL="0" marR="0" lvl="0" indent="0" algn="l" defTabSz="932114" rtl="0" eaLnBrk="1" fontAlgn="base" latinLnBrk="0" hangingPunct="1">
+              <a:lnSpc>
+                <a:spcPct val="100000"/>
+              </a:lnSpc>
+              <a:spcBef>
+                <a:spcPct val="0"/>
+              </a:spcBef>
+              <a:spcAft>
+                <a:spcPct val="0"/>
+              </a:spcAft>
+              <a:buClrTx/>
+              <a:buSzTx/>
+              <a:buFontTx/>
+              <a:buNone/>
+              <a:tabLst/>
+              <a:defRPr/>
+            </a:pPr>
+            <a:r>
+              <a:rPr kumimoji="0" lang="en-US" sz="1200" b="1" i="0" u="none" strike="noStrike" kern="1200" cap="none" spc="0" normalizeH="0" baseline="0" noProof="0" dirty="0">
+                <a:ln>
+                  <a:noFill/>
+                </a:ln>
+                <a:solidFill>
+                  <a:srgbClr val="505050"/>
+                </a:solidFill>
+                <a:effectLst/>
+                <a:uLnTx/>
+                <a:uFillTx/>
+                <a:latin typeface="Segoe UI Semilight"/>
+                <a:ea typeface="+mn-ea"/>
+                <a:cs typeface="+mn-cs"/>
+              </a:rPr>
+              <a:t>Web API</a:t>
+            </a:r>
+          </a:p>
+        </p:txBody>
+      </p:sp>
+      <p:sp>
+        <p:nvSpPr>
+          <p:cNvPr id="24" name="Rectangle 23">
+            <a:extLst>
+              <a:ext uri="{FF2B5EF4-FFF2-40B4-BE49-F238E27FC236}">
+                <a16:creationId xmlns:a16="http://schemas.microsoft.com/office/drawing/2014/main" id="{4C6C9C24-DB5C-4C56-8144-2B1E14720116}"/>
+              </a:ext>
+            </a:extLst>
+          </p:cNvPr>
+          <p:cNvSpPr/>
+          <p:nvPr/>
+        </p:nvSpPr>
+        <p:spPr bwMode="auto">
+          <a:xfrm>
+            <a:off x="549019" y="3507808"/>
+            <a:ext cx="1554464" cy="307605"/>
+          </a:xfrm>
+          <a:prstGeom prst="rect">
+            <a:avLst/>
+          </a:prstGeom>
+          <a:solidFill>
+            <a:schemeClr val="accent5">
+              <a:lumMod val="20000"/>
+              <a:lumOff val="80000"/>
+            </a:schemeClr>
+          </a:solidFill>
+          <a:ln>
+            <a:solidFill>
+              <a:schemeClr val="accent5">
+                <a:lumMod val="60000"/>
+                <a:lumOff val="40000"/>
+              </a:schemeClr>
+            </a:solidFill>
+            <a:prstDash val="sysDash"/>
+            <a:headEnd type="none" w="med" len="med"/>
+            <a:tailEnd type="none" w="med" len="med"/>
+          </a:ln>
+        </p:spPr>
+        <p:style>
+          <a:lnRef idx="2">
+            <a:schemeClr val="accent1">
+              <a:shade val="50000"/>
+            </a:schemeClr>
+          </a:lnRef>
+          <a:fillRef idx="1">
+            <a:schemeClr val="accent1"/>
+          </a:fillRef>
+          <a:effectRef idx="0">
+            <a:schemeClr val="accent1"/>
+          </a:effectRef>
+          <a:fontRef idx="minor">
+            <a:schemeClr val="lt1"/>
+          </a:fontRef>
+        </p:style>
+        <p:txBody>
+          <a:bodyPr vert="horz" wrap="square" lIns="182828" tIns="146262" rIns="182828" bIns="146262" numCol="1" rtlCol="0" anchor="ctr" anchorCtr="0" compatLnSpc="1">
+            <a:prstTxWarp prst="textNoShape">
+              <a:avLst/>
+            </a:prstTxWarp>
+          </a:bodyPr>
+          <a:lstStyle/>
+          <a:p>
+            <a:pPr marL="0" marR="0" lvl="0" indent="0" algn="l" defTabSz="932114" rtl="0" eaLnBrk="1" fontAlgn="base" latinLnBrk="0" hangingPunct="1">
+              <a:lnSpc>
+                <a:spcPct val="100000"/>
+              </a:lnSpc>
+              <a:spcBef>
+                <a:spcPct val="0"/>
+              </a:spcBef>
+              <a:spcAft>
+                <a:spcPct val="0"/>
+              </a:spcAft>
+              <a:buClrTx/>
+              <a:buSzTx/>
+              <a:buFontTx/>
+              <a:buNone/>
+              <a:tabLst/>
+              <a:defRPr/>
+            </a:pPr>
+            <a:r>
+              <a:rPr kumimoji="0" lang="en-US" sz="1200" b="1" i="0" u="none" strike="noStrike" kern="1200" cap="none" spc="0" normalizeH="0" baseline="0" noProof="0" dirty="0">
+                <a:ln>
+                  <a:noFill/>
+                </a:ln>
+                <a:solidFill>
+                  <a:srgbClr val="505050"/>
+                </a:solidFill>
+                <a:effectLst/>
+                <a:uLnTx/>
+                <a:uFillTx/>
+                <a:latin typeface="Segoe UI Semilight"/>
+                <a:ea typeface="+mn-ea"/>
+                <a:cs typeface="+mn-cs"/>
+              </a:rPr>
+              <a:t>Web Pages</a:t>
+            </a:r>
+          </a:p>
+        </p:txBody>
+      </p:sp>
+      <p:sp>
+        <p:nvSpPr>
+          <p:cNvPr id="25" name="Rectangle 24">
+            <a:extLst>
+              <a:ext uri="{FF2B5EF4-FFF2-40B4-BE49-F238E27FC236}">
+                <a16:creationId xmlns:a16="http://schemas.microsoft.com/office/drawing/2014/main" id="{14673ABF-65C7-4855-A4D2-F277BF5900F0}"/>
+              </a:ext>
+            </a:extLst>
+          </p:cNvPr>
+          <p:cNvSpPr/>
+          <p:nvPr/>
+        </p:nvSpPr>
+        <p:spPr bwMode="auto">
+          <a:xfrm>
+            <a:off x="549020" y="3131506"/>
+            <a:ext cx="1737340" cy="307605"/>
+          </a:xfrm>
+          <a:prstGeom prst="rect">
+            <a:avLst/>
+          </a:prstGeom>
+          <a:solidFill>
+            <a:schemeClr val="accent5">
+              <a:lumMod val="20000"/>
+              <a:lumOff val="80000"/>
+            </a:schemeClr>
+          </a:solidFill>
+          <a:ln>
+            <a:solidFill>
+              <a:schemeClr val="accent5">
+                <a:lumMod val="60000"/>
+                <a:lumOff val="40000"/>
+              </a:schemeClr>
+            </a:solidFill>
+            <a:prstDash val="sysDash"/>
+            <a:headEnd type="none" w="med" len="med"/>
+            <a:tailEnd type="none" w="med" len="med"/>
+          </a:ln>
+        </p:spPr>
+        <p:style>
+          <a:lnRef idx="2">
+            <a:schemeClr val="accent1">
+              <a:shade val="50000"/>
+            </a:schemeClr>
+          </a:lnRef>
+          <a:fillRef idx="1">
+            <a:schemeClr val="accent1"/>
+          </a:fillRef>
+          <a:effectRef idx="0">
+            <a:schemeClr val="accent1"/>
+          </a:effectRef>
+          <a:fontRef idx="minor">
+            <a:schemeClr val="lt1"/>
+          </a:fontRef>
+        </p:style>
+        <p:txBody>
+          <a:bodyPr vert="horz" wrap="square" lIns="182828" tIns="146262" rIns="182828" bIns="146262" numCol="1" rtlCol="0" anchor="ctr" anchorCtr="0" compatLnSpc="1">
+            <a:prstTxWarp prst="textNoShape">
+              <a:avLst/>
+            </a:prstTxWarp>
+          </a:bodyPr>
+          <a:lstStyle/>
+          <a:p>
+            <a:pPr marL="0" marR="0" lvl="0" indent="0" algn="l" defTabSz="932114" rtl="0" eaLnBrk="1" fontAlgn="base" latinLnBrk="0" hangingPunct="1">
+              <a:lnSpc>
+                <a:spcPct val="100000"/>
+              </a:lnSpc>
+              <a:spcBef>
+                <a:spcPct val="0"/>
+              </a:spcBef>
+              <a:spcAft>
+                <a:spcPct val="0"/>
+              </a:spcAft>
+              <a:buClrTx/>
+              <a:buSzTx/>
+              <a:buFontTx/>
+              <a:buNone/>
+              <a:tabLst/>
+              <a:defRPr/>
+            </a:pPr>
+            <a:r>
+              <a:rPr kumimoji="0" lang="en-US" sz="1200" b="1" i="0" u="none" strike="noStrike" kern="1200" cap="none" spc="0" normalizeH="0" baseline="0" noProof="0" dirty="0">
+                <a:ln>
+                  <a:noFill/>
+                </a:ln>
+                <a:solidFill>
+                  <a:srgbClr val="505050"/>
+                </a:solidFill>
+                <a:effectLst/>
+                <a:uLnTx/>
+                <a:uFillTx/>
+                <a:latin typeface="Segoe UI Semilight"/>
+                <a:ea typeface="+mn-ea"/>
+                <a:cs typeface="+mn-cs"/>
+              </a:rPr>
+              <a:t>Web Forms</a:t>
             </a:r>
           </a:p>
         </p:txBody>
@@ -27015,7 +31306,7 @@
     </p:spTree>
     <p:extLst>
       <p:ext uri="{BB962C8B-B14F-4D97-AF65-F5344CB8AC3E}">
-        <p14:creationId xmlns:p14="http://schemas.microsoft.com/office/powerpoint/2010/main" val="4189216069"/>
+        <p14:creationId xmlns:p14="http://schemas.microsoft.com/office/powerpoint/2010/main" val="3248628129"/>
       </p:ext>
     </p:extLst>
   </p:cSld>
@@ -27034,6 +31325,163 @@
       </p:transition>
     </mc:Fallback>
   </mc:AlternateContent>
+  <p:timing>
+    <p:tnLst>
+      <p:par>
+        <p:cTn id="1" dur="indefinite" restart="never" nodeType="tmRoot">
+          <p:childTnLst>
+            <p:seq concurrent="1" nextAc="seek">
+              <p:cTn id="2" dur="indefinite" nodeType="mainSeq">
+                <p:childTnLst>
+                  <p:par>
+                    <p:cTn id="3" fill="hold">
+                      <p:stCondLst>
+                        <p:cond delay="indefinite"/>
+                      </p:stCondLst>
+                      <p:childTnLst>
+                        <p:par>
+                          <p:cTn id="4" fill="hold">
+                            <p:stCondLst>
+                              <p:cond delay="0"/>
+                            </p:stCondLst>
+                            <p:childTnLst>
+                              <p:par>
+                                <p:cTn id="5" presetID="1" presetClass="entr" presetSubtype="0" fill="hold" grpId="0" nodeType="clickEffect">
+                                  <p:stCondLst>
+                                    <p:cond delay="0"/>
+                                  </p:stCondLst>
+                                  <p:childTnLst>
+                                    <p:set>
+                                      <p:cBhvr>
+                                        <p:cTn id="6" dur="1" fill="hold">
+                                          <p:stCondLst>
+                                            <p:cond delay="0"/>
+                                          </p:stCondLst>
+                                        </p:cTn>
+                                        <p:tgtEl>
+                                          <p:spTgt spid="8">
+                                            <p:bg/>
+                                          </p:spTgt>
+                                        </p:tgtEl>
+                                        <p:attrNameLst>
+                                          <p:attrName>style.visibility</p:attrName>
+                                        </p:attrNameLst>
+                                      </p:cBhvr>
+                                      <p:to>
+                                        <p:strVal val="visible"/>
+                                      </p:to>
+                                    </p:set>
+                                  </p:childTnLst>
+                                </p:cTn>
+                              </p:par>
+                              <p:par>
+                                <p:cTn id="7" presetID="1" presetClass="entr" presetSubtype="0" fill="hold" grpId="0" nodeType="withEffect">
+                                  <p:stCondLst>
+                                    <p:cond delay="0"/>
+                                  </p:stCondLst>
+                                  <p:childTnLst>
+                                    <p:set>
+                                      <p:cBhvr>
+                                        <p:cTn id="8" dur="1" fill="hold">
+                                          <p:stCondLst>
+                                            <p:cond delay="0"/>
+                                          </p:stCondLst>
+                                        </p:cTn>
+                                        <p:tgtEl>
+                                          <p:spTgt spid="8">
+                                            <p:txEl>
+                                              <p:pRg st="0" end="0"/>
+                                            </p:txEl>
+                                          </p:spTgt>
+                                        </p:tgtEl>
+                                        <p:attrNameLst>
+                                          <p:attrName>style.visibility</p:attrName>
+                                        </p:attrNameLst>
+                                      </p:cBhvr>
+                                      <p:to>
+                                        <p:strVal val="visible"/>
+                                      </p:to>
+                                    </p:set>
+                                  </p:childTnLst>
+                                </p:cTn>
+                              </p:par>
+                            </p:childTnLst>
+                          </p:cTn>
+                        </p:par>
+                      </p:childTnLst>
+                    </p:cTn>
+                  </p:par>
+                  <p:par>
+                    <p:cTn id="9" fill="hold">
+                      <p:stCondLst>
+                        <p:cond delay="indefinite"/>
+                      </p:stCondLst>
+                      <p:childTnLst>
+                        <p:par>
+                          <p:cTn id="10" fill="hold">
+                            <p:stCondLst>
+                              <p:cond delay="0"/>
+                            </p:stCondLst>
+                            <p:childTnLst>
+                              <p:par>
+                                <p:cTn id="11" presetID="1" presetClass="entr" presetSubtype="0" fill="hold" grpId="0" nodeType="clickEffect">
+                                  <p:stCondLst>
+                                    <p:cond delay="0"/>
+                                  </p:stCondLst>
+                                  <p:childTnLst>
+                                    <p:set>
+                                      <p:cBhvr>
+                                        <p:cTn id="12" dur="1" fill="hold">
+                                          <p:stCondLst>
+                                            <p:cond delay="0"/>
+                                          </p:stCondLst>
+                                        </p:cTn>
+                                        <p:tgtEl>
+                                          <p:spTgt spid="10"/>
+                                        </p:tgtEl>
+                                        <p:attrNameLst>
+                                          <p:attrName>style.visibility</p:attrName>
+                                        </p:attrNameLst>
+                                      </p:cBhvr>
+                                      <p:to>
+                                        <p:strVal val="visible"/>
+                                      </p:to>
+                                    </p:set>
+                                  </p:childTnLst>
+                                </p:cTn>
+                              </p:par>
+                            </p:childTnLst>
+                          </p:cTn>
+                        </p:par>
+                      </p:childTnLst>
+                    </p:cTn>
+                  </p:par>
+                </p:childTnLst>
+              </p:cTn>
+              <p:prevCondLst>
+                <p:cond evt="onPrev" delay="0">
+                  <p:tgtEl>
+                    <p:sldTgt/>
+                  </p:tgtEl>
+                </p:cond>
+              </p:prevCondLst>
+              <p:nextCondLst>
+                <p:cond evt="onNext" delay="0">
+                  <p:tgtEl>
+                    <p:sldTgt/>
+                  </p:tgtEl>
+                </p:cond>
+              </p:nextCondLst>
+            </p:seq>
+          </p:childTnLst>
+        </p:cTn>
+      </p:par>
+    </p:tnLst>
+    <p:bldLst>
+      <p:bldP spid="8" grpId="0" build="allAtOnce" animBg="1"/>
+      <p:bldP spid="10" grpId="0" animBg="1"/>
+    </p:bldLst>
+  </p:timing>
 </p:sld>
 </file>
 
@@ -28409,18 +32857,18 @@
 </file>
 
 <file path=customXml/item1.xml><?xml version="1.0" encoding="utf-8"?>
+<p:properties xmlns:p="http://schemas.microsoft.com/office/2006/metadata/properties" xmlns:xsi="http://www.w3.org/2001/XMLSchema-instance" xmlns:pc="http://schemas.microsoft.com/office/infopath/2007/PartnerControls">
+  <documentManagement/>
+</p:properties>
+</file>
+
+<file path=customXml/item2.xml><?xml version="1.0" encoding="utf-8"?>
 <?mso-contentType ?>
 <FormTemplates xmlns="http://schemas.microsoft.com/sharepoint/v3/contenttype/forms">
   <Display>DocumentLibraryForm</Display>
   <Edit>DocumentLibraryForm</Edit>
   <New>DocumentLibraryForm</New>
 </FormTemplates>
-</file>
-
-<file path=customXml/item2.xml><?xml version="1.0" encoding="utf-8"?>
-<p:properties xmlns:p="http://schemas.microsoft.com/office/2006/metadata/properties" xmlns:xsi="http://www.w3.org/2001/XMLSchema-instance" xmlns:pc="http://schemas.microsoft.com/office/infopath/2007/PartnerControls">
-  <documentManagement/>
-</p:properties>
 </file>
 
 <file path=customXml/item3.xml><?xml version="1.0" encoding="utf-8"?>
@@ -28586,14 +33034,6 @@
 </file>
 
 <file path=customXml/itemProps1.xml><?xml version="1.0" encoding="utf-8"?>
-<ds:datastoreItem xmlns:ds="http://schemas.openxmlformats.org/officeDocument/2006/customXml" ds:itemID="{758FDAC0-319D-4A54-8D8E-1D42CB1F8004}">
-  <ds:schemaRefs>
-    <ds:schemaRef ds:uri="http://schemas.microsoft.com/sharepoint/v3/contenttype/forms"/>
-  </ds:schemaRefs>
-</ds:datastoreItem>
-</file>
-
-<file path=customXml/itemProps2.xml><?xml version="1.0" encoding="utf-8"?>
 <ds:datastoreItem xmlns:ds="http://schemas.openxmlformats.org/officeDocument/2006/customXml" ds:itemID="{F990F116-B58F-4255-B05B-DA3808E0E5C6}">
   <ds:schemaRefs>
     <ds:schemaRef ds:uri="http://purl.org/dc/terms/"/>
@@ -28605,6 +33045,14 @@
     <ds:schemaRef ds:uri="http://schemas.openxmlformats.org/package/2006/metadata/core-properties"/>
     <ds:schemaRef ds:uri="http://www.w3.org/XML/1998/namespace"/>
     <ds:schemaRef ds:uri="http://purl.org/dc/dcmitype/"/>
+  </ds:schemaRefs>
+</ds:datastoreItem>
+</file>
+
+<file path=customXml/itemProps2.xml><?xml version="1.0" encoding="utf-8"?>
+<ds:datastoreItem xmlns:ds="http://schemas.openxmlformats.org/officeDocument/2006/customXml" ds:itemID="{758FDAC0-319D-4A54-8D8E-1D42CB1F8004}">
+  <ds:schemaRefs>
+    <ds:schemaRef ds:uri="http://schemas.microsoft.com/sharepoint/v3/contenttype/forms"/>
   </ds:schemaRefs>
 </ds:datastoreItem>
 </file>

--- a/2-Web-Dev/netcore-workshop-webdev.pptx
+++ b/2-Web-Dev/netcore-workshop-webdev.pptx
@@ -208,10 +208,6 @@
 </p:cmAuthorLst>
 </file>
 
-<file path=ppt/revisionInfo.xml><?xml version="1.0" encoding="utf-8"?>
-<p1510:revInfo xmlns:a="http://schemas.openxmlformats.org/drawingml/2006/main" xmlns:r="http://schemas.openxmlformats.org/officeDocument/2006/relationships" xmlns:p1510="http://schemas.microsoft.com/office/powerpoint/2015/10/main"/>
-</file>
-
 <file path=ppt/handoutMasters/handoutMaster1.xml><?xml version="1.0" encoding="utf-8"?>
 <p:handoutMaster xmlns:a="http://schemas.openxmlformats.org/drawingml/2006/main" xmlns:r="http://schemas.openxmlformats.org/officeDocument/2006/relationships" xmlns:p="http://schemas.openxmlformats.org/presentationml/2006/main">
   <p:cSld>
@@ -301,7 +297,7 @@
               <a:rPr lang="en-US" smtClean="0">
                 <a:latin typeface="Segoe UI" pitchFamily="34" charset="0"/>
               </a:rPr>
-              <a:t>9/17/2017 10:21 PM</a:t>
+              <a:t>7/3/18 11:54 AM</a:t>
             </a:fld>
             <a:endParaRPr lang="en-US" dirty="0">
               <a:latin typeface="Segoe UI" pitchFamily="34" charset="0"/>
@@ -582,7 +578,7 @@
           <a:p>
             <a:fld id="{38EEC551-8CDA-4EB6-89BB-2A86C9F091C8}" type="datetime8">
               <a:rPr lang="en-US" smtClean="0"/>
-              <a:t>9/17/2017 10:20 PM</a:t>
+              <a:t>7/3/18 11:54 AM</a:t>
             </a:fld>
             <a:endParaRPr lang="en-US" dirty="0"/>
           </a:p>
@@ -999,7 +995,7 @@
           <a:p>
             <a:fld id="{38EEC551-8CDA-4EB6-89BB-2A86C9F091C8}" type="datetime8">
               <a:rPr lang="en-US" smtClean="0"/>
-              <a:t>9/17/2017 10:20 PM</a:t>
+              <a:t>7/3/18 11:54 AM</a:t>
             </a:fld>
             <a:endParaRPr lang="en-US" dirty="0"/>
           </a:p>
@@ -1324,7 +1320,7 @@
           <a:p>
             <a:fld id="{38EEC551-8CDA-4EB6-89BB-2A86C9F091C8}" type="datetime8">
               <a:rPr lang="en-US" smtClean="0"/>
-              <a:t>9/17/2017 10:21 PM</a:t>
+              <a:t>7/3/18 11:54 AM</a:t>
             </a:fld>
             <a:endParaRPr lang="en-US" dirty="0"/>
           </a:p>
@@ -1516,7 +1512,7 @@
           <a:p>
             <a:fld id="{38EEC551-8CDA-4EB6-89BB-2A86C9F091C8}" type="datetime8">
               <a:rPr lang="en-US" smtClean="0"/>
-              <a:t>9/17/2017 10:21 PM</a:t>
+              <a:t>7/3/18 11:54 AM</a:t>
             </a:fld>
             <a:endParaRPr lang="en-US" dirty="0"/>
           </a:p>
@@ -1704,7 +1700,7 @@
           <a:p>
             <a:fld id="{38EEC551-8CDA-4EB6-89BB-2A86C9F091C8}" type="datetime8">
               <a:rPr lang="en-US" smtClean="0"/>
-              <a:t>9/17/2017 10:21 PM</a:t>
+              <a:t>7/3/18 11:54 AM</a:t>
             </a:fld>
             <a:endParaRPr lang="en-US" dirty="0"/>
           </a:p>
@@ -1885,7 +1881,7 @@
           <a:p>
             <a:fld id="{38EEC551-8CDA-4EB6-89BB-2A86C9F091C8}" type="datetime8">
               <a:rPr lang="en-US" smtClean="0"/>
-              <a:t>9/17/2017 10:21 PM</a:t>
+              <a:t>7/3/18 11:54 AM</a:t>
             </a:fld>
             <a:endParaRPr lang="en-US" dirty="0"/>
           </a:p>
@@ -2070,7 +2066,7 @@
           <a:p>
             <a:fld id="{38EEC551-8CDA-4EB6-89BB-2A86C9F091C8}" type="datetime8">
               <a:rPr lang="en-US" smtClean="0"/>
-              <a:t>9/17/2017 10:21 PM</a:t>
+              <a:t>7/3/18 11:54 AM</a:t>
             </a:fld>
             <a:endParaRPr lang="en-US" dirty="0"/>
           </a:p>
@@ -2255,7 +2251,7 @@
           <a:p>
             <a:fld id="{38EEC551-8CDA-4EB6-89BB-2A86C9F091C8}" type="datetime8">
               <a:rPr lang="en-US" smtClean="0"/>
-              <a:t>9/17/2017 10:21 PM</a:t>
+              <a:t>7/3/18 11:54 AM</a:t>
             </a:fld>
             <a:endParaRPr lang="en-US" dirty="0"/>
           </a:p>
@@ -2440,7 +2436,7 @@
           <a:p>
             <a:fld id="{38EEC551-8CDA-4EB6-89BB-2A86C9F091C8}" type="datetime8">
               <a:rPr lang="en-US" smtClean="0"/>
-              <a:t>9/17/2017 10:21 PM</a:t>
+              <a:t>7/3/18 11:54 AM</a:t>
             </a:fld>
             <a:endParaRPr lang="en-US" dirty="0"/>
           </a:p>
@@ -2625,7 +2621,7 @@
           <a:p>
             <a:fld id="{38EEC551-8CDA-4EB6-89BB-2A86C9F091C8}" type="datetime8">
               <a:rPr lang="en-US" smtClean="0"/>
-              <a:t>9/17/2017 10:21 PM</a:t>
+              <a:t>7/3/18 11:54 AM</a:t>
             </a:fld>
             <a:endParaRPr lang="en-US" dirty="0"/>
           </a:p>
@@ -2810,7 +2806,7 @@
           <a:p>
             <a:fld id="{38EEC551-8CDA-4EB6-89BB-2A86C9F091C8}" type="datetime8">
               <a:rPr lang="en-US" smtClean="0"/>
-              <a:t>9/17/2017 10:21 PM</a:t>
+              <a:t>7/3/18 11:54 AM</a:t>
             </a:fld>
             <a:endParaRPr lang="en-US" dirty="0"/>
           </a:p>
@@ -2995,7 +2991,7 @@
           <a:p>
             <a:fld id="{38EEC551-8CDA-4EB6-89BB-2A86C9F091C8}" type="datetime8">
               <a:rPr lang="en-US" smtClean="0"/>
-              <a:t>9/17/2017 10:21 PM</a:t>
+              <a:t>7/3/18 11:54 AM</a:t>
             </a:fld>
             <a:endParaRPr lang="en-US" dirty="0"/>
           </a:p>
@@ -3180,7 +3176,7 @@
           <a:p>
             <a:fld id="{38EEC551-8CDA-4EB6-89BB-2A86C9F091C8}" type="datetime8">
               <a:rPr lang="en-US" smtClean="0"/>
-              <a:t>9/17/2017 10:21 PM</a:t>
+              <a:t>7/3/18 11:54 AM</a:t>
             </a:fld>
             <a:endParaRPr lang="en-US" dirty="0"/>
           </a:p>
@@ -3365,7 +3361,7 @@
           <a:p>
             <a:fld id="{38EEC551-8CDA-4EB6-89BB-2A86C9F091C8}" type="datetime8">
               <a:rPr lang="en-US" smtClean="0"/>
-              <a:t>9/17/2017 10:21 PM</a:t>
+              <a:t>7/3/18 11:54 AM</a:t>
             </a:fld>
             <a:endParaRPr lang="en-US" dirty="0"/>
           </a:p>
@@ -3550,7 +3546,7 @@
           <a:p>
             <a:fld id="{38EEC551-8CDA-4EB6-89BB-2A86C9F091C8}" type="datetime8">
               <a:rPr lang="en-US" smtClean="0"/>
-              <a:t>9/17/2017 10:21 PM</a:t>
+              <a:t>7/3/18 11:54 AM</a:t>
             </a:fld>
             <a:endParaRPr lang="en-US" dirty="0"/>
           </a:p>
@@ -3735,7 +3731,7 @@
           <a:p>
             <a:fld id="{38EEC551-8CDA-4EB6-89BB-2A86C9F091C8}" type="datetime8">
               <a:rPr lang="en-US" smtClean="0"/>
-              <a:t>9/17/2017 10:21 PM</a:t>
+              <a:t>7/3/18 11:54 AM</a:t>
             </a:fld>
             <a:endParaRPr lang="en-US" dirty="0"/>
           </a:p>
@@ -4038,7 +4034,7 @@
                 <a:tabLst/>
                 <a:defRPr/>
               </a:pPr>
-              <a:t>9/17/2017 10:21 PM</a:t>
+              <a:t>7/3/18 11:54 AM</a:t>
             </a:fld>
             <a:endParaRPr kumimoji="0" lang="en-US" sz="1200" b="0" i="0" u="none" strike="noStrike" kern="1200" cap="none" spc="0" normalizeH="0" baseline="0" noProof="0" dirty="0">
               <a:ln>
@@ -4413,7 +4409,7 @@
                 <a:tabLst/>
                 <a:defRPr/>
               </a:pPr>
-              <a:t>9/17/2017 10:21 PM</a:t>
+              <a:t>7/3/18 11:54 AM</a:t>
             </a:fld>
             <a:endParaRPr kumimoji="0" lang="en-US" sz="1200" b="0" i="0" u="none" strike="noStrike" kern="1200" cap="none" spc="0" normalizeH="0" baseline="0" noProof="0" dirty="0">
               <a:ln>
@@ -4788,7 +4784,7 @@
                 <a:tabLst/>
                 <a:defRPr/>
               </a:pPr>
-              <a:t>9/17/2017 10:21 PM</a:t>
+              <a:t>7/3/18 11:54 AM</a:t>
             </a:fld>
             <a:endParaRPr kumimoji="0" lang="en-US" sz="1200" b="0" i="0" u="none" strike="noStrike" kern="1200" cap="none" spc="0" normalizeH="0" baseline="0" noProof="0" dirty="0">
               <a:ln>
@@ -5163,7 +5159,7 @@
                 <a:tabLst/>
                 <a:defRPr/>
               </a:pPr>
-              <a:t>9/17/2017 10:21 PM</a:t>
+              <a:t>7/3/18 11:54 AM</a:t>
             </a:fld>
             <a:endParaRPr kumimoji="0" lang="en-US" sz="1200" b="0" i="0" u="none" strike="noStrike" kern="1200" cap="none" spc="0" normalizeH="0" baseline="0" noProof="0" dirty="0">
               <a:ln>
@@ -5420,7 +5416,7 @@
           <a:p>
             <a:fld id="{38EEC551-8CDA-4EB6-89BB-2A86C9F091C8}" type="datetime8">
               <a:rPr lang="en-US" smtClean="0"/>
-              <a:t>9/17/2017 10:21 PM</a:t>
+              <a:t>7/3/18 11:54 AM</a:t>
             </a:fld>
             <a:endParaRPr lang="en-US" dirty="0"/>
           </a:p>
@@ -5601,7 +5597,7 @@
           <a:p>
             <a:fld id="{38EEC551-8CDA-4EB6-89BB-2A86C9F091C8}" type="datetime8">
               <a:rPr lang="en-US" smtClean="0"/>
-              <a:t>9/17/2017 10:21 PM</a:t>
+              <a:t>7/3/18 11:54 AM</a:t>
             </a:fld>
             <a:endParaRPr lang="en-US" dirty="0"/>
           </a:p>
@@ -6074,7 +6070,7 @@
           <a:p>
             <a:fld id="{38EEC551-8CDA-4EB6-89BB-2A86C9F091C8}" type="datetime8">
               <a:rPr lang="en-US" smtClean="0"/>
-              <a:t>9/17/2017 10:21 PM</a:t>
+              <a:t>7/3/18 11:54 AM</a:t>
             </a:fld>
             <a:endParaRPr lang="en-US" dirty="0"/>
           </a:p>
@@ -6259,7 +6255,7 @@
           <a:p>
             <a:fld id="{38EEC551-8CDA-4EB6-89BB-2A86C9F091C8}" type="datetime8">
               <a:rPr lang="en-US" smtClean="0"/>
-              <a:t>9/17/2017 10:21 PM</a:t>
+              <a:t>7/3/18 11:54 AM</a:t>
             </a:fld>
             <a:endParaRPr lang="en-US" dirty="0"/>
           </a:p>
@@ -27591,8 +27587,13 @@
             <a:pPr lvl="1"/>
             <a:r>
               <a:rPr lang="en-US" dirty="0"/>
-              <a:t>Razor Pages, MVC, Identity, SignalR (alpha release)</a:t>
-            </a:r>
+              <a:t>Razor Pages, MVC, Identity, </a:t>
+            </a:r>
+            <a:r>
+              <a:rPr lang="en-US" dirty="0" err="1"/>
+              <a:t>SignalR</a:t>
+            </a:r>
+            <a:endParaRPr lang="en-US" dirty="0"/>
           </a:p>
         </p:txBody>
       </p:sp>
@@ -32857,18 +32858,18 @@
 </file>
 
 <file path=customXml/item1.xml><?xml version="1.0" encoding="utf-8"?>
-<p:properties xmlns:p="http://schemas.microsoft.com/office/2006/metadata/properties" xmlns:xsi="http://www.w3.org/2001/XMLSchema-instance" xmlns:pc="http://schemas.microsoft.com/office/infopath/2007/PartnerControls">
-  <documentManagement/>
-</p:properties>
-</file>
-
-<file path=customXml/item2.xml><?xml version="1.0" encoding="utf-8"?>
 <?mso-contentType ?>
 <FormTemplates xmlns="http://schemas.microsoft.com/sharepoint/v3/contenttype/forms">
   <Display>DocumentLibraryForm</Display>
   <Edit>DocumentLibraryForm</Edit>
   <New>DocumentLibraryForm</New>
 </FormTemplates>
+</file>
+
+<file path=customXml/item2.xml><?xml version="1.0" encoding="utf-8"?>
+<p:properties xmlns:p="http://schemas.microsoft.com/office/2006/metadata/properties" xmlns:xsi="http://www.w3.org/2001/XMLSchema-instance" xmlns:pc="http://schemas.microsoft.com/office/infopath/2007/PartnerControls">
+  <documentManagement/>
+</p:properties>
 </file>
 
 <file path=customXml/item3.xml><?xml version="1.0" encoding="utf-8"?>
@@ -33034,6 +33035,14 @@
 </file>
 
 <file path=customXml/itemProps1.xml><?xml version="1.0" encoding="utf-8"?>
+<ds:datastoreItem xmlns:ds="http://schemas.openxmlformats.org/officeDocument/2006/customXml" ds:itemID="{758FDAC0-319D-4A54-8D8E-1D42CB1F8004}">
+  <ds:schemaRefs>
+    <ds:schemaRef ds:uri="http://schemas.microsoft.com/sharepoint/v3/contenttype/forms"/>
+  </ds:schemaRefs>
+</ds:datastoreItem>
+</file>
+
+<file path=customXml/itemProps2.xml><?xml version="1.0" encoding="utf-8"?>
 <ds:datastoreItem xmlns:ds="http://schemas.openxmlformats.org/officeDocument/2006/customXml" ds:itemID="{F990F116-B58F-4255-B05B-DA3808E0E5C6}">
   <ds:schemaRefs>
     <ds:schemaRef ds:uri="http://purl.org/dc/terms/"/>
@@ -33045,14 +33054,6 @@
     <ds:schemaRef ds:uri="http://schemas.openxmlformats.org/package/2006/metadata/core-properties"/>
     <ds:schemaRef ds:uri="http://www.w3.org/XML/1998/namespace"/>
     <ds:schemaRef ds:uri="http://purl.org/dc/dcmitype/"/>
-  </ds:schemaRefs>
-</ds:datastoreItem>
-</file>
-
-<file path=customXml/itemProps2.xml><?xml version="1.0" encoding="utf-8"?>
-<ds:datastoreItem xmlns:ds="http://schemas.openxmlformats.org/officeDocument/2006/customXml" ds:itemID="{758FDAC0-319D-4A54-8D8E-1D42CB1F8004}">
-  <ds:schemaRefs>
-    <ds:schemaRef ds:uri="http://schemas.microsoft.com/sharepoint/v3/contenttype/forms"/>
   </ds:schemaRefs>
 </ds:datastoreItem>
 </file>
